--- a/doc/Poster.pptx
+++ b/doc/Poster.pptx
@@ -107,6 +107,11 @@
       </a:defRPr>
     </a:lvl9pPr>
   </p:defaultTextStyle>
+  <p:extLst>
+    <p:ext uri="{EFAFB233-063F-42B5-8137-9DF3F51BA10A}">
+      <p15:sldGuideLst xmlns:p15="http://schemas.microsoft.com/office/powerpoint/2012/main"/>
+    </p:ext>
+  </p:extLst>
 </p:presentation>
 </file>
 
@@ -3396,10 +3401,7 @@
     <p:bg>
       <p:bgPr>
         <a:solidFill>
-          <a:schemeClr val="accent5">
-            <a:lumMod val="40000"/>
-            <a:lumOff val="60000"/>
-          </a:schemeClr>
+          <a:schemeClr val="bg2"/>
         </a:solidFill>
         <a:effectLst/>
       </p:bgPr>
@@ -3432,7 +3434,7 @@
         </p:nvSpPr>
         <p:spPr>
           <a:xfrm>
-            <a:off x="-6748" y="5969001"/>
+            <a:off x="-4857" y="6062903"/>
             <a:ext cx="9144000" cy="888999"/>
           </a:xfrm>
           <a:prstGeom prst="rect">
@@ -3484,7 +3486,7 @@
         </p:nvSpPr>
         <p:spPr>
           <a:xfrm>
-            <a:off x="3471901" y="927182"/>
+            <a:off x="3471901" y="900152"/>
             <a:ext cx="3033856" cy="2149354"/>
           </a:xfrm>
           <a:prstGeom prst="roundRect">
@@ -3535,7 +3537,7 @@
         </p:nvSpPr>
         <p:spPr>
           <a:xfrm>
-            <a:off x="3466078" y="3128123"/>
+            <a:off x="3482804" y="3126615"/>
             <a:ext cx="5570861" cy="2713687"/>
           </a:xfrm>
           <a:prstGeom prst="roundRect">
@@ -3586,8 +3588,8 @@
         </p:nvSpPr>
         <p:spPr>
           <a:xfrm>
-            <a:off x="28878" y="3128122"/>
-            <a:ext cx="3392469" cy="2731291"/>
+            <a:off x="50092" y="3128124"/>
+            <a:ext cx="3392469" cy="2731290"/>
           </a:xfrm>
           <a:prstGeom prst="roundRect">
             <a:avLst/>
@@ -3637,8 +3639,8 @@
         </p:nvSpPr>
         <p:spPr>
           <a:xfrm>
-            <a:off x="6552136" y="918376"/>
-            <a:ext cx="2482346" cy="2173739"/>
+            <a:off x="6552136" y="906251"/>
+            <a:ext cx="2482346" cy="2139048"/>
           </a:xfrm>
           <a:prstGeom prst="roundRect">
             <a:avLst/>
@@ -3711,9 +3713,8 @@
           <a:gradFill flip="none" rotWithShape="1">
             <a:gsLst>
               <a:gs pos="0">
-                <a:schemeClr val="accent6">
-                  <a:lumMod val="20000"/>
-                  <a:lumOff val="80000"/>
+                <a:schemeClr val="bg2">
+                  <a:lumMod val="75000"/>
                 </a:schemeClr>
               </a:gs>
               <a:gs pos="59000">
@@ -3774,7 +3775,7 @@
         </p:nvSpPr>
         <p:spPr>
           <a:xfrm>
-            <a:off x="90335" y="3393226"/>
+            <a:off x="90335" y="3514735"/>
             <a:ext cx="2107890" cy="272415"/>
           </a:xfrm>
           <a:prstGeom prst="roundRect">
@@ -3886,8 +3887,8 @@
         </p:nvSpPr>
         <p:spPr>
           <a:xfrm>
-            <a:off x="1298103" y="144117"/>
-            <a:ext cx="6411876" cy="369332"/>
+            <a:off x="90335" y="36196"/>
+            <a:ext cx="8083789" cy="369332"/>
           </a:xfrm>
           <a:prstGeom prst="rect">
             <a:avLst/>
@@ -3902,8 +3903,8 @@
           <a:p>
             <a:pPr algn="ctr"/>
             <a:r>
-              <a:rPr lang="en-US" b="1" cap="all" dirty="0"/>
-              <a:t>OPTICHILL – PREDICTING THE EFFICIENCY OF A CHILLER PLANT</a:t>
+              <a:rPr lang="en-US" b="1" dirty="0"/>
+              <a:t>OPTICHILL –  DATA SCIENCE TOOL FOR PREDICTION OF CHILLER PLANT EFFICIENCY</a:t>
             </a:r>
           </a:p>
         </p:txBody>
@@ -3922,8 +3923,8 @@
         </p:nvSpPr>
         <p:spPr>
           <a:xfrm>
-            <a:off x="2659556" y="451718"/>
-            <a:ext cx="3416480" cy="447943"/>
+            <a:off x="33774" y="291076"/>
+            <a:ext cx="8545268" cy="507831"/>
           </a:xfrm>
           <a:prstGeom prst="rect">
             <a:avLst/>
@@ -3936,17 +3937,58 @@
           </a:bodyPr>
           <a:lstStyle/>
           <a:p>
-            <a:r>
-              <a:rPr lang="en-US" sz="1200" dirty="0">
+            <a:pPr algn="ctr"/>
+            <a:r>
+              <a:rPr lang="en-US" sz="1100" dirty="0">
                 <a:latin typeface="Helvetica" pitchFamily="2" charset="0"/>
               </a:rPr>
-              <a:t>Theodore Cohen, Caitlin Parke, Maitri Uppaluri</a:t>
-            </a:r>
-          </a:p>
-          <a:p>
-            <a:endParaRPr lang="en-US" sz="1111" dirty="0">
+              <a:t>Theodore Cohen</a:t>
+            </a:r>
+            <a:r>
+              <a:rPr lang="en-US" sz="1100" baseline="30000" dirty="0">
+                <a:latin typeface="Helvetica" pitchFamily="2" charset="0"/>
+              </a:rPr>
+              <a:t>1, 2, 3</a:t>
+            </a:r>
+            <a:r>
+              <a:rPr lang="en-US" sz="1100" dirty="0">
+                <a:latin typeface="Helvetica" pitchFamily="2" charset="0"/>
+              </a:rPr>
+              <a:t>, Caitlin Parke</a:t>
+            </a:r>
+            <a:r>
+              <a:rPr lang="en-US" sz="1100" baseline="30000" dirty="0">
+                <a:latin typeface="Helvetica" pitchFamily="2" charset="0"/>
+              </a:rPr>
+              <a:t>4</a:t>
+            </a:r>
+            <a:r>
+              <a:rPr lang="en-US" sz="1100" dirty="0">
+                <a:latin typeface="Helvetica" pitchFamily="2" charset="0"/>
+              </a:rPr>
+              <a:t>, Maitri Uppaluri</a:t>
+            </a:r>
+            <a:r>
+              <a:rPr lang="en-US" sz="1100" baseline="30000" dirty="0">
+                <a:latin typeface="Helvetica" pitchFamily="2" charset="0"/>
+              </a:rPr>
+              <a:t>4</a:t>
+            </a:r>
+          </a:p>
+          <a:p>
+            <a:pPr algn="ctr"/>
+            <a:endParaRPr lang="en-US" sz="800" dirty="0">
               <a:latin typeface="Helvetica" pitchFamily="2" charset="0"/>
             </a:endParaRPr>
+          </a:p>
+          <a:p>
+            <a:pPr algn="ctr"/>
+            <a:r>
+              <a:rPr lang="en-US" sz="800" dirty="0">
+                <a:latin typeface="Helvetica" pitchFamily="2" charset="0"/>
+              </a:rPr>
+              <a:t>1. Department of Chemistry 2. Department of Material Science and Engineering 3. Molecular Engineering and Science Department 4. Department of Chemical Engineering</a:t>
+            </a:r>
           </a:p>
         </p:txBody>
       </p:sp>
@@ -3973,9 +4015,8 @@
           <a:gradFill flip="none" rotWithShape="1">
             <a:gsLst>
               <a:gs pos="0">
-                <a:schemeClr val="accent6">
-                  <a:lumMod val="40000"/>
-                  <a:lumOff val="60000"/>
+                <a:schemeClr val="bg2">
+                  <a:lumMod val="75000"/>
                 </a:schemeClr>
               </a:gs>
               <a:gs pos="59000">
@@ -4079,7 +4120,7 @@
         </p:blipFill>
         <p:spPr bwMode="auto">
           <a:xfrm>
-            <a:off x="3595231" y="6020588"/>
+            <a:off x="4419795" y="6032434"/>
             <a:ext cx="772565" cy="736018"/>
           </a:xfrm>
           <a:prstGeom prst="rect">
@@ -4111,8 +4152,8 @@
         </p:nvSpPr>
         <p:spPr>
           <a:xfrm>
-            <a:off x="50092" y="936424"/>
-            <a:ext cx="3375430" cy="2124723"/>
+            <a:off x="50092" y="899662"/>
+            <a:ext cx="3375430" cy="2161486"/>
           </a:xfrm>
           <a:prstGeom prst="roundRect">
             <a:avLst/>
@@ -4162,7 +4203,7 @@
         </p:nvSpPr>
         <p:spPr>
           <a:xfrm>
-            <a:off x="134112" y="1200983"/>
+            <a:off x="134112" y="1287097"/>
             <a:ext cx="2064113" cy="272415"/>
           </a:xfrm>
           <a:prstGeom prst="roundRect">
@@ -4220,7 +4261,7 @@
         </p:nvSpPr>
         <p:spPr>
           <a:xfrm>
-            <a:off x="1016356" y="3172022"/>
+            <a:off x="883984" y="3177300"/>
             <a:ext cx="1707645" cy="306467"/>
           </a:xfrm>
           <a:prstGeom prst="roundRect">
@@ -4281,7 +4322,7 @@
         </p:nvSpPr>
         <p:spPr>
           <a:xfrm>
-            <a:off x="1049799" y="985134"/>
+            <a:off x="892886" y="954350"/>
             <a:ext cx="1706880" cy="306467"/>
           </a:xfrm>
           <a:prstGeom prst="roundRect">
@@ -4342,7 +4383,7 @@
         </p:nvSpPr>
         <p:spPr>
           <a:xfrm>
-            <a:off x="5246372" y="3189126"/>
+            <a:off x="5263098" y="3172191"/>
             <a:ext cx="2010271" cy="306467"/>
           </a:xfrm>
           <a:prstGeom prst="roundRect">
@@ -4411,7 +4452,7 @@
         </p:blipFill>
         <p:spPr>
           <a:xfrm>
-            <a:off x="77590" y="5927530"/>
+            <a:off x="4857" y="5926390"/>
             <a:ext cx="2654699" cy="948107"/>
           </a:xfrm>
           <a:prstGeom prst="rect">
@@ -4534,7 +4575,7 @@
         </p:nvSpPr>
         <p:spPr>
           <a:xfrm>
-            <a:off x="3726149" y="987540"/>
+            <a:off x="3742874" y="949741"/>
             <a:ext cx="2525360" cy="306467"/>
           </a:xfrm>
           <a:prstGeom prst="roundRect">
@@ -4576,7 +4617,7 @@
                   <a:schemeClr val="bg1"/>
                 </a:solidFill>
               </a:rPr>
-              <a:t>GRADIENT BOOSTED MACHINES</a:t>
+              <a:t>GRADIENT BOOSTING MACHINES</a:t>
             </a:r>
           </a:p>
         </p:txBody>
@@ -4595,7 +4636,7 @@
         </p:nvSpPr>
         <p:spPr>
           <a:xfrm>
-            <a:off x="6788173" y="994981"/>
+            <a:off x="6788173" y="945810"/>
             <a:ext cx="2010271" cy="306467"/>
           </a:xfrm>
           <a:prstGeom prst="roundRect">
@@ -4642,6 +4683,139 @@
           </a:p>
         </p:txBody>
       </p:sp>
+      <p:sp>
+        <p:nvSpPr>
+          <p:cNvPr id="102" name="TextBox 101">
+            <a:extLst>
+              <a:ext uri="{FF2B5EF4-FFF2-40B4-BE49-F238E27FC236}">
+                <a16:creationId xmlns:a16="http://schemas.microsoft.com/office/drawing/2014/main" id="{B26F97C2-EB42-4CB2-8711-F5EEA8FC65A2}"/>
+              </a:ext>
+            </a:extLst>
+          </p:cNvPr>
+          <p:cNvSpPr txBox="1"/>
+          <p:nvPr/>
+        </p:nvSpPr>
+        <p:spPr>
+          <a:xfrm>
+            <a:off x="3571585" y="3537533"/>
+            <a:ext cx="1469647" cy="272415"/>
+          </a:xfrm>
+          <a:prstGeom prst="roundRect">
+            <a:avLst/>
+          </a:prstGeom>
+          <a:solidFill>
+            <a:schemeClr val="accent6">
+              <a:lumMod val="60000"/>
+              <a:lumOff val="40000"/>
+            </a:schemeClr>
+          </a:solidFill>
+          <a:ln>
+            <a:noFill/>
+          </a:ln>
+        </p:spPr>
+        <p:txBody>
+          <a:bodyPr wrap="square" rtlCol="0">
+            <a:spAutoFit/>
+          </a:bodyPr>
+          <a:lstStyle/>
+          <a:p>
+            <a:r>
+              <a:rPr lang="en-US" sz="1000" dirty="0"/>
+              <a:t>OVERALL</a:t>
+            </a:r>
+          </a:p>
+        </p:txBody>
+      </p:sp>
+      <p:sp>
+        <p:nvSpPr>
+          <p:cNvPr id="103" name="TextBox 102">
+            <a:extLst>
+              <a:ext uri="{FF2B5EF4-FFF2-40B4-BE49-F238E27FC236}">
+                <a16:creationId xmlns:a16="http://schemas.microsoft.com/office/drawing/2014/main" id="{35CE5299-3ECB-4491-8998-458090C4BAE5}"/>
+              </a:ext>
+            </a:extLst>
+          </p:cNvPr>
+          <p:cNvSpPr txBox="1"/>
+          <p:nvPr/>
+        </p:nvSpPr>
+        <p:spPr>
+          <a:xfrm>
+            <a:off x="5263098" y="3533187"/>
+            <a:ext cx="3632965" cy="272415"/>
+          </a:xfrm>
+          <a:prstGeom prst="roundRect">
+            <a:avLst/>
+          </a:prstGeom>
+          <a:solidFill>
+            <a:schemeClr val="accent6">
+              <a:lumMod val="60000"/>
+              <a:lumOff val="40000"/>
+            </a:schemeClr>
+          </a:solidFill>
+          <a:ln>
+            <a:noFill/>
+          </a:ln>
+        </p:spPr>
+        <p:txBody>
+          <a:bodyPr wrap="square" rtlCol="0">
+            <a:spAutoFit/>
+          </a:bodyPr>
+          <a:lstStyle/>
+          <a:p>
+            <a:r>
+              <a:rPr lang="en-US" sz="1000" dirty="0"/>
+              <a:t>TRAININNG ACROSS DIFFERENT SEASONS</a:t>
+            </a:r>
+          </a:p>
+        </p:txBody>
+      </p:sp>
+      <p:pic>
+        <p:nvPicPr>
+          <p:cNvPr id="106" name="Picture 12" descr="Image result for Clean Energy Institute">
+            <a:extLst>
+              <a:ext uri="{FF2B5EF4-FFF2-40B4-BE49-F238E27FC236}">
+                <a16:creationId xmlns:a16="http://schemas.microsoft.com/office/drawing/2014/main" id="{96A1E10F-6AB1-4C6E-BA20-6DC9F260F3EE}"/>
+              </a:ext>
+            </a:extLst>
+          </p:cNvPr>
+          <p:cNvPicPr>
+            <a:picLocks noChangeAspect="1" noChangeArrowheads="1"/>
+          </p:cNvPicPr>
+          <p:nvPr/>
+        </p:nvPicPr>
+        <p:blipFill>
+          <a:blip r:embed="rId6">
+            <a:extLst>
+              <a:ext uri="{28A0092B-C50C-407E-A947-70E740481C1C}">
+                <a14:useLocalDpi xmlns:a14="http://schemas.microsoft.com/office/drawing/2010/main" val="0"/>
+              </a:ext>
+            </a:extLst>
+          </a:blip>
+          <a:srcRect/>
+          <a:stretch>
+            <a:fillRect/>
+          </a:stretch>
+        </p:blipFill>
+        <p:spPr bwMode="auto">
+          <a:xfrm>
+            <a:off x="2241503" y="6108566"/>
+            <a:ext cx="2096421" cy="609868"/>
+          </a:xfrm>
+          <a:prstGeom prst="rect">
+            <a:avLst/>
+          </a:prstGeom>
+          <a:noFill/>
+          <a:extLst>
+            <a:ext uri="{909E8E84-426E-40DD-AFC4-6F175D3DCCD1}">
+              <a14:hiddenFill xmlns:a14="http://schemas.microsoft.com/office/drawing/2010/main">
+                <a:solidFill>
+                  <a:srgbClr val="FFFFFF"/>
+                </a:solidFill>
+              </a14:hiddenFill>
+            </a:ext>
+          </a:extLst>
+        </p:spPr>
+      </p:pic>
     </p:spTree>
     <p:extLst>
       <p:ext uri="{BB962C8B-B14F-4D97-AF65-F5344CB8AC3E}">

--- a/doc/Poster.pptx
+++ b/doc/Poster.pptx
@@ -2,7 +2,7 @@
 <file path=ppt/presentation.xml><?xml version="1.0" encoding="utf-8"?>
 <p:presentation xmlns:a="http://schemas.openxmlformats.org/drawingml/2006/main" xmlns:r="http://schemas.openxmlformats.org/officeDocument/2006/relationships" xmlns:p="http://schemas.openxmlformats.org/presentationml/2006/main" saveSubsetFonts="1">
   <p:sldMasterIdLst>
-    <p:sldMasterId id="2147483660" r:id="rId1"/>
+    <p:sldMasterId id="2147483672" r:id="rId1"/>
   </p:sldMasterIdLst>
   <p:notesMasterIdLst>
     <p:notesMasterId r:id="rId3"/>
@@ -10,7 +10,7 @@
   <p:sldIdLst>
     <p:sldId id="257" r:id="rId2"/>
   </p:sldIdLst>
-  <p:sldSz cx="9144000" cy="6858000" type="screen4x3"/>
+  <p:sldSz cx="43891200" cy="32918400"/>
   <p:notesSz cx="6858000" cy="9144000"/>
   <p:defaultTextStyle>
     <a:defPPr>
@@ -197,7 +197,7 @@
           <a:p>
             <a:fld id="{5F81FB17-81F2-48DD-BDDC-6976AC46608F}" type="datetimeFigureOut">
               <a:rPr lang="en-US" smtClean="0"/>
-              <a:t>6/19/2018</a:t>
+              <a:t>6/24/2018</a:t>
             </a:fld>
             <a:endParaRPr lang="en-US"/>
           </a:p>
@@ -370,8 +370,8 @@
   </p:cSld>
   <p:clrMap bg1="lt1" tx1="dk1" bg2="lt2" tx2="dk2" accent1="accent1" accent2="accent2" accent3="accent3" accent4="accent4" accent5="accent5" accent6="accent6" hlink="hlink" folHlink="folHlink"/>
   <p:notesStyle>
-    <a:lvl1pPr marL="0" algn="l" defTabSz="914400" rtl="0" eaLnBrk="1" latinLnBrk="0" hangingPunct="1">
-      <a:defRPr sz="1200" kern="1200">
+    <a:lvl1pPr marL="0" algn="l" defTabSz="4389120" rtl="0" eaLnBrk="1" latinLnBrk="0" hangingPunct="1">
+      <a:defRPr sz="5760" kern="1200">
         <a:solidFill>
           <a:schemeClr val="tx1"/>
         </a:solidFill>
@@ -380,8 +380,8 @@
         <a:cs typeface="+mn-cs"/>
       </a:defRPr>
     </a:lvl1pPr>
-    <a:lvl2pPr marL="457200" algn="l" defTabSz="914400" rtl="0" eaLnBrk="1" latinLnBrk="0" hangingPunct="1">
-      <a:defRPr sz="1200" kern="1200">
+    <a:lvl2pPr marL="2194560" algn="l" defTabSz="4389120" rtl="0" eaLnBrk="1" latinLnBrk="0" hangingPunct="1">
+      <a:defRPr sz="5760" kern="1200">
         <a:solidFill>
           <a:schemeClr val="tx1"/>
         </a:solidFill>
@@ -390,8 +390,8 @@
         <a:cs typeface="+mn-cs"/>
       </a:defRPr>
     </a:lvl2pPr>
-    <a:lvl3pPr marL="914400" algn="l" defTabSz="914400" rtl="0" eaLnBrk="1" latinLnBrk="0" hangingPunct="1">
-      <a:defRPr sz="1200" kern="1200">
+    <a:lvl3pPr marL="4389120" algn="l" defTabSz="4389120" rtl="0" eaLnBrk="1" latinLnBrk="0" hangingPunct="1">
+      <a:defRPr sz="5760" kern="1200">
         <a:solidFill>
           <a:schemeClr val="tx1"/>
         </a:solidFill>
@@ -400,8 +400,8 @@
         <a:cs typeface="+mn-cs"/>
       </a:defRPr>
     </a:lvl3pPr>
-    <a:lvl4pPr marL="1371600" algn="l" defTabSz="914400" rtl="0" eaLnBrk="1" latinLnBrk="0" hangingPunct="1">
-      <a:defRPr sz="1200" kern="1200">
+    <a:lvl4pPr marL="6583680" algn="l" defTabSz="4389120" rtl="0" eaLnBrk="1" latinLnBrk="0" hangingPunct="1">
+      <a:defRPr sz="5760" kern="1200">
         <a:solidFill>
           <a:schemeClr val="tx1"/>
         </a:solidFill>
@@ -410,8 +410,8 @@
         <a:cs typeface="+mn-cs"/>
       </a:defRPr>
     </a:lvl4pPr>
-    <a:lvl5pPr marL="1828800" algn="l" defTabSz="914400" rtl="0" eaLnBrk="1" latinLnBrk="0" hangingPunct="1">
-      <a:defRPr sz="1200" kern="1200">
+    <a:lvl5pPr marL="8778240" algn="l" defTabSz="4389120" rtl="0" eaLnBrk="1" latinLnBrk="0" hangingPunct="1">
+      <a:defRPr sz="5760" kern="1200">
         <a:solidFill>
           <a:schemeClr val="tx1"/>
         </a:solidFill>
@@ -420,8 +420,8 @@
         <a:cs typeface="+mn-cs"/>
       </a:defRPr>
     </a:lvl5pPr>
-    <a:lvl6pPr marL="2286000" algn="l" defTabSz="914400" rtl="0" eaLnBrk="1" latinLnBrk="0" hangingPunct="1">
-      <a:defRPr sz="1200" kern="1200">
+    <a:lvl6pPr marL="10972800" algn="l" defTabSz="4389120" rtl="0" eaLnBrk="1" latinLnBrk="0" hangingPunct="1">
+      <a:defRPr sz="5760" kern="1200">
         <a:solidFill>
           <a:schemeClr val="tx1"/>
         </a:solidFill>
@@ -430,8 +430,8 @@
         <a:cs typeface="+mn-cs"/>
       </a:defRPr>
     </a:lvl6pPr>
-    <a:lvl7pPr marL="2743200" algn="l" defTabSz="914400" rtl="0" eaLnBrk="1" latinLnBrk="0" hangingPunct="1">
-      <a:defRPr sz="1200" kern="1200">
+    <a:lvl7pPr marL="13167360" algn="l" defTabSz="4389120" rtl="0" eaLnBrk="1" latinLnBrk="0" hangingPunct="1">
+      <a:defRPr sz="5760" kern="1200">
         <a:solidFill>
           <a:schemeClr val="tx1"/>
         </a:solidFill>
@@ -440,8 +440,8 @@
         <a:cs typeface="+mn-cs"/>
       </a:defRPr>
     </a:lvl7pPr>
-    <a:lvl8pPr marL="3200400" algn="l" defTabSz="914400" rtl="0" eaLnBrk="1" latinLnBrk="0" hangingPunct="1">
-      <a:defRPr sz="1200" kern="1200">
+    <a:lvl8pPr marL="15361920" algn="l" defTabSz="4389120" rtl="0" eaLnBrk="1" latinLnBrk="0" hangingPunct="1">
+      <a:defRPr sz="5760" kern="1200">
         <a:solidFill>
           <a:schemeClr val="tx1"/>
         </a:solidFill>
@@ -450,8 +450,8 @@
         <a:cs typeface="+mn-cs"/>
       </a:defRPr>
     </a:lvl8pPr>
-    <a:lvl9pPr marL="3657600" algn="l" defTabSz="914400" rtl="0" eaLnBrk="1" latinLnBrk="0" hangingPunct="1">
-      <a:defRPr sz="1200" kern="1200">
+    <a:lvl9pPr marL="17556480" algn="l" defTabSz="4389120" rtl="0" eaLnBrk="1" latinLnBrk="0" hangingPunct="1">
+      <a:defRPr sz="5760" kern="1200">
         <a:solidFill>
           <a:schemeClr val="tx1"/>
         </a:solidFill>
@@ -582,15 +582,15 @@
         </p:nvSpPr>
         <p:spPr>
           <a:xfrm>
-            <a:off x="685800" y="1122363"/>
-            <a:ext cx="7772400" cy="2387600"/>
+            <a:off x="3291840" y="5387342"/>
+            <a:ext cx="37307520" cy="11460480"/>
           </a:xfrm>
         </p:spPr>
         <p:txBody>
           <a:bodyPr anchor="b"/>
           <a:lstStyle>
             <a:lvl1pPr algn="ctr">
-              <a:defRPr sz="6000"/>
+              <a:defRPr sz="28800"/>
             </a:lvl1pPr>
           </a:lstStyle>
           <a:p>
@@ -614,8 +614,8 @@
         </p:nvSpPr>
         <p:spPr>
           <a:xfrm>
-            <a:off x="1143000" y="3602038"/>
-            <a:ext cx="6858000" cy="1655762"/>
+            <a:off x="5486400" y="17289782"/>
+            <a:ext cx="32918400" cy="7947658"/>
           </a:xfrm>
         </p:spPr>
         <p:txBody>
@@ -623,39 +623,39 @@
           <a:lstStyle>
             <a:lvl1pPr marL="0" indent="0" algn="ctr">
               <a:buNone/>
-              <a:defRPr sz="2400"/>
+              <a:defRPr sz="11520"/>
             </a:lvl1pPr>
-            <a:lvl2pPr marL="457200" indent="0" algn="ctr">
-              <a:buNone/>
-              <a:defRPr sz="2000"/>
+            <a:lvl2pPr marL="2194560" indent="0" algn="ctr">
+              <a:buNone/>
+              <a:defRPr sz="9600"/>
             </a:lvl2pPr>
-            <a:lvl3pPr marL="914400" indent="0" algn="ctr">
-              <a:buNone/>
-              <a:defRPr sz="1800"/>
+            <a:lvl3pPr marL="4389120" indent="0" algn="ctr">
+              <a:buNone/>
+              <a:defRPr sz="8640"/>
             </a:lvl3pPr>
-            <a:lvl4pPr marL="1371600" indent="0" algn="ctr">
-              <a:buNone/>
-              <a:defRPr sz="1600"/>
+            <a:lvl4pPr marL="6583680" indent="0" algn="ctr">
+              <a:buNone/>
+              <a:defRPr sz="7680"/>
             </a:lvl4pPr>
-            <a:lvl5pPr marL="1828800" indent="0" algn="ctr">
-              <a:buNone/>
-              <a:defRPr sz="1600"/>
+            <a:lvl5pPr marL="8778240" indent="0" algn="ctr">
+              <a:buNone/>
+              <a:defRPr sz="7680"/>
             </a:lvl5pPr>
-            <a:lvl6pPr marL="2286000" indent="0" algn="ctr">
-              <a:buNone/>
-              <a:defRPr sz="1600"/>
+            <a:lvl6pPr marL="10972800" indent="0" algn="ctr">
+              <a:buNone/>
+              <a:defRPr sz="7680"/>
             </a:lvl6pPr>
-            <a:lvl7pPr marL="2743200" indent="0" algn="ctr">
-              <a:buNone/>
-              <a:defRPr sz="1600"/>
+            <a:lvl7pPr marL="13167360" indent="0" algn="ctr">
+              <a:buNone/>
+              <a:defRPr sz="7680"/>
             </a:lvl7pPr>
-            <a:lvl8pPr marL="3200400" indent="0" algn="ctr">
-              <a:buNone/>
-              <a:defRPr sz="1600"/>
+            <a:lvl8pPr marL="15361920" indent="0" algn="ctr">
+              <a:buNone/>
+              <a:defRPr sz="7680"/>
             </a:lvl8pPr>
-            <a:lvl9pPr marL="3657600" indent="0" algn="ctr">
-              <a:buNone/>
-              <a:defRPr sz="1600"/>
+            <a:lvl9pPr marL="17556480" indent="0" algn="ctr">
+              <a:buNone/>
+              <a:defRPr sz="7680"/>
             </a:lvl9pPr>
           </a:lstStyle>
           <a:p>
@@ -684,7 +684,7 @@
           <a:p>
             <a:fld id="{5AFC3D18-F74D-4123-AE82-1B3291E866D0}" type="datetimeFigureOut">
               <a:rPr lang="en-US" smtClean="0"/>
-              <a:t>6/19/2018</a:t>
+              <a:t>6/24/2018</a:t>
             </a:fld>
             <a:endParaRPr lang="en-US"/>
           </a:p>
@@ -735,7 +735,7 @@
     </p:spTree>
     <p:extLst>
       <p:ext uri="{BB962C8B-B14F-4D97-AF65-F5344CB8AC3E}">
-        <p14:creationId xmlns:p14="http://schemas.microsoft.com/office/powerpoint/2010/main" val="1221242598"/>
+        <p14:creationId xmlns:p14="http://schemas.microsoft.com/office/powerpoint/2010/main" val="4180729852"/>
       </p:ext>
     </p:extLst>
   </p:cSld>
@@ -854,7 +854,7 @@
           <a:p>
             <a:fld id="{5AFC3D18-F74D-4123-AE82-1B3291E866D0}" type="datetimeFigureOut">
               <a:rPr lang="en-US" smtClean="0"/>
-              <a:t>6/19/2018</a:t>
+              <a:t>6/24/2018</a:t>
             </a:fld>
             <a:endParaRPr lang="en-US"/>
           </a:p>
@@ -905,7 +905,7 @@
     </p:spTree>
     <p:extLst>
       <p:ext uri="{BB962C8B-B14F-4D97-AF65-F5344CB8AC3E}">
-        <p14:creationId xmlns:p14="http://schemas.microsoft.com/office/powerpoint/2010/main" val="2018154670"/>
+        <p14:creationId xmlns:p14="http://schemas.microsoft.com/office/powerpoint/2010/main" val="3600935914"/>
       </p:ext>
     </p:extLst>
   </p:cSld>
@@ -944,8 +944,8 @@
         </p:nvSpPr>
         <p:spPr>
           <a:xfrm>
-            <a:off x="6543675" y="365125"/>
-            <a:ext cx="1971675" cy="5811838"/>
+            <a:off x="31409642" y="1752600"/>
+            <a:ext cx="9464040" cy="27896822"/>
           </a:xfrm>
         </p:spPr>
         <p:txBody>
@@ -972,8 +972,8 @@
         </p:nvSpPr>
         <p:spPr>
           <a:xfrm>
-            <a:off x="628650" y="365125"/>
-            <a:ext cx="5800725" cy="5811838"/>
+            <a:off x="3017522" y="1752600"/>
+            <a:ext cx="27843480" cy="27896822"/>
           </a:xfrm>
         </p:spPr>
         <p:txBody>
@@ -1034,7 +1034,7 @@
           <a:p>
             <a:fld id="{5AFC3D18-F74D-4123-AE82-1B3291E866D0}" type="datetimeFigureOut">
               <a:rPr lang="en-US" smtClean="0"/>
-              <a:t>6/19/2018</a:t>
+              <a:t>6/24/2018</a:t>
             </a:fld>
             <a:endParaRPr lang="en-US"/>
           </a:p>
@@ -1085,7 +1085,7 @@
     </p:spTree>
     <p:extLst>
       <p:ext uri="{BB962C8B-B14F-4D97-AF65-F5344CB8AC3E}">
-        <p14:creationId xmlns:p14="http://schemas.microsoft.com/office/powerpoint/2010/main" val="926726517"/>
+        <p14:creationId xmlns:p14="http://schemas.microsoft.com/office/powerpoint/2010/main" val="3329269983"/>
       </p:ext>
     </p:extLst>
   </p:cSld>
@@ -1204,7 +1204,7 @@
           <a:p>
             <a:fld id="{5AFC3D18-F74D-4123-AE82-1B3291E866D0}" type="datetimeFigureOut">
               <a:rPr lang="en-US" smtClean="0"/>
-              <a:t>6/19/2018</a:t>
+              <a:t>6/24/2018</a:t>
             </a:fld>
             <a:endParaRPr lang="en-US"/>
           </a:p>
@@ -1255,7 +1255,7 @@
     </p:spTree>
     <p:extLst>
       <p:ext uri="{BB962C8B-B14F-4D97-AF65-F5344CB8AC3E}">
-        <p14:creationId xmlns:p14="http://schemas.microsoft.com/office/powerpoint/2010/main" val="164412058"/>
+        <p14:creationId xmlns:p14="http://schemas.microsoft.com/office/powerpoint/2010/main" val="3211222287"/>
       </p:ext>
     </p:extLst>
   </p:cSld>
@@ -1294,15 +1294,15 @@
         </p:nvSpPr>
         <p:spPr>
           <a:xfrm>
-            <a:off x="623888" y="1709739"/>
-            <a:ext cx="7886700" cy="2852737"/>
+            <a:off x="2994662" y="8206749"/>
+            <a:ext cx="37856160" cy="13693138"/>
           </a:xfrm>
         </p:spPr>
         <p:txBody>
           <a:bodyPr anchor="b"/>
           <a:lstStyle>
             <a:lvl1pPr>
-              <a:defRPr sz="6000"/>
+              <a:defRPr sz="28800"/>
             </a:lvl1pPr>
           </a:lstStyle>
           <a:p>
@@ -1326,8 +1326,8 @@
         </p:nvSpPr>
         <p:spPr>
           <a:xfrm>
-            <a:off x="623888" y="4589464"/>
-            <a:ext cx="7886700" cy="1500187"/>
+            <a:off x="2994662" y="22029429"/>
+            <a:ext cx="37856160" cy="7200898"/>
           </a:xfrm>
         </p:spPr>
         <p:txBody>
@@ -1335,15 +1335,15 @@
           <a:lstStyle>
             <a:lvl1pPr marL="0" indent="0">
               <a:buNone/>
-              <a:defRPr sz="2400">
+              <a:defRPr sz="11520">
                 <a:solidFill>
                   <a:schemeClr val="tx1"/>
                 </a:solidFill>
               </a:defRPr>
             </a:lvl1pPr>
-            <a:lvl2pPr marL="457200" indent="0">
-              <a:buNone/>
-              <a:defRPr sz="2000">
+            <a:lvl2pPr marL="2194560" indent="0">
+              <a:buNone/>
+              <a:defRPr sz="9600">
                 <a:solidFill>
                   <a:schemeClr val="tx1">
                     <a:tint val="75000"/>
@@ -1351,9 +1351,9 @@
                 </a:solidFill>
               </a:defRPr>
             </a:lvl2pPr>
-            <a:lvl3pPr marL="914400" indent="0">
-              <a:buNone/>
-              <a:defRPr sz="1800">
+            <a:lvl3pPr marL="4389120" indent="0">
+              <a:buNone/>
+              <a:defRPr sz="8640">
                 <a:solidFill>
                   <a:schemeClr val="tx1">
                     <a:tint val="75000"/>
@@ -1361,9 +1361,9 @@
                 </a:solidFill>
               </a:defRPr>
             </a:lvl3pPr>
-            <a:lvl4pPr marL="1371600" indent="0">
-              <a:buNone/>
-              <a:defRPr sz="1600">
+            <a:lvl4pPr marL="6583680" indent="0">
+              <a:buNone/>
+              <a:defRPr sz="7680">
                 <a:solidFill>
                   <a:schemeClr val="tx1">
                     <a:tint val="75000"/>
@@ -1371,9 +1371,9 @@
                 </a:solidFill>
               </a:defRPr>
             </a:lvl4pPr>
-            <a:lvl5pPr marL="1828800" indent="0">
-              <a:buNone/>
-              <a:defRPr sz="1600">
+            <a:lvl5pPr marL="8778240" indent="0">
+              <a:buNone/>
+              <a:defRPr sz="7680">
                 <a:solidFill>
                   <a:schemeClr val="tx1">
                     <a:tint val="75000"/>
@@ -1381,9 +1381,9 @@
                 </a:solidFill>
               </a:defRPr>
             </a:lvl5pPr>
-            <a:lvl6pPr marL="2286000" indent="0">
-              <a:buNone/>
-              <a:defRPr sz="1600">
+            <a:lvl6pPr marL="10972800" indent="0">
+              <a:buNone/>
+              <a:defRPr sz="7680">
                 <a:solidFill>
                   <a:schemeClr val="tx1">
                     <a:tint val="75000"/>
@@ -1391,9 +1391,9 @@
                 </a:solidFill>
               </a:defRPr>
             </a:lvl6pPr>
-            <a:lvl7pPr marL="2743200" indent="0">
-              <a:buNone/>
-              <a:defRPr sz="1600">
+            <a:lvl7pPr marL="13167360" indent="0">
+              <a:buNone/>
+              <a:defRPr sz="7680">
                 <a:solidFill>
                   <a:schemeClr val="tx1">
                     <a:tint val="75000"/>
@@ -1401,9 +1401,9 @@
                 </a:solidFill>
               </a:defRPr>
             </a:lvl7pPr>
-            <a:lvl8pPr marL="3200400" indent="0">
-              <a:buNone/>
-              <a:defRPr sz="1600">
+            <a:lvl8pPr marL="15361920" indent="0">
+              <a:buNone/>
+              <a:defRPr sz="7680">
                 <a:solidFill>
                   <a:schemeClr val="tx1">
                     <a:tint val="75000"/>
@@ -1411,9 +1411,9 @@
                 </a:solidFill>
               </a:defRPr>
             </a:lvl8pPr>
-            <a:lvl9pPr marL="3657600" indent="0">
-              <a:buNone/>
-              <a:defRPr sz="1600">
+            <a:lvl9pPr marL="17556480" indent="0">
+              <a:buNone/>
+              <a:defRPr sz="7680">
                 <a:solidFill>
                   <a:schemeClr val="tx1">
                     <a:tint val="75000"/>
@@ -1448,7 +1448,7 @@
           <a:p>
             <a:fld id="{5AFC3D18-F74D-4123-AE82-1B3291E866D0}" type="datetimeFigureOut">
               <a:rPr lang="en-US" smtClean="0"/>
-              <a:t>6/19/2018</a:t>
+              <a:t>6/24/2018</a:t>
             </a:fld>
             <a:endParaRPr lang="en-US"/>
           </a:p>
@@ -1499,7 +1499,7 @@
     </p:spTree>
     <p:extLst>
       <p:ext uri="{BB962C8B-B14F-4D97-AF65-F5344CB8AC3E}">
-        <p14:creationId xmlns:p14="http://schemas.microsoft.com/office/powerpoint/2010/main" val="2740915894"/>
+        <p14:creationId xmlns:p14="http://schemas.microsoft.com/office/powerpoint/2010/main" val="1043596938"/>
       </p:ext>
     </p:extLst>
   </p:cSld>
@@ -1561,8 +1561,8 @@
         </p:nvSpPr>
         <p:spPr>
           <a:xfrm>
-            <a:off x="628650" y="1825625"/>
-            <a:ext cx="3886200" cy="4351338"/>
+            <a:off x="3017520" y="8763000"/>
+            <a:ext cx="18653760" cy="20886422"/>
           </a:xfrm>
         </p:spPr>
         <p:txBody>
@@ -1618,8 +1618,8 @@
         </p:nvSpPr>
         <p:spPr>
           <a:xfrm>
-            <a:off x="4629150" y="1825625"/>
-            <a:ext cx="3886200" cy="4351338"/>
+            <a:off x="22219920" y="8763000"/>
+            <a:ext cx="18653760" cy="20886422"/>
           </a:xfrm>
         </p:spPr>
         <p:txBody>
@@ -1680,7 +1680,7 @@
           <a:p>
             <a:fld id="{5AFC3D18-F74D-4123-AE82-1B3291E866D0}" type="datetimeFigureOut">
               <a:rPr lang="en-US" smtClean="0"/>
-              <a:t>6/19/2018</a:t>
+              <a:t>6/24/2018</a:t>
             </a:fld>
             <a:endParaRPr lang="en-US"/>
           </a:p>
@@ -1731,7 +1731,7 @@
     </p:spTree>
     <p:extLst>
       <p:ext uri="{BB962C8B-B14F-4D97-AF65-F5344CB8AC3E}">
-        <p14:creationId xmlns:p14="http://schemas.microsoft.com/office/powerpoint/2010/main" val="3443626479"/>
+        <p14:creationId xmlns:p14="http://schemas.microsoft.com/office/powerpoint/2010/main" val="1291574529"/>
       </p:ext>
     </p:extLst>
   </p:cSld>
@@ -1770,8 +1770,8 @@
         </p:nvSpPr>
         <p:spPr>
           <a:xfrm>
-            <a:off x="629841" y="365126"/>
-            <a:ext cx="7886700" cy="1325563"/>
+            <a:off x="3023237" y="1752607"/>
+            <a:ext cx="37856160" cy="6362702"/>
           </a:xfrm>
         </p:spPr>
         <p:txBody>
@@ -1798,8 +1798,8 @@
         </p:nvSpPr>
         <p:spPr>
           <a:xfrm>
-            <a:off x="629842" y="1681163"/>
-            <a:ext cx="3868340" cy="823912"/>
+            <a:off x="3023242" y="8069582"/>
+            <a:ext cx="18568032" cy="3954778"/>
           </a:xfrm>
         </p:spPr>
         <p:txBody>
@@ -1807,39 +1807,39 @@
           <a:lstStyle>
             <a:lvl1pPr marL="0" indent="0">
               <a:buNone/>
-              <a:defRPr sz="2400" b="1"/>
+              <a:defRPr sz="11520" b="1"/>
             </a:lvl1pPr>
-            <a:lvl2pPr marL="457200" indent="0">
-              <a:buNone/>
-              <a:defRPr sz="2000" b="1"/>
+            <a:lvl2pPr marL="2194560" indent="0">
+              <a:buNone/>
+              <a:defRPr sz="9600" b="1"/>
             </a:lvl2pPr>
-            <a:lvl3pPr marL="914400" indent="0">
-              <a:buNone/>
-              <a:defRPr sz="1800" b="1"/>
+            <a:lvl3pPr marL="4389120" indent="0">
+              <a:buNone/>
+              <a:defRPr sz="8640" b="1"/>
             </a:lvl3pPr>
-            <a:lvl4pPr marL="1371600" indent="0">
-              <a:buNone/>
-              <a:defRPr sz="1600" b="1"/>
+            <a:lvl4pPr marL="6583680" indent="0">
+              <a:buNone/>
+              <a:defRPr sz="7680" b="1"/>
             </a:lvl4pPr>
-            <a:lvl5pPr marL="1828800" indent="0">
-              <a:buNone/>
-              <a:defRPr sz="1600" b="1"/>
+            <a:lvl5pPr marL="8778240" indent="0">
+              <a:buNone/>
+              <a:defRPr sz="7680" b="1"/>
             </a:lvl5pPr>
-            <a:lvl6pPr marL="2286000" indent="0">
-              <a:buNone/>
-              <a:defRPr sz="1600" b="1"/>
+            <a:lvl6pPr marL="10972800" indent="0">
+              <a:buNone/>
+              <a:defRPr sz="7680" b="1"/>
             </a:lvl6pPr>
-            <a:lvl7pPr marL="2743200" indent="0">
-              <a:buNone/>
-              <a:defRPr sz="1600" b="1"/>
+            <a:lvl7pPr marL="13167360" indent="0">
+              <a:buNone/>
+              <a:defRPr sz="7680" b="1"/>
             </a:lvl7pPr>
-            <a:lvl8pPr marL="3200400" indent="0">
-              <a:buNone/>
-              <a:defRPr sz="1600" b="1"/>
+            <a:lvl8pPr marL="15361920" indent="0">
+              <a:buNone/>
+              <a:defRPr sz="7680" b="1"/>
             </a:lvl8pPr>
-            <a:lvl9pPr marL="3657600" indent="0">
-              <a:buNone/>
-              <a:defRPr sz="1600" b="1"/>
+            <a:lvl9pPr marL="17556480" indent="0">
+              <a:buNone/>
+              <a:defRPr sz="7680" b="1"/>
             </a:lvl9pPr>
           </a:lstStyle>
           <a:p>
@@ -1863,8 +1863,8 @@
         </p:nvSpPr>
         <p:spPr>
           <a:xfrm>
-            <a:off x="629842" y="2505075"/>
-            <a:ext cx="3868340" cy="3684588"/>
+            <a:off x="3023242" y="12024360"/>
+            <a:ext cx="18568032" cy="17686022"/>
           </a:xfrm>
         </p:spPr>
         <p:txBody>
@@ -1920,8 +1920,8 @@
         </p:nvSpPr>
         <p:spPr>
           <a:xfrm>
-            <a:off x="4629150" y="1681163"/>
-            <a:ext cx="3887391" cy="823912"/>
+            <a:off x="22219922" y="8069582"/>
+            <a:ext cx="18659477" cy="3954778"/>
           </a:xfrm>
         </p:spPr>
         <p:txBody>
@@ -1929,39 +1929,39 @@
           <a:lstStyle>
             <a:lvl1pPr marL="0" indent="0">
               <a:buNone/>
-              <a:defRPr sz="2400" b="1"/>
+              <a:defRPr sz="11520" b="1"/>
             </a:lvl1pPr>
-            <a:lvl2pPr marL="457200" indent="0">
-              <a:buNone/>
-              <a:defRPr sz="2000" b="1"/>
+            <a:lvl2pPr marL="2194560" indent="0">
+              <a:buNone/>
+              <a:defRPr sz="9600" b="1"/>
             </a:lvl2pPr>
-            <a:lvl3pPr marL="914400" indent="0">
-              <a:buNone/>
-              <a:defRPr sz="1800" b="1"/>
+            <a:lvl3pPr marL="4389120" indent="0">
+              <a:buNone/>
+              <a:defRPr sz="8640" b="1"/>
             </a:lvl3pPr>
-            <a:lvl4pPr marL="1371600" indent="0">
-              <a:buNone/>
-              <a:defRPr sz="1600" b="1"/>
+            <a:lvl4pPr marL="6583680" indent="0">
+              <a:buNone/>
+              <a:defRPr sz="7680" b="1"/>
             </a:lvl4pPr>
-            <a:lvl5pPr marL="1828800" indent="0">
-              <a:buNone/>
-              <a:defRPr sz="1600" b="1"/>
+            <a:lvl5pPr marL="8778240" indent="0">
+              <a:buNone/>
+              <a:defRPr sz="7680" b="1"/>
             </a:lvl5pPr>
-            <a:lvl6pPr marL="2286000" indent="0">
-              <a:buNone/>
-              <a:defRPr sz="1600" b="1"/>
+            <a:lvl6pPr marL="10972800" indent="0">
+              <a:buNone/>
+              <a:defRPr sz="7680" b="1"/>
             </a:lvl6pPr>
-            <a:lvl7pPr marL="2743200" indent="0">
-              <a:buNone/>
-              <a:defRPr sz="1600" b="1"/>
+            <a:lvl7pPr marL="13167360" indent="0">
+              <a:buNone/>
+              <a:defRPr sz="7680" b="1"/>
             </a:lvl7pPr>
-            <a:lvl8pPr marL="3200400" indent="0">
-              <a:buNone/>
-              <a:defRPr sz="1600" b="1"/>
+            <a:lvl8pPr marL="15361920" indent="0">
+              <a:buNone/>
+              <a:defRPr sz="7680" b="1"/>
             </a:lvl8pPr>
-            <a:lvl9pPr marL="3657600" indent="0">
-              <a:buNone/>
-              <a:defRPr sz="1600" b="1"/>
+            <a:lvl9pPr marL="17556480" indent="0">
+              <a:buNone/>
+              <a:defRPr sz="7680" b="1"/>
             </a:lvl9pPr>
           </a:lstStyle>
           <a:p>
@@ -1985,8 +1985,8 @@
         </p:nvSpPr>
         <p:spPr>
           <a:xfrm>
-            <a:off x="4629150" y="2505075"/>
-            <a:ext cx="3887391" cy="3684588"/>
+            <a:off x="22219922" y="12024360"/>
+            <a:ext cx="18659477" cy="17686022"/>
           </a:xfrm>
         </p:spPr>
         <p:txBody>
@@ -2047,7 +2047,7 @@
           <a:p>
             <a:fld id="{5AFC3D18-F74D-4123-AE82-1B3291E866D0}" type="datetimeFigureOut">
               <a:rPr lang="en-US" smtClean="0"/>
-              <a:t>6/19/2018</a:t>
+              <a:t>6/24/2018</a:t>
             </a:fld>
             <a:endParaRPr lang="en-US"/>
           </a:p>
@@ -2098,7 +2098,7 @@
     </p:spTree>
     <p:extLst>
       <p:ext uri="{BB962C8B-B14F-4D97-AF65-F5344CB8AC3E}">
-        <p14:creationId xmlns:p14="http://schemas.microsoft.com/office/powerpoint/2010/main" val="3086050928"/>
+        <p14:creationId xmlns:p14="http://schemas.microsoft.com/office/powerpoint/2010/main" val="1559946535"/>
       </p:ext>
     </p:extLst>
   </p:cSld>
@@ -2165,7 +2165,7 @@
           <a:p>
             <a:fld id="{5AFC3D18-F74D-4123-AE82-1B3291E866D0}" type="datetimeFigureOut">
               <a:rPr lang="en-US" smtClean="0"/>
-              <a:t>6/19/2018</a:t>
+              <a:t>6/24/2018</a:t>
             </a:fld>
             <a:endParaRPr lang="en-US"/>
           </a:p>
@@ -2216,7 +2216,7 @@
     </p:spTree>
     <p:extLst>
       <p:ext uri="{BB962C8B-B14F-4D97-AF65-F5344CB8AC3E}">
-        <p14:creationId xmlns:p14="http://schemas.microsoft.com/office/powerpoint/2010/main" val="3431124384"/>
+        <p14:creationId xmlns:p14="http://schemas.microsoft.com/office/powerpoint/2010/main" val="3813661646"/>
       </p:ext>
     </p:extLst>
   </p:cSld>
@@ -2260,7 +2260,7 @@
           <a:p>
             <a:fld id="{5AFC3D18-F74D-4123-AE82-1B3291E866D0}" type="datetimeFigureOut">
               <a:rPr lang="en-US" smtClean="0"/>
-              <a:t>6/19/2018</a:t>
+              <a:t>6/24/2018</a:t>
             </a:fld>
             <a:endParaRPr lang="en-US"/>
           </a:p>
@@ -2311,7 +2311,7 @@
     </p:spTree>
     <p:extLst>
       <p:ext uri="{BB962C8B-B14F-4D97-AF65-F5344CB8AC3E}">
-        <p14:creationId xmlns:p14="http://schemas.microsoft.com/office/powerpoint/2010/main" val="1691015189"/>
+        <p14:creationId xmlns:p14="http://schemas.microsoft.com/office/powerpoint/2010/main" val="4201232211"/>
       </p:ext>
     </p:extLst>
   </p:cSld>
@@ -2350,15 +2350,15 @@
         </p:nvSpPr>
         <p:spPr>
           <a:xfrm>
-            <a:off x="629841" y="457200"/>
-            <a:ext cx="2949178" cy="1600200"/>
+            <a:off x="3023237" y="2194560"/>
+            <a:ext cx="14156054" cy="7680960"/>
           </a:xfrm>
         </p:spPr>
         <p:txBody>
           <a:bodyPr anchor="b"/>
           <a:lstStyle>
             <a:lvl1pPr>
-              <a:defRPr sz="3200"/>
+              <a:defRPr sz="15360"/>
             </a:lvl1pPr>
           </a:lstStyle>
           <a:p>
@@ -2382,39 +2382,39 @@
         </p:nvSpPr>
         <p:spPr>
           <a:xfrm>
-            <a:off x="3887391" y="987426"/>
-            <a:ext cx="4629150" cy="4873625"/>
+            <a:off x="18659477" y="4739647"/>
+            <a:ext cx="22219920" cy="23393400"/>
           </a:xfrm>
         </p:spPr>
         <p:txBody>
           <a:bodyPr/>
           <a:lstStyle>
             <a:lvl1pPr>
-              <a:defRPr sz="3200"/>
+              <a:defRPr sz="15360"/>
             </a:lvl1pPr>
             <a:lvl2pPr>
-              <a:defRPr sz="2800"/>
+              <a:defRPr sz="13440"/>
             </a:lvl2pPr>
             <a:lvl3pPr>
-              <a:defRPr sz="2400"/>
+              <a:defRPr sz="11520"/>
             </a:lvl3pPr>
             <a:lvl4pPr>
-              <a:defRPr sz="2000"/>
+              <a:defRPr sz="9600"/>
             </a:lvl4pPr>
             <a:lvl5pPr>
-              <a:defRPr sz="2000"/>
+              <a:defRPr sz="9600"/>
             </a:lvl5pPr>
             <a:lvl6pPr>
-              <a:defRPr sz="2000"/>
+              <a:defRPr sz="9600"/>
             </a:lvl6pPr>
             <a:lvl7pPr>
-              <a:defRPr sz="2000"/>
+              <a:defRPr sz="9600"/>
             </a:lvl7pPr>
             <a:lvl8pPr>
-              <a:defRPr sz="2000"/>
+              <a:defRPr sz="9600"/>
             </a:lvl8pPr>
             <a:lvl9pPr>
-              <a:defRPr sz="2000"/>
+              <a:defRPr sz="9600"/>
             </a:lvl9pPr>
           </a:lstStyle>
           <a:p>
@@ -2467,8 +2467,8 @@
         </p:nvSpPr>
         <p:spPr>
           <a:xfrm>
-            <a:off x="629841" y="2057400"/>
-            <a:ext cx="2949178" cy="3811588"/>
+            <a:off x="3023237" y="9875520"/>
+            <a:ext cx="14156054" cy="18295622"/>
           </a:xfrm>
         </p:spPr>
         <p:txBody>
@@ -2476,39 +2476,39 @@
           <a:lstStyle>
             <a:lvl1pPr marL="0" indent="0">
               <a:buNone/>
-              <a:defRPr sz="1600"/>
+              <a:defRPr sz="7680"/>
             </a:lvl1pPr>
-            <a:lvl2pPr marL="457200" indent="0">
-              <a:buNone/>
-              <a:defRPr sz="1400"/>
+            <a:lvl2pPr marL="2194560" indent="0">
+              <a:buNone/>
+              <a:defRPr sz="6720"/>
             </a:lvl2pPr>
-            <a:lvl3pPr marL="914400" indent="0">
-              <a:buNone/>
-              <a:defRPr sz="1200"/>
+            <a:lvl3pPr marL="4389120" indent="0">
+              <a:buNone/>
+              <a:defRPr sz="5760"/>
             </a:lvl3pPr>
-            <a:lvl4pPr marL="1371600" indent="0">
-              <a:buNone/>
-              <a:defRPr sz="1000"/>
+            <a:lvl4pPr marL="6583680" indent="0">
+              <a:buNone/>
+              <a:defRPr sz="4800"/>
             </a:lvl4pPr>
-            <a:lvl5pPr marL="1828800" indent="0">
-              <a:buNone/>
-              <a:defRPr sz="1000"/>
+            <a:lvl5pPr marL="8778240" indent="0">
+              <a:buNone/>
+              <a:defRPr sz="4800"/>
             </a:lvl5pPr>
-            <a:lvl6pPr marL="2286000" indent="0">
-              <a:buNone/>
-              <a:defRPr sz="1000"/>
+            <a:lvl6pPr marL="10972800" indent="0">
+              <a:buNone/>
+              <a:defRPr sz="4800"/>
             </a:lvl6pPr>
-            <a:lvl7pPr marL="2743200" indent="0">
-              <a:buNone/>
-              <a:defRPr sz="1000"/>
+            <a:lvl7pPr marL="13167360" indent="0">
+              <a:buNone/>
+              <a:defRPr sz="4800"/>
             </a:lvl7pPr>
-            <a:lvl8pPr marL="3200400" indent="0">
-              <a:buNone/>
-              <a:defRPr sz="1000"/>
+            <a:lvl8pPr marL="15361920" indent="0">
+              <a:buNone/>
+              <a:defRPr sz="4800"/>
             </a:lvl8pPr>
-            <a:lvl9pPr marL="3657600" indent="0">
-              <a:buNone/>
-              <a:defRPr sz="1000"/>
+            <a:lvl9pPr marL="17556480" indent="0">
+              <a:buNone/>
+              <a:defRPr sz="4800"/>
             </a:lvl9pPr>
           </a:lstStyle>
           <a:p>
@@ -2537,7 +2537,7 @@
           <a:p>
             <a:fld id="{5AFC3D18-F74D-4123-AE82-1B3291E866D0}" type="datetimeFigureOut">
               <a:rPr lang="en-US" smtClean="0"/>
-              <a:t>6/19/2018</a:t>
+              <a:t>6/24/2018</a:t>
             </a:fld>
             <a:endParaRPr lang="en-US"/>
           </a:p>
@@ -2588,7 +2588,7 @@
     </p:spTree>
     <p:extLst>
       <p:ext uri="{BB962C8B-B14F-4D97-AF65-F5344CB8AC3E}">
-        <p14:creationId xmlns:p14="http://schemas.microsoft.com/office/powerpoint/2010/main" val="572588901"/>
+        <p14:creationId xmlns:p14="http://schemas.microsoft.com/office/powerpoint/2010/main" val="2115762991"/>
       </p:ext>
     </p:extLst>
   </p:cSld>
@@ -2627,15 +2627,15 @@
         </p:nvSpPr>
         <p:spPr>
           <a:xfrm>
-            <a:off x="629841" y="457200"/>
-            <a:ext cx="2949178" cy="1600200"/>
+            <a:off x="3023237" y="2194560"/>
+            <a:ext cx="14156054" cy="7680960"/>
           </a:xfrm>
         </p:spPr>
         <p:txBody>
           <a:bodyPr anchor="b"/>
           <a:lstStyle>
             <a:lvl1pPr>
-              <a:defRPr sz="3200"/>
+              <a:defRPr sz="15360"/>
             </a:lvl1pPr>
           </a:lstStyle>
           <a:p>
@@ -2659,8 +2659,8 @@
         </p:nvSpPr>
         <p:spPr>
           <a:xfrm>
-            <a:off x="3887391" y="987426"/>
-            <a:ext cx="4629150" cy="4873625"/>
+            <a:off x="18659477" y="4739647"/>
+            <a:ext cx="22219920" cy="23393400"/>
           </a:xfrm>
         </p:spPr>
         <p:txBody>
@@ -2668,39 +2668,39 @@
           <a:lstStyle>
             <a:lvl1pPr marL="0" indent="0">
               <a:buNone/>
-              <a:defRPr sz="3200"/>
+              <a:defRPr sz="15360"/>
             </a:lvl1pPr>
-            <a:lvl2pPr marL="457200" indent="0">
-              <a:buNone/>
-              <a:defRPr sz="2800"/>
+            <a:lvl2pPr marL="2194560" indent="0">
+              <a:buNone/>
+              <a:defRPr sz="13440"/>
             </a:lvl2pPr>
-            <a:lvl3pPr marL="914400" indent="0">
-              <a:buNone/>
-              <a:defRPr sz="2400"/>
+            <a:lvl3pPr marL="4389120" indent="0">
+              <a:buNone/>
+              <a:defRPr sz="11520"/>
             </a:lvl3pPr>
-            <a:lvl4pPr marL="1371600" indent="0">
-              <a:buNone/>
-              <a:defRPr sz="2000"/>
+            <a:lvl4pPr marL="6583680" indent="0">
+              <a:buNone/>
+              <a:defRPr sz="9600"/>
             </a:lvl4pPr>
-            <a:lvl5pPr marL="1828800" indent="0">
-              <a:buNone/>
-              <a:defRPr sz="2000"/>
+            <a:lvl5pPr marL="8778240" indent="0">
+              <a:buNone/>
+              <a:defRPr sz="9600"/>
             </a:lvl5pPr>
-            <a:lvl6pPr marL="2286000" indent="0">
-              <a:buNone/>
-              <a:defRPr sz="2000"/>
+            <a:lvl6pPr marL="10972800" indent="0">
+              <a:buNone/>
+              <a:defRPr sz="9600"/>
             </a:lvl6pPr>
-            <a:lvl7pPr marL="2743200" indent="0">
-              <a:buNone/>
-              <a:defRPr sz="2000"/>
+            <a:lvl7pPr marL="13167360" indent="0">
+              <a:buNone/>
+              <a:defRPr sz="9600"/>
             </a:lvl7pPr>
-            <a:lvl8pPr marL="3200400" indent="0">
-              <a:buNone/>
-              <a:defRPr sz="2000"/>
+            <a:lvl8pPr marL="15361920" indent="0">
+              <a:buNone/>
+              <a:defRPr sz="9600"/>
             </a:lvl8pPr>
-            <a:lvl9pPr marL="3657600" indent="0">
-              <a:buNone/>
-              <a:defRPr sz="2000"/>
+            <a:lvl9pPr marL="17556480" indent="0">
+              <a:buNone/>
+              <a:defRPr sz="9600"/>
             </a:lvl9pPr>
           </a:lstStyle>
           <a:p>
@@ -2724,8 +2724,8 @@
         </p:nvSpPr>
         <p:spPr>
           <a:xfrm>
-            <a:off x="629841" y="2057400"/>
-            <a:ext cx="2949178" cy="3811588"/>
+            <a:off x="3023237" y="9875520"/>
+            <a:ext cx="14156054" cy="18295622"/>
           </a:xfrm>
         </p:spPr>
         <p:txBody>
@@ -2733,39 +2733,39 @@
           <a:lstStyle>
             <a:lvl1pPr marL="0" indent="0">
               <a:buNone/>
-              <a:defRPr sz="1600"/>
+              <a:defRPr sz="7680"/>
             </a:lvl1pPr>
-            <a:lvl2pPr marL="457200" indent="0">
-              <a:buNone/>
-              <a:defRPr sz="1400"/>
+            <a:lvl2pPr marL="2194560" indent="0">
+              <a:buNone/>
+              <a:defRPr sz="6720"/>
             </a:lvl2pPr>
-            <a:lvl3pPr marL="914400" indent="0">
-              <a:buNone/>
-              <a:defRPr sz="1200"/>
+            <a:lvl3pPr marL="4389120" indent="0">
+              <a:buNone/>
+              <a:defRPr sz="5760"/>
             </a:lvl3pPr>
-            <a:lvl4pPr marL="1371600" indent="0">
-              <a:buNone/>
-              <a:defRPr sz="1000"/>
+            <a:lvl4pPr marL="6583680" indent="0">
+              <a:buNone/>
+              <a:defRPr sz="4800"/>
             </a:lvl4pPr>
-            <a:lvl5pPr marL="1828800" indent="0">
-              <a:buNone/>
-              <a:defRPr sz="1000"/>
+            <a:lvl5pPr marL="8778240" indent="0">
+              <a:buNone/>
+              <a:defRPr sz="4800"/>
             </a:lvl5pPr>
-            <a:lvl6pPr marL="2286000" indent="0">
-              <a:buNone/>
-              <a:defRPr sz="1000"/>
+            <a:lvl6pPr marL="10972800" indent="0">
+              <a:buNone/>
+              <a:defRPr sz="4800"/>
             </a:lvl6pPr>
-            <a:lvl7pPr marL="2743200" indent="0">
-              <a:buNone/>
-              <a:defRPr sz="1000"/>
+            <a:lvl7pPr marL="13167360" indent="0">
+              <a:buNone/>
+              <a:defRPr sz="4800"/>
             </a:lvl7pPr>
-            <a:lvl8pPr marL="3200400" indent="0">
-              <a:buNone/>
-              <a:defRPr sz="1000"/>
+            <a:lvl8pPr marL="15361920" indent="0">
+              <a:buNone/>
+              <a:defRPr sz="4800"/>
             </a:lvl8pPr>
-            <a:lvl9pPr marL="3657600" indent="0">
-              <a:buNone/>
-              <a:defRPr sz="1000"/>
+            <a:lvl9pPr marL="17556480" indent="0">
+              <a:buNone/>
+              <a:defRPr sz="4800"/>
             </a:lvl9pPr>
           </a:lstStyle>
           <a:p>
@@ -2794,7 +2794,7 @@
           <a:p>
             <a:fld id="{5AFC3D18-F74D-4123-AE82-1B3291E866D0}" type="datetimeFigureOut">
               <a:rPr lang="en-US" smtClean="0"/>
-              <a:t>6/19/2018</a:t>
+              <a:t>6/24/2018</a:t>
             </a:fld>
             <a:endParaRPr lang="en-US"/>
           </a:p>
@@ -2845,7 +2845,7 @@
     </p:spTree>
     <p:extLst>
       <p:ext uri="{BB962C8B-B14F-4D97-AF65-F5344CB8AC3E}">
-        <p14:creationId xmlns:p14="http://schemas.microsoft.com/office/powerpoint/2010/main" val="1125832481"/>
+        <p14:creationId xmlns:p14="http://schemas.microsoft.com/office/powerpoint/2010/main" val="1432266437"/>
       </p:ext>
     </p:extLst>
   </p:cSld>
@@ -2889,8 +2889,8 @@
         </p:nvSpPr>
         <p:spPr>
           <a:xfrm>
-            <a:off x="628650" y="365126"/>
-            <a:ext cx="7886700" cy="1325563"/>
+            <a:off x="3017520" y="1752607"/>
+            <a:ext cx="37856160" cy="6362702"/>
           </a:xfrm>
           <a:prstGeom prst="rect">
             <a:avLst/>
@@ -2922,8 +2922,8 @@
         </p:nvSpPr>
         <p:spPr>
           <a:xfrm>
-            <a:off x="628650" y="1825625"/>
-            <a:ext cx="7886700" cy="4351338"/>
+            <a:off x="3017520" y="8763000"/>
+            <a:ext cx="37856160" cy="20886422"/>
           </a:xfrm>
           <a:prstGeom prst="rect">
             <a:avLst/>
@@ -2984,8 +2984,8 @@
         </p:nvSpPr>
         <p:spPr>
           <a:xfrm>
-            <a:off x="628650" y="6356351"/>
-            <a:ext cx="2057400" cy="365125"/>
+            <a:off x="3017520" y="30510487"/>
+            <a:ext cx="9875520" cy="1752600"/>
           </a:xfrm>
           <a:prstGeom prst="rect">
             <a:avLst/>
@@ -2995,7 +2995,7 @@
           <a:bodyPr vert="horz" lIns="91440" tIns="45720" rIns="91440" bIns="45720" rtlCol="0" anchor="ctr"/>
           <a:lstStyle>
             <a:lvl1pPr algn="l">
-              <a:defRPr sz="1200">
+              <a:defRPr sz="5760">
                 <a:solidFill>
                   <a:schemeClr val="tx1">
                     <a:tint val="75000"/>
@@ -3007,7 +3007,7 @@
           <a:p>
             <a:fld id="{5AFC3D18-F74D-4123-AE82-1B3291E866D0}" type="datetimeFigureOut">
               <a:rPr lang="en-US" smtClean="0"/>
-              <a:t>6/19/2018</a:t>
+              <a:t>6/24/2018</a:t>
             </a:fld>
             <a:endParaRPr lang="en-US"/>
           </a:p>
@@ -3025,8 +3025,8 @@
         </p:nvSpPr>
         <p:spPr>
           <a:xfrm>
-            <a:off x="3028950" y="6356351"/>
-            <a:ext cx="3086100" cy="365125"/>
+            <a:off x="14538960" y="30510487"/>
+            <a:ext cx="14813280" cy="1752600"/>
           </a:xfrm>
           <a:prstGeom prst="rect">
             <a:avLst/>
@@ -3036,7 +3036,7 @@
           <a:bodyPr vert="horz" lIns="91440" tIns="45720" rIns="91440" bIns="45720" rtlCol="0" anchor="ctr"/>
           <a:lstStyle>
             <a:lvl1pPr algn="ctr">
-              <a:defRPr sz="1200">
+              <a:defRPr sz="5760">
                 <a:solidFill>
                   <a:schemeClr val="tx1">
                     <a:tint val="75000"/>
@@ -3062,8 +3062,8 @@
         </p:nvSpPr>
         <p:spPr>
           <a:xfrm>
-            <a:off x="6457950" y="6356351"/>
-            <a:ext cx="2057400" cy="365125"/>
+            <a:off x="30998160" y="30510487"/>
+            <a:ext cx="9875520" cy="1752600"/>
           </a:xfrm>
           <a:prstGeom prst="rect">
             <a:avLst/>
@@ -3073,7 +3073,7 @@
           <a:bodyPr vert="horz" lIns="91440" tIns="45720" rIns="91440" bIns="45720" rtlCol="0" anchor="ctr"/>
           <a:lstStyle>
             <a:lvl1pPr algn="r">
-              <a:defRPr sz="1200">
+              <a:defRPr sz="5760">
                 <a:solidFill>
                   <a:schemeClr val="tx1">
                     <a:tint val="75000"/>
@@ -3094,27 +3094,27 @@
     </p:spTree>
     <p:extLst>
       <p:ext uri="{BB962C8B-B14F-4D97-AF65-F5344CB8AC3E}">
-        <p14:creationId xmlns:p14="http://schemas.microsoft.com/office/powerpoint/2010/main" val="3489837561"/>
+        <p14:creationId xmlns:p14="http://schemas.microsoft.com/office/powerpoint/2010/main" val="3144064455"/>
       </p:ext>
     </p:extLst>
   </p:cSld>
   <p:clrMap bg1="lt1" tx1="dk1" bg2="lt2" tx2="dk2" accent1="accent1" accent2="accent2" accent3="accent3" accent4="accent4" accent5="accent5" accent6="accent6" hlink="hlink" folHlink="folHlink"/>
   <p:sldLayoutIdLst>
-    <p:sldLayoutId id="2147483661" r:id="rId1"/>
-    <p:sldLayoutId id="2147483662" r:id="rId2"/>
-    <p:sldLayoutId id="2147483663" r:id="rId3"/>
-    <p:sldLayoutId id="2147483664" r:id="rId4"/>
-    <p:sldLayoutId id="2147483665" r:id="rId5"/>
-    <p:sldLayoutId id="2147483666" r:id="rId6"/>
-    <p:sldLayoutId id="2147483667" r:id="rId7"/>
-    <p:sldLayoutId id="2147483668" r:id="rId8"/>
-    <p:sldLayoutId id="2147483669" r:id="rId9"/>
-    <p:sldLayoutId id="2147483670" r:id="rId10"/>
-    <p:sldLayoutId id="2147483671" r:id="rId11"/>
+    <p:sldLayoutId id="2147483673" r:id="rId1"/>
+    <p:sldLayoutId id="2147483674" r:id="rId2"/>
+    <p:sldLayoutId id="2147483675" r:id="rId3"/>
+    <p:sldLayoutId id="2147483676" r:id="rId4"/>
+    <p:sldLayoutId id="2147483677" r:id="rId5"/>
+    <p:sldLayoutId id="2147483678" r:id="rId6"/>
+    <p:sldLayoutId id="2147483679" r:id="rId7"/>
+    <p:sldLayoutId id="2147483680" r:id="rId8"/>
+    <p:sldLayoutId id="2147483681" r:id="rId9"/>
+    <p:sldLayoutId id="2147483682" r:id="rId10"/>
+    <p:sldLayoutId id="2147483683" r:id="rId11"/>
   </p:sldLayoutIdLst>
   <p:txStyles>
     <p:titleStyle>
-      <a:lvl1pPr algn="l" defTabSz="914400" rtl="0" eaLnBrk="1" latinLnBrk="0" hangingPunct="1">
+      <a:lvl1pPr algn="l" defTabSz="4389120" rtl="0" eaLnBrk="1" latinLnBrk="0" hangingPunct="1">
         <a:lnSpc>
           <a:spcPct val="90000"/>
         </a:lnSpc>
@@ -3122,7 +3122,7 @@
           <a:spcPct val="0"/>
         </a:spcBef>
         <a:buNone/>
-        <a:defRPr sz="4400" kern="1200">
+        <a:defRPr sz="21120" kern="1200">
           <a:solidFill>
             <a:schemeClr val="tx1"/>
           </a:solidFill>
@@ -3133,16 +3133,16 @@
       </a:lvl1pPr>
     </p:titleStyle>
     <p:bodyStyle>
-      <a:lvl1pPr marL="228600" indent="-228600" algn="l" defTabSz="914400" rtl="0" eaLnBrk="1" latinLnBrk="0" hangingPunct="1">
+      <a:lvl1pPr marL="1097280" indent="-1097280" algn="l" defTabSz="4389120" rtl="0" eaLnBrk="1" latinLnBrk="0" hangingPunct="1">
         <a:lnSpc>
           <a:spcPct val="90000"/>
         </a:lnSpc>
         <a:spcBef>
-          <a:spcPts val="1000"/>
+          <a:spcPts val="4800"/>
         </a:spcBef>
         <a:buFont typeface="Arial" panose="020B0604020202020204" pitchFamily="34" charset="0"/>
         <a:buChar char="•"/>
-        <a:defRPr sz="2800" kern="1200">
+        <a:defRPr sz="13440" kern="1200">
           <a:solidFill>
             <a:schemeClr val="tx1"/>
           </a:solidFill>
@@ -3151,16 +3151,16 @@
           <a:cs typeface="+mn-cs"/>
         </a:defRPr>
       </a:lvl1pPr>
-      <a:lvl2pPr marL="685800" indent="-228600" algn="l" defTabSz="914400" rtl="0" eaLnBrk="1" latinLnBrk="0" hangingPunct="1">
+      <a:lvl2pPr marL="3291840" indent="-1097280" algn="l" defTabSz="4389120" rtl="0" eaLnBrk="1" latinLnBrk="0" hangingPunct="1">
         <a:lnSpc>
           <a:spcPct val="90000"/>
         </a:lnSpc>
         <a:spcBef>
-          <a:spcPts val="500"/>
+          <a:spcPts val="2400"/>
         </a:spcBef>
         <a:buFont typeface="Arial" panose="020B0604020202020204" pitchFamily="34" charset="0"/>
         <a:buChar char="•"/>
-        <a:defRPr sz="2400" kern="1200">
+        <a:defRPr sz="11520" kern="1200">
           <a:solidFill>
             <a:schemeClr val="tx1"/>
           </a:solidFill>
@@ -3169,16 +3169,16 @@
           <a:cs typeface="+mn-cs"/>
         </a:defRPr>
       </a:lvl2pPr>
-      <a:lvl3pPr marL="1143000" indent="-228600" algn="l" defTabSz="914400" rtl="0" eaLnBrk="1" latinLnBrk="0" hangingPunct="1">
+      <a:lvl3pPr marL="5486400" indent="-1097280" algn="l" defTabSz="4389120" rtl="0" eaLnBrk="1" latinLnBrk="0" hangingPunct="1">
         <a:lnSpc>
           <a:spcPct val="90000"/>
         </a:lnSpc>
         <a:spcBef>
-          <a:spcPts val="500"/>
+          <a:spcPts val="2400"/>
         </a:spcBef>
         <a:buFont typeface="Arial" panose="020B0604020202020204" pitchFamily="34" charset="0"/>
         <a:buChar char="•"/>
-        <a:defRPr sz="2000" kern="1200">
+        <a:defRPr sz="9600" kern="1200">
           <a:solidFill>
             <a:schemeClr val="tx1"/>
           </a:solidFill>
@@ -3187,16 +3187,16 @@
           <a:cs typeface="+mn-cs"/>
         </a:defRPr>
       </a:lvl3pPr>
-      <a:lvl4pPr marL="1600200" indent="-228600" algn="l" defTabSz="914400" rtl="0" eaLnBrk="1" latinLnBrk="0" hangingPunct="1">
+      <a:lvl4pPr marL="7680960" indent="-1097280" algn="l" defTabSz="4389120" rtl="0" eaLnBrk="1" latinLnBrk="0" hangingPunct="1">
         <a:lnSpc>
           <a:spcPct val="90000"/>
         </a:lnSpc>
         <a:spcBef>
-          <a:spcPts val="500"/>
+          <a:spcPts val="2400"/>
         </a:spcBef>
         <a:buFont typeface="Arial" panose="020B0604020202020204" pitchFamily="34" charset="0"/>
         <a:buChar char="•"/>
-        <a:defRPr sz="1800" kern="1200">
+        <a:defRPr sz="8640" kern="1200">
           <a:solidFill>
             <a:schemeClr val="tx1"/>
           </a:solidFill>
@@ -3205,16 +3205,16 @@
           <a:cs typeface="+mn-cs"/>
         </a:defRPr>
       </a:lvl4pPr>
-      <a:lvl5pPr marL="2057400" indent="-228600" algn="l" defTabSz="914400" rtl="0" eaLnBrk="1" latinLnBrk="0" hangingPunct="1">
+      <a:lvl5pPr marL="9875520" indent="-1097280" algn="l" defTabSz="4389120" rtl="0" eaLnBrk="1" latinLnBrk="0" hangingPunct="1">
         <a:lnSpc>
           <a:spcPct val="90000"/>
         </a:lnSpc>
         <a:spcBef>
-          <a:spcPts val="500"/>
+          <a:spcPts val="2400"/>
         </a:spcBef>
         <a:buFont typeface="Arial" panose="020B0604020202020204" pitchFamily="34" charset="0"/>
         <a:buChar char="•"/>
-        <a:defRPr sz="1800" kern="1200">
+        <a:defRPr sz="8640" kern="1200">
           <a:solidFill>
             <a:schemeClr val="tx1"/>
           </a:solidFill>
@@ -3223,16 +3223,16 @@
           <a:cs typeface="+mn-cs"/>
         </a:defRPr>
       </a:lvl5pPr>
-      <a:lvl6pPr marL="2514600" indent="-228600" algn="l" defTabSz="914400" rtl="0" eaLnBrk="1" latinLnBrk="0" hangingPunct="1">
+      <a:lvl6pPr marL="12070080" indent="-1097280" algn="l" defTabSz="4389120" rtl="0" eaLnBrk="1" latinLnBrk="0" hangingPunct="1">
         <a:lnSpc>
           <a:spcPct val="90000"/>
         </a:lnSpc>
         <a:spcBef>
-          <a:spcPts val="500"/>
+          <a:spcPts val="2400"/>
         </a:spcBef>
         <a:buFont typeface="Arial" panose="020B0604020202020204" pitchFamily="34" charset="0"/>
         <a:buChar char="•"/>
-        <a:defRPr sz="1800" kern="1200">
+        <a:defRPr sz="8640" kern="1200">
           <a:solidFill>
             <a:schemeClr val="tx1"/>
           </a:solidFill>
@@ -3241,16 +3241,16 @@
           <a:cs typeface="+mn-cs"/>
         </a:defRPr>
       </a:lvl6pPr>
-      <a:lvl7pPr marL="2971800" indent="-228600" algn="l" defTabSz="914400" rtl="0" eaLnBrk="1" latinLnBrk="0" hangingPunct="1">
+      <a:lvl7pPr marL="14264640" indent="-1097280" algn="l" defTabSz="4389120" rtl="0" eaLnBrk="1" latinLnBrk="0" hangingPunct="1">
         <a:lnSpc>
           <a:spcPct val="90000"/>
         </a:lnSpc>
         <a:spcBef>
-          <a:spcPts val="500"/>
+          <a:spcPts val="2400"/>
         </a:spcBef>
         <a:buFont typeface="Arial" panose="020B0604020202020204" pitchFamily="34" charset="0"/>
         <a:buChar char="•"/>
-        <a:defRPr sz="1800" kern="1200">
+        <a:defRPr sz="8640" kern="1200">
           <a:solidFill>
             <a:schemeClr val="tx1"/>
           </a:solidFill>
@@ -3259,16 +3259,16 @@
           <a:cs typeface="+mn-cs"/>
         </a:defRPr>
       </a:lvl7pPr>
-      <a:lvl8pPr marL="3429000" indent="-228600" algn="l" defTabSz="914400" rtl="0" eaLnBrk="1" latinLnBrk="0" hangingPunct="1">
+      <a:lvl8pPr marL="16459200" indent="-1097280" algn="l" defTabSz="4389120" rtl="0" eaLnBrk="1" latinLnBrk="0" hangingPunct="1">
         <a:lnSpc>
           <a:spcPct val="90000"/>
         </a:lnSpc>
         <a:spcBef>
-          <a:spcPts val="500"/>
+          <a:spcPts val="2400"/>
         </a:spcBef>
         <a:buFont typeface="Arial" panose="020B0604020202020204" pitchFamily="34" charset="0"/>
         <a:buChar char="•"/>
-        <a:defRPr sz="1800" kern="1200">
+        <a:defRPr sz="8640" kern="1200">
           <a:solidFill>
             <a:schemeClr val="tx1"/>
           </a:solidFill>
@@ -3277,16 +3277,16 @@
           <a:cs typeface="+mn-cs"/>
         </a:defRPr>
       </a:lvl8pPr>
-      <a:lvl9pPr marL="3886200" indent="-228600" algn="l" defTabSz="914400" rtl="0" eaLnBrk="1" latinLnBrk="0" hangingPunct="1">
+      <a:lvl9pPr marL="18653760" indent="-1097280" algn="l" defTabSz="4389120" rtl="0" eaLnBrk="1" latinLnBrk="0" hangingPunct="1">
         <a:lnSpc>
           <a:spcPct val="90000"/>
         </a:lnSpc>
         <a:spcBef>
-          <a:spcPts val="500"/>
+          <a:spcPts val="2400"/>
         </a:spcBef>
         <a:buFont typeface="Arial" panose="020B0604020202020204" pitchFamily="34" charset="0"/>
         <a:buChar char="•"/>
-        <a:defRPr sz="1800" kern="1200">
+        <a:defRPr sz="8640" kern="1200">
           <a:solidFill>
             <a:schemeClr val="tx1"/>
           </a:solidFill>
@@ -3300,8 +3300,8 @@
       <a:defPPr>
         <a:defRPr lang="en-US"/>
       </a:defPPr>
-      <a:lvl1pPr marL="0" algn="l" defTabSz="914400" rtl="0" eaLnBrk="1" latinLnBrk="0" hangingPunct="1">
-        <a:defRPr sz="1800" kern="1200">
+      <a:lvl1pPr marL="0" algn="l" defTabSz="4389120" rtl="0" eaLnBrk="1" latinLnBrk="0" hangingPunct="1">
+        <a:defRPr sz="8640" kern="1200">
           <a:solidFill>
             <a:schemeClr val="tx1"/>
           </a:solidFill>
@@ -3310,8 +3310,8 @@
           <a:cs typeface="+mn-cs"/>
         </a:defRPr>
       </a:lvl1pPr>
-      <a:lvl2pPr marL="457200" algn="l" defTabSz="914400" rtl="0" eaLnBrk="1" latinLnBrk="0" hangingPunct="1">
-        <a:defRPr sz="1800" kern="1200">
+      <a:lvl2pPr marL="2194560" algn="l" defTabSz="4389120" rtl="0" eaLnBrk="1" latinLnBrk="0" hangingPunct="1">
+        <a:defRPr sz="8640" kern="1200">
           <a:solidFill>
             <a:schemeClr val="tx1"/>
           </a:solidFill>
@@ -3320,8 +3320,8 @@
           <a:cs typeface="+mn-cs"/>
         </a:defRPr>
       </a:lvl2pPr>
-      <a:lvl3pPr marL="914400" algn="l" defTabSz="914400" rtl="0" eaLnBrk="1" latinLnBrk="0" hangingPunct="1">
-        <a:defRPr sz="1800" kern="1200">
+      <a:lvl3pPr marL="4389120" algn="l" defTabSz="4389120" rtl="0" eaLnBrk="1" latinLnBrk="0" hangingPunct="1">
+        <a:defRPr sz="8640" kern="1200">
           <a:solidFill>
             <a:schemeClr val="tx1"/>
           </a:solidFill>
@@ -3330,8 +3330,8 @@
           <a:cs typeface="+mn-cs"/>
         </a:defRPr>
       </a:lvl3pPr>
-      <a:lvl4pPr marL="1371600" algn="l" defTabSz="914400" rtl="0" eaLnBrk="1" latinLnBrk="0" hangingPunct="1">
-        <a:defRPr sz="1800" kern="1200">
+      <a:lvl4pPr marL="6583680" algn="l" defTabSz="4389120" rtl="0" eaLnBrk="1" latinLnBrk="0" hangingPunct="1">
+        <a:defRPr sz="8640" kern="1200">
           <a:solidFill>
             <a:schemeClr val="tx1"/>
           </a:solidFill>
@@ -3340,8 +3340,8 @@
           <a:cs typeface="+mn-cs"/>
         </a:defRPr>
       </a:lvl4pPr>
-      <a:lvl5pPr marL="1828800" algn="l" defTabSz="914400" rtl="0" eaLnBrk="1" latinLnBrk="0" hangingPunct="1">
-        <a:defRPr sz="1800" kern="1200">
+      <a:lvl5pPr marL="8778240" algn="l" defTabSz="4389120" rtl="0" eaLnBrk="1" latinLnBrk="0" hangingPunct="1">
+        <a:defRPr sz="8640" kern="1200">
           <a:solidFill>
             <a:schemeClr val="tx1"/>
           </a:solidFill>
@@ -3350,8 +3350,8 @@
           <a:cs typeface="+mn-cs"/>
         </a:defRPr>
       </a:lvl5pPr>
-      <a:lvl6pPr marL="2286000" algn="l" defTabSz="914400" rtl="0" eaLnBrk="1" latinLnBrk="0" hangingPunct="1">
-        <a:defRPr sz="1800" kern="1200">
+      <a:lvl6pPr marL="10972800" algn="l" defTabSz="4389120" rtl="0" eaLnBrk="1" latinLnBrk="0" hangingPunct="1">
+        <a:defRPr sz="8640" kern="1200">
           <a:solidFill>
             <a:schemeClr val="tx1"/>
           </a:solidFill>
@@ -3360,8 +3360,8 @@
           <a:cs typeface="+mn-cs"/>
         </a:defRPr>
       </a:lvl6pPr>
-      <a:lvl7pPr marL="2743200" algn="l" defTabSz="914400" rtl="0" eaLnBrk="1" latinLnBrk="0" hangingPunct="1">
-        <a:defRPr sz="1800" kern="1200">
+      <a:lvl7pPr marL="13167360" algn="l" defTabSz="4389120" rtl="0" eaLnBrk="1" latinLnBrk="0" hangingPunct="1">
+        <a:defRPr sz="8640" kern="1200">
           <a:solidFill>
             <a:schemeClr val="tx1"/>
           </a:solidFill>
@@ -3370,8 +3370,8 @@
           <a:cs typeface="+mn-cs"/>
         </a:defRPr>
       </a:lvl7pPr>
-      <a:lvl8pPr marL="3200400" algn="l" defTabSz="914400" rtl="0" eaLnBrk="1" latinLnBrk="0" hangingPunct="1">
-        <a:defRPr sz="1800" kern="1200">
+      <a:lvl8pPr marL="15361920" algn="l" defTabSz="4389120" rtl="0" eaLnBrk="1" latinLnBrk="0" hangingPunct="1">
+        <a:defRPr sz="8640" kern="1200">
           <a:solidFill>
             <a:schemeClr val="tx1"/>
           </a:solidFill>
@@ -3380,8 +3380,8 @@
           <a:cs typeface="+mn-cs"/>
         </a:defRPr>
       </a:lvl8pPr>
-      <a:lvl9pPr marL="3657600" algn="l" defTabSz="914400" rtl="0" eaLnBrk="1" latinLnBrk="0" hangingPunct="1">
-        <a:defRPr sz="1800" kern="1200">
+      <a:lvl9pPr marL="17556480" algn="l" defTabSz="4389120" rtl="0" eaLnBrk="1" latinLnBrk="0" hangingPunct="1">
+        <a:defRPr sz="8640" kern="1200">
           <a:solidFill>
             <a:schemeClr val="tx1"/>
           </a:solidFill>
@@ -3434,8 +3434,8 @@
         </p:nvSpPr>
         <p:spPr>
           <a:xfrm>
-            <a:off x="-4857" y="6062903"/>
-            <a:ext cx="9144000" cy="888999"/>
+            <a:off x="-23314" y="28671761"/>
+            <a:ext cx="43891200" cy="4267195"/>
           </a:xfrm>
           <a:prstGeom prst="rect">
             <a:avLst/>
@@ -3468,7 +3468,7 @@
           <a:lstStyle/>
           <a:p>
             <a:pPr algn="ctr"/>
-            <a:endParaRPr lang="en-US" sz="500" dirty="0"/>
+            <a:endParaRPr lang="en-US" sz="2400" dirty="0"/>
           </a:p>
         </p:txBody>
       </p:sp>
@@ -3486,8 +3486,8 @@
         </p:nvSpPr>
         <p:spPr>
           <a:xfrm>
-            <a:off x="3471901" y="900152"/>
-            <a:ext cx="3033856" cy="2149354"/>
+            <a:off x="16665125" y="4318378"/>
+            <a:ext cx="14562509" cy="10375133"/>
           </a:xfrm>
           <a:prstGeom prst="roundRect">
             <a:avLst/>
@@ -3519,7 +3519,7 @@
           <a:lstStyle/>
           <a:p>
             <a:pPr algn="ctr"/>
-            <a:endParaRPr lang="en-US" sz="375"/>
+            <a:endParaRPr lang="en-US" sz="1800"/>
           </a:p>
         </p:txBody>
       </p:sp>
@@ -3537,8 +3537,8 @@
         </p:nvSpPr>
         <p:spPr>
           <a:xfrm>
-            <a:off x="3482804" y="3126615"/>
-            <a:ext cx="5570861" cy="2713687"/>
+            <a:off x="16717455" y="15006724"/>
+            <a:ext cx="26740133" cy="13117433"/>
           </a:xfrm>
           <a:prstGeom prst="roundRect">
             <a:avLst/>
@@ -3570,7 +3570,7 @@
           <a:lstStyle/>
           <a:p>
             <a:pPr algn="ctr"/>
-            <a:endParaRPr lang="en-US" sz="375" dirty="0"/>
+            <a:endParaRPr lang="en-US" sz="1800" dirty="0"/>
           </a:p>
         </p:txBody>
       </p:sp>
@@ -3588,8 +3588,8 @@
         </p:nvSpPr>
         <p:spPr>
           <a:xfrm>
-            <a:off x="50092" y="3128124"/>
-            <a:ext cx="3392469" cy="2731290"/>
+            <a:off x="240444" y="15014995"/>
+            <a:ext cx="16283851" cy="13110192"/>
           </a:xfrm>
           <a:prstGeom prst="roundRect">
             <a:avLst/>
@@ -3621,7 +3621,7 @@
           <a:lstStyle/>
           <a:p>
             <a:pPr algn="ctr"/>
-            <a:endParaRPr lang="en-US" sz="375" dirty="0"/>
+            <a:endParaRPr lang="en-US" sz="1800" dirty="0"/>
           </a:p>
         </p:txBody>
       </p:sp>
@@ -3639,8 +3639,8 @@
         </p:nvSpPr>
         <p:spPr>
           <a:xfrm>
-            <a:off x="6552136" y="906251"/>
-            <a:ext cx="2482346" cy="2139048"/>
+            <a:off x="31450253" y="4350005"/>
+            <a:ext cx="11915261" cy="10343506"/>
           </a:xfrm>
           <a:prstGeom prst="roundRect">
             <a:avLst/>
@@ -3671,22 +3671,58 @@
           <a:bodyPr rtlCol="0" anchor="t"/>
           <a:lstStyle/>
           <a:p>
-            <a:pPr marL="95235" indent="-95235" algn="just">
+            <a:pPr marL="457128" indent="-457128" algn="just">
               <a:buFont typeface="Arial" panose="020B0604020202020204" pitchFamily="34" charset="0"/>
               <a:buChar char="•"/>
             </a:pPr>
-            <a:endParaRPr lang="en-US" sz="625" dirty="0"/>
-          </a:p>
-          <a:p>
-            <a:pPr marL="95235" indent="-95235" algn="just">
+            <a:endParaRPr lang="en-US" sz="3000" dirty="0"/>
+          </a:p>
+          <a:p>
+            <a:pPr marL="457128" indent="-457128" algn="just">
               <a:buFont typeface="Arial" panose="020B0604020202020204" pitchFamily="34" charset="0"/>
               <a:buChar char="•"/>
             </a:pPr>
-            <a:endParaRPr lang="en-US" sz="625" dirty="0"/>
-          </a:p>
-          <a:p>
-            <a:pPr algn="just"/>
-            <a:endParaRPr lang="en-US" sz="375" dirty="0"/>
+            <a:endParaRPr lang="en-US" sz="3200" dirty="0"/>
+          </a:p>
+          <a:p>
+            <a:pPr marL="342900" indent="-342900" algn="just">
+              <a:buFont typeface="Arial" panose="020B0604020202020204" pitchFamily="34" charset="0"/>
+              <a:buChar char="•"/>
+            </a:pPr>
+            <a:r>
+              <a:rPr lang="en-US" sz="3200" dirty="0"/>
+              <a:t>To run the model on more plants and test the model on these plants without training data from the plant. </a:t>
+            </a:r>
+          </a:p>
+          <a:p>
+            <a:pPr marL="342900" indent="-342900" algn="just">
+              <a:buFont typeface="Arial" panose="020B0604020202020204" pitchFamily="34" charset="0"/>
+              <a:buChar char="•"/>
+            </a:pPr>
+            <a:r>
+              <a:rPr lang="en-US" sz="3200" dirty="0"/>
+              <a:t>Changing the control of the plant. </a:t>
+            </a:r>
+          </a:p>
+          <a:p>
+            <a:pPr marL="342900" indent="-342900" algn="just">
+              <a:buFont typeface="Arial" panose="020B0604020202020204" pitchFamily="34" charset="0"/>
+              <a:buChar char="•"/>
+            </a:pPr>
+            <a:r>
+              <a:rPr lang="en-US" sz="3200" dirty="0"/>
+              <a:t>Adding and removing different features to see the effect of prediction across the different feature, and how the importance of these features changes. </a:t>
+            </a:r>
+          </a:p>
+          <a:p>
+            <a:pPr marL="342900" indent="-342900" algn="just">
+              <a:buFont typeface="Arial" panose="020B0604020202020204" pitchFamily="34" charset="0"/>
+              <a:buChar char="•"/>
+            </a:pPr>
+            <a:r>
+              <a:rPr lang="en-US" sz="3200" dirty="0"/>
+              <a:t> </a:t>
+            </a:r>
           </a:p>
         </p:txBody>
       </p:sp>
@@ -3704,8 +3740,8 @@
         </p:nvSpPr>
         <p:spPr>
           <a:xfrm>
-            <a:off x="0" y="5890382"/>
-            <a:ext cx="9144000" cy="78619"/>
+            <a:off x="0" y="28273836"/>
+            <a:ext cx="43891200" cy="377371"/>
           </a:xfrm>
           <a:prstGeom prst="rect">
             <a:avLst/>
@@ -3757,7 +3793,7 @@
           <a:lstStyle/>
           <a:p>
             <a:pPr algn="ctr"/>
-            <a:endParaRPr lang="en-US" sz="500"/>
+            <a:endParaRPr lang="en-US" sz="2400"/>
           </a:p>
         </p:txBody>
       </p:sp>
@@ -3775,8 +3811,8 @@
         </p:nvSpPr>
         <p:spPr>
           <a:xfrm>
-            <a:off x="90335" y="3514735"/>
-            <a:ext cx="2107890" cy="272415"/>
+            <a:off x="809477" y="16569935"/>
+            <a:ext cx="6576930" cy="919401"/>
           </a:xfrm>
           <a:prstGeom prst="roundRect">
             <a:avLst/>
@@ -3798,7 +3834,7 @@
           <a:lstStyle/>
           <a:p>
             <a:r>
-              <a:rPr lang="en-US" sz="1000" dirty="0"/>
+              <a:rPr lang="en-US" sz="4800" dirty="0"/>
               <a:t>FEATURES</a:t>
             </a:r>
           </a:p>
@@ -3819,7 +3855,7 @@
         <p:spPr>
           <a:xfrm>
             <a:off x="0" y="0"/>
-            <a:ext cx="9144000" cy="798286"/>
+            <a:ext cx="43891200" cy="3831773"/>
           </a:xfrm>
           <a:prstGeom prst="rect">
             <a:avLst/>
@@ -3869,7 +3905,7 @@
           <a:lstStyle/>
           <a:p>
             <a:pPr algn="ctr"/>
-            <a:endParaRPr lang="en-US" sz="500" dirty="0"/>
+            <a:endParaRPr lang="en-US" sz="2400" dirty="0"/>
           </a:p>
         </p:txBody>
       </p:sp>
@@ -3887,8 +3923,8 @@
         </p:nvSpPr>
         <p:spPr>
           <a:xfrm>
-            <a:off x="90335" y="36196"/>
-            <a:ext cx="8083789" cy="369332"/>
+            <a:off x="433611" y="173743"/>
+            <a:ext cx="38802187" cy="1323439"/>
           </a:xfrm>
           <a:prstGeom prst="rect">
             <a:avLst/>
@@ -3903,7 +3939,7 @@
           <a:p>
             <a:pPr algn="ctr"/>
             <a:r>
-              <a:rPr lang="en-US" b="1" dirty="0"/>
+              <a:rPr lang="en-US" sz="8000" b="1" dirty="0"/>
               <a:t>OPTICHILL –  DATA SCIENCE TOOL FOR PREDICTION OF CHILLER PLANT EFFICIENCY</a:t>
             </a:r>
           </a:p>
@@ -3923,8 +3959,8 @@
         </p:nvSpPr>
         <p:spPr>
           <a:xfrm>
-            <a:off x="33774" y="291076"/>
-            <a:ext cx="8545268" cy="507831"/>
+            <a:off x="162115" y="1397167"/>
+            <a:ext cx="41017286" cy="2086725"/>
           </a:xfrm>
           <a:prstGeom prst="rect">
             <a:avLst/>
@@ -3939,37 +3975,37 @@
           <a:p>
             <a:pPr algn="ctr"/>
             <a:r>
-              <a:rPr lang="en-US" sz="1100" dirty="0">
+              <a:rPr lang="en-US" sz="5280" dirty="0">
                 <a:latin typeface="Helvetica" pitchFamily="2" charset="0"/>
               </a:rPr>
               <a:t>Theodore Cohen</a:t>
             </a:r>
             <a:r>
-              <a:rPr lang="en-US" sz="1100" baseline="30000" dirty="0">
+              <a:rPr lang="en-US" sz="5280" baseline="30000" dirty="0">
                 <a:latin typeface="Helvetica" pitchFamily="2" charset="0"/>
               </a:rPr>
               <a:t>1, 2, 3</a:t>
             </a:r>
             <a:r>
-              <a:rPr lang="en-US" sz="1100" dirty="0">
+              <a:rPr lang="en-US" sz="5280" dirty="0">
                 <a:latin typeface="Helvetica" pitchFamily="2" charset="0"/>
               </a:rPr>
               <a:t>, Caitlin Parke</a:t>
             </a:r>
             <a:r>
-              <a:rPr lang="en-US" sz="1100" baseline="30000" dirty="0">
+              <a:rPr lang="en-US" sz="5280" baseline="30000" dirty="0">
                 <a:latin typeface="Helvetica" pitchFamily="2" charset="0"/>
               </a:rPr>
               <a:t>4</a:t>
             </a:r>
             <a:r>
-              <a:rPr lang="en-US" sz="1100" dirty="0">
+              <a:rPr lang="en-US" sz="5280" dirty="0">
                 <a:latin typeface="Helvetica" pitchFamily="2" charset="0"/>
               </a:rPr>
               <a:t>, Maitri Uppaluri</a:t>
             </a:r>
             <a:r>
-              <a:rPr lang="en-US" sz="1100" baseline="30000" dirty="0">
+              <a:rPr lang="en-US" sz="5280" baseline="30000" dirty="0">
                 <a:latin typeface="Helvetica" pitchFamily="2" charset="0"/>
               </a:rPr>
               <a:t>4</a:t>
@@ -3977,18 +4013,27 @@
           </a:p>
           <a:p>
             <a:pPr algn="ctr"/>
-            <a:endParaRPr lang="en-US" sz="800" dirty="0">
+            <a:endParaRPr lang="en-US" sz="3840" dirty="0">
               <a:latin typeface="Helvetica" pitchFamily="2" charset="0"/>
             </a:endParaRPr>
           </a:p>
           <a:p>
             <a:pPr algn="ctr"/>
             <a:r>
-              <a:rPr lang="en-US" sz="800" dirty="0">
+              <a:rPr lang="en-US" sz="3840" dirty="0">
                 <a:latin typeface="Helvetica" pitchFamily="2" charset="0"/>
               </a:rPr>
-              <a:t>1. Department of Chemistry 2. Department of Material Science and Engineering 3. Molecular Engineering and Science Department 4. Department of Chemical Engineering</a:t>
-            </a:r>
+              <a:t>1</a:t>
+            </a:r>
+            <a:r>
+              <a:rPr lang="en-US" sz="3600" dirty="0">
+                <a:latin typeface="Helvetica" pitchFamily="2" charset="0"/>
+              </a:rPr>
+              <a:t>. Department of Chemistry  2. Department of Material Science and Engineering  3. Molecular Engineering and Science Department  4. Department of Chemical Engineering</a:t>
+            </a:r>
+            <a:endParaRPr lang="en-US" sz="3840" dirty="0">
+              <a:latin typeface="Helvetica" pitchFamily="2" charset="0"/>
+            </a:endParaRPr>
           </a:p>
         </p:txBody>
       </p:sp>
@@ -4006,8 +4051,8 @@
         </p:nvSpPr>
         <p:spPr>
           <a:xfrm>
-            <a:off x="0" y="798287"/>
-            <a:ext cx="9144000" cy="78619"/>
+            <a:off x="0" y="3831780"/>
+            <a:ext cx="43891200" cy="377371"/>
           </a:xfrm>
           <a:prstGeom prst="rect">
             <a:avLst/>
@@ -4059,7 +4104,7 @@
           <a:lstStyle/>
           <a:p>
             <a:pPr algn="ctr"/>
-            <a:endParaRPr lang="en-US" sz="500"/>
+            <a:endParaRPr lang="en-US" sz="2400"/>
           </a:p>
         </p:txBody>
       </p:sp>
@@ -4085,8 +4130,8 @@
         </p:blipFill>
         <p:spPr>
           <a:xfrm>
-            <a:off x="8078932" y="52089"/>
-            <a:ext cx="1065068" cy="710045"/>
+            <a:off x="38623238" y="256795"/>
+            <a:ext cx="5112326" cy="3408216"/>
           </a:xfrm>
           <a:prstGeom prst="rect">
             <a:avLst/>
@@ -4120,8 +4165,8 @@
         </p:blipFill>
         <p:spPr bwMode="auto">
           <a:xfrm>
-            <a:off x="4419795" y="6032434"/>
-            <a:ext cx="772565" cy="736018"/>
+            <a:off x="26577326" y="28988986"/>
+            <a:ext cx="2341217" cy="2230462"/>
           </a:xfrm>
           <a:prstGeom prst="rect">
             <a:avLst/>
@@ -4152,8 +4197,8 @@
         </p:nvSpPr>
         <p:spPr>
           <a:xfrm>
-            <a:off x="50092" y="899662"/>
-            <a:ext cx="3375430" cy="2161486"/>
+            <a:off x="240442" y="4318378"/>
+            <a:ext cx="16202064" cy="10375133"/>
           </a:xfrm>
           <a:prstGeom prst="roundRect">
             <a:avLst/>
@@ -4184,8 +4229,7 @@
           <a:bodyPr rtlCol="0" anchor="ctr"/>
           <a:lstStyle/>
           <a:p>
-            <a:pPr algn="ctr"/>
-            <a:endParaRPr lang="en-US" sz="375" dirty="0"/>
+            <a:endParaRPr lang="en-US" sz="1800" dirty="0"/>
           </a:p>
         </p:txBody>
       </p:sp>
@@ -4203,8 +4247,8 @@
         </p:nvSpPr>
         <p:spPr>
           <a:xfrm>
-            <a:off x="134112" y="1287097"/>
-            <a:ext cx="2064113" cy="272415"/>
+            <a:off x="583075" y="5927367"/>
+            <a:ext cx="8072558" cy="919401"/>
           </a:xfrm>
           <a:prstGeom prst="roundRect">
             <a:avLst/>
@@ -4239,9 +4283,8 @@
           </a:bodyPr>
           <a:lstStyle/>
           <a:p>
-            <a:pPr algn="just"/>
-            <a:r>
-              <a:rPr lang="en-US" sz="1000" dirty="0"/>
+            <a:r>
+              <a:rPr lang="en-US" sz="4800" dirty="0"/>
               <a:t>MOTIVATION</a:t>
             </a:r>
           </a:p>
@@ -4261,8 +4304,8 @@
         </p:nvSpPr>
         <p:spPr>
           <a:xfrm>
-            <a:off x="883984" y="3177300"/>
-            <a:ext cx="1707645" cy="306467"/>
+            <a:off x="4243126" y="15251040"/>
+            <a:ext cx="8196696" cy="1082850"/>
           </a:xfrm>
           <a:prstGeom prst="roundRect">
             <a:avLst/>
@@ -4298,7 +4341,7 @@
           <a:p>
             <a:pPr algn="ctr"/>
             <a:r>
-              <a:rPr lang="en-US" sz="1200" b="1" dirty="0">
+              <a:rPr lang="en-US" sz="5760" b="1" dirty="0">
                 <a:solidFill>
                   <a:schemeClr val="bg1"/>
                 </a:solidFill>
@@ -4322,8 +4365,8 @@
         </p:nvSpPr>
         <p:spPr>
           <a:xfrm>
-            <a:off x="892886" y="954350"/>
-            <a:ext cx="1706880" cy="306467"/>
+            <a:off x="4285853" y="4580882"/>
+            <a:ext cx="8193024" cy="1082850"/>
           </a:xfrm>
           <a:prstGeom prst="roundRect">
             <a:avLst/>
@@ -4359,7 +4402,7 @@
           <a:p>
             <a:pPr algn="ctr"/>
             <a:r>
-              <a:rPr lang="en-US" sz="1200" b="1" dirty="0">
+              <a:rPr lang="en-US" sz="5760" b="1" dirty="0">
                 <a:solidFill>
                   <a:schemeClr val="bg1"/>
                 </a:solidFill>
@@ -4383,8 +4426,8 @@
         </p:nvSpPr>
         <p:spPr>
           <a:xfrm>
-            <a:off x="5263098" y="3172191"/>
-            <a:ext cx="2010271" cy="306467"/>
+            <a:off x="25262873" y="15226517"/>
+            <a:ext cx="9649301" cy="1082850"/>
           </a:xfrm>
           <a:prstGeom prst="roundRect">
             <a:avLst/>
@@ -4420,7 +4463,7 @@
           <a:p>
             <a:pPr algn="ctr"/>
             <a:r>
-              <a:rPr lang="en-US" sz="1200" b="1" dirty="0">
+              <a:rPr lang="en-US" sz="5760" b="1" dirty="0">
                 <a:solidFill>
                   <a:schemeClr val="bg1"/>
                 </a:solidFill>
@@ -4452,8 +4495,8 @@
         </p:blipFill>
         <p:spPr>
           <a:xfrm>
-            <a:off x="4857" y="5926390"/>
-            <a:ext cx="2654699" cy="948107"/>
+            <a:off x="23314" y="28446674"/>
+            <a:ext cx="12742555" cy="4550914"/>
           </a:xfrm>
           <a:prstGeom prst="rect">
             <a:avLst/>
@@ -4474,8 +4517,8 @@
         </p:nvSpPr>
         <p:spPr>
           <a:xfrm>
-            <a:off x="121474" y="2196967"/>
-            <a:ext cx="2064113" cy="272415"/>
+            <a:off x="9259035" y="5927367"/>
+            <a:ext cx="6607267" cy="919401"/>
           </a:xfrm>
           <a:prstGeom prst="roundRect">
             <a:avLst/>
@@ -4512,7 +4555,7 @@
           <a:p>
             <a:pPr algn="just"/>
             <a:r>
-              <a:rPr lang="en-US" sz="1000" dirty="0"/>
+              <a:rPr lang="en-US" sz="4800" dirty="0"/>
               <a:t>GOALS</a:t>
             </a:r>
           </a:p>
@@ -4532,8 +4575,8 @@
         </p:nvSpPr>
         <p:spPr>
           <a:xfrm>
-            <a:off x="90335" y="4435139"/>
-            <a:ext cx="2095252" cy="280276"/>
+            <a:off x="809477" y="21546536"/>
+            <a:ext cx="6607267" cy="919401"/>
           </a:xfrm>
           <a:prstGeom prst="roundRect">
             <a:avLst/>
@@ -4555,8 +4598,8 @@
           <a:lstStyle/>
           <a:p>
             <a:r>
-              <a:rPr lang="en-US" sz="1000" dirty="0"/>
-              <a:t>ALARMS</a:t>
+              <a:rPr lang="en-US" sz="4800" dirty="0"/>
+              <a:t>FILTERING</a:t>
             </a:r>
           </a:p>
         </p:txBody>
@@ -4575,8 +4618,8 @@
         </p:nvSpPr>
         <p:spPr>
           <a:xfrm>
-            <a:off x="3742874" y="949741"/>
-            <a:ext cx="2525360" cy="306467"/>
+            <a:off x="17965795" y="4558757"/>
+            <a:ext cx="12121728" cy="1082850"/>
           </a:xfrm>
           <a:prstGeom prst="roundRect">
             <a:avLst/>
@@ -4612,7 +4655,7 @@
           <a:p>
             <a:pPr algn="ctr"/>
             <a:r>
-              <a:rPr lang="en-US" sz="1200" b="1" dirty="0">
+              <a:rPr lang="en-US" sz="5760" b="1" dirty="0">
                 <a:solidFill>
                   <a:schemeClr val="bg1"/>
                 </a:solidFill>
@@ -4636,8 +4679,8 @@
         </p:nvSpPr>
         <p:spPr>
           <a:xfrm>
-            <a:off x="6788173" y="945810"/>
-            <a:ext cx="2010271" cy="306467"/>
+            <a:off x="32583233" y="4539888"/>
+            <a:ext cx="9649301" cy="1082850"/>
           </a:xfrm>
           <a:prstGeom prst="roundRect">
             <a:avLst/>
@@ -4673,7 +4716,7 @@
           <a:p>
             <a:pPr algn="ctr"/>
             <a:r>
-              <a:rPr lang="en-US" sz="1200" b="1" dirty="0">
+              <a:rPr lang="en-US" sz="5760" b="1" dirty="0">
                 <a:solidFill>
                   <a:schemeClr val="bg1"/>
                 </a:solidFill>
@@ -4697,8 +4740,8 @@
         </p:nvSpPr>
         <p:spPr>
           <a:xfrm>
-            <a:off x="3571585" y="3537533"/>
-            <a:ext cx="1469647" cy="272415"/>
+            <a:off x="17143609" y="16579046"/>
+            <a:ext cx="14755713" cy="919401"/>
           </a:xfrm>
           <a:prstGeom prst="roundRect">
             <a:avLst/>
@@ -4720,8 +4763,8 @@
           <a:lstStyle/>
           <a:p>
             <a:r>
-              <a:rPr lang="en-US" sz="1000" dirty="0"/>
-              <a:t>OVERALL</a:t>
+              <a:rPr lang="en-US" sz="4800" dirty="0"/>
+              <a:t>OVERALL PREDICTION</a:t>
             </a:r>
           </a:p>
         </p:txBody>
@@ -4740,8 +4783,8 @@
         </p:nvSpPr>
         <p:spPr>
           <a:xfrm>
-            <a:off x="5263098" y="3533187"/>
-            <a:ext cx="3632965" cy="272415"/>
+            <a:off x="32429985" y="16550931"/>
+            <a:ext cx="10608615" cy="919401"/>
           </a:xfrm>
           <a:prstGeom prst="roundRect">
             <a:avLst/>
@@ -4763,8 +4806,8 @@
           <a:lstStyle/>
           <a:p>
             <a:r>
-              <a:rPr lang="en-US" sz="1000" dirty="0"/>
-              <a:t>TRAININNG ACROSS DIFFERENT SEASONS</a:t>
+              <a:rPr lang="en-US" sz="4800" dirty="0"/>
+              <a:t>TRAINING ACROSS DIFFERENT SEASONS</a:t>
             </a:r>
           </a:p>
         </p:txBody>
@@ -4798,8 +4841,8 @@
         </p:blipFill>
         <p:spPr bwMode="auto">
           <a:xfrm>
-            <a:off x="2241503" y="6108566"/>
-            <a:ext cx="2096421" cy="609868"/>
+            <a:off x="14723869" y="29290636"/>
+            <a:ext cx="10894029" cy="3169172"/>
           </a:xfrm>
           <a:prstGeom prst="rect">
             <a:avLst/>
@@ -4814,6 +4857,484 @@
               </a14:hiddenFill>
             </a:ext>
           </a:extLst>
+        </p:spPr>
+      </p:pic>
+      <p:sp>
+        <p:nvSpPr>
+          <p:cNvPr id="5" name="TextBox 4">
+            <a:extLst>
+              <a:ext uri="{FF2B5EF4-FFF2-40B4-BE49-F238E27FC236}">
+                <a16:creationId xmlns:a16="http://schemas.microsoft.com/office/drawing/2014/main" id="{902B9D88-29E7-4FC3-83AE-9A25C66ED14C}"/>
+              </a:ext>
+            </a:extLst>
+          </p:cNvPr>
+          <p:cNvSpPr txBox="1"/>
+          <p:nvPr/>
+        </p:nvSpPr>
+        <p:spPr>
+          <a:xfrm>
+            <a:off x="583075" y="6884905"/>
+            <a:ext cx="8193024" cy="2554545"/>
+          </a:xfrm>
+          <a:prstGeom prst="rect">
+            <a:avLst/>
+          </a:prstGeom>
+          <a:noFill/>
+        </p:spPr>
+        <p:txBody>
+          <a:bodyPr wrap="square" rtlCol="0">
+            <a:spAutoFit/>
+          </a:bodyPr>
+          <a:lstStyle/>
+          <a:p>
+            <a:pPr algn="just"/>
+            <a:r>
+              <a:rPr lang="en-US" sz="3200" dirty="0"/>
+              <a:t>Today, efficiency models of plants run in large excel sheets. These models can take months to create. Machine learning can be a powerful tool to predict the efficiency of the chiller plant and for optimization. </a:t>
+            </a:r>
+          </a:p>
+        </p:txBody>
+      </p:sp>
+      <p:sp>
+        <p:nvSpPr>
+          <p:cNvPr id="29" name="TextBox 28">
+            <a:extLst>
+              <a:ext uri="{FF2B5EF4-FFF2-40B4-BE49-F238E27FC236}">
+                <a16:creationId xmlns:a16="http://schemas.microsoft.com/office/drawing/2014/main" id="{54A8BCA4-1696-4D4E-B934-F30A79586F52}"/>
+              </a:ext>
+            </a:extLst>
+          </p:cNvPr>
+          <p:cNvSpPr txBox="1"/>
+          <p:nvPr/>
+        </p:nvSpPr>
+        <p:spPr>
+          <a:xfrm>
+            <a:off x="9259035" y="6884905"/>
+            <a:ext cx="6607267" cy="6001643"/>
+          </a:xfrm>
+          <a:prstGeom prst="rect">
+            <a:avLst/>
+          </a:prstGeom>
+          <a:noFill/>
+        </p:spPr>
+        <p:txBody>
+          <a:bodyPr wrap="square" rtlCol="0">
+            <a:spAutoFit/>
+          </a:bodyPr>
+          <a:lstStyle/>
+          <a:p>
+            <a:pPr algn="just"/>
+            <a:r>
+              <a:rPr lang="en-US" sz="3200" b="1" dirty="0"/>
+              <a:t>1. DATA CLEANING</a:t>
+            </a:r>
+          </a:p>
+          <a:p>
+            <a:pPr algn="just"/>
+            <a:r>
+              <a:rPr lang="en-US" sz="3200" dirty="0"/>
+              <a:t>To remove unwanted features and alarms from the dataset. </a:t>
+            </a:r>
+          </a:p>
+          <a:p>
+            <a:pPr algn="just"/>
+            <a:endParaRPr lang="en-US" sz="3200" dirty="0"/>
+          </a:p>
+          <a:p>
+            <a:pPr algn="just"/>
+            <a:r>
+              <a:rPr lang="en-US" sz="3200" b="1" dirty="0"/>
+              <a:t>2. FEATURE IMPORTANCE</a:t>
+            </a:r>
+          </a:p>
+          <a:p>
+            <a:pPr algn="just"/>
+            <a:r>
+              <a:rPr lang="en-US" sz="3200" dirty="0"/>
+              <a:t>To create an algorithm that sorts out the features in the order of their importance to plant efficiency. </a:t>
+            </a:r>
+          </a:p>
+          <a:p>
+            <a:pPr algn="just"/>
+            <a:endParaRPr lang="en-US" sz="3200" dirty="0"/>
+          </a:p>
+          <a:p>
+            <a:pPr algn="just"/>
+            <a:r>
+              <a:rPr lang="en-US" sz="3200" b="1" dirty="0"/>
+              <a:t>3. PREDICTION</a:t>
+            </a:r>
+          </a:p>
+          <a:p>
+            <a:pPr algn="just"/>
+            <a:r>
+              <a:rPr lang="en-US" sz="3200" dirty="0"/>
+              <a:t>To predict the efficiency of the chiller plant. </a:t>
+            </a:r>
+          </a:p>
+        </p:txBody>
+      </p:sp>
+      <p:pic>
+        <p:nvPicPr>
+          <p:cNvPr id="13" name="Picture 12">
+            <a:extLst>
+              <a:ext uri="{FF2B5EF4-FFF2-40B4-BE49-F238E27FC236}">
+                <a16:creationId xmlns:a16="http://schemas.microsoft.com/office/drawing/2014/main" id="{CB6F7080-ADF2-4888-B3F9-61D4D545D8BA}"/>
+              </a:ext>
+            </a:extLst>
+          </p:cNvPr>
+          <p:cNvPicPr>
+            <a:picLocks noChangeAspect="1"/>
+          </p:cNvPicPr>
+          <p:nvPr/>
+        </p:nvPicPr>
+        <p:blipFill>
+          <a:blip r:embed="rId7">
+            <a:extLst>
+              <a:ext uri="{28A0092B-C50C-407E-A947-70E740481C1C}">
+                <a14:useLocalDpi xmlns:a14="http://schemas.microsoft.com/office/drawing/2010/main" val="0"/>
+              </a:ext>
+            </a:extLst>
+          </a:blip>
+          <a:stretch>
+            <a:fillRect/>
+          </a:stretch>
+        </p:blipFill>
+        <p:spPr>
+          <a:xfrm>
+            <a:off x="10652335" y="28560264"/>
+            <a:ext cx="4320324" cy="4320324"/>
+          </a:xfrm>
+          <a:prstGeom prst="rect">
+            <a:avLst/>
+          </a:prstGeom>
+        </p:spPr>
+      </p:pic>
+      <p:sp>
+        <p:nvSpPr>
+          <p:cNvPr id="31" name="TextBox 30">
+            <a:extLst>
+              <a:ext uri="{FF2B5EF4-FFF2-40B4-BE49-F238E27FC236}">
+                <a16:creationId xmlns:a16="http://schemas.microsoft.com/office/drawing/2014/main" id="{65F6195A-5EF9-42AC-86B6-BE8CD04F7378}"/>
+              </a:ext>
+            </a:extLst>
+          </p:cNvPr>
+          <p:cNvSpPr txBox="1"/>
+          <p:nvPr/>
+        </p:nvSpPr>
+        <p:spPr>
+          <a:xfrm>
+            <a:off x="770106" y="17540585"/>
+            <a:ext cx="6582967" cy="4031873"/>
+          </a:xfrm>
+          <a:prstGeom prst="rect">
+            <a:avLst/>
+          </a:prstGeom>
+          <a:noFill/>
+        </p:spPr>
+        <p:txBody>
+          <a:bodyPr wrap="square" rtlCol="0">
+            <a:spAutoFit/>
+          </a:bodyPr>
+          <a:lstStyle/>
+          <a:p>
+            <a:pPr algn="just"/>
+            <a:r>
+              <a:rPr lang="en-US" sz="3200" dirty="0"/>
+              <a:t>Raw data from several chiller plants was filtered and optimized for ML implementation. This was started by only using the raw data directly from the plant. These data included readouts form the Building </a:t>
+            </a:r>
+          </a:p>
+          <a:p>
+            <a:pPr algn="just"/>
+            <a:r>
+              <a:rPr lang="en-US" sz="3200" dirty="0"/>
+              <a:t>Automation System, chillers, cooling towers, and water pumps.</a:t>
+            </a:r>
+          </a:p>
+        </p:txBody>
+      </p:sp>
+      <p:sp>
+        <p:nvSpPr>
+          <p:cNvPr id="32" name="TextBox 31">
+            <a:extLst>
+              <a:ext uri="{FF2B5EF4-FFF2-40B4-BE49-F238E27FC236}">
+                <a16:creationId xmlns:a16="http://schemas.microsoft.com/office/drawing/2014/main" id="{5D9C213F-CB53-4627-9AB3-04EFE42A8E05}"/>
+              </a:ext>
+            </a:extLst>
+          </p:cNvPr>
+          <p:cNvSpPr txBox="1"/>
+          <p:nvPr/>
+        </p:nvSpPr>
+        <p:spPr>
+          <a:xfrm>
+            <a:off x="779140" y="22531819"/>
+            <a:ext cx="6607267" cy="5016758"/>
+          </a:xfrm>
+          <a:prstGeom prst="rect">
+            <a:avLst/>
+          </a:prstGeom>
+          <a:noFill/>
+        </p:spPr>
+        <p:txBody>
+          <a:bodyPr wrap="square" rtlCol="0">
+            <a:spAutoFit/>
+          </a:bodyPr>
+          <a:lstStyle/>
+          <a:p>
+            <a:pPr algn="just"/>
+            <a:r>
+              <a:rPr lang="en-US" sz="3200" dirty="0"/>
+              <a:t>Various stale features were removed and any feature containing the phrase ‘kW’ was removed to ensure that no calculated data was used for plant performance prediction. Datapoints used for prediction were pre optimized, complete, and in some cases had no alarms going off. Optional inputs for removing any feature was added for flexibility.</a:t>
+            </a:r>
+          </a:p>
+        </p:txBody>
+      </p:sp>
+      <p:pic>
+        <p:nvPicPr>
+          <p:cNvPr id="34" name="Picture 2" descr="visualizing gradient boosting over decision trees">
+            <a:extLst>
+              <a:ext uri="{FF2B5EF4-FFF2-40B4-BE49-F238E27FC236}">
+                <a16:creationId xmlns:a16="http://schemas.microsoft.com/office/drawing/2014/main" id="{7AB61639-9843-4E6B-A1DD-5ED867F2D508}"/>
+              </a:ext>
+            </a:extLst>
+          </p:cNvPr>
+          <p:cNvPicPr>
+            <a:picLocks noChangeAspect="1" noChangeArrowheads="1"/>
+          </p:cNvPicPr>
+          <p:nvPr/>
+        </p:nvPicPr>
+        <p:blipFill rotWithShape="1">
+          <a:blip r:embed="rId8">
+            <a:extLst>
+              <a:ext uri="{28A0092B-C50C-407E-A947-70E740481C1C}">
+                <a14:useLocalDpi xmlns:a14="http://schemas.microsoft.com/office/drawing/2010/main" val="0"/>
+              </a:ext>
+            </a:extLst>
+          </a:blip>
+          <a:srcRect l="4940" t="13537" r="3859" b="17827"/>
+          <a:stretch/>
+        </p:blipFill>
+        <p:spPr bwMode="auto">
+          <a:xfrm>
+            <a:off x="16845802" y="5662161"/>
+            <a:ext cx="13932379" cy="2968989"/>
+          </a:xfrm>
+          <a:prstGeom prst="rect">
+            <a:avLst/>
+          </a:prstGeom>
+          <a:noFill/>
+          <a:extLst>
+            <a:ext uri="{909E8E84-426E-40DD-AFC4-6F175D3DCCD1}">
+              <a14:hiddenFill xmlns:a14="http://schemas.microsoft.com/office/drawing/2010/main">
+                <a:solidFill>
+                  <a:srgbClr val="FFFFFF"/>
+                </a:solidFill>
+              </a14:hiddenFill>
+            </a:ext>
+          </a:extLst>
+        </p:spPr>
+      </p:pic>
+      <p:pic>
+        <p:nvPicPr>
+          <p:cNvPr id="36" name="Picture 35" descr="A picture containing object&#10;&#10;Description generated with high confidence">
+            <a:extLst>
+              <a:ext uri="{FF2B5EF4-FFF2-40B4-BE49-F238E27FC236}">
+                <a16:creationId xmlns:a16="http://schemas.microsoft.com/office/drawing/2014/main" id="{B32D8D49-396F-4E1D-91CD-A2459A2BDEB7}"/>
+              </a:ext>
+            </a:extLst>
+          </p:cNvPr>
+          <p:cNvPicPr>
+            <a:picLocks noChangeAspect="1"/>
+          </p:cNvPicPr>
+          <p:nvPr/>
+        </p:nvPicPr>
+        <p:blipFill>
+          <a:blip r:embed="rId9">
+            <a:extLst>
+              <a:ext uri="{28A0092B-C50C-407E-A947-70E740481C1C}">
+                <a14:useLocalDpi xmlns:a14="http://schemas.microsoft.com/office/drawing/2010/main" val="0"/>
+              </a:ext>
+            </a:extLst>
+          </a:blip>
+          <a:stretch>
+            <a:fillRect/>
+          </a:stretch>
+        </p:blipFill>
+        <p:spPr>
+          <a:xfrm>
+            <a:off x="25849713" y="30781123"/>
+            <a:ext cx="6733520" cy="1995117"/>
+          </a:xfrm>
+          <a:prstGeom prst="rect">
+            <a:avLst/>
+          </a:prstGeom>
+        </p:spPr>
+      </p:pic>
+      <p:pic>
+        <p:nvPicPr>
+          <p:cNvPr id="14" name="Picture 13">
+            <a:extLst>
+              <a:ext uri="{FF2B5EF4-FFF2-40B4-BE49-F238E27FC236}">
+                <a16:creationId xmlns:a16="http://schemas.microsoft.com/office/drawing/2014/main" id="{EDEA2DC3-94A0-4E11-B4F1-4F11EDC3B6D7}"/>
+              </a:ext>
+            </a:extLst>
+          </p:cNvPr>
+          <p:cNvPicPr>
+            <a:picLocks noChangeAspect="1"/>
+          </p:cNvPicPr>
+          <p:nvPr/>
+        </p:nvPicPr>
+        <p:blipFill>
+          <a:blip r:embed="rId10">
+            <a:extLst>
+              <a:ext uri="{28A0092B-C50C-407E-A947-70E740481C1C}">
+                <a14:useLocalDpi xmlns:a14="http://schemas.microsoft.com/office/drawing/2010/main" val="0"/>
+              </a:ext>
+            </a:extLst>
+          </a:blip>
+          <a:stretch>
+            <a:fillRect/>
+          </a:stretch>
+        </p:blipFill>
+        <p:spPr>
+          <a:xfrm>
+            <a:off x="17143609" y="18049103"/>
+            <a:ext cx="8119263" cy="5990305"/>
+          </a:xfrm>
+          <a:prstGeom prst="rect">
+            <a:avLst/>
+          </a:prstGeom>
+          <a:ln>
+            <a:noFill/>
+          </a:ln>
+        </p:spPr>
+      </p:pic>
+      <p:sp>
+        <p:nvSpPr>
+          <p:cNvPr id="41" name="TextBox 40">
+            <a:extLst>
+              <a:ext uri="{FF2B5EF4-FFF2-40B4-BE49-F238E27FC236}">
+                <a16:creationId xmlns:a16="http://schemas.microsoft.com/office/drawing/2014/main" id="{C0420AFA-F992-4638-A27C-B03E3D98559F}"/>
+              </a:ext>
+            </a:extLst>
+          </p:cNvPr>
+          <p:cNvSpPr txBox="1"/>
+          <p:nvPr/>
+        </p:nvSpPr>
+        <p:spPr>
+          <a:xfrm>
+            <a:off x="17965795" y="24021019"/>
+            <a:ext cx="6578173" cy="461665"/>
+          </a:xfrm>
+          <a:prstGeom prst="rect">
+            <a:avLst/>
+          </a:prstGeom>
+          <a:noFill/>
+        </p:spPr>
+        <p:txBody>
+          <a:bodyPr wrap="square" rtlCol="0">
+            <a:spAutoFit/>
+          </a:bodyPr>
+          <a:lstStyle/>
+          <a:p>
+            <a:r>
+              <a:rPr lang="en-US" sz="2400" dirty="0"/>
+              <a:t>Results from GBM on Plant 1 data. R</a:t>
+            </a:r>
+            <a:r>
+              <a:rPr lang="en-US" sz="2400" baseline="30000" dirty="0"/>
+              <a:t>2</a:t>
+            </a:r>
+            <a:r>
+              <a:rPr lang="en-US" sz="2400" dirty="0"/>
+              <a:t> value = 98.2%</a:t>
+            </a:r>
+          </a:p>
+        </p:txBody>
+      </p:sp>
+      <p:sp>
+        <p:nvSpPr>
+          <p:cNvPr id="42" name="TextBox 41">
+            <a:extLst>
+              <a:ext uri="{FF2B5EF4-FFF2-40B4-BE49-F238E27FC236}">
+                <a16:creationId xmlns:a16="http://schemas.microsoft.com/office/drawing/2014/main" id="{C6BDAA2B-0B89-466D-81A3-E658FF0DF170}"/>
+              </a:ext>
+            </a:extLst>
+          </p:cNvPr>
+          <p:cNvSpPr txBox="1"/>
+          <p:nvPr/>
+        </p:nvSpPr>
+        <p:spPr>
+          <a:xfrm>
+            <a:off x="33410694" y="28701899"/>
+            <a:ext cx="9627905" cy="2400657"/>
+          </a:xfrm>
+          <a:prstGeom prst="rect">
+            <a:avLst/>
+          </a:prstGeom>
+          <a:noFill/>
+        </p:spPr>
+        <p:txBody>
+          <a:bodyPr wrap="square" rtlCol="0">
+            <a:spAutoFit/>
+          </a:bodyPr>
+          <a:lstStyle/>
+          <a:p>
+            <a:pPr algn="ctr"/>
+            <a:r>
+              <a:rPr lang="en-US" sz="5400" b="1" dirty="0"/>
+              <a:t>ACKNOWLEDGEMENTS</a:t>
+            </a:r>
+            <a:endParaRPr lang="en-US" sz="6600" b="1" dirty="0"/>
+          </a:p>
+          <a:p>
+            <a:pPr algn="just"/>
+            <a:r>
+              <a:rPr lang="en-US" sz="3200" dirty="0"/>
+              <a:t>Optimum Energy</a:t>
+            </a:r>
+          </a:p>
+          <a:p>
+            <a:pPr algn="just"/>
+            <a:r>
+              <a:rPr lang="en-US" sz="3200" dirty="0"/>
+              <a:t>Dave Beck and Kelly Thornton</a:t>
+            </a:r>
+          </a:p>
+          <a:p>
+            <a:pPr algn="just"/>
+            <a:endParaRPr lang="en-US" sz="3200" b="1" dirty="0"/>
+          </a:p>
+        </p:txBody>
+      </p:sp>
+      <p:pic>
+        <p:nvPicPr>
+          <p:cNvPr id="17" name="Picture 16">
+            <a:extLst>
+              <a:ext uri="{FF2B5EF4-FFF2-40B4-BE49-F238E27FC236}">
+                <a16:creationId xmlns:a16="http://schemas.microsoft.com/office/drawing/2014/main" id="{BF385469-B6DA-49E4-88D4-7EB59B38DC66}"/>
+              </a:ext>
+            </a:extLst>
+          </p:cNvPr>
+          <p:cNvPicPr>
+            <a:picLocks noChangeAspect="1"/>
+          </p:cNvPicPr>
+          <p:nvPr/>
+        </p:nvPicPr>
+        <p:blipFill>
+          <a:blip r:embed="rId11"/>
+          <a:stretch>
+            <a:fillRect/>
+          </a:stretch>
+        </p:blipFill>
+        <p:spPr>
+          <a:xfrm>
+            <a:off x="7609903" y="16579045"/>
+            <a:ext cx="8257439" cy="10774577"/>
+          </a:xfrm>
+          <a:prstGeom prst="rect">
+            <a:avLst/>
+          </a:prstGeom>
         </p:spPr>
       </p:pic>
     </p:spTree>

--- a/doc/Poster.pptx
+++ b/doc/Poster.pptx
@@ -115,6 +115,2759 @@
 </p:presentation>
 </file>
 
+<file path=ppt/diagrams/colors1.xml><?xml version="1.0" encoding="utf-8"?>
+<dgm:colorsDef xmlns:dgm="http://schemas.openxmlformats.org/drawingml/2006/diagram" xmlns:a="http://schemas.openxmlformats.org/drawingml/2006/main" uniqueId="urn:microsoft.com/office/officeart/2005/8/colors/colorful5">
+  <dgm:title val=""/>
+  <dgm:desc val=""/>
+  <dgm:catLst>
+    <dgm:cat type="colorful" pri="10500"/>
+  </dgm:catLst>
+  <dgm:styleLbl name="node0">
+    <dgm:fillClrLst meth="repeat">
+      <a:schemeClr val="accent4"/>
+    </dgm:fillClrLst>
+    <dgm:linClrLst meth="repeat">
+      <a:schemeClr val="lt1"/>
+    </dgm:linClrLst>
+    <dgm:effectClrLst/>
+    <dgm:txLinClrLst/>
+    <dgm:txFillClrLst/>
+    <dgm:txEffectClrLst/>
+  </dgm:styleLbl>
+  <dgm:styleLbl name="node1">
+    <dgm:fillClrLst>
+      <a:schemeClr val="accent5"/>
+      <a:schemeClr val="accent6"/>
+    </dgm:fillClrLst>
+    <dgm:linClrLst meth="repeat">
+      <a:schemeClr val="lt1"/>
+    </dgm:linClrLst>
+    <dgm:effectClrLst/>
+    <dgm:txLinClrLst/>
+    <dgm:txFillClrLst/>
+    <dgm:txEffectClrLst/>
+  </dgm:styleLbl>
+  <dgm:styleLbl name="alignNode1">
+    <dgm:fillClrLst>
+      <a:schemeClr val="accent5"/>
+      <a:schemeClr val="accent6"/>
+    </dgm:fillClrLst>
+    <dgm:linClrLst>
+      <a:schemeClr val="accent5"/>
+      <a:schemeClr val="accent6"/>
+    </dgm:linClrLst>
+    <dgm:effectClrLst/>
+    <dgm:txLinClrLst/>
+    <dgm:txFillClrLst/>
+    <dgm:txEffectClrLst/>
+  </dgm:styleLbl>
+  <dgm:styleLbl name="lnNode1">
+    <dgm:fillClrLst>
+      <a:schemeClr val="accent5"/>
+      <a:schemeClr val="accent6"/>
+    </dgm:fillClrLst>
+    <dgm:linClrLst meth="repeat">
+      <a:schemeClr val="lt1"/>
+    </dgm:linClrLst>
+    <dgm:effectClrLst/>
+    <dgm:txLinClrLst/>
+    <dgm:txFillClrLst/>
+    <dgm:txEffectClrLst/>
+  </dgm:styleLbl>
+  <dgm:styleLbl name="vennNode1">
+    <dgm:fillClrLst>
+      <a:schemeClr val="accent5">
+        <a:alpha val="50000"/>
+      </a:schemeClr>
+      <a:schemeClr val="accent6">
+        <a:alpha val="50000"/>
+      </a:schemeClr>
+    </dgm:fillClrLst>
+    <dgm:linClrLst meth="repeat">
+      <a:schemeClr val="lt1"/>
+    </dgm:linClrLst>
+    <dgm:effectClrLst/>
+    <dgm:txLinClrLst/>
+    <dgm:txFillClrLst/>
+    <dgm:txEffectClrLst/>
+  </dgm:styleLbl>
+  <dgm:styleLbl name="node2">
+    <dgm:fillClrLst>
+      <a:schemeClr val="accent6"/>
+    </dgm:fillClrLst>
+    <dgm:linClrLst meth="repeat">
+      <a:schemeClr val="lt1"/>
+    </dgm:linClrLst>
+    <dgm:effectClrLst/>
+    <dgm:txLinClrLst/>
+    <dgm:txFillClrLst/>
+    <dgm:txEffectClrLst/>
+  </dgm:styleLbl>
+  <dgm:styleLbl name="node3">
+    <dgm:fillClrLst>
+      <a:schemeClr val="accent1"/>
+    </dgm:fillClrLst>
+    <dgm:linClrLst meth="repeat">
+      <a:schemeClr val="lt1"/>
+    </dgm:linClrLst>
+    <dgm:effectClrLst/>
+    <dgm:txLinClrLst/>
+    <dgm:txFillClrLst/>
+    <dgm:txEffectClrLst/>
+  </dgm:styleLbl>
+  <dgm:styleLbl name="node4">
+    <dgm:fillClrLst>
+      <a:schemeClr val="accent2"/>
+    </dgm:fillClrLst>
+    <dgm:linClrLst meth="repeat">
+      <a:schemeClr val="lt1"/>
+    </dgm:linClrLst>
+    <dgm:effectClrLst/>
+    <dgm:txLinClrLst/>
+    <dgm:txFillClrLst/>
+    <dgm:txEffectClrLst/>
+  </dgm:styleLbl>
+  <dgm:styleLbl name="fgImgPlace1">
+    <dgm:fillClrLst>
+      <a:schemeClr val="accent5">
+        <a:tint val="50000"/>
+      </a:schemeClr>
+      <a:schemeClr val="accent6">
+        <a:tint val="50000"/>
+      </a:schemeClr>
+    </dgm:fillClrLst>
+    <dgm:linClrLst meth="repeat">
+      <a:schemeClr val="lt1"/>
+    </dgm:linClrLst>
+    <dgm:effectClrLst/>
+    <dgm:txLinClrLst/>
+    <dgm:txFillClrLst meth="repeat">
+      <a:schemeClr val="lt1"/>
+    </dgm:txFillClrLst>
+    <dgm:txEffectClrLst/>
+  </dgm:styleLbl>
+  <dgm:styleLbl name="alignImgPlace1">
+    <dgm:fillClrLst>
+      <a:schemeClr val="accent5">
+        <a:tint val="50000"/>
+      </a:schemeClr>
+      <a:schemeClr val="accent6">
+        <a:tint val="20000"/>
+      </a:schemeClr>
+    </dgm:fillClrLst>
+    <dgm:linClrLst meth="repeat">
+      <a:schemeClr val="lt1"/>
+    </dgm:linClrLst>
+    <dgm:effectClrLst/>
+    <dgm:txLinClrLst/>
+    <dgm:txFillClrLst meth="repeat">
+      <a:schemeClr val="lt1"/>
+    </dgm:txFillClrLst>
+    <dgm:txEffectClrLst/>
+  </dgm:styleLbl>
+  <dgm:styleLbl name="bgImgPlace1">
+    <dgm:fillClrLst>
+      <a:schemeClr val="accent5">
+        <a:tint val="50000"/>
+      </a:schemeClr>
+      <a:schemeClr val="accent6">
+        <a:tint val="20000"/>
+      </a:schemeClr>
+    </dgm:fillClrLst>
+    <dgm:linClrLst meth="repeat">
+      <a:schemeClr val="lt1"/>
+    </dgm:linClrLst>
+    <dgm:effectClrLst/>
+    <dgm:txLinClrLst/>
+    <dgm:txFillClrLst meth="repeat">
+      <a:schemeClr val="lt1"/>
+    </dgm:txFillClrLst>
+    <dgm:txEffectClrLst/>
+  </dgm:styleLbl>
+  <dgm:styleLbl name="sibTrans2D1">
+    <dgm:fillClrLst>
+      <a:schemeClr val="accent5"/>
+      <a:schemeClr val="accent6"/>
+    </dgm:fillClrLst>
+    <dgm:linClrLst meth="repeat">
+      <a:schemeClr val="lt1"/>
+    </dgm:linClrLst>
+    <dgm:effectClrLst/>
+    <dgm:txLinClrLst/>
+    <dgm:txFillClrLst/>
+    <dgm:txEffectClrLst/>
+  </dgm:styleLbl>
+  <dgm:styleLbl name="fgSibTrans2D1">
+    <dgm:fillClrLst>
+      <a:schemeClr val="accent5"/>
+      <a:schemeClr val="accent6"/>
+    </dgm:fillClrLst>
+    <dgm:linClrLst meth="repeat">
+      <a:schemeClr val="lt1"/>
+    </dgm:linClrLst>
+    <dgm:effectClrLst/>
+    <dgm:txLinClrLst/>
+    <dgm:txFillClrLst meth="repeat">
+      <a:schemeClr val="lt1"/>
+    </dgm:txFillClrLst>
+    <dgm:txEffectClrLst/>
+  </dgm:styleLbl>
+  <dgm:styleLbl name="bgSibTrans2D1">
+    <dgm:fillClrLst>
+      <a:schemeClr val="accent5"/>
+      <a:schemeClr val="accent6"/>
+    </dgm:fillClrLst>
+    <dgm:linClrLst meth="repeat">
+      <a:schemeClr val="lt1"/>
+    </dgm:linClrLst>
+    <dgm:effectClrLst/>
+    <dgm:txLinClrLst/>
+    <dgm:txFillClrLst meth="repeat">
+      <a:schemeClr val="lt1"/>
+    </dgm:txFillClrLst>
+    <dgm:txEffectClrLst/>
+  </dgm:styleLbl>
+  <dgm:styleLbl name="sibTrans1D1">
+    <dgm:fillClrLst/>
+    <dgm:linClrLst>
+      <a:schemeClr val="accent5"/>
+      <a:schemeClr val="accent6"/>
+    </dgm:linClrLst>
+    <dgm:effectClrLst/>
+    <dgm:txLinClrLst/>
+    <dgm:txFillClrLst meth="repeat">
+      <a:schemeClr val="tx1"/>
+    </dgm:txFillClrLst>
+    <dgm:txEffectClrLst/>
+  </dgm:styleLbl>
+  <dgm:styleLbl name="callout">
+    <dgm:fillClrLst meth="repeat">
+      <a:schemeClr val="accent5"/>
+    </dgm:fillClrLst>
+    <dgm:linClrLst meth="repeat">
+      <a:schemeClr val="accent5">
+        <a:tint val="50000"/>
+      </a:schemeClr>
+    </dgm:linClrLst>
+    <dgm:effectClrLst/>
+    <dgm:txLinClrLst/>
+    <dgm:txFillClrLst meth="repeat">
+      <a:schemeClr val="tx1"/>
+    </dgm:txFillClrLst>
+    <dgm:txEffectClrLst/>
+  </dgm:styleLbl>
+  <dgm:styleLbl name="asst0">
+    <dgm:fillClrLst meth="repeat">
+      <a:schemeClr val="accent5"/>
+    </dgm:fillClrLst>
+    <dgm:linClrLst meth="repeat">
+      <a:schemeClr val="lt1">
+        <a:shade val="80000"/>
+      </a:schemeClr>
+    </dgm:linClrLst>
+    <dgm:effectClrLst/>
+    <dgm:txLinClrLst/>
+    <dgm:txFillClrLst/>
+    <dgm:txEffectClrLst/>
+  </dgm:styleLbl>
+  <dgm:styleLbl name="asst1">
+    <dgm:fillClrLst meth="repeat">
+      <a:schemeClr val="accent6"/>
+    </dgm:fillClrLst>
+    <dgm:linClrLst meth="repeat">
+      <a:schemeClr val="lt1">
+        <a:shade val="80000"/>
+      </a:schemeClr>
+    </dgm:linClrLst>
+    <dgm:effectClrLst/>
+    <dgm:txLinClrLst/>
+    <dgm:txFillClrLst/>
+    <dgm:txEffectClrLst/>
+  </dgm:styleLbl>
+  <dgm:styleLbl name="asst2">
+    <dgm:fillClrLst>
+      <a:schemeClr val="accent1"/>
+    </dgm:fillClrLst>
+    <dgm:linClrLst meth="repeat">
+      <a:schemeClr val="lt1"/>
+    </dgm:linClrLst>
+    <dgm:effectClrLst/>
+    <dgm:txLinClrLst/>
+    <dgm:txFillClrLst/>
+    <dgm:txEffectClrLst/>
+  </dgm:styleLbl>
+  <dgm:styleLbl name="asst3">
+    <dgm:fillClrLst>
+      <a:schemeClr val="accent2"/>
+    </dgm:fillClrLst>
+    <dgm:linClrLst meth="repeat">
+      <a:schemeClr val="lt1"/>
+    </dgm:linClrLst>
+    <dgm:effectClrLst/>
+    <dgm:txLinClrLst/>
+    <dgm:txFillClrLst/>
+    <dgm:txEffectClrLst/>
+  </dgm:styleLbl>
+  <dgm:styleLbl name="asst4">
+    <dgm:fillClrLst>
+      <a:schemeClr val="accent3"/>
+    </dgm:fillClrLst>
+    <dgm:linClrLst meth="repeat">
+      <a:schemeClr val="lt1"/>
+    </dgm:linClrLst>
+    <dgm:effectClrLst/>
+    <dgm:txLinClrLst/>
+    <dgm:txFillClrLst/>
+    <dgm:txEffectClrLst/>
+  </dgm:styleLbl>
+  <dgm:styleLbl name="parChTrans2D1">
+    <dgm:fillClrLst meth="repeat">
+      <a:schemeClr val="accent5"/>
+    </dgm:fillClrLst>
+    <dgm:linClrLst meth="repeat">
+      <a:schemeClr val="lt1"/>
+    </dgm:linClrLst>
+    <dgm:effectClrLst/>
+    <dgm:txLinClrLst/>
+    <dgm:txFillClrLst meth="repeat">
+      <a:schemeClr val="lt1"/>
+    </dgm:txFillClrLst>
+    <dgm:txEffectClrLst/>
+  </dgm:styleLbl>
+  <dgm:styleLbl name="parChTrans2D2">
+    <dgm:fillClrLst meth="repeat">
+      <a:schemeClr val="accent6"/>
+    </dgm:fillClrLst>
+    <dgm:linClrLst meth="repeat">
+      <a:schemeClr val="lt1"/>
+    </dgm:linClrLst>
+    <dgm:effectClrLst/>
+    <dgm:txLinClrLst/>
+    <dgm:txFillClrLst/>
+    <dgm:txEffectClrLst/>
+  </dgm:styleLbl>
+  <dgm:styleLbl name="parChTrans2D3">
+    <dgm:fillClrLst meth="repeat">
+      <a:schemeClr val="accent6"/>
+    </dgm:fillClrLst>
+    <dgm:linClrLst meth="repeat">
+      <a:schemeClr val="lt1"/>
+    </dgm:linClrLst>
+    <dgm:effectClrLst/>
+    <dgm:txLinClrLst/>
+    <dgm:txFillClrLst/>
+    <dgm:txEffectClrLst/>
+  </dgm:styleLbl>
+  <dgm:styleLbl name="parChTrans2D4">
+    <dgm:fillClrLst meth="repeat">
+      <a:schemeClr val="accent1"/>
+    </dgm:fillClrLst>
+    <dgm:linClrLst meth="repeat">
+      <a:schemeClr val="lt1"/>
+    </dgm:linClrLst>
+    <dgm:effectClrLst/>
+    <dgm:txLinClrLst/>
+    <dgm:txFillClrLst meth="repeat">
+      <a:schemeClr val="lt1"/>
+    </dgm:txFillClrLst>
+    <dgm:txEffectClrLst/>
+  </dgm:styleLbl>
+  <dgm:styleLbl name="parChTrans1D1">
+    <dgm:fillClrLst meth="repeat">
+      <a:schemeClr val="accent5"/>
+    </dgm:fillClrLst>
+    <dgm:linClrLst meth="repeat">
+      <a:schemeClr val="accent5"/>
+    </dgm:linClrLst>
+    <dgm:effectClrLst/>
+    <dgm:txLinClrLst/>
+    <dgm:txFillClrLst meth="repeat">
+      <a:schemeClr val="tx1"/>
+    </dgm:txFillClrLst>
+    <dgm:txEffectClrLst/>
+  </dgm:styleLbl>
+  <dgm:styleLbl name="parChTrans1D2">
+    <dgm:fillClrLst meth="repeat">
+      <a:schemeClr val="accent6">
+        <a:tint val="90000"/>
+      </a:schemeClr>
+    </dgm:fillClrLst>
+    <dgm:linClrLst meth="repeat">
+      <a:schemeClr val="accent6"/>
+    </dgm:linClrLst>
+    <dgm:effectClrLst/>
+    <dgm:txLinClrLst/>
+    <dgm:txFillClrLst meth="repeat">
+      <a:schemeClr val="tx1"/>
+    </dgm:txFillClrLst>
+    <dgm:txEffectClrLst/>
+  </dgm:styleLbl>
+  <dgm:styleLbl name="parChTrans1D3">
+    <dgm:fillClrLst meth="repeat">
+      <a:schemeClr val="accent6">
+        <a:tint val="70000"/>
+      </a:schemeClr>
+    </dgm:fillClrLst>
+    <dgm:linClrLst meth="repeat">
+      <a:schemeClr val="accent1"/>
+    </dgm:linClrLst>
+    <dgm:effectClrLst/>
+    <dgm:txLinClrLst/>
+    <dgm:txFillClrLst meth="repeat">
+      <a:schemeClr val="tx1"/>
+    </dgm:txFillClrLst>
+    <dgm:txEffectClrLst/>
+  </dgm:styleLbl>
+  <dgm:styleLbl name="parChTrans1D4">
+    <dgm:fillClrLst meth="repeat">
+      <a:schemeClr val="accent6">
+        <a:tint val="50000"/>
+      </a:schemeClr>
+    </dgm:fillClrLst>
+    <dgm:linClrLst meth="repeat">
+      <a:schemeClr val="accent2"/>
+    </dgm:linClrLst>
+    <dgm:effectClrLst/>
+    <dgm:txLinClrLst/>
+    <dgm:txFillClrLst meth="repeat">
+      <a:schemeClr val="tx1"/>
+    </dgm:txFillClrLst>
+    <dgm:txEffectClrLst/>
+  </dgm:styleLbl>
+  <dgm:styleLbl name="fgAcc1">
+    <dgm:fillClrLst meth="repeat">
+      <a:schemeClr val="lt1">
+        <a:alpha val="90000"/>
+      </a:schemeClr>
+    </dgm:fillClrLst>
+    <dgm:linClrLst>
+      <a:schemeClr val="accent5"/>
+      <a:schemeClr val="accent6"/>
+    </dgm:linClrLst>
+    <dgm:effectClrLst/>
+    <dgm:txLinClrLst/>
+    <dgm:txFillClrLst meth="repeat">
+      <a:schemeClr val="dk1"/>
+    </dgm:txFillClrLst>
+    <dgm:txEffectClrLst/>
+  </dgm:styleLbl>
+  <dgm:styleLbl name="conFgAcc1">
+    <dgm:fillClrLst meth="repeat">
+      <a:schemeClr val="lt1">
+        <a:alpha val="90000"/>
+      </a:schemeClr>
+    </dgm:fillClrLst>
+    <dgm:linClrLst>
+      <a:schemeClr val="accent5"/>
+      <a:schemeClr val="accent6"/>
+    </dgm:linClrLst>
+    <dgm:effectClrLst/>
+    <dgm:txLinClrLst/>
+    <dgm:txFillClrLst meth="repeat">
+      <a:schemeClr val="dk1"/>
+    </dgm:txFillClrLst>
+    <dgm:txEffectClrLst/>
+  </dgm:styleLbl>
+  <dgm:styleLbl name="alignAcc1">
+    <dgm:fillClrLst meth="repeat">
+      <a:schemeClr val="lt1">
+        <a:alpha val="90000"/>
+      </a:schemeClr>
+    </dgm:fillClrLst>
+    <dgm:linClrLst>
+      <a:schemeClr val="accent5"/>
+      <a:schemeClr val="accent6"/>
+    </dgm:linClrLst>
+    <dgm:effectClrLst/>
+    <dgm:txLinClrLst/>
+    <dgm:txFillClrLst meth="repeat">
+      <a:schemeClr val="dk1"/>
+    </dgm:txFillClrLst>
+    <dgm:txEffectClrLst/>
+  </dgm:styleLbl>
+  <dgm:styleLbl name="trAlignAcc1">
+    <dgm:fillClrLst meth="repeat">
+      <a:schemeClr val="lt1">
+        <a:alpha val="40000"/>
+      </a:schemeClr>
+    </dgm:fillClrLst>
+    <dgm:linClrLst meth="repeat">
+      <a:schemeClr val="accent5"/>
+    </dgm:linClrLst>
+    <dgm:effectClrLst/>
+    <dgm:txLinClrLst/>
+    <dgm:txFillClrLst meth="repeat">
+      <a:schemeClr val="dk1"/>
+    </dgm:txFillClrLst>
+    <dgm:txEffectClrLst/>
+  </dgm:styleLbl>
+  <dgm:styleLbl name="bgAcc1">
+    <dgm:fillClrLst meth="repeat">
+      <a:schemeClr val="lt1">
+        <a:alpha val="90000"/>
+      </a:schemeClr>
+    </dgm:fillClrLst>
+    <dgm:linClrLst>
+      <a:schemeClr val="accent5"/>
+      <a:schemeClr val="accent6"/>
+    </dgm:linClrLst>
+    <dgm:effectClrLst/>
+    <dgm:txLinClrLst/>
+    <dgm:txFillClrLst meth="repeat">
+      <a:schemeClr val="dk1"/>
+    </dgm:txFillClrLst>
+    <dgm:txEffectClrLst/>
+  </dgm:styleLbl>
+  <dgm:styleLbl name="solidFgAcc1">
+    <dgm:fillClrLst meth="repeat">
+      <a:schemeClr val="lt1"/>
+    </dgm:fillClrLst>
+    <dgm:linClrLst>
+      <a:schemeClr val="accent5"/>
+      <a:schemeClr val="accent6"/>
+    </dgm:linClrLst>
+    <dgm:effectClrLst/>
+    <dgm:txLinClrLst/>
+    <dgm:txFillClrLst meth="repeat">
+      <a:schemeClr val="dk1"/>
+    </dgm:txFillClrLst>
+    <dgm:txEffectClrLst/>
+  </dgm:styleLbl>
+  <dgm:styleLbl name="solidAlignAcc1">
+    <dgm:fillClrLst meth="repeat">
+      <a:schemeClr val="lt1"/>
+    </dgm:fillClrLst>
+    <dgm:linClrLst>
+      <a:schemeClr val="accent5"/>
+      <a:schemeClr val="accent6"/>
+    </dgm:linClrLst>
+    <dgm:effectClrLst/>
+    <dgm:txLinClrLst/>
+    <dgm:txFillClrLst meth="repeat">
+      <a:schemeClr val="dk1"/>
+    </dgm:txFillClrLst>
+    <dgm:txEffectClrLst/>
+  </dgm:styleLbl>
+  <dgm:styleLbl name="solidBgAcc1">
+    <dgm:fillClrLst meth="repeat">
+      <a:schemeClr val="lt1"/>
+    </dgm:fillClrLst>
+    <dgm:linClrLst>
+      <a:schemeClr val="accent5"/>
+      <a:schemeClr val="accent6"/>
+    </dgm:linClrLst>
+    <dgm:effectClrLst/>
+    <dgm:txLinClrLst/>
+    <dgm:txFillClrLst meth="repeat">
+      <a:schemeClr val="dk1"/>
+    </dgm:txFillClrLst>
+    <dgm:txEffectClrLst/>
+  </dgm:styleLbl>
+  <dgm:styleLbl name="fgAccFollowNode1">
+    <dgm:fillClrLst>
+      <a:schemeClr val="accent5">
+        <a:tint val="40000"/>
+        <a:alpha val="90000"/>
+      </a:schemeClr>
+      <a:schemeClr val="accent6">
+        <a:tint val="40000"/>
+        <a:alpha val="90000"/>
+      </a:schemeClr>
+    </dgm:fillClrLst>
+    <dgm:linClrLst>
+      <a:schemeClr val="accent5">
+        <a:tint val="40000"/>
+        <a:alpha val="90000"/>
+      </a:schemeClr>
+      <a:schemeClr val="accent5">
+        <a:tint val="40000"/>
+        <a:alpha val="90000"/>
+      </a:schemeClr>
+    </dgm:linClrLst>
+    <dgm:effectClrLst/>
+    <dgm:txLinClrLst/>
+    <dgm:txFillClrLst meth="repeat">
+      <a:schemeClr val="dk1"/>
+    </dgm:txFillClrLst>
+    <dgm:txEffectClrLst/>
+  </dgm:styleLbl>
+  <dgm:styleLbl name="alignAccFollowNode1">
+    <dgm:fillClrLst>
+      <a:schemeClr val="accent5">
+        <a:tint val="40000"/>
+        <a:alpha val="90000"/>
+      </a:schemeClr>
+      <a:schemeClr val="accent6">
+        <a:tint val="40000"/>
+        <a:alpha val="90000"/>
+      </a:schemeClr>
+    </dgm:fillClrLst>
+    <dgm:linClrLst>
+      <a:schemeClr val="accent5">
+        <a:tint val="40000"/>
+        <a:alpha val="90000"/>
+      </a:schemeClr>
+      <a:schemeClr val="accent6">
+        <a:tint val="40000"/>
+        <a:alpha val="90000"/>
+      </a:schemeClr>
+    </dgm:linClrLst>
+    <dgm:effectClrLst/>
+    <dgm:txLinClrLst/>
+    <dgm:txFillClrLst meth="repeat">
+      <a:schemeClr val="dk1"/>
+    </dgm:txFillClrLst>
+    <dgm:txEffectClrLst/>
+  </dgm:styleLbl>
+  <dgm:styleLbl name="bgAccFollowNode1">
+    <dgm:fillClrLst>
+      <a:schemeClr val="accent5">
+        <a:tint val="40000"/>
+        <a:alpha val="90000"/>
+      </a:schemeClr>
+      <a:schemeClr val="accent6">
+        <a:tint val="40000"/>
+        <a:alpha val="90000"/>
+      </a:schemeClr>
+    </dgm:fillClrLst>
+    <dgm:linClrLst>
+      <a:schemeClr val="accent5">
+        <a:tint val="40000"/>
+        <a:alpha val="90000"/>
+      </a:schemeClr>
+      <a:schemeClr val="accent6">
+        <a:tint val="40000"/>
+        <a:alpha val="90000"/>
+      </a:schemeClr>
+    </dgm:linClrLst>
+    <dgm:effectClrLst/>
+    <dgm:txLinClrLst/>
+    <dgm:txFillClrLst meth="repeat">
+      <a:schemeClr val="dk1"/>
+    </dgm:txFillClrLst>
+    <dgm:txEffectClrLst/>
+  </dgm:styleLbl>
+  <dgm:styleLbl name="fgAcc0">
+    <dgm:fillClrLst meth="repeat">
+      <a:schemeClr val="lt1">
+        <a:alpha val="90000"/>
+      </a:schemeClr>
+    </dgm:fillClrLst>
+    <dgm:linClrLst>
+      <a:schemeClr val="accent4"/>
+    </dgm:linClrLst>
+    <dgm:effectClrLst/>
+    <dgm:txLinClrLst/>
+    <dgm:txFillClrLst meth="repeat">
+      <a:schemeClr val="dk1"/>
+    </dgm:txFillClrLst>
+    <dgm:txEffectClrLst/>
+  </dgm:styleLbl>
+  <dgm:styleLbl name="fgAcc2">
+    <dgm:fillClrLst meth="repeat">
+      <a:schemeClr val="lt1">
+        <a:alpha val="90000"/>
+      </a:schemeClr>
+    </dgm:fillClrLst>
+    <dgm:linClrLst>
+      <a:schemeClr val="accent6"/>
+    </dgm:linClrLst>
+    <dgm:effectClrLst/>
+    <dgm:txLinClrLst/>
+    <dgm:txFillClrLst meth="repeat">
+      <a:schemeClr val="dk1"/>
+    </dgm:txFillClrLst>
+    <dgm:txEffectClrLst/>
+  </dgm:styleLbl>
+  <dgm:styleLbl name="fgAcc3">
+    <dgm:fillClrLst meth="repeat">
+      <a:schemeClr val="lt1">
+        <a:alpha val="90000"/>
+      </a:schemeClr>
+    </dgm:fillClrLst>
+    <dgm:linClrLst>
+      <a:schemeClr val="accent1"/>
+    </dgm:linClrLst>
+    <dgm:effectClrLst/>
+    <dgm:txLinClrLst/>
+    <dgm:txFillClrLst meth="repeat">
+      <a:schemeClr val="dk1"/>
+    </dgm:txFillClrLst>
+    <dgm:txEffectClrLst/>
+  </dgm:styleLbl>
+  <dgm:styleLbl name="fgAcc4">
+    <dgm:fillClrLst meth="repeat">
+      <a:schemeClr val="lt1">
+        <a:alpha val="90000"/>
+      </a:schemeClr>
+    </dgm:fillClrLst>
+    <dgm:linClrLst>
+      <a:schemeClr val="accent2"/>
+    </dgm:linClrLst>
+    <dgm:effectClrLst/>
+    <dgm:txLinClrLst/>
+    <dgm:txFillClrLst meth="repeat">
+      <a:schemeClr val="dk1"/>
+    </dgm:txFillClrLst>
+    <dgm:txEffectClrLst/>
+  </dgm:styleLbl>
+  <dgm:styleLbl name="bgShp">
+    <dgm:fillClrLst meth="repeat">
+      <a:schemeClr val="accent5">
+        <a:tint val="40000"/>
+      </a:schemeClr>
+    </dgm:fillClrLst>
+    <dgm:linClrLst meth="repeat">
+      <a:schemeClr val="dk1"/>
+    </dgm:linClrLst>
+    <dgm:effectClrLst/>
+    <dgm:txLinClrLst/>
+    <dgm:txFillClrLst meth="repeat">
+      <a:schemeClr val="dk1"/>
+    </dgm:txFillClrLst>
+    <dgm:txEffectClrLst/>
+  </dgm:styleLbl>
+  <dgm:styleLbl name="dkBgShp">
+    <dgm:fillClrLst meth="repeat">
+      <a:schemeClr val="accent5">
+        <a:shade val="90000"/>
+      </a:schemeClr>
+    </dgm:fillClrLst>
+    <dgm:linClrLst meth="repeat">
+      <a:schemeClr val="dk1"/>
+    </dgm:linClrLst>
+    <dgm:effectClrLst/>
+    <dgm:txLinClrLst/>
+    <dgm:txFillClrLst meth="repeat">
+      <a:schemeClr val="lt1"/>
+    </dgm:txFillClrLst>
+    <dgm:txEffectClrLst/>
+  </dgm:styleLbl>
+  <dgm:styleLbl name="trBgShp">
+    <dgm:fillClrLst meth="repeat">
+      <a:schemeClr val="accent5">
+        <a:tint val="50000"/>
+        <a:alpha val="40000"/>
+      </a:schemeClr>
+    </dgm:fillClrLst>
+    <dgm:linClrLst meth="repeat">
+      <a:schemeClr val="accent5"/>
+    </dgm:linClrLst>
+    <dgm:effectClrLst/>
+    <dgm:txLinClrLst/>
+    <dgm:txFillClrLst meth="repeat">
+      <a:schemeClr val="lt1"/>
+    </dgm:txFillClrLst>
+    <dgm:txEffectClrLst/>
+  </dgm:styleLbl>
+  <dgm:styleLbl name="fgShp">
+    <dgm:fillClrLst meth="repeat">
+      <a:schemeClr val="accent5">
+        <a:tint val="40000"/>
+      </a:schemeClr>
+    </dgm:fillClrLst>
+    <dgm:linClrLst meth="repeat">
+      <a:schemeClr val="lt1"/>
+    </dgm:linClrLst>
+    <dgm:effectClrLst/>
+    <dgm:txLinClrLst/>
+    <dgm:txFillClrLst meth="repeat">
+      <a:schemeClr val="dk1"/>
+    </dgm:txFillClrLst>
+    <dgm:txEffectClrLst/>
+  </dgm:styleLbl>
+  <dgm:styleLbl name="revTx">
+    <dgm:fillClrLst meth="repeat">
+      <a:schemeClr val="lt1">
+        <a:alpha val="0"/>
+      </a:schemeClr>
+    </dgm:fillClrLst>
+    <dgm:linClrLst meth="repeat">
+      <a:schemeClr val="dk1">
+        <a:alpha val="0"/>
+      </a:schemeClr>
+    </dgm:linClrLst>
+    <dgm:effectClrLst/>
+    <dgm:txLinClrLst/>
+    <dgm:txFillClrLst meth="repeat">
+      <a:schemeClr val="tx1"/>
+    </dgm:txFillClrLst>
+    <dgm:txEffectClrLst/>
+  </dgm:styleLbl>
+</dgm:colorsDef>
+</file>
+
+<file path=ppt/diagrams/data1.xml><?xml version="1.0" encoding="utf-8"?>
+<dgm:dataModel xmlns:dgm="http://schemas.openxmlformats.org/drawingml/2006/diagram" xmlns:a="http://schemas.openxmlformats.org/drawingml/2006/main">
+  <dgm:ptLst>
+    <dgm:pt modelId="{EB99215F-7D28-427A-BCB7-253BF33D8D85}" type="doc">
+      <dgm:prSet loTypeId="urn:microsoft.com/office/officeart/2005/8/layout/chevron1" loCatId="process" qsTypeId="urn:microsoft.com/office/officeart/2005/8/quickstyle/simple3" qsCatId="simple" csTypeId="urn:microsoft.com/office/officeart/2005/8/colors/colorful5" csCatId="colorful" phldr="1"/>
+      <dgm:spPr/>
+    </dgm:pt>
+    <dgm:pt modelId="{6E024AFC-CB52-467E-975E-23A202E0EAB4}">
+      <dgm:prSet phldrT="[Text]" custT="1"/>
+      <dgm:spPr>
+        <a:solidFill>
+          <a:schemeClr val="accent5">
+            <a:lumMod val="40000"/>
+            <a:lumOff val="60000"/>
+          </a:schemeClr>
+        </a:solidFill>
+        <a:ln>
+          <a:noFill/>
+        </a:ln>
+      </dgm:spPr>
+      <dgm:t>
+        <a:bodyPr/>
+        <a:lstStyle/>
+        <a:p>
+          <a:r>
+            <a:rPr lang="en-US" sz="3000" b="0"/>
+            <a:t>Chiller plant data</a:t>
+          </a:r>
+          <a:endParaRPr lang="en-US" sz="3000" b="0" dirty="0"/>
+        </a:p>
+      </dgm:t>
+    </dgm:pt>
+    <dgm:pt modelId="{BE26B320-3C71-4207-AF8B-C764968F32AA}" type="parTrans" cxnId="{F1B40E0B-D4B0-42C2-8F42-94891FF92860}">
+      <dgm:prSet/>
+      <dgm:spPr/>
+      <dgm:t>
+        <a:bodyPr/>
+        <a:lstStyle/>
+        <a:p>
+          <a:endParaRPr lang="en-US" sz="3000" b="0" dirty="0">
+            <a:solidFill>
+              <a:schemeClr val="tx1"/>
+            </a:solidFill>
+          </a:endParaRPr>
+        </a:p>
+      </dgm:t>
+    </dgm:pt>
+    <dgm:pt modelId="{D11F3334-4E1B-4A4C-87FE-28A2EFE6ECFD}" type="sibTrans" cxnId="{F1B40E0B-D4B0-42C2-8F42-94891FF92860}">
+      <dgm:prSet/>
+      <dgm:spPr/>
+      <dgm:t>
+        <a:bodyPr/>
+        <a:lstStyle/>
+        <a:p>
+          <a:endParaRPr lang="en-US" sz="3000" b="0" dirty="0">
+            <a:solidFill>
+              <a:schemeClr val="tx1"/>
+            </a:solidFill>
+          </a:endParaRPr>
+        </a:p>
+      </dgm:t>
+    </dgm:pt>
+    <dgm:pt modelId="{54A4769B-FE5C-4611-9EDC-F40898889E2A}">
+      <dgm:prSet phldrT="[Text]" custT="1"/>
+      <dgm:spPr>
+        <a:solidFill>
+          <a:schemeClr val="accent5">
+            <a:lumMod val="40000"/>
+            <a:lumOff val="60000"/>
+          </a:schemeClr>
+        </a:solidFill>
+        <a:ln>
+          <a:noFill/>
+        </a:ln>
+      </dgm:spPr>
+      <dgm:t>
+        <a:bodyPr/>
+        <a:lstStyle/>
+        <a:p>
+          <a:r>
+            <a:rPr lang="en-US" sz="3000" b="0" dirty="0"/>
+            <a:t>Filtering features from the data</a:t>
+          </a:r>
+        </a:p>
+      </dgm:t>
+    </dgm:pt>
+    <dgm:pt modelId="{BCC69687-4B41-40F6-8D46-0798B6CC5657}" type="parTrans" cxnId="{2E2E6AEA-36CD-4816-86F3-7F5589F02606}">
+      <dgm:prSet/>
+      <dgm:spPr/>
+      <dgm:t>
+        <a:bodyPr/>
+        <a:lstStyle/>
+        <a:p>
+          <a:endParaRPr lang="en-US" sz="3000" b="0" dirty="0">
+            <a:solidFill>
+              <a:schemeClr val="tx1"/>
+            </a:solidFill>
+          </a:endParaRPr>
+        </a:p>
+      </dgm:t>
+    </dgm:pt>
+    <dgm:pt modelId="{6C69A606-FD67-4F8F-8A27-47DC83E5B4BE}" type="sibTrans" cxnId="{2E2E6AEA-36CD-4816-86F3-7F5589F02606}">
+      <dgm:prSet/>
+      <dgm:spPr/>
+      <dgm:t>
+        <a:bodyPr/>
+        <a:lstStyle/>
+        <a:p>
+          <a:endParaRPr lang="en-US" sz="3000" b="0" dirty="0">
+            <a:solidFill>
+              <a:schemeClr val="tx1"/>
+            </a:solidFill>
+          </a:endParaRPr>
+        </a:p>
+      </dgm:t>
+    </dgm:pt>
+    <dgm:pt modelId="{C447611E-98C5-48ED-9157-D468411210B7}">
+      <dgm:prSet phldrT="[Text]" custT="1"/>
+      <dgm:spPr>
+        <a:solidFill>
+          <a:schemeClr val="accent5">
+            <a:lumMod val="40000"/>
+            <a:lumOff val="60000"/>
+          </a:schemeClr>
+        </a:solidFill>
+        <a:ln>
+          <a:noFill/>
+        </a:ln>
+      </dgm:spPr>
+      <dgm:t>
+        <a:bodyPr/>
+        <a:lstStyle/>
+        <a:p>
+          <a:r>
+            <a:rPr lang="en-US" sz="3000" b="0"/>
+            <a:t>Feature importance</a:t>
+          </a:r>
+          <a:endParaRPr lang="en-US" sz="3000" b="0" dirty="0"/>
+        </a:p>
+      </dgm:t>
+    </dgm:pt>
+    <dgm:pt modelId="{7A889FA0-264A-4D2B-9F4B-F4B335D242CF}" type="parTrans" cxnId="{8F487B1A-DCAF-4321-8D12-3FA351287850}">
+      <dgm:prSet/>
+      <dgm:spPr/>
+      <dgm:t>
+        <a:bodyPr/>
+        <a:lstStyle/>
+        <a:p>
+          <a:endParaRPr lang="en-US" sz="3000" b="0" dirty="0">
+            <a:solidFill>
+              <a:schemeClr val="tx1"/>
+            </a:solidFill>
+          </a:endParaRPr>
+        </a:p>
+      </dgm:t>
+    </dgm:pt>
+    <dgm:pt modelId="{73DF1E9B-7A03-4DCE-BAD7-A4222D66800C}" type="sibTrans" cxnId="{8F487B1A-DCAF-4321-8D12-3FA351287850}">
+      <dgm:prSet/>
+      <dgm:spPr/>
+      <dgm:t>
+        <a:bodyPr/>
+        <a:lstStyle/>
+        <a:p>
+          <a:endParaRPr lang="en-US" sz="3000" b="0" dirty="0">
+            <a:solidFill>
+              <a:schemeClr val="tx1"/>
+            </a:solidFill>
+          </a:endParaRPr>
+        </a:p>
+      </dgm:t>
+    </dgm:pt>
+    <dgm:pt modelId="{9024DF01-CA87-4A05-8AC2-9C5673DA9844}">
+      <dgm:prSet phldrT="[Text]" custT="1"/>
+      <dgm:spPr>
+        <a:solidFill>
+          <a:schemeClr val="accent5">
+            <a:lumMod val="40000"/>
+            <a:lumOff val="60000"/>
+          </a:schemeClr>
+        </a:solidFill>
+        <a:ln>
+          <a:noFill/>
+        </a:ln>
+      </dgm:spPr>
+      <dgm:t>
+        <a:bodyPr/>
+        <a:lstStyle/>
+        <a:p>
+          <a:r>
+            <a:rPr lang="en-US" sz="3000" b="0" dirty="0"/>
+            <a:t>Predicting efficiency</a:t>
+          </a:r>
+        </a:p>
+      </dgm:t>
+    </dgm:pt>
+    <dgm:pt modelId="{666C142D-6D49-47D1-8A7D-DF5EF3EE8F3B}" type="parTrans" cxnId="{9F947A36-06D6-4917-9C0D-97D8E69D0F6B}">
+      <dgm:prSet/>
+      <dgm:spPr/>
+      <dgm:t>
+        <a:bodyPr/>
+        <a:lstStyle/>
+        <a:p>
+          <a:endParaRPr lang="en-US" sz="3000" b="0" dirty="0">
+            <a:solidFill>
+              <a:schemeClr val="tx1"/>
+            </a:solidFill>
+          </a:endParaRPr>
+        </a:p>
+      </dgm:t>
+    </dgm:pt>
+    <dgm:pt modelId="{2CB4F359-0549-4589-BA6E-D92D2C0B4EB4}" type="sibTrans" cxnId="{9F947A36-06D6-4917-9C0D-97D8E69D0F6B}">
+      <dgm:prSet/>
+      <dgm:spPr/>
+      <dgm:t>
+        <a:bodyPr/>
+        <a:lstStyle/>
+        <a:p>
+          <a:endParaRPr lang="en-US" sz="3000" b="0" dirty="0">
+            <a:solidFill>
+              <a:schemeClr val="tx1"/>
+            </a:solidFill>
+          </a:endParaRPr>
+        </a:p>
+      </dgm:t>
+    </dgm:pt>
+    <dgm:pt modelId="{007FC951-2858-46CB-AF15-5C1FE8DF128B}" type="pres">
+      <dgm:prSet presAssocID="{EB99215F-7D28-427A-BCB7-253BF33D8D85}" presName="Name0" presStyleCnt="0">
+        <dgm:presLayoutVars>
+          <dgm:dir/>
+          <dgm:animLvl val="lvl"/>
+          <dgm:resizeHandles val="exact"/>
+        </dgm:presLayoutVars>
+      </dgm:prSet>
+      <dgm:spPr/>
+    </dgm:pt>
+    <dgm:pt modelId="{DF287C28-D053-4157-AD3B-0AF910D9C857}" type="pres">
+      <dgm:prSet presAssocID="{6E024AFC-CB52-467E-975E-23A202E0EAB4}" presName="parTxOnly" presStyleLbl="node1" presStyleIdx="0" presStyleCnt="4">
+        <dgm:presLayoutVars>
+          <dgm:chMax val="0"/>
+          <dgm:chPref val="0"/>
+          <dgm:bulletEnabled val="1"/>
+        </dgm:presLayoutVars>
+      </dgm:prSet>
+      <dgm:spPr/>
+    </dgm:pt>
+    <dgm:pt modelId="{6FAD6122-4F8F-4CF7-BB87-4355F007D36A}" type="pres">
+      <dgm:prSet presAssocID="{D11F3334-4E1B-4A4C-87FE-28A2EFE6ECFD}" presName="parTxOnlySpace" presStyleCnt="0"/>
+      <dgm:spPr/>
+    </dgm:pt>
+    <dgm:pt modelId="{A75D81B0-80DF-4F1E-A56B-C01F79531207}" type="pres">
+      <dgm:prSet presAssocID="{54A4769B-FE5C-4611-9EDC-F40898889E2A}" presName="parTxOnly" presStyleLbl="node1" presStyleIdx="1" presStyleCnt="4">
+        <dgm:presLayoutVars>
+          <dgm:chMax val="0"/>
+          <dgm:chPref val="0"/>
+          <dgm:bulletEnabled val="1"/>
+        </dgm:presLayoutVars>
+      </dgm:prSet>
+      <dgm:spPr/>
+    </dgm:pt>
+    <dgm:pt modelId="{D7EEE508-FBE6-4536-8818-822A3B5A0C2B}" type="pres">
+      <dgm:prSet presAssocID="{6C69A606-FD67-4F8F-8A27-47DC83E5B4BE}" presName="parTxOnlySpace" presStyleCnt="0"/>
+      <dgm:spPr/>
+    </dgm:pt>
+    <dgm:pt modelId="{1D807777-1677-4485-A416-D9665F60F016}" type="pres">
+      <dgm:prSet presAssocID="{C447611E-98C5-48ED-9157-D468411210B7}" presName="parTxOnly" presStyleLbl="node1" presStyleIdx="2" presStyleCnt="4">
+        <dgm:presLayoutVars>
+          <dgm:chMax val="0"/>
+          <dgm:chPref val="0"/>
+          <dgm:bulletEnabled val="1"/>
+        </dgm:presLayoutVars>
+      </dgm:prSet>
+      <dgm:spPr/>
+    </dgm:pt>
+    <dgm:pt modelId="{C826A746-B01B-4B01-B9F2-E637625BB7D3}" type="pres">
+      <dgm:prSet presAssocID="{73DF1E9B-7A03-4DCE-BAD7-A4222D66800C}" presName="parTxOnlySpace" presStyleCnt="0"/>
+      <dgm:spPr/>
+    </dgm:pt>
+    <dgm:pt modelId="{F343C5D3-673B-49CB-9158-0FC19F24CD87}" type="pres">
+      <dgm:prSet presAssocID="{9024DF01-CA87-4A05-8AC2-9C5673DA9844}" presName="parTxOnly" presStyleLbl="node1" presStyleIdx="3" presStyleCnt="4">
+        <dgm:presLayoutVars>
+          <dgm:chMax val="0"/>
+          <dgm:chPref val="0"/>
+          <dgm:bulletEnabled val="1"/>
+        </dgm:presLayoutVars>
+      </dgm:prSet>
+      <dgm:spPr/>
+    </dgm:pt>
+  </dgm:ptLst>
+  <dgm:cxnLst>
+    <dgm:cxn modelId="{2D742507-98C4-408D-89C9-6071600AB04C}" type="presOf" srcId="{6E024AFC-CB52-467E-975E-23A202E0EAB4}" destId="{DF287C28-D053-4157-AD3B-0AF910D9C857}" srcOrd="0" destOrd="0" presId="urn:microsoft.com/office/officeart/2005/8/layout/chevron1"/>
+    <dgm:cxn modelId="{F1B40E0B-D4B0-42C2-8F42-94891FF92860}" srcId="{EB99215F-7D28-427A-BCB7-253BF33D8D85}" destId="{6E024AFC-CB52-467E-975E-23A202E0EAB4}" srcOrd="0" destOrd="0" parTransId="{BE26B320-3C71-4207-AF8B-C764968F32AA}" sibTransId="{D11F3334-4E1B-4A4C-87FE-28A2EFE6ECFD}"/>
+    <dgm:cxn modelId="{8F487B1A-DCAF-4321-8D12-3FA351287850}" srcId="{EB99215F-7D28-427A-BCB7-253BF33D8D85}" destId="{C447611E-98C5-48ED-9157-D468411210B7}" srcOrd="2" destOrd="0" parTransId="{7A889FA0-264A-4D2B-9F4B-F4B335D242CF}" sibTransId="{73DF1E9B-7A03-4DCE-BAD7-A4222D66800C}"/>
+    <dgm:cxn modelId="{9F947A36-06D6-4917-9C0D-97D8E69D0F6B}" srcId="{EB99215F-7D28-427A-BCB7-253BF33D8D85}" destId="{9024DF01-CA87-4A05-8AC2-9C5673DA9844}" srcOrd="3" destOrd="0" parTransId="{666C142D-6D49-47D1-8A7D-DF5EF3EE8F3B}" sibTransId="{2CB4F359-0549-4589-BA6E-D92D2C0B4EB4}"/>
+    <dgm:cxn modelId="{EDFC916A-A772-404E-8950-575CF437D16D}" type="presOf" srcId="{54A4769B-FE5C-4611-9EDC-F40898889E2A}" destId="{A75D81B0-80DF-4F1E-A56B-C01F79531207}" srcOrd="0" destOrd="0" presId="urn:microsoft.com/office/officeart/2005/8/layout/chevron1"/>
+    <dgm:cxn modelId="{02830A52-F69F-4FBF-BC67-4A0B85F33DCB}" type="presOf" srcId="{EB99215F-7D28-427A-BCB7-253BF33D8D85}" destId="{007FC951-2858-46CB-AF15-5C1FE8DF128B}" srcOrd="0" destOrd="0" presId="urn:microsoft.com/office/officeart/2005/8/layout/chevron1"/>
+    <dgm:cxn modelId="{4E1EBAE4-6809-42F7-893A-31B36100052B}" type="presOf" srcId="{C447611E-98C5-48ED-9157-D468411210B7}" destId="{1D807777-1677-4485-A416-D9665F60F016}" srcOrd="0" destOrd="0" presId="urn:microsoft.com/office/officeart/2005/8/layout/chevron1"/>
+    <dgm:cxn modelId="{D398CDE4-C686-4759-8396-ED8965F9073F}" type="presOf" srcId="{9024DF01-CA87-4A05-8AC2-9C5673DA9844}" destId="{F343C5D3-673B-49CB-9158-0FC19F24CD87}" srcOrd="0" destOrd="0" presId="urn:microsoft.com/office/officeart/2005/8/layout/chevron1"/>
+    <dgm:cxn modelId="{2E2E6AEA-36CD-4816-86F3-7F5589F02606}" srcId="{EB99215F-7D28-427A-BCB7-253BF33D8D85}" destId="{54A4769B-FE5C-4611-9EDC-F40898889E2A}" srcOrd="1" destOrd="0" parTransId="{BCC69687-4B41-40F6-8D46-0798B6CC5657}" sibTransId="{6C69A606-FD67-4F8F-8A27-47DC83E5B4BE}"/>
+    <dgm:cxn modelId="{AA47C921-E099-4132-88DB-4C31ED0E1F25}" type="presParOf" srcId="{007FC951-2858-46CB-AF15-5C1FE8DF128B}" destId="{DF287C28-D053-4157-AD3B-0AF910D9C857}" srcOrd="0" destOrd="0" presId="urn:microsoft.com/office/officeart/2005/8/layout/chevron1"/>
+    <dgm:cxn modelId="{B6CF0DA9-CEC9-49F6-A22A-F030C52D423B}" type="presParOf" srcId="{007FC951-2858-46CB-AF15-5C1FE8DF128B}" destId="{6FAD6122-4F8F-4CF7-BB87-4355F007D36A}" srcOrd="1" destOrd="0" presId="urn:microsoft.com/office/officeart/2005/8/layout/chevron1"/>
+    <dgm:cxn modelId="{325AB716-321E-48E8-9783-66D17CB2112F}" type="presParOf" srcId="{007FC951-2858-46CB-AF15-5C1FE8DF128B}" destId="{A75D81B0-80DF-4F1E-A56B-C01F79531207}" srcOrd="2" destOrd="0" presId="urn:microsoft.com/office/officeart/2005/8/layout/chevron1"/>
+    <dgm:cxn modelId="{6E7F5AB7-A6EF-48FF-829B-CED407144267}" type="presParOf" srcId="{007FC951-2858-46CB-AF15-5C1FE8DF128B}" destId="{D7EEE508-FBE6-4536-8818-822A3B5A0C2B}" srcOrd="3" destOrd="0" presId="urn:microsoft.com/office/officeart/2005/8/layout/chevron1"/>
+    <dgm:cxn modelId="{78016903-BACB-4255-B237-96CDCF19D5C2}" type="presParOf" srcId="{007FC951-2858-46CB-AF15-5C1FE8DF128B}" destId="{1D807777-1677-4485-A416-D9665F60F016}" srcOrd="4" destOrd="0" presId="urn:microsoft.com/office/officeart/2005/8/layout/chevron1"/>
+    <dgm:cxn modelId="{731319FE-BA24-4ECF-B397-C8F2296D1620}" type="presParOf" srcId="{007FC951-2858-46CB-AF15-5C1FE8DF128B}" destId="{C826A746-B01B-4B01-B9F2-E637625BB7D3}" srcOrd="5" destOrd="0" presId="urn:microsoft.com/office/officeart/2005/8/layout/chevron1"/>
+    <dgm:cxn modelId="{A98CEE7E-D413-4C5C-9A20-84316E7F5206}" type="presParOf" srcId="{007FC951-2858-46CB-AF15-5C1FE8DF128B}" destId="{F343C5D3-673B-49CB-9158-0FC19F24CD87}" srcOrd="6" destOrd="0" presId="urn:microsoft.com/office/officeart/2005/8/layout/chevron1"/>
+  </dgm:cxnLst>
+  <dgm:bg>
+    <a:noFill/>
+  </dgm:bg>
+  <dgm:whole/>
+  <dgm:extLst>
+    <a:ext uri="http://schemas.microsoft.com/office/drawing/2008/diagram">
+      <dsp:dataModelExt xmlns:dsp="http://schemas.microsoft.com/office/drawing/2008/diagram" relId="rId16" minVer="http://schemas.openxmlformats.org/drawingml/2006/diagram"/>
+    </a:ext>
+  </dgm:extLst>
+</dgm:dataModel>
+</file>
+
+<file path=ppt/diagrams/drawing1.xml><?xml version="1.0" encoding="utf-8"?>
+<dsp:drawing xmlns:dgm="http://schemas.openxmlformats.org/drawingml/2006/diagram" xmlns:dsp="http://schemas.microsoft.com/office/drawing/2008/diagram" xmlns:a="http://schemas.openxmlformats.org/drawingml/2006/main">
+  <dsp:spTree>
+    <dsp:nvGrpSpPr>
+      <dsp:cNvPr id="0" name=""/>
+      <dsp:cNvGrpSpPr/>
+    </dsp:nvGrpSpPr>
+    <dsp:grpSpPr/>
+    <dsp:sp modelId="{DF287C28-D053-4157-AD3B-0AF910D9C857}">
+      <dsp:nvSpPr>
+        <dsp:cNvPr id="0" name=""/>
+        <dsp:cNvSpPr/>
+      </dsp:nvSpPr>
+      <dsp:spPr>
+        <a:xfrm>
+          <a:off x="6879" y="908382"/>
+          <a:ext cx="4004316" cy="1601726"/>
+        </a:xfrm>
+        <a:prstGeom prst="chevron">
+          <a:avLst/>
+        </a:prstGeom>
+        <a:solidFill>
+          <a:schemeClr val="accent5">
+            <a:lumMod val="40000"/>
+            <a:lumOff val="60000"/>
+          </a:schemeClr>
+        </a:solidFill>
+        <a:ln>
+          <a:noFill/>
+        </a:ln>
+        <a:effectLst/>
+        <a:scene3d>
+          <a:camera prst="orthographicFront"/>
+          <a:lightRig rig="flat" dir="t"/>
+        </a:scene3d>
+        <a:sp3d prstMaterial="dkEdge">
+          <a:bevelT w="8200" h="38100"/>
+        </a:sp3d>
+      </dsp:spPr>
+      <dsp:style>
+        <a:lnRef idx="0">
+          <a:scrgbClr r="0" g="0" b="0"/>
+        </a:lnRef>
+        <a:fillRef idx="2">
+          <a:scrgbClr r="0" g="0" b="0"/>
+        </a:fillRef>
+        <a:effectRef idx="1">
+          <a:scrgbClr r="0" g="0" b="0"/>
+        </a:effectRef>
+        <a:fontRef idx="minor">
+          <a:schemeClr val="dk1"/>
+        </a:fontRef>
+      </dsp:style>
+      <dsp:txBody>
+        <a:bodyPr spcFirstLastPara="0" vert="horz" wrap="square" lIns="120015" tIns="40005" rIns="40005" bIns="40005" numCol="1" spcCol="1270" anchor="ctr" anchorCtr="0">
+          <a:noAutofit/>
+        </a:bodyPr>
+        <a:lstStyle/>
+        <a:p>
+          <a:pPr marL="0" lvl="0" indent="0" algn="ctr" defTabSz="1333500">
+            <a:lnSpc>
+              <a:spcPct val="90000"/>
+            </a:lnSpc>
+            <a:spcBef>
+              <a:spcPct val="0"/>
+            </a:spcBef>
+            <a:spcAft>
+              <a:spcPct val="35000"/>
+            </a:spcAft>
+            <a:buNone/>
+          </a:pPr>
+          <a:r>
+            <a:rPr lang="en-US" sz="3000" b="0" kern="1200"/>
+            <a:t>Chiller plant data</a:t>
+          </a:r>
+          <a:endParaRPr lang="en-US" sz="3000" b="0" kern="1200" dirty="0"/>
+        </a:p>
+      </dsp:txBody>
+      <dsp:txXfrm>
+        <a:off x="807742" y="908382"/>
+        <a:ext cx="2402590" cy="1601726"/>
+      </dsp:txXfrm>
+    </dsp:sp>
+    <dsp:sp modelId="{A75D81B0-80DF-4F1E-A56B-C01F79531207}">
+      <dsp:nvSpPr>
+        <dsp:cNvPr id="0" name=""/>
+        <dsp:cNvSpPr/>
+      </dsp:nvSpPr>
+      <dsp:spPr>
+        <a:xfrm>
+          <a:off x="3610763" y="908382"/>
+          <a:ext cx="4004316" cy="1601726"/>
+        </a:xfrm>
+        <a:prstGeom prst="chevron">
+          <a:avLst/>
+        </a:prstGeom>
+        <a:solidFill>
+          <a:schemeClr val="accent5">
+            <a:lumMod val="40000"/>
+            <a:lumOff val="60000"/>
+          </a:schemeClr>
+        </a:solidFill>
+        <a:ln>
+          <a:noFill/>
+        </a:ln>
+        <a:effectLst/>
+        <a:scene3d>
+          <a:camera prst="orthographicFront"/>
+          <a:lightRig rig="flat" dir="t"/>
+        </a:scene3d>
+        <a:sp3d prstMaterial="dkEdge">
+          <a:bevelT w="8200" h="38100"/>
+        </a:sp3d>
+      </dsp:spPr>
+      <dsp:style>
+        <a:lnRef idx="0">
+          <a:scrgbClr r="0" g="0" b="0"/>
+        </a:lnRef>
+        <a:fillRef idx="2">
+          <a:scrgbClr r="0" g="0" b="0"/>
+        </a:fillRef>
+        <a:effectRef idx="1">
+          <a:scrgbClr r="0" g="0" b="0"/>
+        </a:effectRef>
+        <a:fontRef idx="minor">
+          <a:schemeClr val="dk1"/>
+        </a:fontRef>
+      </dsp:style>
+      <dsp:txBody>
+        <a:bodyPr spcFirstLastPara="0" vert="horz" wrap="square" lIns="120015" tIns="40005" rIns="40005" bIns="40005" numCol="1" spcCol="1270" anchor="ctr" anchorCtr="0">
+          <a:noAutofit/>
+        </a:bodyPr>
+        <a:lstStyle/>
+        <a:p>
+          <a:pPr marL="0" lvl="0" indent="0" algn="ctr" defTabSz="1333500">
+            <a:lnSpc>
+              <a:spcPct val="90000"/>
+            </a:lnSpc>
+            <a:spcBef>
+              <a:spcPct val="0"/>
+            </a:spcBef>
+            <a:spcAft>
+              <a:spcPct val="35000"/>
+            </a:spcAft>
+            <a:buNone/>
+          </a:pPr>
+          <a:r>
+            <a:rPr lang="en-US" sz="3000" b="0" kern="1200" dirty="0"/>
+            <a:t>Filtering features from the data</a:t>
+          </a:r>
+        </a:p>
+      </dsp:txBody>
+      <dsp:txXfrm>
+        <a:off x="4411626" y="908382"/>
+        <a:ext cx="2402590" cy="1601726"/>
+      </dsp:txXfrm>
+    </dsp:sp>
+    <dsp:sp modelId="{1D807777-1677-4485-A416-D9665F60F016}">
+      <dsp:nvSpPr>
+        <dsp:cNvPr id="0" name=""/>
+        <dsp:cNvSpPr/>
+      </dsp:nvSpPr>
+      <dsp:spPr>
+        <a:xfrm>
+          <a:off x="7214648" y="908382"/>
+          <a:ext cx="4004316" cy="1601726"/>
+        </a:xfrm>
+        <a:prstGeom prst="chevron">
+          <a:avLst/>
+        </a:prstGeom>
+        <a:solidFill>
+          <a:schemeClr val="accent5">
+            <a:lumMod val="40000"/>
+            <a:lumOff val="60000"/>
+          </a:schemeClr>
+        </a:solidFill>
+        <a:ln>
+          <a:noFill/>
+        </a:ln>
+        <a:effectLst/>
+        <a:scene3d>
+          <a:camera prst="orthographicFront"/>
+          <a:lightRig rig="flat" dir="t"/>
+        </a:scene3d>
+        <a:sp3d prstMaterial="dkEdge">
+          <a:bevelT w="8200" h="38100"/>
+        </a:sp3d>
+      </dsp:spPr>
+      <dsp:style>
+        <a:lnRef idx="0">
+          <a:scrgbClr r="0" g="0" b="0"/>
+        </a:lnRef>
+        <a:fillRef idx="2">
+          <a:scrgbClr r="0" g="0" b="0"/>
+        </a:fillRef>
+        <a:effectRef idx="1">
+          <a:scrgbClr r="0" g="0" b="0"/>
+        </a:effectRef>
+        <a:fontRef idx="minor">
+          <a:schemeClr val="dk1"/>
+        </a:fontRef>
+      </dsp:style>
+      <dsp:txBody>
+        <a:bodyPr spcFirstLastPara="0" vert="horz" wrap="square" lIns="120015" tIns="40005" rIns="40005" bIns="40005" numCol="1" spcCol="1270" anchor="ctr" anchorCtr="0">
+          <a:noAutofit/>
+        </a:bodyPr>
+        <a:lstStyle/>
+        <a:p>
+          <a:pPr marL="0" lvl="0" indent="0" algn="ctr" defTabSz="1333500">
+            <a:lnSpc>
+              <a:spcPct val="90000"/>
+            </a:lnSpc>
+            <a:spcBef>
+              <a:spcPct val="0"/>
+            </a:spcBef>
+            <a:spcAft>
+              <a:spcPct val="35000"/>
+            </a:spcAft>
+            <a:buNone/>
+          </a:pPr>
+          <a:r>
+            <a:rPr lang="en-US" sz="3000" b="0" kern="1200"/>
+            <a:t>Feature importance</a:t>
+          </a:r>
+          <a:endParaRPr lang="en-US" sz="3000" b="0" kern="1200" dirty="0"/>
+        </a:p>
+      </dsp:txBody>
+      <dsp:txXfrm>
+        <a:off x="8015511" y="908382"/>
+        <a:ext cx="2402590" cy="1601726"/>
+      </dsp:txXfrm>
+    </dsp:sp>
+    <dsp:sp modelId="{F343C5D3-673B-49CB-9158-0FC19F24CD87}">
+      <dsp:nvSpPr>
+        <dsp:cNvPr id="0" name=""/>
+        <dsp:cNvSpPr/>
+      </dsp:nvSpPr>
+      <dsp:spPr>
+        <a:xfrm>
+          <a:off x="10818532" y="908382"/>
+          <a:ext cx="4004316" cy="1601726"/>
+        </a:xfrm>
+        <a:prstGeom prst="chevron">
+          <a:avLst/>
+        </a:prstGeom>
+        <a:solidFill>
+          <a:schemeClr val="accent5">
+            <a:lumMod val="40000"/>
+            <a:lumOff val="60000"/>
+          </a:schemeClr>
+        </a:solidFill>
+        <a:ln>
+          <a:noFill/>
+        </a:ln>
+        <a:effectLst/>
+        <a:scene3d>
+          <a:camera prst="orthographicFront"/>
+          <a:lightRig rig="flat" dir="t"/>
+        </a:scene3d>
+        <a:sp3d prstMaterial="dkEdge">
+          <a:bevelT w="8200" h="38100"/>
+        </a:sp3d>
+      </dsp:spPr>
+      <dsp:style>
+        <a:lnRef idx="0">
+          <a:scrgbClr r="0" g="0" b="0"/>
+        </a:lnRef>
+        <a:fillRef idx="2">
+          <a:scrgbClr r="0" g="0" b="0"/>
+        </a:fillRef>
+        <a:effectRef idx="1">
+          <a:scrgbClr r="0" g="0" b="0"/>
+        </a:effectRef>
+        <a:fontRef idx="minor">
+          <a:schemeClr val="dk1"/>
+        </a:fontRef>
+      </dsp:style>
+      <dsp:txBody>
+        <a:bodyPr spcFirstLastPara="0" vert="horz" wrap="square" lIns="120015" tIns="40005" rIns="40005" bIns="40005" numCol="1" spcCol="1270" anchor="ctr" anchorCtr="0">
+          <a:noAutofit/>
+        </a:bodyPr>
+        <a:lstStyle/>
+        <a:p>
+          <a:pPr marL="0" lvl="0" indent="0" algn="ctr" defTabSz="1333500">
+            <a:lnSpc>
+              <a:spcPct val="90000"/>
+            </a:lnSpc>
+            <a:spcBef>
+              <a:spcPct val="0"/>
+            </a:spcBef>
+            <a:spcAft>
+              <a:spcPct val="35000"/>
+            </a:spcAft>
+            <a:buNone/>
+          </a:pPr>
+          <a:r>
+            <a:rPr lang="en-US" sz="3000" b="0" kern="1200" dirty="0"/>
+            <a:t>Predicting efficiency</a:t>
+          </a:r>
+        </a:p>
+      </dsp:txBody>
+      <dsp:txXfrm>
+        <a:off x="11619395" y="908382"/>
+        <a:ext cx="2402590" cy="1601726"/>
+      </dsp:txXfrm>
+    </dsp:sp>
+  </dsp:spTree>
+</dsp:drawing>
+</file>
+
+<file path=ppt/diagrams/layout1.xml><?xml version="1.0" encoding="utf-8"?>
+<dgm:layoutDef xmlns:dgm="http://schemas.openxmlformats.org/drawingml/2006/diagram" xmlns:a="http://schemas.openxmlformats.org/drawingml/2006/main" uniqueId="urn:microsoft.com/office/officeart/2005/8/layout/chevron1">
+  <dgm:title val=""/>
+  <dgm:desc val=""/>
+  <dgm:catLst>
+    <dgm:cat type="process" pri="9000"/>
+  </dgm:catLst>
+  <dgm:sampData useDef="1">
+    <dgm:dataModel>
+      <dgm:ptLst/>
+      <dgm:bg/>
+      <dgm:whole/>
+    </dgm:dataModel>
+  </dgm:sampData>
+  <dgm:styleData>
+    <dgm:dataModel>
+      <dgm:ptLst>
+        <dgm:pt modelId="0" type="doc"/>
+        <dgm:pt modelId="1"/>
+        <dgm:pt modelId="2"/>
+      </dgm:ptLst>
+      <dgm:cxnLst>
+        <dgm:cxn modelId="3" srcId="0" destId="1" srcOrd="0" destOrd="0"/>
+        <dgm:cxn modelId="4" srcId="0" destId="2" srcOrd="1" destOrd="0"/>
+      </dgm:cxnLst>
+      <dgm:bg/>
+      <dgm:whole/>
+    </dgm:dataModel>
+  </dgm:styleData>
+  <dgm:clrData>
+    <dgm:dataModel>
+      <dgm:ptLst>
+        <dgm:pt modelId="0" type="doc"/>
+        <dgm:pt modelId="1"/>
+        <dgm:pt modelId="2"/>
+        <dgm:pt modelId="3"/>
+        <dgm:pt modelId="4"/>
+      </dgm:ptLst>
+      <dgm:cxnLst>
+        <dgm:cxn modelId="5" srcId="0" destId="1" srcOrd="0" destOrd="0"/>
+        <dgm:cxn modelId="6" srcId="0" destId="2" srcOrd="1" destOrd="0"/>
+        <dgm:cxn modelId="7" srcId="0" destId="3" srcOrd="2" destOrd="0"/>
+        <dgm:cxn modelId="8" srcId="0" destId="4" srcOrd="3" destOrd="0"/>
+      </dgm:cxnLst>
+      <dgm:bg/>
+      <dgm:whole/>
+    </dgm:dataModel>
+  </dgm:clrData>
+  <dgm:layoutNode name="Name0">
+    <dgm:varLst>
+      <dgm:dir/>
+      <dgm:animLvl val="lvl"/>
+      <dgm:resizeHandles val="exact"/>
+    </dgm:varLst>
+    <dgm:choose name="Name1">
+      <dgm:if name="Name2" func="var" arg="dir" op="equ" val="norm">
+        <dgm:alg type="lin"/>
+      </dgm:if>
+      <dgm:else name="Name3">
+        <dgm:alg type="lin">
+          <dgm:param type="linDir" val="fromR"/>
+        </dgm:alg>
+      </dgm:else>
+    </dgm:choose>
+    <dgm:shape xmlns:r="http://schemas.openxmlformats.org/officeDocument/2006/relationships" r:blip="">
+      <dgm:adjLst/>
+    </dgm:shape>
+    <dgm:presOf/>
+    <dgm:choose name="Name4">
+      <dgm:if name="Name5" axis="des" func="maxDepth" op="gte" val="2">
+        <dgm:constrLst>
+          <dgm:constr type="h" for="ch" forName="composite" refType="h"/>
+          <dgm:constr type="w" for="ch" forName="composite" refType="w"/>
+          <dgm:constr type="w" for="des" forName="parTx"/>
+          <dgm:constr type="h" for="des" forName="parTx" op="equ"/>
+          <dgm:constr type="w" for="des" forName="desTx"/>
+          <dgm:constr type="h" for="des" forName="desTx" op="equ"/>
+          <dgm:constr type="primFontSz" for="des" forName="parTx" val="65"/>
+          <dgm:constr type="secFontSz" for="des" forName="desTx" refType="primFontSz" refFor="des" refForName="parTx" op="equ"/>
+          <dgm:constr type="h" for="des" forName="parTx" refType="primFontSz" refFor="des" refForName="parTx" fact="1.5"/>
+          <dgm:constr type="h" for="des" forName="desTx" refType="primFontSz" refFor="des" refForName="parTx" fact="0.5"/>
+          <dgm:constr type="w" for="ch" forName="space" op="equ" val="-6"/>
+        </dgm:constrLst>
+        <dgm:ruleLst>
+          <dgm:rule type="w" for="ch" forName="composite" val="0" fact="NaN" max="NaN"/>
+          <dgm:rule type="primFontSz" for="des" forName="parTx" val="5" fact="NaN" max="NaN"/>
+        </dgm:ruleLst>
+        <dgm:forEach name="Name6" axis="ch" ptType="node">
+          <dgm:layoutNode name="composite">
+            <dgm:alg type="composite"/>
+            <dgm:shape xmlns:r="http://schemas.openxmlformats.org/officeDocument/2006/relationships" r:blip="">
+              <dgm:adjLst/>
+            </dgm:shape>
+            <dgm:presOf/>
+            <dgm:choose name="Name7">
+              <dgm:if name="Name8" func="var" arg="dir" op="equ" val="norm">
+                <dgm:constrLst>
+                  <dgm:constr type="l" for="ch" forName="parTx"/>
+                  <dgm:constr type="w" for="ch" forName="parTx" refType="w"/>
+                  <dgm:constr type="t" for="ch" forName="parTx"/>
+                  <dgm:constr type="l" for="ch" forName="desTx"/>
+                  <dgm:constr type="w" for="ch" forName="desTx" refType="w" refFor="ch" refForName="parTx" fact="0.8"/>
+                  <dgm:constr type="t" for="ch" forName="desTx" refType="h" refFor="ch" refForName="parTx" fact="1.125"/>
+                </dgm:constrLst>
+              </dgm:if>
+              <dgm:else name="Name9">
+                <dgm:constrLst>
+                  <dgm:constr type="l" for="ch" forName="parTx"/>
+                  <dgm:constr type="w" for="ch" forName="parTx" refType="w"/>
+                  <dgm:constr type="t" for="ch" forName="parTx"/>
+                  <dgm:constr type="l" for="ch" forName="desTx" refType="w" fact="0.2"/>
+                  <dgm:constr type="w" for="ch" forName="desTx" refType="w" refFor="ch" refForName="parTx" fact="0.8"/>
+                  <dgm:constr type="t" for="ch" forName="desTx" refType="h" refFor="ch" refForName="parTx" fact="1.125"/>
+                </dgm:constrLst>
+              </dgm:else>
+            </dgm:choose>
+            <dgm:ruleLst>
+              <dgm:rule type="h" val="INF" fact="NaN" max="NaN"/>
+            </dgm:ruleLst>
+            <dgm:layoutNode name="parTx">
+              <dgm:varLst>
+                <dgm:chMax val="0"/>
+                <dgm:chPref val="0"/>
+                <dgm:bulletEnabled val="1"/>
+              </dgm:varLst>
+              <dgm:alg type="tx"/>
+              <dgm:choose name="Name10">
+                <dgm:if name="Name11" func="var" arg="dir" op="equ" val="norm">
+                  <dgm:shape xmlns:r="http://schemas.openxmlformats.org/officeDocument/2006/relationships" type="chevron" r:blip="">
+                    <dgm:adjLst/>
+                  </dgm:shape>
+                </dgm:if>
+                <dgm:else name="Name12">
+                  <dgm:shape xmlns:r="http://schemas.openxmlformats.org/officeDocument/2006/relationships" rot="180" type="chevron" r:blip="">
+                    <dgm:adjLst/>
+                  </dgm:shape>
+                </dgm:else>
+              </dgm:choose>
+              <dgm:presOf axis="self" ptType="node"/>
+              <dgm:choose name="Name13">
+                <dgm:if name="Name14" func="var" arg="dir" op="equ" val="norm">
+                  <dgm:constrLst>
+                    <dgm:constr type="h" refType="w" op="lte" fact="0.4"/>
+                    <dgm:constr type="h"/>
+                    <dgm:constr type="tMarg" refType="primFontSz" fact="0.105"/>
+                    <dgm:constr type="bMarg" refType="primFontSz" fact="0.105"/>
+                    <dgm:constr type="lMarg" refType="primFontSz" fact="0.315"/>
+                    <dgm:constr type="rMarg" refType="primFontSz" fact="0.105"/>
+                  </dgm:constrLst>
+                </dgm:if>
+                <dgm:else name="Name15">
+                  <dgm:constrLst>
+                    <dgm:constr type="h" refType="w" op="lte" fact="0.4"/>
+                    <dgm:constr type="h"/>
+                    <dgm:constr type="tMarg" refType="primFontSz" fact="0.105"/>
+                    <dgm:constr type="bMarg" refType="primFontSz" fact="0.105"/>
+                    <dgm:constr type="lMarg" refType="primFontSz" fact="0.105"/>
+                    <dgm:constr type="rMarg" refType="primFontSz" fact="0.315"/>
+                  </dgm:constrLst>
+                </dgm:else>
+              </dgm:choose>
+              <dgm:ruleLst>
+                <dgm:rule type="h" val="INF" fact="NaN" max="NaN"/>
+              </dgm:ruleLst>
+            </dgm:layoutNode>
+            <dgm:layoutNode name="desTx" styleLbl="revTx">
+              <dgm:varLst>
+                <dgm:bulletEnabled val="1"/>
+              </dgm:varLst>
+              <dgm:alg type="tx">
+                <dgm:param type="stBulletLvl" val="1"/>
+              </dgm:alg>
+              <dgm:choose name="Name16">
+                <dgm:if name="Name17" axis="ch" ptType="node" func="cnt" op="gte" val="1">
+                  <dgm:shape xmlns:r="http://schemas.openxmlformats.org/officeDocument/2006/relationships" type="rect" r:blip="">
+                    <dgm:adjLst/>
+                  </dgm:shape>
+                </dgm:if>
+                <dgm:else name="Name18">
+                  <dgm:shape xmlns:r="http://schemas.openxmlformats.org/officeDocument/2006/relationships" type="rect" r:blip="" hideGeom="1">
+                    <dgm:adjLst/>
+                  </dgm:shape>
+                </dgm:else>
+              </dgm:choose>
+              <dgm:presOf axis="des" ptType="node"/>
+              <dgm:constrLst>
+                <dgm:constr type="secFontSz" val="65"/>
+                <dgm:constr type="primFontSz" refType="secFontSz"/>
+                <dgm:constr type="h"/>
+                <dgm:constr type="tMarg"/>
+                <dgm:constr type="bMarg"/>
+                <dgm:constr type="rMarg"/>
+                <dgm:constr type="lMarg"/>
+              </dgm:constrLst>
+              <dgm:ruleLst>
+                <dgm:rule type="h" val="INF" fact="NaN" max="NaN"/>
+              </dgm:ruleLst>
+            </dgm:layoutNode>
+          </dgm:layoutNode>
+          <dgm:forEach name="Name19" axis="followSib" ptType="sibTrans" cnt="1">
+            <dgm:layoutNode name="space">
+              <dgm:alg type="sp"/>
+              <dgm:shape xmlns:r="http://schemas.openxmlformats.org/officeDocument/2006/relationships" r:blip="">
+                <dgm:adjLst/>
+              </dgm:shape>
+              <dgm:presOf/>
+              <dgm:constrLst/>
+              <dgm:ruleLst/>
+            </dgm:layoutNode>
+          </dgm:forEach>
+        </dgm:forEach>
+      </dgm:if>
+      <dgm:else name="Name20">
+        <dgm:constrLst>
+          <dgm:constr type="w" for="ch" forName="parTxOnly" refType="w"/>
+          <dgm:constr type="h" for="des" forName="parTxOnly" op="equ"/>
+          <dgm:constr type="primFontSz" for="des" forName="parTxOnly" op="equ" val="65"/>
+          <dgm:constr type="w" for="ch" forName="parTxOnlySpace" refType="w" refFor="ch" refForName="parTxOnly" fact="-0.1"/>
+        </dgm:constrLst>
+        <dgm:ruleLst/>
+        <dgm:forEach name="Name21" axis="ch" ptType="node">
+          <dgm:layoutNode name="parTxOnly">
+            <dgm:varLst>
+              <dgm:chMax val="0"/>
+              <dgm:chPref val="0"/>
+              <dgm:bulletEnabled val="1"/>
+            </dgm:varLst>
+            <dgm:alg type="tx"/>
+            <dgm:choose name="Name22">
+              <dgm:if name="Name23" func="var" arg="dir" op="equ" val="norm">
+                <dgm:shape xmlns:r="http://schemas.openxmlformats.org/officeDocument/2006/relationships" type="chevron" r:blip="">
+                  <dgm:adjLst/>
+                </dgm:shape>
+              </dgm:if>
+              <dgm:else name="Name24">
+                <dgm:shape xmlns:r="http://schemas.openxmlformats.org/officeDocument/2006/relationships" rot="180" type="chevron" r:blip="">
+                  <dgm:adjLst/>
+                </dgm:shape>
+              </dgm:else>
+            </dgm:choose>
+            <dgm:presOf axis="self" ptType="node"/>
+            <dgm:choose name="Name25">
+              <dgm:if name="Name26" func="var" arg="dir" op="equ" val="norm">
+                <dgm:constrLst>
+                  <dgm:constr type="h" refType="w" op="equ" fact="0.4"/>
+                  <dgm:constr type="tMarg" refType="primFontSz" fact="0.105"/>
+                  <dgm:constr type="bMarg" refType="primFontSz" fact="0.105"/>
+                  <dgm:constr type="lMarg" refType="primFontSz" fact="0.315"/>
+                  <dgm:constr type="rMarg" refType="primFontSz" fact="0.105"/>
+                </dgm:constrLst>
+              </dgm:if>
+              <dgm:else name="Name27">
+                <dgm:constrLst>
+                  <dgm:constr type="h" refType="w" op="equ" fact="0.4"/>
+                  <dgm:constr type="tMarg" refType="primFontSz" fact="0.105"/>
+                  <dgm:constr type="bMarg" refType="primFontSz" fact="0.105"/>
+                  <dgm:constr type="lMarg" refType="primFontSz" fact="0.105"/>
+                  <dgm:constr type="rMarg" refType="primFontSz" fact="0.315"/>
+                </dgm:constrLst>
+              </dgm:else>
+            </dgm:choose>
+            <dgm:ruleLst>
+              <dgm:rule type="primFontSz" val="5" fact="NaN" max="NaN"/>
+            </dgm:ruleLst>
+          </dgm:layoutNode>
+          <dgm:forEach name="Name28" axis="followSib" ptType="sibTrans" cnt="1">
+            <dgm:layoutNode name="parTxOnlySpace">
+              <dgm:alg type="sp"/>
+              <dgm:shape xmlns:r="http://schemas.openxmlformats.org/officeDocument/2006/relationships" r:blip="">
+                <dgm:adjLst/>
+              </dgm:shape>
+              <dgm:presOf/>
+              <dgm:constrLst/>
+              <dgm:ruleLst/>
+            </dgm:layoutNode>
+          </dgm:forEach>
+        </dgm:forEach>
+      </dgm:else>
+    </dgm:choose>
+  </dgm:layoutNode>
+</dgm:layoutDef>
+</file>
+
+<file path=ppt/diagrams/quickStyle1.xml><?xml version="1.0" encoding="utf-8"?>
+<dgm:styleDef xmlns:dgm="http://schemas.openxmlformats.org/drawingml/2006/diagram" xmlns:a="http://schemas.openxmlformats.org/drawingml/2006/main" uniqueId="urn:microsoft.com/office/officeart/2005/8/quickstyle/simple3">
+  <dgm:title val=""/>
+  <dgm:desc val=""/>
+  <dgm:catLst>
+    <dgm:cat type="simple" pri="10300"/>
+  </dgm:catLst>
+  <dgm:scene3d>
+    <a:camera prst="orthographicFront"/>
+    <a:lightRig rig="threePt" dir="t"/>
+  </dgm:scene3d>
+  <dgm:styleLbl name="node0">
+    <dgm:scene3d>
+      <a:camera prst="orthographicFront"/>
+      <a:lightRig rig="flat" dir="t"/>
+    </dgm:scene3d>
+    <dgm:sp3d prstMaterial="dkEdge">
+      <a:bevelT w="8200" h="38100"/>
+    </dgm:sp3d>
+    <dgm:txPr/>
+    <dgm:style>
+      <a:lnRef idx="0">
+        <a:scrgbClr r="0" g="0" b="0"/>
+      </a:lnRef>
+      <a:fillRef idx="2">
+        <a:scrgbClr r="0" g="0" b="0"/>
+      </a:fillRef>
+      <a:effectRef idx="1">
+        <a:scrgbClr r="0" g="0" b="0"/>
+      </a:effectRef>
+      <a:fontRef idx="minor">
+        <a:schemeClr val="dk1"/>
+      </a:fontRef>
+    </dgm:style>
+  </dgm:styleLbl>
+  <dgm:styleLbl name="lnNode1">
+    <dgm:scene3d>
+      <a:camera prst="orthographicFront"/>
+      <a:lightRig rig="flat" dir="t"/>
+    </dgm:scene3d>
+    <dgm:sp3d prstMaterial="dkEdge">
+      <a:bevelT w="8200" h="38100"/>
+    </dgm:sp3d>
+    <dgm:txPr/>
+    <dgm:style>
+      <a:lnRef idx="1">
+        <a:scrgbClr r="0" g="0" b="0"/>
+      </a:lnRef>
+      <a:fillRef idx="2">
+        <a:scrgbClr r="0" g="0" b="0"/>
+      </a:fillRef>
+      <a:effectRef idx="0">
+        <a:scrgbClr r="0" g="0" b="0"/>
+      </a:effectRef>
+      <a:fontRef idx="minor">
+        <a:schemeClr val="dk1"/>
+      </a:fontRef>
+    </dgm:style>
+  </dgm:styleLbl>
+  <dgm:styleLbl name="vennNode1">
+    <dgm:scene3d>
+      <a:camera prst="orthographicFront"/>
+      <a:lightRig rig="flat" dir="t"/>
+    </dgm:scene3d>
+    <dgm:sp3d prstMaterial="dkEdge">
+      <a:bevelT w="8200" h="38100"/>
+    </dgm:sp3d>
+    <dgm:txPr/>
+    <dgm:style>
+      <a:lnRef idx="0">
+        <a:scrgbClr r="0" g="0" b="0"/>
+      </a:lnRef>
+      <a:fillRef idx="2">
+        <a:scrgbClr r="0" g="0" b="0"/>
+      </a:fillRef>
+      <a:effectRef idx="0">
+        <a:scrgbClr r="0" g="0" b="0"/>
+      </a:effectRef>
+      <a:fontRef idx="minor">
+        <a:schemeClr val="tx1"/>
+      </a:fontRef>
+    </dgm:style>
+  </dgm:styleLbl>
+  <dgm:styleLbl name="alignNode1">
+    <dgm:scene3d>
+      <a:camera prst="orthographicFront"/>
+      <a:lightRig rig="threePt" dir="t"/>
+    </dgm:scene3d>
+    <dgm:sp3d/>
+    <dgm:txPr/>
+    <dgm:style>
+      <a:lnRef idx="1">
+        <a:scrgbClr r="0" g="0" b="0"/>
+      </a:lnRef>
+      <a:fillRef idx="2">
+        <a:scrgbClr r="0" g="0" b="0"/>
+      </a:fillRef>
+      <a:effectRef idx="1">
+        <a:scrgbClr r="0" g="0" b="0"/>
+      </a:effectRef>
+      <a:fontRef idx="minor">
+        <a:schemeClr val="dk1"/>
+      </a:fontRef>
+    </dgm:style>
+  </dgm:styleLbl>
+  <dgm:styleLbl name="node1">
+    <dgm:scene3d>
+      <a:camera prst="orthographicFront"/>
+      <a:lightRig rig="flat" dir="t"/>
+    </dgm:scene3d>
+    <dgm:sp3d prstMaterial="dkEdge">
+      <a:bevelT w="8200" h="38100"/>
+    </dgm:sp3d>
+    <dgm:txPr/>
+    <dgm:style>
+      <a:lnRef idx="0">
+        <a:scrgbClr r="0" g="0" b="0"/>
+      </a:lnRef>
+      <a:fillRef idx="2">
+        <a:scrgbClr r="0" g="0" b="0"/>
+      </a:fillRef>
+      <a:effectRef idx="1">
+        <a:scrgbClr r="0" g="0" b="0"/>
+      </a:effectRef>
+      <a:fontRef idx="minor">
+        <a:schemeClr val="dk1"/>
+      </a:fontRef>
+    </dgm:style>
+  </dgm:styleLbl>
+  <dgm:styleLbl name="node2">
+    <dgm:scene3d>
+      <a:camera prst="orthographicFront"/>
+      <a:lightRig rig="flat" dir="t"/>
+    </dgm:scene3d>
+    <dgm:sp3d prstMaterial="dkEdge">
+      <a:bevelT w="8200" h="38100"/>
+    </dgm:sp3d>
+    <dgm:txPr/>
+    <dgm:style>
+      <a:lnRef idx="0">
+        <a:scrgbClr r="0" g="0" b="0"/>
+      </a:lnRef>
+      <a:fillRef idx="2">
+        <a:scrgbClr r="0" g="0" b="0"/>
+      </a:fillRef>
+      <a:effectRef idx="1">
+        <a:scrgbClr r="0" g="0" b="0"/>
+      </a:effectRef>
+      <a:fontRef idx="minor">
+        <a:schemeClr val="dk1"/>
+      </a:fontRef>
+    </dgm:style>
+  </dgm:styleLbl>
+  <dgm:styleLbl name="node3">
+    <dgm:scene3d>
+      <a:camera prst="orthographicFront"/>
+      <a:lightRig rig="flat" dir="t"/>
+    </dgm:scene3d>
+    <dgm:sp3d prstMaterial="dkEdge">
+      <a:bevelT w="8200" h="38100"/>
+    </dgm:sp3d>
+    <dgm:txPr/>
+    <dgm:style>
+      <a:lnRef idx="0">
+        <a:scrgbClr r="0" g="0" b="0"/>
+      </a:lnRef>
+      <a:fillRef idx="2">
+        <a:scrgbClr r="0" g="0" b="0"/>
+      </a:fillRef>
+      <a:effectRef idx="1">
+        <a:scrgbClr r="0" g="0" b="0"/>
+      </a:effectRef>
+      <a:fontRef idx="minor">
+        <a:schemeClr val="dk1"/>
+      </a:fontRef>
+    </dgm:style>
+  </dgm:styleLbl>
+  <dgm:styleLbl name="node4">
+    <dgm:scene3d>
+      <a:camera prst="orthographicFront"/>
+      <a:lightRig rig="flat" dir="t"/>
+    </dgm:scene3d>
+    <dgm:sp3d prstMaterial="dkEdge">
+      <a:bevelT w="8200" h="38100"/>
+    </dgm:sp3d>
+    <dgm:txPr/>
+    <dgm:style>
+      <a:lnRef idx="0">
+        <a:scrgbClr r="0" g="0" b="0"/>
+      </a:lnRef>
+      <a:fillRef idx="2">
+        <a:scrgbClr r="0" g="0" b="0"/>
+      </a:fillRef>
+      <a:effectRef idx="1">
+        <a:scrgbClr r="0" g="0" b="0"/>
+      </a:effectRef>
+      <a:fontRef idx="minor">
+        <a:schemeClr val="dk1"/>
+      </a:fontRef>
+    </dgm:style>
+  </dgm:styleLbl>
+  <dgm:styleLbl name="fgImgPlace1">
+    <dgm:scene3d>
+      <a:camera prst="orthographicFront"/>
+      <a:lightRig rig="threePt" dir="t"/>
+    </dgm:scene3d>
+    <dgm:sp3d/>
+    <dgm:txPr/>
+    <dgm:style>
+      <a:lnRef idx="1">
+        <a:scrgbClr r="0" g="0" b="0"/>
+      </a:lnRef>
+      <a:fillRef idx="1">
+        <a:scrgbClr r="0" g="0" b="0"/>
+      </a:fillRef>
+      <a:effectRef idx="1">
+        <a:scrgbClr r="0" g="0" b="0"/>
+      </a:effectRef>
+      <a:fontRef idx="minor"/>
+    </dgm:style>
+  </dgm:styleLbl>
+  <dgm:styleLbl name="alignImgPlace1">
+    <dgm:scene3d>
+      <a:camera prst="orthographicFront"/>
+      <a:lightRig rig="threePt" dir="t"/>
+    </dgm:scene3d>
+    <dgm:sp3d/>
+    <dgm:txPr/>
+    <dgm:style>
+      <a:lnRef idx="1">
+        <a:scrgbClr r="0" g="0" b="0"/>
+      </a:lnRef>
+      <a:fillRef idx="1">
+        <a:scrgbClr r="0" g="0" b="0"/>
+      </a:fillRef>
+      <a:effectRef idx="1">
+        <a:scrgbClr r="0" g="0" b="0"/>
+      </a:effectRef>
+      <a:fontRef idx="minor"/>
+    </dgm:style>
+  </dgm:styleLbl>
+  <dgm:styleLbl name="bgImgPlace1">
+    <dgm:scene3d>
+      <a:camera prst="orthographicFront"/>
+      <a:lightRig rig="threePt" dir="t"/>
+    </dgm:scene3d>
+    <dgm:sp3d/>
+    <dgm:txPr/>
+    <dgm:style>
+      <a:lnRef idx="1">
+        <a:scrgbClr r="0" g="0" b="0"/>
+      </a:lnRef>
+      <a:fillRef idx="1">
+        <a:scrgbClr r="0" g="0" b="0"/>
+      </a:fillRef>
+      <a:effectRef idx="1">
+        <a:scrgbClr r="0" g="0" b="0"/>
+      </a:effectRef>
+      <a:fontRef idx="minor"/>
+    </dgm:style>
+  </dgm:styleLbl>
+  <dgm:styleLbl name="sibTrans2D1">
+    <dgm:scene3d>
+      <a:camera prst="orthographicFront"/>
+      <a:lightRig rig="threePt" dir="t"/>
+    </dgm:scene3d>
+    <dgm:sp3d/>
+    <dgm:txPr/>
+    <dgm:style>
+      <a:lnRef idx="0">
+        <a:scrgbClr r="0" g="0" b="0"/>
+      </a:lnRef>
+      <a:fillRef idx="2">
+        <a:scrgbClr r="0" g="0" b="0"/>
+      </a:fillRef>
+      <a:effectRef idx="1">
+        <a:scrgbClr r="0" g="0" b="0"/>
+      </a:effectRef>
+      <a:fontRef idx="minor">
+        <a:schemeClr val="dk1"/>
+      </a:fontRef>
+    </dgm:style>
+  </dgm:styleLbl>
+  <dgm:styleLbl name="fgSibTrans2D1">
+    <dgm:scene3d>
+      <a:camera prst="orthographicFront"/>
+      <a:lightRig rig="threePt" dir="t"/>
+    </dgm:scene3d>
+    <dgm:sp3d/>
+    <dgm:txPr/>
+    <dgm:style>
+      <a:lnRef idx="0">
+        <a:scrgbClr r="0" g="0" b="0"/>
+      </a:lnRef>
+      <a:fillRef idx="2">
+        <a:scrgbClr r="0" g="0" b="0"/>
+      </a:fillRef>
+      <a:effectRef idx="1">
+        <a:scrgbClr r="0" g="0" b="0"/>
+      </a:effectRef>
+      <a:fontRef idx="minor">
+        <a:schemeClr val="dk1"/>
+      </a:fontRef>
+    </dgm:style>
+  </dgm:styleLbl>
+  <dgm:styleLbl name="bgSibTrans2D1">
+    <dgm:scene3d>
+      <a:camera prst="orthographicFront"/>
+      <a:lightRig rig="threePt" dir="t"/>
+    </dgm:scene3d>
+    <dgm:sp3d/>
+    <dgm:txPr/>
+    <dgm:style>
+      <a:lnRef idx="0">
+        <a:scrgbClr r="0" g="0" b="0"/>
+      </a:lnRef>
+      <a:fillRef idx="2">
+        <a:scrgbClr r="0" g="0" b="0"/>
+      </a:fillRef>
+      <a:effectRef idx="1">
+        <a:scrgbClr r="0" g="0" b="0"/>
+      </a:effectRef>
+      <a:fontRef idx="minor">
+        <a:schemeClr val="dk1"/>
+      </a:fontRef>
+    </dgm:style>
+  </dgm:styleLbl>
+  <dgm:styleLbl name="sibTrans1D1">
+    <dgm:scene3d>
+      <a:camera prst="orthographicFront"/>
+      <a:lightRig rig="threePt" dir="t"/>
+    </dgm:scene3d>
+    <dgm:sp3d/>
+    <dgm:txPr/>
+    <dgm:style>
+      <a:lnRef idx="1">
+        <a:scrgbClr r="0" g="0" b="0"/>
+      </a:lnRef>
+      <a:fillRef idx="0">
+        <a:scrgbClr r="0" g="0" b="0"/>
+      </a:fillRef>
+      <a:effectRef idx="0">
+        <a:scrgbClr r="0" g="0" b="0"/>
+      </a:effectRef>
+      <a:fontRef idx="minor"/>
+    </dgm:style>
+  </dgm:styleLbl>
+  <dgm:styleLbl name="callout">
+    <dgm:scene3d>
+      <a:camera prst="orthographicFront"/>
+      <a:lightRig rig="threePt" dir="t"/>
+    </dgm:scene3d>
+    <dgm:sp3d/>
+    <dgm:txPr/>
+    <dgm:style>
+      <a:lnRef idx="1">
+        <a:scrgbClr r="0" g="0" b="0"/>
+      </a:lnRef>
+      <a:fillRef idx="2">
+        <a:scrgbClr r="0" g="0" b="0"/>
+      </a:fillRef>
+      <a:effectRef idx="1">
+        <a:scrgbClr r="0" g="0" b="0"/>
+      </a:effectRef>
+      <a:fontRef idx="minor"/>
+    </dgm:style>
+  </dgm:styleLbl>
+  <dgm:styleLbl name="asst0">
+    <dgm:scene3d>
+      <a:camera prst="orthographicFront"/>
+      <a:lightRig rig="flat" dir="t"/>
+    </dgm:scene3d>
+    <dgm:sp3d prstMaterial="dkEdge">
+      <a:bevelT w="8200" h="38100"/>
+    </dgm:sp3d>
+    <dgm:txPr/>
+    <dgm:style>
+      <a:lnRef idx="0">
+        <a:scrgbClr r="0" g="0" b="0"/>
+      </a:lnRef>
+      <a:fillRef idx="2">
+        <a:scrgbClr r="0" g="0" b="0"/>
+      </a:fillRef>
+      <a:effectRef idx="1">
+        <a:scrgbClr r="0" g="0" b="0"/>
+      </a:effectRef>
+      <a:fontRef idx="minor">
+        <a:schemeClr val="dk1"/>
+      </a:fontRef>
+    </dgm:style>
+  </dgm:styleLbl>
+  <dgm:styleLbl name="asst1">
+    <dgm:scene3d>
+      <a:camera prst="orthographicFront"/>
+      <a:lightRig rig="flat" dir="t"/>
+    </dgm:scene3d>
+    <dgm:sp3d prstMaterial="dkEdge">
+      <a:bevelT w="8200" h="38100"/>
+    </dgm:sp3d>
+    <dgm:txPr/>
+    <dgm:style>
+      <a:lnRef idx="0">
+        <a:scrgbClr r="0" g="0" b="0"/>
+      </a:lnRef>
+      <a:fillRef idx="2">
+        <a:scrgbClr r="0" g="0" b="0"/>
+      </a:fillRef>
+      <a:effectRef idx="1">
+        <a:scrgbClr r="0" g="0" b="0"/>
+      </a:effectRef>
+      <a:fontRef idx="minor">
+        <a:schemeClr val="dk1"/>
+      </a:fontRef>
+    </dgm:style>
+  </dgm:styleLbl>
+  <dgm:styleLbl name="asst2">
+    <dgm:scene3d>
+      <a:camera prst="orthographicFront"/>
+      <a:lightRig rig="flat" dir="t"/>
+    </dgm:scene3d>
+    <dgm:sp3d prstMaterial="dkEdge">
+      <a:bevelT w="8200" h="38100"/>
+    </dgm:sp3d>
+    <dgm:txPr/>
+    <dgm:style>
+      <a:lnRef idx="0">
+        <a:scrgbClr r="0" g="0" b="0"/>
+      </a:lnRef>
+      <a:fillRef idx="2">
+        <a:scrgbClr r="0" g="0" b="0"/>
+      </a:fillRef>
+      <a:effectRef idx="1">
+        <a:scrgbClr r="0" g="0" b="0"/>
+      </a:effectRef>
+      <a:fontRef idx="minor">
+        <a:schemeClr val="dk1"/>
+      </a:fontRef>
+    </dgm:style>
+  </dgm:styleLbl>
+  <dgm:styleLbl name="asst3">
+    <dgm:scene3d>
+      <a:camera prst="orthographicFront"/>
+      <a:lightRig rig="flat" dir="t"/>
+    </dgm:scene3d>
+    <dgm:sp3d prstMaterial="dkEdge">
+      <a:bevelT w="8200" h="38100"/>
+    </dgm:sp3d>
+    <dgm:txPr/>
+    <dgm:style>
+      <a:lnRef idx="0">
+        <a:scrgbClr r="0" g="0" b="0"/>
+      </a:lnRef>
+      <a:fillRef idx="2">
+        <a:scrgbClr r="0" g="0" b="0"/>
+      </a:fillRef>
+      <a:effectRef idx="1">
+        <a:scrgbClr r="0" g="0" b="0"/>
+      </a:effectRef>
+      <a:fontRef idx="minor">
+        <a:schemeClr val="dk1"/>
+      </a:fontRef>
+    </dgm:style>
+  </dgm:styleLbl>
+  <dgm:styleLbl name="asst4">
+    <dgm:scene3d>
+      <a:camera prst="orthographicFront"/>
+      <a:lightRig rig="flat" dir="t"/>
+    </dgm:scene3d>
+    <dgm:sp3d prstMaterial="dkEdge">
+      <a:bevelT w="8200" h="38100"/>
+    </dgm:sp3d>
+    <dgm:txPr/>
+    <dgm:style>
+      <a:lnRef idx="0">
+        <a:scrgbClr r="0" g="0" b="0"/>
+      </a:lnRef>
+      <a:fillRef idx="2">
+        <a:scrgbClr r="0" g="0" b="0"/>
+      </a:fillRef>
+      <a:effectRef idx="1">
+        <a:scrgbClr r="0" g="0" b="0"/>
+      </a:effectRef>
+      <a:fontRef idx="minor">
+        <a:schemeClr val="dk1"/>
+      </a:fontRef>
+    </dgm:style>
+  </dgm:styleLbl>
+  <dgm:styleLbl name="parChTrans2D1">
+    <dgm:scene3d>
+      <a:camera prst="orthographicFront"/>
+      <a:lightRig rig="threePt" dir="t"/>
+    </dgm:scene3d>
+    <dgm:sp3d/>
+    <dgm:txPr/>
+    <dgm:style>
+      <a:lnRef idx="1">
+        <a:scrgbClr r="0" g="0" b="0"/>
+      </a:lnRef>
+      <a:fillRef idx="2">
+        <a:scrgbClr r="0" g="0" b="0"/>
+      </a:fillRef>
+      <a:effectRef idx="1">
+        <a:scrgbClr r="0" g="0" b="0"/>
+      </a:effectRef>
+      <a:fontRef idx="minor">
+        <a:schemeClr val="dk1"/>
+      </a:fontRef>
+    </dgm:style>
+  </dgm:styleLbl>
+  <dgm:styleLbl name="parChTrans2D2">
+    <dgm:scene3d>
+      <a:camera prst="orthographicFront"/>
+      <a:lightRig rig="threePt" dir="t"/>
+    </dgm:scene3d>
+    <dgm:sp3d/>
+    <dgm:txPr/>
+    <dgm:style>
+      <a:lnRef idx="1">
+        <a:scrgbClr r="0" g="0" b="0"/>
+      </a:lnRef>
+      <a:fillRef idx="2">
+        <a:scrgbClr r="0" g="0" b="0"/>
+      </a:fillRef>
+      <a:effectRef idx="1">
+        <a:scrgbClr r="0" g="0" b="0"/>
+      </a:effectRef>
+      <a:fontRef idx="minor">
+        <a:schemeClr val="dk1"/>
+      </a:fontRef>
+    </dgm:style>
+  </dgm:styleLbl>
+  <dgm:styleLbl name="parChTrans2D3">
+    <dgm:scene3d>
+      <a:camera prst="orthographicFront"/>
+      <a:lightRig rig="threePt" dir="t"/>
+    </dgm:scene3d>
+    <dgm:sp3d/>
+    <dgm:txPr/>
+    <dgm:style>
+      <a:lnRef idx="1">
+        <a:scrgbClr r="0" g="0" b="0"/>
+      </a:lnRef>
+      <a:fillRef idx="2">
+        <a:scrgbClr r="0" g="0" b="0"/>
+      </a:fillRef>
+      <a:effectRef idx="1">
+        <a:scrgbClr r="0" g="0" b="0"/>
+      </a:effectRef>
+      <a:fontRef idx="minor">
+        <a:schemeClr val="dk1"/>
+      </a:fontRef>
+    </dgm:style>
+  </dgm:styleLbl>
+  <dgm:styleLbl name="parChTrans2D4">
+    <dgm:scene3d>
+      <a:camera prst="orthographicFront"/>
+      <a:lightRig rig="threePt" dir="t"/>
+    </dgm:scene3d>
+    <dgm:sp3d/>
+    <dgm:txPr/>
+    <dgm:style>
+      <a:lnRef idx="1">
+        <a:scrgbClr r="0" g="0" b="0"/>
+      </a:lnRef>
+      <a:fillRef idx="2">
+        <a:scrgbClr r="0" g="0" b="0"/>
+      </a:fillRef>
+      <a:effectRef idx="1">
+        <a:scrgbClr r="0" g="0" b="0"/>
+      </a:effectRef>
+      <a:fontRef idx="minor">
+        <a:schemeClr val="dk1"/>
+      </a:fontRef>
+    </dgm:style>
+  </dgm:styleLbl>
+  <dgm:styleLbl name="parChTrans1D1">
+    <dgm:scene3d>
+      <a:camera prst="orthographicFront"/>
+      <a:lightRig rig="threePt" dir="t"/>
+    </dgm:scene3d>
+    <dgm:sp3d/>
+    <dgm:txPr/>
+    <dgm:style>
+      <a:lnRef idx="2">
+        <a:scrgbClr r="0" g="0" b="0"/>
+      </a:lnRef>
+      <a:fillRef idx="0">
+        <a:scrgbClr r="0" g="0" b="0"/>
+      </a:fillRef>
+      <a:effectRef idx="0">
+        <a:scrgbClr r="0" g="0" b="0"/>
+      </a:effectRef>
+      <a:fontRef idx="minor"/>
+    </dgm:style>
+  </dgm:styleLbl>
+  <dgm:styleLbl name="parChTrans1D2">
+    <dgm:scene3d>
+      <a:camera prst="orthographicFront"/>
+      <a:lightRig rig="threePt" dir="t"/>
+    </dgm:scene3d>
+    <dgm:sp3d/>
+    <dgm:txPr/>
+    <dgm:style>
+      <a:lnRef idx="2">
+        <a:scrgbClr r="0" g="0" b="0"/>
+      </a:lnRef>
+      <a:fillRef idx="0">
+        <a:scrgbClr r="0" g="0" b="0"/>
+      </a:fillRef>
+      <a:effectRef idx="0">
+        <a:scrgbClr r="0" g="0" b="0"/>
+      </a:effectRef>
+      <a:fontRef idx="minor"/>
+    </dgm:style>
+  </dgm:styleLbl>
+  <dgm:styleLbl name="parChTrans1D3">
+    <dgm:scene3d>
+      <a:camera prst="orthographicFront"/>
+      <a:lightRig rig="threePt" dir="t"/>
+    </dgm:scene3d>
+    <dgm:sp3d/>
+    <dgm:txPr/>
+    <dgm:style>
+      <a:lnRef idx="2">
+        <a:scrgbClr r="0" g="0" b="0"/>
+      </a:lnRef>
+      <a:fillRef idx="0">
+        <a:scrgbClr r="0" g="0" b="0"/>
+      </a:fillRef>
+      <a:effectRef idx="0">
+        <a:scrgbClr r="0" g="0" b="0"/>
+      </a:effectRef>
+      <a:fontRef idx="minor"/>
+    </dgm:style>
+  </dgm:styleLbl>
+  <dgm:styleLbl name="parChTrans1D4">
+    <dgm:scene3d>
+      <a:camera prst="orthographicFront"/>
+      <a:lightRig rig="threePt" dir="t"/>
+    </dgm:scene3d>
+    <dgm:sp3d/>
+    <dgm:txPr/>
+    <dgm:style>
+      <a:lnRef idx="2">
+        <a:scrgbClr r="0" g="0" b="0"/>
+      </a:lnRef>
+      <a:fillRef idx="0">
+        <a:scrgbClr r="0" g="0" b="0"/>
+      </a:fillRef>
+      <a:effectRef idx="0">
+        <a:scrgbClr r="0" g="0" b="0"/>
+      </a:effectRef>
+      <a:fontRef idx="minor"/>
+    </dgm:style>
+  </dgm:styleLbl>
+  <dgm:styleLbl name="fgAcc1">
+    <dgm:scene3d>
+      <a:camera prst="orthographicFront"/>
+      <a:lightRig rig="threePt" dir="t"/>
+    </dgm:scene3d>
+    <dgm:sp3d/>
+    <dgm:txPr/>
+    <dgm:style>
+      <a:lnRef idx="1">
+        <a:scrgbClr r="0" g="0" b="0"/>
+      </a:lnRef>
+      <a:fillRef idx="1">
+        <a:scrgbClr r="0" g="0" b="0"/>
+      </a:fillRef>
+      <a:effectRef idx="0">
+        <a:scrgbClr r="0" g="0" b="0"/>
+      </a:effectRef>
+      <a:fontRef idx="minor"/>
+    </dgm:style>
+  </dgm:styleLbl>
+  <dgm:styleLbl name="conFgAcc1">
+    <dgm:scene3d>
+      <a:camera prst="orthographicFront"/>
+      <a:lightRig rig="threePt" dir="t"/>
+    </dgm:scene3d>
+    <dgm:sp3d/>
+    <dgm:txPr/>
+    <dgm:style>
+      <a:lnRef idx="1">
+        <a:scrgbClr r="0" g="0" b="0"/>
+      </a:lnRef>
+      <a:fillRef idx="1">
+        <a:scrgbClr r="0" g="0" b="0"/>
+      </a:fillRef>
+      <a:effectRef idx="0">
+        <a:scrgbClr r="0" g="0" b="0"/>
+      </a:effectRef>
+      <a:fontRef idx="minor"/>
+    </dgm:style>
+  </dgm:styleLbl>
+  <dgm:styleLbl name="alignAcc1">
+    <dgm:scene3d>
+      <a:camera prst="orthographicFront"/>
+      <a:lightRig rig="threePt" dir="t"/>
+    </dgm:scene3d>
+    <dgm:sp3d/>
+    <dgm:txPr/>
+    <dgm:style>
+      <a:lnRef idx="1">
+        <a:scrgbClr r="0" g="0" b="0"/>
+      </a:lnRef>
+      <a:fillRef idx="1">
+        <a:scrgbClr r="0" g="0" b="0"/>
+      </a:fillRef>
+      <a:effectRef idx="0">
+        <a:scrgbClr r="0" g="0" b="0"/>
+      </a:effectRef>
+      <a:fontRef idx="minor"/>
+    </dgm:style>
+  </dgm:styleLbl>
+  <dgm:styleLbl name="trAlignAcc1">
+    <dgm:scene3d>
+      <a:camera prst="orthographicFront"/>
+      <a:lightRig rig="threePt" dir="t"/>
+    </dgm:scene3d>
+    <dgm:sp3d/>
+    <dgm:txPr/>
+    <dgm:style>
+      <a:lnRef idx="1">
+        <a:scrgbClr r="0" g="0" b="0"/>
+      </a:lnRef>
+      <a:fillRef idx="1">
+        <a:scrgbClr r="0" g="0" b="0"/>
+      </a:fillRef>
+      <a:effectRef idx="0">
+        <a:scrgbClr r="0" g="0" b="0"/>
+      </a:effectRef>
+      <a:fontRef idx="minor"/>
+    </dgm:style>
+  </dgm:styleLbl>
+  <dgm:styleLbl name="bgAcc1">
+    <dgm:scene3d>
+      <a:camera prst="orthographicFront"/>
+      <a:lightRig rig="threePt" dir="t"/>
+    </dgm:scene3d>
+    <dgm:sp3d/>
+    <dgm:txPr/>
+    <dgm:style>
+      <a:lnRef idx="1">
+        <a:scrgbClr r="0" g="0" b="0"/>
+      </a:lnRef>
+      <a:fillRef idx="1">
+        <a:scrgbClr r="0" g="0" b="0"/>
+      </a:fillRef>
+      <a:effectRef idx="0">
+        <a:scrgbClr r="0" g="0" b="0"/>
+      </a:effectRef>
+      <a:fontRef idx="minor"/>
+    </dgm:style>
+  </dgm:styleLbl>
+  <dgm:styleLbl name="solidFgAcc1">
+    <dgm:scene3d>
+      <a:camera prst="orthographicFront"/>
+      <a:lightRig rig="threePt" dir="t"/>
+    </dgm:scene3d>
+    <dgm:sp3d/>
+    <dgm:txPr/>
+    <dgm:style>
+      <a:lnRef idx="1">
+        <a:scrgbClr r="0" g="0" b="0"/>
+      </a:lnRef>
+      <a:fillRef idx="2">
+        <a:scrgbClr r="0" g="0" b="0"/>
+      </a:fillRef>
+      <a:effectRef idx="0">
+        <a:scrgbClr r="0" g="0" b="0"/>
+      </a:effectRef>
+      <a:fontRef idx="minor"/>
+    </dgm:style>
+  </dgm:styleLbl>
+  <dgm:styleLbl name="solidAlignAcc1">
+    <dgm:scene3d>
+      <a:camera prst="orthographicFront"/>
+      <a:lightRig rig="threePt" dir="t"/>
+    </dgm:scene3d>
+    <dgm:sp3d/>
+    <dgm:txPr/>
+    <dgm:style>
+      <a:lnRef idx="1">
+        <a:scrgbClr r="0" g="0" b="0"/>
+      </a:lnRef>
+      <a:fillRef idx="1">
+        <a:scrgbClr r="0" g="0" b="0"/>
+      </a:fillRef>
+      <a:effectRef idx="0">
+        <a:scrgbClr r="0" g="0" b="0"/>
+      </a:effectRef>
+      <a:fontRef idx="minor"/>
+    </dgm:style>
+  </dgm:styleLbl>
+  <dgm:styleLbl name="solidBgAcc1">
+    <dgm:scene3d>
+      <a:camera prst="orthographicFront"/>
+      <a:lightRig rig="threePt" dir="t"/>
+    </dgm:scene3d>
+    <dgm:sp3d/>
+    <dgm:txPr/>
+    <dgm:style>
+      <a:lnRef idx="1">
+        <a:scrgbClr r="0" g="0" b="0"/>
+      </a:lnRef>
+      <a:fillRef idx="1">
+        <a:scrgbClr r="0" g="0" b="0"/>
+      </a:fillRef>
+      <a:effectRef idx="0">
+        <a:scrgbClr r="0" g="0" b="0"/>
+      </a:effectRef>
+      <a:fontRef idx="minor"/>
+    </dgm:style>
+  </dgm:styleLbl>
+  <dgm:styleLbl name="fgAccFollowNode1">
+    <dgm:scene3d>
+      <a:camera prst="orthographicFront"/>
+      <a:lightRig rig="threePt" dir="t"/>
+    </dgm:scene3d>
+    <dgm:sp3d/>
+    <dgm:txPr/>
+    <dgm:style>
+      <a:lnRef idx="1">
+        <a:scrgbClr r="0" g="0" b="0"/>
+      </a:lnRef>
+      <a:fillRef idx="1">
+        <a:scrgbClr r="0" g="0" b="0"/>
+      </a:fillRef>
+      <a:effectRef idx="0">
+        <a:scrgbClr r="0" g="0" b="0"/>
+      </a:effectRef>
+      <a:fontRef idx="minor"/>
+    </dgm:style>
+  </dgm:styleLbl>
+  <dgm:styleLbl name="alignAccFollowNode1">
+    <dgm:scene3d>
+      <a:camera prst="orthographicFront"/>
+      <a:lightRig rig="threePt" dir="t"/>
+    </dgm:scene3d>
+    <dgm:sp3d/>
+    <dgm:txPr/>
+    <dgm:style>
+      <a:lnRef idx="1">
+        <a:scrgbClr r="0" g="0" b="0"/>
+      </a:lnRef>
+      <a:fillRef idx="1">
+        <a:scrgbClr r="0" g="0" b="0"/>
+      </a:fillRef>
+      <a:effectRef idx="0">
+        <a:scrgbClr r="0" g="0" b="0"/>
+      </a:effectRef>
+      <a:fontRef idx="minor"/>
+    </dgm:style>
+  </dgm:styleLbl>
+  <dgm:styleLbl name="bgAccFollowNode1">
+    <dgm:scene3d>
+      <a:camera prst="orthographicFront"/>
+      <a:lightRig rig="threePt" dir="t"/>
+    </dgm:scene3d>
+    <dgm:sp3d/>
+    <dgm:txPr/>
+    <dgm:style>
+      <a:lnRef idx="1">
+        <a:scrgbClr r="0" g="0" b="0"/>
+      </a:lnRef>
+      <a:fillRef idx="1">
+        <a:scrgbClr r="0" g="0" b="0"/>
+      </a:fillRef>
+      <a:effectRef idx="0">
+        <a:scrgbClr r="0" g="0" b="0"/>
+      </a:effectRef>
+      <a:fontRef idx="minor"/>
+    </dgm:style>
+  </dgm:styleLbl>
+  <dgm:styleLbl name="fgAcc0">
+    <dgm:scene3d>
+      <a:camera prst="orthographicFront"/>
+      <a:lightRig rig="threePt" dir="t"/>
+    </dgm:scene3d>
+    <dgm:sp3d/>
+    <dgm:txPr/>
+    <dgm:style>
+      <a:lnRef idx="1">
+        <a:scrgbClr r="0" g="0" b="0"/>
+      </a:lnRef>
+      <a:fillRef idx="1">
+        <a:scrgbClr r="0" g="0" b="0"/>
+      </a:fillRef>
+      <a:effectRef idx="0">
+        <a:scrgbClr r="0" g="0" b="0"/>
+      </a:effectRef>
+      <a:fontRef idx="minor"/>
+    </dgm:style>
+  </dgm:styleLbl>
+  <dgm:styleLbl name="fgAcc2">
+    <dgm:scene3d>
+      <a:camera prst="orthographicFront"/>
+      <a:lightRig rig="threePt" dir="t"/>
+    </dgm:scene3d>
+    <dgm:sp3d/>
+    <dgm:txPr/>
+    <dgm:style>
+      <a:lnRef idx="1">
+        <a:scrgbClr r="0" g="0" b="0"/>
+      </a:lnRef>
+      <a:fillRef idx="1">
+        <a:scrgbClr r="0" g="0" b="0"/>
+      </a:fillRef>
+      <a:effectRef idx="0">
+        <a:scrgbClr r="0" g="0" b="0"/>
+      </a:effectRef>
+      <a:fontRef idx="minor"/>
+    </dgm:style>
+  </dgm:styleLbl>
+  <dgm:styleLbl name="fgAcc3">
+    <dgm:scene3d>
+      <a:camera prst="orthographicFront"/>
+      <a:lightRig rig="threePt" dir="t"/>
+    </dgm:scene3d>
+    <dgm:sp3d/>
+    <dgm:txPr/>
+    <dgm:style>
+      <a:lnRef idx="1">
+        <a:scrgbClr r="0" g="0" b="0"/>
+      </a:lnRef>
+      <a:fillRef idx="1">
+        <a:scrgbClr r="0" g="0" b="0"/>
+      </a:fillRef>
+      <a:effectRef idx="0">
+        <a:scrgbClr r="0" g="0" b="0"/>
+      </a:effectRef>
+      <a:fontRef idx="minor"/>
+    </dgm:style>
+  </dgm:styleLbl>
+  <dgm:styleLbl name="fgAcc4">
+    <dgm:scene3d>
+      <a:camera prst="orthographicFront"/>
+      <a:lightRig rig="threePt" dir="t"/>
+    </dgm:scene3d>
+    <dgm:sp3d/>
+    <dgm:txPr/>
+    <dgm:style>
+      <a:lnRef idx="1">
+        <a:scrgbClr r="0" g="0" b="0"/>
+      </a:lnRef>
+      <a:fillRef idx="1">
+        <a:scrgbClr r="0" g="0" b="0"/>
+      </a:fillRef>
+      <a:effectRef idx="0">
+        <a:scrgbClr r="0" g="0" b="0"/>
+      </a:effectRef>
+      <a:fontRef idx="minor"/>
+    </dgm:style>
+  </dgm:styleLbl>
+  <dgm:styleLbl name="bgShp">
+    <dgm:scene3d>
+      <a:camera prst="orthographicFront"/>
+      <a:lightRig rig="threePt" dir="t"/>
+    </dgm:scene3d>
+    <dgm:sp3d/>
+    <dgm:txPr/>
+    <dgm:style>
+      <a:lnRef idx="0">
+        <a:scrgbClr r="0" g="0" b="0"/>
+      </a:lnRef>
+      <a:fillRef idx="1">
+        <a:scrgbClr r="0" g="0" b="0"/>
+      </a:fillRef>
+      <a:effectRef idx="1">
+        <a:scrgbClr r="0" g="0" b="0"/>
+      </a:effectRef>
+      <a:fontRef idx="minor"/>
+    </dgm:style>
+  </dgm:styleLbl>
+  <dgm:styleLbl name="dkBgShp">
+    <dgm:scene3d>
+      <a:camera prst="orthographicFront"/>
+      <a:lightRig rig="threePt" dir="t"/>
+    </dgm:scene3d>
+    <dgm:sp3d/>
+    <dgm:txPr/>
+    <dgm:style>
+      <a:lnRef idx="0">
+        <a:scrgbClr r="0" g="0" b="0"/>
+      </a:lnRef>
+      <a:fillRef idx="1">
+        <a:scrgbClr r="0" g="0" b="0"/>
+      </a:fillRef>
+      <a:effectRef idx="1">
+        <a:scrgbClr r="0" g="0" b="0"/>
+      </a:effectRef>
+      <a:fontRef idx="minor"/>
+    </dgm:style>
+  </dgm:styleLbl>
+  <dgm:styleLbl name="trBgShp">
+    <dgm:scene3d>
+      <a:camera prst="orthographicFront"/>
+      <a:lightRig rig="threePt" dir="t"/>
+    </dgm:scene3d>
+    <dgm:sp3d/>
+    <dgm:txPr/>
+    <dgm:style>
+      <a:lnRef idx="0">
+        <a:scrgbClr r="0" g="0" b="0"/>
+      </a:lnRef>
+      <a:fillRef idx="1">
+        <a:scrgbClr r="0" g="0" b="0"/>
+      </a:fillRef>
+      <a:effectRef idx="0">
+        <a:scrgbClr r="0" g="0" b="0"/>
+      </a:effectRef>
+      <a:fontRef idx="minor"/>
+    </dgm:style>
+  </dgm:styleLbl>
+  <dgm:styleLbl name="fgShp">
+    <dgm:scene3d>
+      <a:camera prst="orthographicFront"/>
+      <a:lightRig rig="flat" dir="t"/>
+    </dgm:scene3d>
+    <dgm:sp3d prstMaterial="dkEdge">
+      <a:bevelT w="8200" h="38100"/>
+    </dgm:sp3d>
+    <dgm:txPr/>
+    <dgm:style>
+      <a:lnRef idx="1">
+        <a:scrgbClr r="0" g="0" b="0"/>
+      </a:lnRef>
+      <a:fillRef idx="2">
+        <a:scrgbClr r="0" g="0" b="0"/>
+      </a:fillRef>
+      <a:effectRef idx="1">
+        <a:scrgbClr r="0" g="0" b="0"/>
+      </a:effectRef>
+      <a:fontRef idx="minor"/>
+    </dgm:style>
+  </dgm:styleLbl>
+  <dgm:styleLbl name="revTx">
+    <dgm:scene3d>
+      <a:camera prst="orthographicFront"/>
+      <a:lightRig rig="threePt" dir="t"/>
+    </dgm:scene3d>
+    <dgm:sp3d/>
+    <dgm:txPr/>
+    <dgm:style>
+      <a:lnRef idx="0">
+        <a:scrgbClr r="0" g="0" b="0"/>
+      </a:lnRef>
+      <a:fillRef idx="0">
+        <a:scrgbClr r="0" g="0" b="0"/>
+      </a:fillRef>
+      <a:effectRef idx="0">
+        <a:scrgbClr r="0" g="0" b="0"/>
+      </a:effectRef>
+      <a:fontRef idx="minor"/>
+    </dgm:style>
+  </dgm:styleLbl>
+</dgm:styleDef>
+</file>
+
 <file path=ppt/notesMasters/notesMaster1.xml><?xml version="1.0" encoding="utf-8"?>
 <p:notesMaster xmlns:a="http://schemas.openxmlformats.org/drawingml/2006/main" xmlns:r="http://schemas.openxmlformats.org/officeDocument/2006/relationships" xmlns:p="http://schemas.openxmlformats.org/presentationml/2006/main">
   <p:cSld>
@@ -197,7 +2950,7 @@
           <a:p>
             <a:fld id="{5F81FB17-81F2-48DD-BDDC-6976AC46608F}" type="datetimeFigureOut">
               <a:rPr lang="en-US" smtClean="0"/>
-              <a:t>6/24/2018</a:t>
+              <a:t>6/25/2018</a:t>
             </a:fld>
             <a:endParaRPr lang="en-US"/>
           </a:p>
@@ -684,7 +3437,7 @@
           <a:p>
             <a:fld id="{5AFC3D18-F74D-4123-AE82-1B3291E866D0}" type="datetimeFigureOut">
               <a:rPr lang="en-US" smtClean="0"/>
-              <a:t>6/24/2018</a:t>
+              <a:t>6/25/2018</a:t>
             </a:fld>
             <a:endParaRPr lang="en-US"/>
           </a:p>
@@ -854,7 +3607,7 @@
           <a:p>
             <a:fld id="{5AFC3D18-F74D-4123-AE82-1B3291E866D0}" type="datetimeFigureOut">
               <a:rPr lang="en-US" smtClean="0"/>
-              <a:t>6/24/2018</a:t>
+              <a:t>6/25/2018</a:t>
             </a:fld>
             <a:endParaRPr lang="en-US"/>
           </a:p>
@@ -1034,7 +3787,7 @@
           <a:p>
             <a:fld id="{5AFC3D18-F74D-4123-AE82-1B3291E866D0}" type="datetimeFigureOut">
               <a:rPr lang="en-US" smtClean="0"/>
-              <a:t>6/24/2018</a:t>
+              <a:t>6/25/2018</a:t>
             </a:fld>
             <a:endParaRPr lang="en-US"/>
           </a:p>
@@ -1204,7 +3957,7 @@
           <a:p>
             <a:fld id="{5AFC3D18-F74D-4123-AE82-1B3291E866D0}" type="datetimeFigureOut">
               <a:rPr lang="en-US" smtClean="0"/>
-              <a:t>6/24/2018</a:t>
+              <a:t>6/25/2018</a:t>
             </a:fld>
             <a:endParaRPr lang="en-US"/>
           </a:p>
@@ -1448,7 +4201,7 @@
           <a:p>
             <a:fld id="{5AFC3D18-F74D-4123-AE82-1B3291E866D0}" type="datetimeFigureOut">
               <a:rPr lang="en-US" smtClean="0"/>
-              <a:t>6/24/2018</a:t>
+              <a:t>6/25/2018</a:t>
             </a:fld>
             <a:endParaRPr lang="en-US"/>
           </a:p>
@@ -1680,7 +4433,7 @@
           <a:p>
             <a:fld id="{5AFC3D18-F74D-4123-AE82-1B3291E866D0}" type="datetimeFigureOut">
               <a:rPr lang="en-US" smtClean="0"/>
-              <a:t>6/24/2018</a:t>
+              <a:t>6/25/2018</a:t>
             </a:fld>
             <a:endParaRPr lang="en-US"/>
           </a:p>
@@ -2047,7 +4800,7 @@
           <a:p>
             <a:fld id="{5AFC3D18-F74D-4123-AE82-1B3291E866D0}" type="datetimeFigureOut">
               <a:rPr lang="en-US" smtClean="0"/>
-              <a:t>6/24/2018</a:t>
+              <a:t>6/25/2018</a:t>
             </a:fld>
             <a:endParaRPr lang="en-US"/>
           </a:p>
@@ -2165,7 +4918,7 @@
           <a:p>
             <a:fld id="{5AFC3D18-F74D-4123-AE82-1B3291E866D0}" type="datetimeFigureOut">
               <a:rPr lang="en-US" smtClean="0"/>
-              <a:t>6/24/2018</a:t>
+              <a:t>6/25/2018</a:t>
             </a:fld>
             <a:endParaRPr lang="en-US"/>
           </a:p>
@@ -2260,7 +5013,7 @@
           <a:p>
             <a:fld id="{5AFC3D18-F74D-4123-AE82-1B3291E866D0}" type="datetimeFigureOut">
               <a:rPr lang="en-US" smtClean="0"/>
-              <a:t>6/24/2018</a:t>
+              <a:t>6/25/2018</a:t>
             </a:fld>
             <a:endParaRPr lang="en-US"/>
           </a:p>
@@ -2537,7 +5290,7 @@
           <a:p>
             <a:fld id="{5AFC3D18-F74D-4123-AE82-1B3291E866D0}" type="datetimeFigureOut">
               <a:rPr lang="en-US" smtClean="0"/>
-              <a:t>6/24/2018</a:t>
+              <a:t>6/25/2018</a:t>
             </a:fld>
             <a:endParaRPr lang="en-US"/>
           </a:p>
@@ -2794,7 +5547,7 @@
           <a:p>
             <a:fld id="{5AFC3D18-F74D-4123-AE82-1B3291E866D0}" type="datetimeFigureOut">
               <a:rPr lang="en-US" smtClean="0"/>
-              <a:t>6/24/2018</a:t>
+              <a:t>6/25/2018</a:t>
             </a:fld>
             <a:endParaRPr lang="en-US"/>
           </a:p>
@@ -3007,7 +5760,7 @@
           <a:p>
             <a:fld id="{5AFC3D18-F74D-4123-AE82-1B3291E866D0}" type="datetimeFigureOut">
               <a:rPr lang="en-US" smtClean="0"/>
-              <a:t>6/24/2018</a:t>
+              <a:t>6/25/2018</a:t>
             </a:fld>
             <a:endParaRPr lang="en-US"/>
           </a:p>
@@ -3537,8 +6290,8 @@
         </p:nvSpPr>
         <p:spPr>
           <a:xfrm>
-            <a:off x="16717455" y="15006724"/>
-            <a:ext cx="26740133" cy="13117433"/>
+            <a:off x="16717455" y="15006725"/>
+            <a:ext cx="26740133" cy="12879474"/>
           </a:xfrm>
           <a:prstGeom prst="roundRect">
             <a:avLst/>
@@ -3588,8 +6341,8 @@
         </p:nvSpPr>
         <p:spPr>
           <a:xfrm>
-            <a:off x="240444" y="15014995"/>
-            <a:ext cx="16283851" cy="13110192"/>
+            <a:off x="240444" y="14762425"/>
+            <a:ext cx="16283851" cy="13123774"/>
           </a:xfrm>
           <a:prstGeom prst="roundRect">
             <a:avLst/>
@@ -3691,7 +6444,7 @@
             </a:pPr>
             <a:r>
               <a:rPr lang="en-US" sz="3200" dirty="0"/>
-              <a:t>To run the model on more plants and test the model on these plants without training data from the plant. </a:t>
+              <a:t>To be able to predict the plant efficiency on more plants and test the prediction model on these plants with training data from a different plant. </a:t>
             </a:r>
           </a:p>
           <a:p>
@@ -3701,7 +6454,7 @@
             </a:pPr>
             <a:r>
               <a:rPr lang="en-US" sz="3200" dirty="0"/>
-              <a:t>Changing the control of the plant. </a:t>
+              <a:t>Adding and removing different features to see the effect of prediction across the different feature, and how the importance of these features changes. </a:t>
             </a:r>
           </a:p>
           <a:p>
@@ -3711,7 +6464,7 @@
             </a:pPr>
             <a:r>
               <a:rPr lang="en-US" sz="3200" dirty="0"/>
-              <a:t>Adding and removing different features to see the effect of prediction across the different feature, and how the importance of these features changes. </a:t>
+              <a:t>Changing the control of the plant and producing predictive optimization based on the choice of control on the plant. </a:t>
             </a:r>
           </a:p>
           <a:p>
@@ -3719,10 +6472,7 @@
               <a:buFont typeface="Arial" panose="020B0604020202020204" pitchFamily="34" charset="0"/>
               <a:buChar char="•"/>
             </a:pPr>
-            <a:r>
-              <a:rPr lang="en-US" sz="3200" dirty="0"/>
-              <a:t> </a:t>
-            </a:r>
+            <a:endParaRPr lang="en-US" sz="3200" dirty="0"/>
           </a:p>
         </p:txBody>
       </p:sp>
@@ -3811,7 +6561,7 @@
         </p:nvSpPr>
         <p:spPr>
           <a:xfrm>
-            <a:off x="809477" y="16569935"/>
+            <a:off x="750187" y="16270340"/>
             <a:ext cx="6576930" cy="919401"/>
           </a:xfrm>
           <a:prstGeom prst="roundRect">
@@ -4198,7 +6948,7 @@
         <p:spPr>
           <a:xfrm>
             <a:off x="240442" y="4318378"/>
-            <a:ext cx="16202064" cy="10375133"/>
+            <a:ext cx="16202064" cy="10157618"/>
           </a:xfrm>
           <a:prstGeom prst="roundRect">
             <a:avLst/>
@@ -4247,8 +6997,8 @@
         </p:nvSpPr>
         <p:spPr>
           <a:xfrm>
-            <a:off x="583075" y="5927367"/>
-            <a:ext cx="8072558" cy="919401"/>
+            <a:off x="583075" y="5868735"/>
+            <a:ext cx="8727329" cy="919401"/>
           </a:xfrm>
           <a:prstGeom prst="roundRect">
             <a:avLst/>
@@ -4304,7 +7054,7 @@
         </p:nvSpPr>
         <p:spPr>
           <a:xfrm>
-            <a:off x="4243126" y="15251040"/>
+            <a:off x="4243126" y="14974809"/>
             <a:ext cx="8196696" cy="1082850"/>
           </a:xfrm>
           <a:prstGeom prst="roundRect">
@@ -4517,8 +7267,8 @@
         </p:nvSpPr>
         <p:spPr>
           <a:xfrm>
-            <a:off x="9259035" y="5927367"/>
-            <a:ext cx="6607267" cy="919401"/>
+            <a:off x="9653037" y="5868735"/>
+            <a:ext cx="6403989" cy="919401"/>
           </a:xfrm>
           <a:prstGeom prst="roundRect">
             <a:avLst/>
@@ -4575,7 +7325,7 @@
         </p:nvSpPr>
         <p:spPr>
           <a:xfrm>
-            <a:off x="809477" y="21546536"/>
+            <a:off x="750187" y="21460707"/>
             <a:ext cx="6607267" cy="919401"/>
           </a:xfrm>
           <a:prstGeom prst="roundRect">
@@ -4741,7 +7491,7 @@
         <p:spPr>
           <a:xfrm>
             <a:off x="17143609" y="16579046"/>
-            <a:ext cx="14755713" cy="919401"/>
+            <a:ext cx="15093216" cy="919401"/>
           </a:xfrm>
           <a:prstGeom prst="roundRect">
             <a:avLst/>
@@ -4783,8 +7533,8 @@
         </p:nvSpPr>
         <p:spPr>
           <a:xfrm>
-            <a:off x="32429985" y="16550931"/>
-            <a:ext cx="10608615" cy="919401"/>
+            <a:off x="32583233" y="16550931"/>
+            <a:ext cx="10455367" cy="919401"/>
           </a:xfrm>
           <a:prstGeom prst="roundRect">
             <a:avLst/>
@@ -4873,8 +7623,8 @@
         </p:nvSpPr>
         <p:spPr>
           <a:xfrm>
-            <a:off x="583075" y="6884905"/>
-            <a:ext cx="8193024" cy="2554545"/>
+            <a:off x="583075" y="6790457"/>
+            <a:ext cx="8727329" cy="5509200"/>
           </a:xfrm>
           <a:prstGeom prst="rect">
             <a:avLst/>
@@ -4890,7 +7640,35 @@
             <a:pPr algn="just"/>
             <a:r>
               <a:rPr lang="en-US" sz="3200" dirty="0"/>
-              <a:t>Today, efficiency models of plants run in large excel sheets. These models can take months to create. Machine learning can be a powerful tool to predict the efficiency of the chiller plant and for optimization. </a:t>
+              <a:t>Today, efficiency models of plants run in large excel sheets. These models can take months to create and process. Machine learning can be a powerful tool to automate, streamline and optimize the prediction of the efficiency of a chiller plant.</a:t>
+            </a:r>
+          </a:p>
+          <a:p>
+            <a:pPr algn="just"/>
+            <a:r>
+              <a:rPr lang="en-US" sz="3200" dirty="0"/>
+              <a:t>The efficiency of the chiller plant is determined by </a:t>
+            </a:r>
+            <a:r>
+              <a:rPr lang="en-US" sz="3200" b="1" dirty="0">
+                <a:solidFill>
+                  <a:schemeClr val="accent5">
+                    <a:lumMod val="75000"/>
+                  </a:schemeClr>
+                </a:solidFill>
+              </a:rPr>
+              <a:t>kW/ton. </a:t>
+            </a:r>
+            <a:r>
+              <a:rPr lang="en-US" sz="3200" dirty="0"/>
+              <a:t>A tool that determines which variable from the chiller plant has the highest effect on the efficiency is useful to understand and optimize the plant. </a:t>
+            </a:r>
+          </a:p>
+          <a:p>
+            <a:pPr algn="just"/>
+            <a:r>
+              <a:rPr lang="en-US" sz="3200" b="1" dirty="0"/>
+              <a:t> </a:t>
             </a:r>
           </a:p>
         </p:txBody>
@@ -4909,8 +7687,8 @@
         </p:nvSpPr>
         <p:spPr>
           <a:xfrm>
-            <a:off x="9259035" y="6884905"/>
-            <a:ext cx="6607267" cy="6001643"/>
+            <a:off x="9653037" y="6710481"/>
+            <a:ext cx="6403989" cy="5509200"/>
           </a:xfrm>
           <a:prstGeom prst="rect">
             <a:avLst/>
@@ -4938,10 +7716,6 @@
           </a:p>
           <a:p>
             <a:pPr algn="just"/>
-            <a:endParaRPr lang="en-US" sz="3200" dirty="0"/>
-          </a:p>
-          <a:p>
-            <a:pPr algn="just"/>
             <a:r>
               <a:rPr lang="en-US" sz="3200" b="1" dirty="0"/>
               <a:t>2. FEATURE IMPORTANCE</a:t>
@@ -4956,10 +7730,6 @@
           </a:p>
           <a:p>
             <a:pPr algn="just"/>
-            <a:endParaRPr lang="en-US" sz="3200" dirty="0"/>
-          </a:p>
-          <a:p>
-            <a:pPr algn="just"/>
             <a:r>
               <a:rPr lang="en-US" sz="3200" b="1" dirty="0"/>
               <a:t>3. PREDICTION</a:t>
@@ -4969,7 +7739,7 @@
             <a:pPr algn="just"/>
             <a:r>
               <a:rPr lang="en-US" sz="3200" dirty="0"/>
-              <a:t>To predict the efficiency of the chiller plant. </a:t>
+              <a:t>To predict the efficiency of the chiller plant with machine learning and optimize the prediction. </a:t>
             </a:r>
           </a:p>
         </p:txBody>
@@ -5024,8 +7794,8 @@
         </p:nvSpPr>
         <p:spPr>
           <a:xfrm>
-            <a:off x="770106" y="17540585"/>
-            <a:ext cx="6582967" cy="4031873"/>
+            <a:off x="750187" y="17189741"/>
+            <a:ext cx="6576930" cy="4095625"/>
           </a:xfrm>
           <a:prstGeom prst="rect">
             <a:avLst/>
@@ -5041,14 +7811,7 @@
             <a:pPr algn="just"/>
             <a:r>
               <a:rPr lang="en-US" sz="3200" dirty="0"/>
-              <a:t>Raw data from several chiller plants was filtered and optimized for ML implementation. This was started by only using the raw data directly from the plant. These data included readouts form the Building </a:t>
-            </a:r>
-          </a:p>
-          <a:p>
-            <a:pPr algn="just"/>
-            <a:r>
-              <a:rPr lang="en-US" sz="3200" dirty="0"/>
-              <a:t>Automation System, chillers, cooling towers, and water pumps.</a:t>
+              <a:t>Raw data from several chiller plants was filtered and optimized for ML implementation. This was started by only using the raw data directly from the plant. These data included readouts form the Building Automation System, chillers, cooling towers, and water pumps.</a:t>
             </a:r>
           </a:p>
         </p:txBody>
@@ -5067,7 +7830,7 @@
         </p:nvSpPr>
         <p:spPr>
           <a:xfrm>
-            <a:off x="779140" y="22531819"/>
+            <a:off x="750187" y="22370627"/>
             <a:ext cx="6607267" cy="5016758"/>
           </a:xfrm>
           <a:prstGeom prst="rect">
@@ -5198,7 +7961,7 @@
         </p:blipFill>
         <p:spPr>
           <a:xfrm>
-            <a:off x="17143609" y="18049103"/>
+            <a:off x="17143610" y="17578476"/>
             <a:ext cx="8119263" cy="5990305"/>
           </a:xfrm>
           <a:prstGeom prst="rect">
@@ -5223,8 +7986,8 @@
         </p:nvSpPr>
         <p:spPr>
           <a:xfrm>
-            <a:off x="17965795" y="24021019"/>
-            <a:ext cx="6578173" cy="461665"/>
+            <a:off x="17143609" y="23613032"/>
+            <a:ext cx="8119262" cy="1815882"/>
           </a:xfrm>
           <a:prstGeom prst="rect">
             <a:avLst/>
@@ -5237,18 +8000,23 @@
           </a:bodyPr>
           <a:lstStyle/>
           <a:p>
-            <a:r>
-              <a:rPr lang="en-US" sz="2400" dirty="0"/>
-              <a:t>Results from GBM on Plant 1 data. R</a:t>
-            </a:r>
-            <a:r>
-              <a:rPr lang="en-US" sz="2400" baseline="30000" dirty="0"/>
+            <a:pPr algn="just"/>
+            <a:r>
+              <a:rPr lang="en-US" sz="2800" dirty="0"/>
+              <a:t>When GBM were trained on Plant 1 data, R</a:t>
+            </a:r>
+            <a:r>
+              <a:rPr lang="en-US" sz="2800" baseline="30000" dirty="0"/>
               <a:t>2</a:t>
             </a:r>
             <a:r>
-              <a:rPr lang="en-US" sz="2400" dirty="0"/>
-              <a:t> value = 98.2%</a:t>
-            </a:r>
+              <a:rPr lang="en-US" sz="2800" dirty="0"/>
+              <a:t> value = 98.3%. The Plant 1 data contained around 52,000 data points. </a:t>
+            </a:r>
+          </a:p>
+          <a:p>
+            <a:pPr algn="just"/>
+            <a:endParaRPr lang="en-US" sz="2800" dirty="0"/>
           </a:p>
         </p:txBody>
       </p:sp>
@@ -5309,10 +8077,10 @@
       </p:sp>
       <p:pic>
         <p:nvPicPr>
-          <p:cNvPr id="17" name="Picture 16">
+          <p:cNvPr id="18" name="Picture 17">
             <a:extLst>
               <a:ext uri="{FF2B5EF4-FFF2-40B4-BE49-F238E27FC236}">
-                <a16:creationId xmlns:a16="http://schemas.microsoft.com/office/drawing/2014/main" id="{BF385469-B6DA-49E4-88D4-7EB59B38DC66}"/>
+                <a16:creationId xmlns:a16="http://schemas.microsoft.com/office/drawing/2014/main" id="{337F5AED-8C5E-4B80-8E2D-8782F13ADAF7}"/>
               </a:ext>
             </a:extLst>
           </p:cNvPr>
@@ -5322,21 +8090,842 @@
           <p:nvPr/>
         </p:nvPicPr>
         <p:blipFill>
-          <a:blip r:embed="rId11"/>
+          <a:blip r:embed="rId11">
+            <a:extLst>
+              <a:ext uri="{28A0092B-C50C-407E-A947-70E740481C1C}">
+                <a14:useLocalDpi xmlns:a14="http://schemas.microsoft.com/office/drawing/2010/main" val="0"/>
+              </a:ext>
+            </a:extLst>
+          </a:blip>
           <a:stretch>
             <a:fillRect/>
           </a:stretch>
         </p:blipFill>
         <p:spPr>
           <a:xfrm>
-            <a:off x="7609903" y="16579045"/>
-            <a:ext cx="8257439" cy="10774577"/>
+            <a:off x="7520277" y="16784261"/>
+            <a:ext cx="8536749" cy="9774077"/>
           </a:xfrm>
           <a:prstGeom prst="rect">
             <a:avLst/>
           </a:prstGeom>
         </p:spPr>
       </p:pic>
+      <p:graphicFrame>
+        <p:nvGraphicFramePr>
+          <p:cNvPr id="44" name="Diagram 43">
+            <a:extLst>
+              <a:ext uri="{FF2B5EF4-FFF2-40B4-BE49-F238E27FC236}">
+                <a16:creationId xmlns:a16="http://schemas.microsoft.com/office/drawing/2014/main" id="{83283BDD-4D6E-4518-B634-AFAD4E2FF790}"/>
+              </a:ext>
+            </a:extLst>
+          </p:cNvPr>
+          <p:cNvGraphicFramePr/>
+          <p:nvPr>
+            <p:extLst>
+              <p:ext uri="{D42A27DB-BD31-4B8C-83A1-F6EECF244321}">
+                <p14:modId xmlns:p14="http://schemas.microsoft.com/office/powerpoint/2010/main" val="1504232183"/>
+              </p:ext>
+            </p:extLst>
+          </p:nvPr>
+        </p:nvGraphicFramePr>
+        <p:xfrm>
+          <a:off x="926610" y="11449977"/>
+          <a:ext cx="14829728" cy="3418491"/>
+        </p:xfrm>
+        <a:graphic>
+          <a:graphicData uri="http://schemas.openxmlformats.org/drawingml/2006/diagram">
+            <dgm:relIds xmlns:dgm="http://schemas.openxmlformats.org/drawingml/2006/diagram" xmlns:r="http://schemas.openxmlformats.org/officeDocument/2006/relationships" r:dm="rId12" r:lo="rId13" r:qs="rId14" r:cs="rId15"/>
+          </a:graphicData>
+        </a:graphic>
+      </p:graphicFrame>
+      <p:sp>
+        <p:nvSpPr>
+          <p:cNvPr id="45" name="TextBox 44">
+            <a:extLst>
+              <a:ext uri="{FF2B5EF4-FFF2-40B4-BE49-F238E27FC236}">
+                <a16:creationId xmlns:a16="http://schemas.microsoft.com/office/drawing/2014/main" id="{976DE3C3-1FC6-435B-B438-E54085DC534B}"/>
+              </a:ext>
+            </a:extLst>
+          </p:cNvPr>
+          <p:cNvSpPr txBox="1"/>
+          <p:nvPr/>
+        </p:nvSpPr>
+        <p:spPr>
+          <a:xfrm>
+            <a:off x="17032164" y="8504341"/>
+            <a:ext cx="13841611" cy="5509200"/>
+          </a:xfrm>
+          <a:prstGeom prst="rect">
+            <a:avLst/>
+          </a:prstGeom>
+          <a:noFill/>
+        </p:spPr>
+        <p:txBody>
+          <a:bodyPr wrap="square" rtlCol="0">
+            <a:spAutoFit/>
+          </a:bodyPr>
+          <a:lstStyle/>
+          <a:p>
+            <a:pPr algn="just"/>
+            <a:r>
+              <a:rPr lang="en-US" sz="3200" dirty="0"/>
+              <a:t>Gradient boosting machines (GBM) incorporate decision trees in an additive manner with a gradient descent procedure to minimize the chosen loss function. The decision trees are called weak learners because each tree is capped at a certain depth and does not adequately describe the model well. Subsequent trees are trained to reduce the loss in the direction of the gradient and are added to the model to improve the prediction of the model, and previous trees are left unchanged. The number of estimators is the hyperparameter that controls the total number of trees. Generally, a hyperparameter, like tree depth or the minimum samples for a split, are constrained to maintain weak learners but increase the ability to tune the model. In this work, the gradient boosting machines were implemented with the </a:t>
+            </a:r>
+            <a:r>
+              <a:rPr lang="en-US" sz="3200" i="1" dirty="0" err="1"/>
+              <a:t>scikit</a:t>
+            </a:r>
+            <a:r>
+              <a:rPr lang="en-US" sz="3200" i="1" dirty="0"/>
+              <a:t>-learn</a:t>
+            </a:r>
+            <a:r>
+              <a:rPr lang="en-US" sz="3200" dirty="0"/>
+              <a:t> package.</a:t>
+            </a:r>
+          </a:p>
+        </p:txBody>
+      </p:sp>
+      <p:sp>
+        <p:nvSpPr>
+          <p:cNvPr id="47" name="TextBox 46">
+            <a:extLst>
+              <a:ext uri="{FF2B5EF4-FFF2-40B4-BE49-F238E27FC236}">
+                <a16:creationId xmlns:a16="http://schemas.microsoft.com/office/drawing/2014/main" id="{DE3884B4-1D96-4484-BC02-181E8DFE96B4}"/>
+              </a:ext>
+            </a:extLst>
+          </p:cNvPr>
+          <p:cNvSpPr txBox="1"/>
+          <p:nvPr/>
+        </p:nvSpPr>
+        <p:spPr>
+          <a:xfrm>
+            <a:off x="25600376" y="17535691"/>
+            <a:ext cx="6636449" cy="9941183"/>
+          </a:xfrm>
+          <a:prstGeom prst="rect">
+            <a:avLst/>
+          </a:prstGeom>
+          <a:noFill/>
+        </p:spPr>
+        <p:txBody>
+          <a:bodyPr wrap="square" rtlCol="0">
+            <a:spAutoFit/>
+          </a:bodyPr>
+          <a:lstStyle/>
+          <a:p>
+            <a:pPr algn="just"/>
+            <a:r>
+              <a:rPr lang="en-US" sz="3200" dirty="0"/>
+              <a:t>Another important part of the package is the generation of a feature list. A list of normalized feature importance was made by calculating the number of times a split was made based on a feature. This information allows a look into what features are affecting the efficiency the most. From this work, Optimum Energy has been able to explore the data more efficiently. This insight into the data may lead to better collection for more representative data. For example, the parameters of a certain chiller continue to be in the top features because it is continually used at Plant 1. More directed cycling of different machines can better sample the feature space that may lead to better optimization results for efficiency in the future.</a:t>
+            </a:r>
+          </a:p>
+        </p:txBody>
+      </p:sp>
+      <p:graphicFrame>
+        <p:nvGraphicFramePr>
+          <p:cNvPr id="20" name="Table 19">
+            <a:extLst>
+              <a:ext uri="{FF2B5EF4-FFF2-40B4-BE49-F238E27FC236}">
+                <a16:creationId xmlns:a16="http://schemas.microsoft.com/office/drawing/2014/main" id="{0F0A7473-4787-4BFD-B10C-32C33057A7B0}"/>
+              </a:ext>
+            </a:extLst>
+          </p:cNvPr>
+          <p:cNvGraphicFramePr>
+            <a:graphicFrameLocks noGrp="1"/>
+          </p:cNvGraphicFramePr>
+          <p:nvPr>
+            <p:extLst>
+              <p:ext uri="{D42A27DB-BD31-4B8C-83A1-F6EECF244321}">
+                <p14:modId xmlns:p14="http://schemas.microsoft.com/office/powerpoint/2010/main" val="3622135839"/>
+              </p:ext>
+            </p:extLst>
+          </p:nvPr>
+        </p:nvGraphicFramePr>
+        <p:xfrm>
+          <a:off x="18040282" y="25145901"/>
+          <a:ext cx="6325916" cy="2078439"/>
+        </p:xfrm>
+        <a:graphic>
+          <a:graphicData uri="http://schemas.openxmlformats.org/drawingml/2006/table">
+            <a:tbl>
+              <a:tblPr firstRow="1" bandRow="1">
+                <a:tableStyleId>{69012ECD-51FC-41F1-AA8D-1B2483CD663E}</a:tableStyleId>
+              </a:tblPr>
+              <a:tblGrid>
+                <a:gridCol w="3162958">
+                  <a:extLst>
+                    <a:ext uri="{9D8B030D-6E8A-4147-A177-3AD203B41FA5}">
+                      <a16:colId xmlns:a16="http://schemas.microsoft.com/office/drawing/2014/main" val="1860060805"/>
+                    </a:ext>
+                  </a:extLst>
+                </a:gridCol>
+                <a:gridCol w="3162958">
+                  <a:extLst>
+                    <a:ext uri="{9D8B030D-6E8A-4147-A177-3AD203B41FA5}">
+                      <a16:colId xmlns:a16="http://schemas.microsoft.com/office/drawing/2014/main" val="2073761106"/>
+                    </a:ext>
+                  </a:extLst>
+                </a:gridCol>
+              </a:tblGrid>
+              <a:tr h="577299">
+                <a:tc>
+                  <a:txBody>
+                    <a:bodyPr/>
+                    <a:lstStyle/>
+                    <a:p>
+                      <a:pPr algn="ctr" fontAlgn="b"/>
+                      <a:r>
+                        <a:rPr lang="en-US" sz="2400" b="0" u="none" strike="noStrike" dirty="0">
+                          <a:solidFill>
+                            <a:schemeClr val="tx1"/>
+                          </a:solidFill>
+                          <a:effectLst/>
+                        </a:rPr>
+                        <a:t>Feature Importance (%)</a:t>
+                      </a:r>
+                      <a:endParaRPr lang="en-US" sz="2400" b="0" i="0" u="none" strike="noStrike" dirty="0">
+                        <a:solidFill>
+                          <a:schemeClr val="tx1"/>
+                        </a:solidFill>
+                        <a:effectLst/>
+                        <a:latin typeface="Calibri" panose="020F0502020204030204" pitchFamily="34" charset="0"/>
+                      </a:endParaRPr>
+                    </a:p>
+                  </a:txBody>
+                  <a:tcPr marL="9525" marR="9525" marT="9525" marB="0" anchor="ctr">
+                    <a:lnL w="12700" cap="flat" cmpd="sng" algn="ctr">
+                      <a:solidFill>
+                        <a:schemeClr val="tx1"/>
+                      </a:solidFill>
+                      <a:prstDash val="solid"/>
+                      <a:round/>
+                      <a:headEnd type="none" w="med" len="med"/>
+                      <a:tailEnd type="none" w="med" len="med"/>
+                    </a:lnL>
+                    <a:lnR w="12700" cap="flat" cmpd="sng" algn="ctr">
+                      <a:solidFill>
+                        <a:schemeClr val="tx1"/>
+                      </a:solidFill>
+                      <a:prstDash val="solid"/>
+                      <a:round/>
+                      <a:headEnd type="none" w="med" len="med"/>
+                      <a:tailEnd type="none" w="med" len="med"/>
+                    </a:lnR>
+                    <a:lnT w="12700" cap="flat" cmpd="sng" algn="ctr">
+                      <a:solidFill>
+                        <a:schemeClr val="tx1"/>
+                      </a:solidFill>
+                      <a:prstDash val="solid"/>
+                      <a:round/>
+                      <a:headEnd type="none" w="med" len="med"/>
+                      <a:tailEnd type="none" w="med" len="med"/>
+                    </a:lnT>
+                    <a:lnB w="12700" cap="flat" cmpd="sng" algn="ctr">
+                      <a:solidFill>
+                        <a:schemeClr val="tx1"/>
+                      </a:solidFill>
+                      <a:prstDash val="solid"/>
+                      <a:round/>
+                      <a:headEnd type="none" w="med" len="med"/>
+                      <a:tailEnd type="none" w="med" len="med"/>
+                    </a:lnB>
+                    <a:solidFill>
+                      <a:schemeClr val="accent5">
+                        <a:lumMod val="40000"/>
+                        <a:lumOff val="60000"/>
+                      </a:schemeClr>
+                    </a:solidFill>
+                  </a:tcPr>
+                </a:tc>
+                <a:tc>
+                  <a:txBody>
+                    <a:bodyPr/>
+                    <a:lstStyle/>
+                    <a:p>
+                      <a:pPr algn="ctr" fontAlgn="b"/>
+                      <a:r>
+                        <a:rPr lang="en-US" sz="2400" b="0" u="none" strike="noStrike" dirty="0">
+                          <a:solidFill>
+                            <a:schemeClr val="tx1"/>
+                          </a:solidFill>
+                          <a:effectLst/>
+                        </a:rPr>
+                        <a:t>Feature Name</a:t>
+                      </a:r>
+                      <a:endParaRPr lang="en-US" sz="2400" b="0" i="0" u="none" strike="noStrike" dirty="0">
+                        <a:solidFill>
+                          <a:schemeClr val="tx1"/>
+                        </a:solidFill>
+                        <a:effectLst/>
+                        <a:latin typeface="Calibri" panose="020F0502020204030204" pitchFamily="34" charset="0"/>
+                      </a:endParaRPr>
+                    </a:p>
+                  </a:txBody>
+                  <a:tcPr marL="9525" marR="9525" marT="9525" marB="0" anchor="ctr">
+                    <a:lnL w="12700" cap="flat" cmpd="sng" algn="ctr">
+                      <a:solidFill>
+                        <a:schemeClr val="tx1"/>
+                      </a:solidFill>
+                      <a:prstDash val="solid"/>
+                      <a:round/>
+                      <a:headEnd type="none" w="med" len="med"/>
+                      <a:tailEnd type="none" w="med" len="med"/>
+                    </a:lnL>
+                    <a:lnR w="12700" cap="flat" cmpd="sng" algn="ctr">
+                      <a:solidFill>
+                        <a:schemeClr val="tx1"/>
+                      </a:solidFill>
+                      <a:prstDash val="solid"/>
+                      <a:round/>
+                      <a:headEnd type="none" w="med" len="med"/>
+                      <a:tailEnd type="none" w="med" len="med"/>
+                    </a:lnR>
+                    <a:lnT w="12700" cap="flat" cmpd="sng" algn="ctr">
+                      <a:solidFill>
+                        <a:schemeClr val="tx1"/>
+                      </a:solidFill>
+                      <a:prstDash val="solid"/>
+                      <a:round/>
+                      <a:headEnd type="none" w="med" len="med"/>
+                      <a:tailEnd type="none" w="med" len="med"/>
+                    </a:lnT>
+                    <a:lnB w="12700" cap="flat" cmpd="sng" algn="ctr">
+                      <a:solidFill>
+                        <a:schemeClr val="tx1"/>
+                      </a:solidFill>
+                      <a:prstDash val="solid"/>
+                      <a:round/>
+                      <a:headEnd type="none" w="med" len="med"/>
+                      <a:tailEnd type="none" w="med" len="med"/>
+                    </a:lnB>
+                    <a:solidFill>
+                      <a:schemeClr val="accent5">
+                        <a:lumMod val="40000"/>
+                        <a:lumOff val="60000"/>
+                      </a:schemeClr>
+                    </a:solidFill>
+                  </a:tcPr>
+                </a:tc>
+                <a:extLst>
+                  <a:ext uri="{0D108BD9-81ED-4DB2-BD59-A6C34878D82A}">
+                    <a16:rowId xmlns:a16="http://schemas.microsoft.com/office/drawing/2014/main" val="2279473349"/>
+                  </a:ext>
+                </a:extLst>
+              </a:tr>
+              <a:tr h="310744">
+                <a:tc>
+                  <a:txBody>
+                    <a:bodyPr/>
+                    <a:lstStyle/>
+                    <a:p>
+                      <a:pPr algn="ctr" fontAlgn="b"/>
+                      <a:r>
+                        <a:rPr lang="en-US" sz="2400" u="none" strike="noStrike">
+                          <a:effectLst/>
+                        </a:rPr>
+                        <a:t>21.5352</a:t>
+                      </a:r>
+                      <a:endParaRPr lang="en-US" sz="2400" b="0" i="0" u="none" strike="noStrike">
+                        <a:solidFill>
+                          <a:srgbClr val="000000"/>
+                        </a:solidFill>
+                        <a:effectLst/>
+                        <a:latin typeface="Calibri" panose="020F0502020204030204" pitchFamily="34" charset="0"/>
+                      </a:endParaRPr>
+                    </a:p>
+                  </a:txBody>
+                  <a:tcPr marL="9525" marR="9525" marT="9525" marB="0" anchor="b">
+                    <a:lnL w="12700" cap="flat" cmpd="sng" algn="ctr">
+                      <a:solidFill>
+                        <a:schemeClr val="tx1"/>
+                      </a:solidFill>
+                      <a:prstDash val="solid"/>
+                      <a:round/>
+                      <a:headEnd type="none" w="med" len="med"/>
+                      <a:tailEnd type="none" w="med" len="med"/>
+                    </a:lnL>
+                    <a:lnR w="12700" cap="flat" cmpd="sng" algn="ctr">
+                      <a:solidFill>
+                        <a:schemeClr val="tx1"/>
+                      </a:solidFill>
+                      <a:prstDash val="solid"/>
+                      <a:round/>
+                      <a:headEnd type="none" w="med" len="med"/>
+                      <a:tailEnd type="none" w="med" len="med"/>
+                    </a:lnR>
+                    <a:lnT w="12700" cap="flat" cmpd="sng" algn="ctr">
+                      <a:solidFill>
+                        <a:schemeClr val="tx1"/>
+                      </a:solidFill>
+                      <a:prstDash val="solid"/>
+                      <a:round/>
+                      <a:headEnd type="none" w="med" len="med"/>
+                      <a:tailEnd type="none" w="med" len="med"/>
+                    </a:lnT>
+                    <a:lnB w="12700" cap="flat" cmpd="sng" algn="ctr">
+                      <a:solidFill>
+                        <a:schemeClr val="tx1"/>
+                      </a:solidFill>
+                      <a:prstDash val="solid"/>
+                      <a:round/>
+                      <a:headEnd type="none" w="med" len="med"/>
+                      <a:tailEnd type="none" w="med" len="med"/>
+                    </a:lnB>
+                  </a:tcPr>
+                </a:tc>
+                <a:tc>
+                  <a:txBody>
+                    <a:bodyPr/>
+                    <a:lstStyle/>
+                    <a:p>
+                      <a:pPr algn="ctr" fontAlgn="b"/>
+                      <a:r>
+                        <a:rPr lang="en-US" sz="2400" u="none" strike="noStrike" dirty="0">
+                          <a:effectLst/>
+                        </a:rPr>
+                        <a:t>CH5CondApproach</a:t>
+                      </a:r>
+                      <a:endParaRPr lang="en-US" sz="2400" b="0" i="0" u="none" strike="noStrike" dirty="0">
+                        <a:solidFill>
+                          <a:srgbClr val="000000"/>
+                        </a:solidFill>
+                        <a:effectLst/>
+                        <a:latin typeface="Calibri" panose="020F0502020204030204" pitchFamily="34" charset="0"/>
+                      </a:endParaRPr>
+                    </a:p>
+                  </a:txBody>
+                  <a:tcPr marL="9525" marR="9525" marT="9525" marB="0" anchor="b">
+                    <a:lnL w="12700" cap="flat" cmpd="sng" algn="ctr">
+                      <a:solidFill>
+                        <a:schemeClr val="tx1"/>
+                      </a:solidFill>
+                      <a:prstDash val="solid"/>
+                      <a:round/>
+                      <a:headEnd type="none" w="med" len="med"/>
+                      <a:tailEnd type="none" w="med" len="med"/>
+                    </a:lnL>
+                    <a:lnR w="12700" cap="flat" cmpd="sng" algn="ctr">
+                      <a:solidFill>
+                        <a:schemeClr val="tx1"/>
+                      </a:solidFill>
+                      <a:prstDash val="solid"/>
+                      <a:round/>
+                      <a:headEnd type="none" w="med" len="med"/>
+                      <a:tailEnd type="none" w="med" len="med"/>
+                    </a:lnR>
+                    <a:lnT w="12700" cap="flat" cmpd="sng" algn="ctr">
+                      <a:solidFill>
+                        <a:schemeClr val="tx1"/>
+                      </a:solidFill>
+                      <a:prstDash val="solid"/>
+                      <a:round/>
+                      <a:headEnd type="none" w="med" len="med"/>
+                      <a:tailEnd type="none" w="med" len="med"/>
+                    </a:lnT>
+                    <a:lnB w="12700" cap="flat" cmpd="sng" algn="ctr">
+                      <a:solidFill>
+                        <a:schemeClr val="tx1"/>
+                      </a:solidFill>
+                      <a:prstDash val="solid"/>
+                      <a:round/>
+                      <a:headEnd type="none" w="med" len="med"/>
+                      <a:tailEnd type="none" w="med" len="med"/>
+                    </a:lnB>
+                  </a:tcPr>
+                </a:tc>
+                <a:extLst>
+                  <a:ext uri="{0D108BD9-81ED-4DB2-BD59-A6C34878D82A}">
+                    <a16:rowId xmlns:a16="http://schemas.microsoft.com/office/drawing/2014/main" val="2443151045"/>
+                  </a:ext>
+                </a:extLst>
+              </a:tr>
+              <a:tr h="310744">
+                <a:tc>
+                  <a:txBody>
+                    <a:bodyPr/>
+                    <a:lstStyle/>
+                    <a:p>
+                      <a:pPr algn="ctr" fontAlgn="b"/>
+                      <a:r>
+                        <a:rPr lang="en-US" sz="2400" u="none" strike="noStrike" dirty="0">
+                          <a:effectLst/>
+                        </a:rPr>
+                        <a:t>33.44226</a:t>
+                      </a:r>
+                      <a:endParaRPr lang="en-US" sz="2400" b="0" i="0" u="none" strike="noStrike" dirty="0">
+                        <a:solidFill>
+                          <a:srgbClr val="000000"/>
+                        </a:solidFill>
+                        <a:effectLst/>
+                        <a:latin typeface="Calibri" panose="020F0502020204030204" pitchFamily="34" charset="0"/>
+                      </a:endParaRPr>
+                    </a:p>
+                  </a:txBody>
+                  <a:tcPr marL="9525" marR="9525" marT="9525" marB="0" anchor="b">
+                    <a:lnL w="12700" cap="flat" cmpd="sng" algn="ctr">
+                      <a:solidFill>
+                        <a:schemeClr val="tx1"/>
+                      </a:solidFill>
+                      <a:prstDash val="solid"/>
+                      <a:round/>
+                      <a:headEnd type="none" w="med" len="med"/>
+                      <a:tailEnd type="none" w="med" len="med"/>
+                    </a:lnL>
+                    <a:lnR w="12700" cap="flat" cmpd="sng" algn="ctr">
+                      <a:solidFill>
+                        <a:schemeClr val="tx1"/>
+                      </a:solidFill>
+                      <a:prstDash val="solid"/>
+                      <a:round/>
+                      <a:headEnd type="none" w="med" len="med"/>
+                      <a:tailEnd type="none" w="med" len="med"/>
+                    </a:lnR>
+                    <a:lnT w="12700" cap="flat" cmpd="sng" algn="ctr">
+                      <a:solidFill>
+                        <a:schemeClr val="tx1"/>
+                      </a:solidFill>
+                      <a:prstDash val="solid"/>
+                      <a:round/>
+                      <a:headEnd type="none" w="med" len="med"/>
+                      <a:tailEnd type="none" w="med" len="med"/>
+                    </a:lnT>
+                    <a:lnB w="12700" cap="flat" cmpd="sng" algn="ctr">
+                      <a:solidFill>
+                        <a:schemeClr val="tx1"/>
+                      </a:solidFill>
+                      <a:prstDash val="solid"/>
+                      <a:round/>
+                      <a:headEnd type="none" w="med" len="med"/>
+                      <a:tailEnd type="none" w="med" len="med"/>
+                    </a:lnB>
+                  </a:tcPr>
+                </a:tc>
+                <a:tc>
+                  <a:txBody>
+                    <a:bodyPr/>
+                    <a:lstStyle/>
+                    <a:p>
+                      <a:pPr algn="ctr" fontAlgn="b"/>
+                      <a:r>
+                        <a:rPr lang="en-US" sz="2400" u="none" strike="noStrike" dirty="0" err="1">
+                          <a:effectLst/>
+                        </a:rPr>
+                        <a:t>MinCHDPLift</a:t>
+                      </a:r>
+                      <a:endParaRPr lang="en-US" sz="2400" b="0" i="0" u="none" strike="noStrike" dirty="0">
+                        <a:solidFill>
+                          <a:srgbClr val="000000"/>
+                        </a:solidFill>
+                        <a:effectLst/>
+                        <a:latin typeface="Calibri" panose="020F0502020204030204" pitchFamily="34" charset="0"/>
+                      </a:endParaRPr>
+                    </a:p>
+                  </a:txBody>
+                  <a:tcPr marL="9525" marR="9525" marT="9525" marB="0" anchor="b">
+                    <a:lnL w="12700" cap="flat" cmpd="sng" algn="ctr">
+                      <a:solidFill>
+                        <a:schemeClr val="tx1"/>
+                      </a:solidFill>
+                      <a:prstDash val="solid"/>
+                      <a:round/>
+                      <a:headEnd type="none" w="med" len="med"/>
+                      <a:tailEnd type="none" w="med" len="med"/>
+                    </a:lnL>
+                    <a:lnR w="12700" cap="flat" cmpd="sng" algn="ctr">
+                      <a:solidFill>
+                        <a:schemeClr val="tx1"/>
+                      </a:solidFill>
+                      <a:prstDash val="solid"/>
+                      <a:round/>
+                      <a:headEnd type="none" w="med" len="med"/>
+                      <a:tailEnd type="none" w="med" len="med"/>
+                    </a:lnR>
+                    <a:lnT w="12700" cap="flat" cmpd="sng" algn="ctr">
+                      <a:solidFill>
+                        <a:schemeClr val="tx1"/>
+                      </a:solidFill>
+                      <a:prstDash val="solid"/>
+                      <a:round/>
+                      <a:headEnd type="none" w="med" len="med"/>
+                      <a:tailEnd type="none" w="med" len="med"/>
+                    </a:lnT>
+                    <a:lnB w="12700" cap="flat" cmpd="sng" algn="ctr">
+                      <a:solidFill>
+                        <a:schemeClr val="tx1"/>
+                      </a:solidFill>
+                      <a:prstDash val="solid"/>
+                      <a:round/>
+                      <a:headEnd type="none" w="med" len="med"/>
+                      <a:tailEnd type="none" w="med" len="med"/>
+                    </a:lnB>
+                  </a:tcPr>
+                </a:tc>
+                <a:extLst>
+                  <a:ext uri="{0D108BD9-81ED-4DB2-BD59-A6C34878D82A}">
+                    <a16:rowId xmlns:a16="http://schemas.microsoft.com/office/drawing/2014/main" val="1416490207"/>
+                  </a:ext>
+                </a:extLst>
+              </a:tr>
+              <a:tr h="310744">
+                <a:tc>
+                  <a:txBody>
+                    <a:bodyPr/>
+                    <a:lstStyle/>
+                    <a:p>
+                      <a:pPr algn="ctr" fontAlgn="b"/>
+                      <a:r>
+                        <a:rPr lang="en-US" sz="2400" u="none" strike="noStrike" dirty="0">
+                          <a:effectLst/>
+                        </a:rPr>
+                        <a:t>48.52353</a:t>
+                      </a:r>
+                      <a:endParaRPr lang="en-US" sz="2400" b="0" i="0" u="none" strike="noStrike" dirty="0">
+                        <a:solidFill>
+                          <a:srgbClr val="000000"/>
+                        </a:solidFill>
+                        <a:effectLst/>
+                        <a:latin typeface="Calibri" panose="020F0502020204030204" pitchFamily="34" charset="0"/>
+                      </a:endParaRPr>
+                    </a:p>
+                  </a:txBody>
+                  <a:tcPr marL="9525" marR="9525" marT="9525" marB="0" anchor="b">
+                    <a:lnL w="12700" cap="flat" cmpd="sng" algn="ctr">
+                      <a:solidFill>
+                        <a:schemeClr val="tx1"/>
+                      </a:solidFill>
+                      <a:prstDash val="solid"/>
+                      <a:round/>
+                      <a:headEnd type="none" w="med" len="med"/>
+                      <a:tailEnd type="none" w="med" len="med"/>
+                    </a:lnL>
+                    <a:lnR w="12700" cap="flat" cmpd="sng" algn="ctr">
+                      <a:solidFill>
+                        <a:schemeClr val="tx1"/>
+                      </a:solidFill>
+                      <a:prstDash val="solid"/>
+                      <a:round/>
+                      <a:headEnd type="none" w="med" len="med"/>
+                      <a:tailEnd type="none" w="med" len="med"/>
+                    </a:lnR>
+                    <a:lnT w="12700" cap="flat" cmpd="sng" algn="ctr">
+                      <a:solidFill>
+                        <a:schemeClr val="tx1"/>
+                      </a:solidFill>
+                      <a:prstDash val="solid"/>
+                      <a:round/>
+                      <a:headEnd type="none" w="med" len="med"/>
+                      <a:tailEnd type="none" w="med" len="med"/>
+                    </a:lnT>
+                    <a:lnB w="12700" cap="flat" cmpd="sng" algn="ctr">
+                      <a:solidFill>
+                        <a:schemeClr val="tx1"/>
+                      </a:solidFill>
+                      <a:prstDash val="solid"/>
+                      <a:round/>
+                      <a:headEnd type="none" w="med" len="med"/>
+                      <a:tailEnd type="none" w="med" len="med"/>
+                    </a:lnB>
+                  </a:tcPr>
+                </a:tc>
+                <a:tc>
+                  <a:txBody>
+                    <a:bodyPr/>
+                    <a:lstStyle/>
+                    <a:p>
+                      <a:pPr algn="ctr" fontAlgn="b"/>
+                      <a:r>
+                        <a:rPr lang="en-US" sz="2400" u="none" strike="noStrike" dirty="0" err="1">
+                          <a:effectLst/>
+                        </a:rPr>
+                        <a:t>MaxCHDPLift</a:t>
+                      </a:r>
+                      <a:endParaRPr lang="en-US" sz="2400" b="0" i="0" u="none" strike="noStrike" dirty="0">
+                        <a:solidFill>
+                          <a:srgbClr val="000000"/>
+                        </a:solidFill>
+                        <a:effectLst/>
+                        <a:latin typeface="Calibri" panose="020F0502020204030204" pitchFamily="34" charset="0"/>
+                      </a:endParaRPr>
+                    </a:p>
+                  </a:txBody>
+                  <a:tcPr marL="9525" marR="9525" marT="9525" marB="0" anchor="b">
+                    <a:lnL w="12700" cap="flat" cmpd="sng" algn="ctr">
+                      <a:solidFill>
+                        <a:schemeClr val="tx1"/>
+                      </a:solidFill>
+                      <a:prstDash val="solid"/>
+                      <a:round/>
+                      <a:headEnd type="none" w="med" len="med"/>
+                      <a:tailEnd type="none" w="med" len="med"/>
+                    </a:lnL>
+                    <a:lnR w="12700" cap="flat" cmpd="sng" algn="ctr">
+                      <a:solidFill>
+                        <a:schemeClr val="tx1"/>
+                      </a:solidFill>
+                      <a:prstDash val="solid"/>
+                      <a:round/>
+                      <a:headEnd type="none" w="med" len="med"/>
+                      <a:tailEnd type="none" w="med" len="med"/>
+                    </a:lnR>
+                    <a:lnT w="12700" cap="flat" cmpd="sng" algn="ctr">
+                      <a:solidFill>
+                        <a:schemeClr val="tx1"/>
+                      </a:solidFill>
+                      <a:prstDash val="solid"/>
+                      <a:round/>
+                      <a:headEnd type="none" w="med" len="med"/>
+                      <a:tailEnd type="none" w="med" len="med"/>
+                    </a:lnT>
+                    <a:lnB w="12700" cap="flat" cmpd="sng" algn="ctr">
+                      <a:solidFill>
+                        <a:schemeClr val="tx1"/>
+                      </a:solidFill>
+                      <a:prstDash val="solid"/>
+                      <a:round/>
+                      <a:headEnd type="none" w="med" len="med"/>
+                      <a:tailEnd type="none" w="med" len="med"/>
+                    </a:lnB>
+                  </a:tcPr>
+                </a:tc>
+                <a:extLst>
+                  <a:ext uri="{0D108BD9-81ED-4DB2-BD59-A6C34878D82A}">
+                    <a16:rowId xmlns:a16="http://schemas.microsoft.com/office/drawing/2014/main" val="3790955640"/>
+                  </a:ext>
+                </a:extLst>
+              </a:tr>
+              <a:tr h="310744">
+                <a:tc>
+                  <a:txBody>
+                    <a:bodyPr/>
+                    <a:lstStyle/>
+                    <a:p>
+                      <a:pPr algn="ctr" fontAlgn="b"/>
+                      <a:r>
+                        <a:rPr lang="en-US" sz="2400" u="none" strike="noStrike" dirty="0">
+                          <a:effectLst/>
+                        </a:rPr>
+                        <a:t>100</a:t>
+                      </a:r>
+                      <a:endParaRPr lang="en-US" sz="2400" b="0" i="0" u="none" strike="noStrike" dirty="0">
+                        <a:solidFill>
+                          <a:srgbClr val="000000"/>
+                        </a:solidFill>
+                        <a:effectLst/>
+                        <a:latin typeface="Calibri" panose="020F0502020204030204" pitchFamily="34" charset="0"/>
+                      </a:endParaRPr>
+                    </a:p>
+                  </a:txBody>
+                  <a:tcPr marL="9525" marR="9525" marT="9525" marB="0" anchor="b">
+                    <a:lnL w="12700" cap="flat" cmpd="sng" algn="ctr">
+                      <a:solidFill>
+                        <a:schemeClr val="tx1"/>
+                      </a:solidFill>
+                      <a:prstDash val="solid"/>
+                      <a:round/>
+                      <a:headEnd type="none" w="med" len="med"/>
+                      <a:tailEnd type="none" w="med" len="med"/>
+                    </a:lnL>
+                    <a:lnR w="12700" cap="flat" cmpd="sng" algn="ctr">
+                      <a:solidFill>
+                        <a:schemeClr val="tx1"/>
+                      </a:solidFill>
+                      <a:prstDash val="solid"/>
+                      <a:round/>
+                      <a:headEnd type="none" w="med" len="med"/>
+                      <a:tailEnd type="none" w="med" len="med"/>
+                    </a:lnR>
+                    <a:lnT w="12700" cap="flat" cmpd="sng" algn="ctr">
+                      <a:solidFill>
+                        <a:schemeClr val="tx1"/>
+                      </a:solidFill>
+                      <a:prstDash val="solid"/>
+                      <a:round/>
+                      <a:headEnd type="none" w="med" len="med"/>
+                      <a:tailEnd type="none" w="med" len="med"/>
+                    </a:lnT>
+                    <a:lnB w="12700" cap="flat" cmpd="sng" algn="ctr">
+                      <a:solidFill>
+                        <a:schemeClr val="tx1"/>
+                      </a:solidFill>
+                      <a:prstDash val="solid"/>
+                      <a:round/>
+                      <a:headEnd type="none" w="med" len="med"/>
+                      <a:tailEnd type="none" w="med" len="med"/>
+                    </a:lnB>
+                  </a:tcPr>
+                </a:tc>
+                <a:tc>
+                  <a:txBody>
+                    <a:bodyPr/>
+                    <a:lstStyle/>
+                    <a:p>
+                      <a:pPr algn="ctr" fontAlgn="b"/>
+                      <a:r>
+                        <a:rPr lang="en-US" sz="2400" u="none" strike="noStrike" dirty="0">
+                          <a:effectLst/>
+                        </a:rPr>
+                        <a:t>CH5DISTEMP</a:t>
+                      </a:r>
+                      <a:endParaRPr lang="en-US" sz="2400" b="0" i="0" u="none" strike="noStrike" dirty="0">
+                        <a:solidFill>
+                          <a:srgbClr val="000000"/>
+                        </a:solidFill>
+                        <a:effectLst/>
+                        <a:latin typeface="Calibri" panose="020F0502020204030204" pitchFamily="34" charset="0"/>
+                      </a:endParaRPr>
+                    </a:p>
+                  </a:txBody>
+                  <a:tcPr marL="9525" marR="9525" marT="9525" marB="0" anchor="b">
+                    <a:lnL w="12700" cap="flat" cmpd="sng" algn="ctr">
+                      <a:solidFill>
+                        <a:schemeClr val="tx1"/>
+                      </a:solidFill>
+                      <a:prstDash val="solid"/>
+                      <a:round/>
+                      <a:headEnd type="none" w="med" len="med"/>
+                      <a:tailEnd type="none" w="med" len="med"/>
+                    </a:lnL>
+                    <a:lnR w="12700" cap="flat" cmpd="sng" algn="ctr">
+                      <a:solidFill>
+                        <a:schemeClr val="tx1"/>
+                      </a:solidFill>
+                      <a:prstDash val="solid"/>
+                      <a:round/>
+                      <a:headEnd type="none" w="med" len="med"/>
+                      <a:tailEnd type="none" w="med" len="med"/>
+                    </a:lnR>
+                    <a:lnT w="12700" cap="flat" cmpd="sng" algn="ctr">
+                      <a:solidFill>
+                        <a:schemeClr val="tx1"/>
+                      </a:solidFill>
+                      <a:prstDash val="solid"/>
+                      <a:round/>
+                      <a:headEnd type="none" w="med" len="med"/>
+                      <a:tailEnd type="none" w="med" len="med"/>
+                    </a:lnT>
+                    <a:lnB w="12700" cap="flat" cmpd="sng" algn="ctr">
+                      <a:solidFill>
+                        <a:schemeClr val="tx1"/>
+                      </a:solidFill>
+                      <a:prstDash val="solid"/>
+                      <a:round/>
+                      <a:headEnd type="none" w="med" len="med"/>
+                      <a:tailEnd type="none" w="med" len="med"/>
+                    </a:lnB>
+                  </a:tcPr>
+                </a:tc>
+                <a:extLst>
+                  <a:ext uri="{0D108BD9-81ED-4DB2-BD59-A6C34878D82A}">
+                    <a16:rowId xmlns:a16="http://schemas.microsoft.com/office/drawing/2014/main" val="3407651096"/>
+                  </a:ext>
+                </a:extLst>
+              </a:tr>
+            </a:tbl>
+          </a:graphicData>
+        </a:graphic>
+      </p:graphicFrame>
     </p:spTree>
     <p:extLst>
       <p:ext uri="{BB962C8B-B14F-4D97-AF65-F5344CB8AC3E}">

--- a/doc/Poster.pptx
+++ b/doc/Poster.pptx
@@ -2950,7 +2950,7 @@
           <a:p>
             <a:fld id="{5F81FB17-81F2-48DD-BDDC-6976AC46608F}" type="datetimeFigureOut">
               <a:rPr lang="en-US" smtClean="0"/>
-              <a:t>6/25/2018</a:t>
+              <a:t>6/26/2018</a:t>
             </a:fld>
             <a:endParaRPr lang="en-US"/>
           </a:p>
@@ -3437,7 +3437,7 @@
           <a:p>
             <a:fld id="{5AFC3D18-F74D-4123-AE82-1B3291E866D0}" type="datetimeFigureOut">
               <a:rPr lang="en-US" smtClean="0"/>
-              <a:t>6/25/2018</a:t>
+              <a:t>6/26/2018</a:t>
             </a:fld>
             <a:endParaRPr lang="en-US"/>
           </a:p>
@@ -3607,7 +3607,7 @@
           <a:p>
             <a:fld id="{5AFC3D18-F74D-4123-AE82-1B3291E866D0}" type="datetimeFigureOut">
               <a:rPr lang="en-US" smtClean="0"/>
-              <a:t>6/25/2018</a:t>
+              <a:t>6/26/2018</a:t>
             </a:fld>
             <a:endParaRPr lang="en-US"/>
           </a:p>
@@ -3787,7 +3787,7 @@
           <a:p>
             <a:fld id="{5AFC3D18-F74D-4123-AE82-1B3291E866D0}" type="datetimeFigureOut">
               <a:rPr lang="en-US" smtClean="0"/>
-              <a:t>6/25/2018</a:t>
+              <a:t>6/26/2018</a:t>
             </a:fld>
             <a:endParaRPr lang="en-US"/>
           </a:p>
@@ -3957,7 +3957,7 @@
           <a:p>
             <a:fld id="{5AFC3D18-F74D-4123-AE82-1B3291E866D0}" type="datetimeFigureOut">
               <a:rPr lang="en-US" smtClean="0"/>
-              <a:t>6/25/2018</a:t>
+              <a:t>6/26/2018</a:t>
             </a:fld>
             <a:endParaRPr lang="en-US"/>
           </a:p>
@@ -4201,7 +4201,7 @@
           <a:p>
             <a:fld id="{5AFC3D18-F74D-4123-AE82-1B3291E866D0}" type="datetimeFigureOut">
               <a:rPr lang="en-US" smtClean="0"/>
-              <a:t>6/25/2018</a:t>
+              <a:t>6/26/2018</a:t>
             </a:fld>
             <a:endParaRPr lang="en-US"/>
           </a:p>
@@ -4433,7 +4433,7 @@
           <a:p>
             <a:fld id="{5AFC3D18-F74D-4123-AE82-1B3291E866D0}" type="datetimeFigureOut">
               <a:rPr lang="en-US" smtClean="0"/>
-              <a:t>6/25/2018</a:t>
+              <a:t>6/26/2018</a:t>
             </a:fld>
             <a:endParaRPr lang="en-US"/>
           </a:p>
@@ -4800,7 +4800,7 @@
           <a:p>
             <a:fld id="{5AFC3D18-F74D-4123-AE82-1B3291E866D0}" type="datetimeFigureOut">
               <a:rPr lang="en-US" smtClean="0"/>
-              <a:t>6/25/2018</a:t>
+              <a:t>6/26/2018</a:t>
             </a:fld>
             <a:endParaRPr lang="en-US"/>
           </a:p>
@@ -4918,7 +4918,7 @@
           <a:p>
             <a:fld id="{5AFC3D18-F74D-4123-AE82-1B3291E866D0}" type="datetimeFigureOut">
               <a:rPr lang="en-US" smtClean="0"/>
-              <a:t>6/25/2018</a:t>
+              <a:t>6/26/2018</a:t>
             </a:fld>
             <a:endParaRPr lang="en-US"/>
           </a:p>
@@ -5013,7 +5013,7 @@
           <a:p>
             <a:fld id="{5AFC3D18-F74D-4123-AE82-1B3291E866D0}" type="datetimeFigureOut">
               <a:rPr lang="en-US" smtClean="0"/>
-              <a:t>6/25/2018</a:t>
+              <a:t>6/26/2018</a:t>
             </a:fld>
             <a:endParaRPr lang="en-US"/>
           </a:p>
@@ -5290,7 +5290,7 @@
           <a:p>
             <a:fld id="{5AFC3D18-F74D-4123-AE82-1B3291E866D0}" type="datetimeFigureOut">
               <a:rPr lang="en-US" smtClean="0"/>
-              <a:t>6/25/2018</a:t>
+              <a:t>6/26/2018</a:t>
             </a:fld>
             <a:endParaRPr lang="en-US"/>
           </a:p>
@@ -5547,7 +5547,7 @@
           <a:p>
             <a:fld id="{5AFC3D18-F74D-4123-AE82-1B3291E866D0}" type="datetimeFigureOut">
               <a:rPr lang="en-US" smtClean="0"/>
-              <a:t>6/25/2018</a:t>
+              <a:t>6/26/2018</a:t>
             </a:fld>
             <a:endParaRPr lang="en-US"/>
           </a:p>
@@ -5760,7 +5760,7 @@
           <a:p>
             <a:fld id="{5AFC3D18-F74D-4123-AE82-1B3291E866D0}" type="datetimeFigureOut">
               <a:rPr lang="en-US" smtClean="0"/>
-              <a:t>6/25/2018</a:t>
+              <a:t>6/26/2018</a:t>
             </a:fld>
             <a:endParaRPr lang="en-US"/>
           </a:p>
@@ -6175,6 +6175,105 @@
       </p:grpSpPr>
       <p:sp>
         <p:nvSpPr>
+          <p:cNvPr id="51" name="Rectangle: Rounded Corners 50">
+            <a:extLst>
+              <a:ext uri="{FF2B5EF4-FFF2-40B4-BE49-F238E27FC236}">
+                <a16:creationId xmlns:a16="http://schemas.microsoft.com/office/drawing/2014/main" id="{2F11C934-9566-4E30-9D32-35528C088FED}"/>
+              </a:ext>
+            </a:extLst>
+          </p:cNvPr>
+          <p:cNvSpPr/>
+          <p:nvPr/>
+        </p:nvSpPr>
+        <p:spPr>
+          <a:xfrm>
+            <a:off x="31353783" y="5682322"/>
+            <a:ext cx="12103805" cy="5660082"/>
+          </a:xfrm>
+          <a:prstGeom prst="roundRect">
+            <a:avLst/>
+          </a:prstGeom>
+          <a:ln w="12700">
+            <a:solidFill>
+              <a:schemeClr val="accent5">
+                <a:lumMod val="75000"/>
+              </a:schemeClr>
+            </a:solidFill>
+          </a:ln>
+        </p:spPr>
+        <p:style>
+          <a:lnRef idx="2">
+            <a:schemeClr val="accent6"/>
+          </a:lnRef>
+          <a:fillRef idx="1">
+            <a:schemeClr val="lt1"/>
+          </a:fillRef>
+          <a:effectRef idx="0">
+            <a:schemeClr val="accent6"/>
+          </a:effectRef>
+          <a:fontRef idx="minor">
+            <a:schemeClr val="dk1"/>
+          </a:fontRef>
+        </p:style>
+        <p:txBody>
+          <a:bodyPr rtlCol="0" anchor="t"/>
+          <a:lstStyle/>
+          <a:p>
+            <a:pPr marL="457128" indent="-457128" algn="just">
+              <a:buFont typeface="Arial" panose="020B0604020202020204" pitchFamily="34" charset="0"/>
+              <a:buChar char="•"/>
+            </a:pPr>
+            <a:endParaRPr lang="en-US" sz="3000" dirty="0"/>
+          </a:p>
+          <a:p>
+            <a:pPr marL="457128" indent="-457128" algn="just">
+              <a:buFont typeface="Arial" panose="020B0604020202020204" pitchFamily="34" charset="0"/>
+              <a:buChar char="•"/>
+            </a:pPr>
+            <a:endParaRPr lang="en-US" sz="3200" dirty="0"/>
+          </a:p>
+          <a:p>
+            <a:pPr algn="just"/>
+            <a:endParaRPr lang="en-US" sz="3200" dirty="0"/>
+          </a:p>
+          <a:p>
+            <a:pPr marL="342900" indent="-342900" algn="just">
+              <a:buFont typeface="Arial" panose="020B0604020202020204" pitchFamily="34" charset="0"/>
+              <a:buChar char="•"/>
+            </a:pPr>
+            <a:r>
+              <a:rPr lang="en-US" sz="3200" dirty="0"/>
+              <a:t>To test the GBM model generated by a single chiller plant on a different plant with a similar configuration.</a:t>
+            </a:r>
+          </a:p>
+          <a:p>
+            <a:pPr marL="342900" indent="-342900" algn="just">
+              <a:buFont typeface="Arial" panose="020B0604020202020204" pitchFamily="34" charset="0"/>
+              <a:buChar char="•"/>
+            </a:pPr>
+            <a:r>
+              <a:rPr lang="en-US" sz="3200" dirty="0"/>
+              <a:t>Adding and removing different features to see the effect on prediction across the different feature and how the importance of these features changes. </a:t>
+            </a:r>
+          </a:p>
+          <a:p>
+            <a:pPr marL="342900" indent="-342900" algn="just">
+              <a:buFont typeface="Arial" panose="020B0604020202020204" pitchFamily="34" charset="0"/>
+              <a:buChar char="•"/>
+            </a:pPr>
+            <a:r>
+              <a:rPr lang="en-US" sz="3200" dirty="0"/>
+              <a:t>Changing the control type used on a particular plant and gauging its impact on efficiency and feature importance.</a:t>
+            </a:r>
+          </a:p>
+          <a:p>
+            <a:pPr algn="just"/>
+            <a:endParaRPr lang="en-US" sz="3200" dirty="0"/>
+          </a:p>
+        </p:txBody>
+      </p:sp>
+      <p:sp>
+        <p:nvSpPr>
           <p:cNvPr id="101" name="Rectangle 100">
             <a:extLst>
               <a:ext uri="{FF2B5EF4-FFF2-40B4-BE49-F238E27FC236}">
@@ -6240,7 +6339,7 @@
         <p:spPr>
           <a:xfrm>
             <a:off x="16665125" y="4318378"/>
-            <a:ext cx="14562509" cy="10375133"/>
+            <a:ext cx="14466039" cy="10157617"/>
           </a:xfrm>
           <a:prstGeom prst="roundRect">
             <a:avLst/>
@@ -6290,8 +6389,8 @@
         </p:nvSpPr>
         <p:spPr>
           <a:xfrm>
-            <a:off x="16717455" y="15006725"/>
-            <a:ext cx="26740133" cy="12879474"/>
+            <a:off x="16717455" y="14762425"/>
+            <a:ext cx="26740133" cy="13123774"/>
           </a:xfrm>
           <a:prstGeom prst="roundRect">
             <a:avLst/>
@@ -6375,104 +6474,6 @@
           <a:p>
             <a:pPr algn="ctr"/>
             <a:endParaRPr lang="en-US" sz="1800" dirty="0"/>
-          </a:p>
-        </p:txBody>
-      </p:sp>
-      <p:sp>
-        <p:nvSpPr>
-          <p:cNvPr id="110" name="Rectangle: Rounded Corners 109">
-            <a:extLst>
-              <a:ext uri="{FF2B5EF4-FFF2-40B4-BE49-F238E27FC236}">
-                <a16:creationId xmlns:a16="http://schemas.microsoft.com/office/drawing/2014/main" id="{B0318819-B003-40D4-BC9F-61CE17EA2D36}"/>
-              </a:ext>
-            </a:extLst>
-          </p:cNvPr>
-          <p:cNvSpPr/>
-          <p:nvPr/>
-        </p:nvSpPr>
-        <p:spPr>
-          <a:xfrm>
-            <a:off x="31450253" y="4350005"/>
-            <a:ext cx="11915261" cy="10343506"/>
-          </a:xfrm>
-          <a:prstGeom prst="roundRect">
-            <a:avLst/>
-          </a:prstGeom>
-          <a:ln w="12700">
-            <a:solidFill>
-              <a:schemeClr val="accent5">
-                <a:lumMod val="75000"/>
-              </a:schemeClr>
-            </a:solidFill>
-          </a:ln>
-        </p:spPr>
-        <p:style>
-          <a:lnRef idx="2">
-            <a:schemeClr val="accent6"/>
-          </a:lnRef>
-          <a:fillRef idx="1">
-            <a:schemeClr val="lt1"/>
-          </a:fillRef>
-          <a:effectRef idx="0">
-            <a:schemeClr val="accent6"/>
-          </a:effectRef>
-          <a:fontRef idx="minor">
-            <a:schemeClr val="dk1"/>
-          </a:fontRef>
-        </p:style>
-        <p:txBody>
-          <a:bodyPr rtlCol="0" anchor="t"/>
-          <a:lstStyle/>
-          <a:p>
-            <a:pPr marL="457128" indent="-457128" algn="just">
-              <a:buFont typeface="Arial" panose="020B0604020202020204" pitchFamily="34" charset="0"/>
-              <a:buChar char="•"/>
-            </a:pPr>
-            <a:endParaRPr lang="en-US" sz="3000" dirty="0"/>
-          </a:p>
-          <a:p>
-            <a:pPr marL="457128" indent="-457128" algn="just">
-              <a:buFont typeface="Arial" panose="020B0604020202020204" pitchFamily="34" charset="0"/>
-              <a:buChar char="•"/>
-            </a:pPr>
-            <a:endParaRPr lang="en-US" sz="3200" dirty="0"/>
-          </a:p>
-          <a:p>
-            <a:pPr marL="342900" indent="-342900" algn="just">
-              <a:buFont typeface="Arial" panose="020B0604020202020204" pitchFamily="34" charset="0"/>
-              <a:buChar char="•"/>
-            </a:pPr>
-            <a:r>
-              <a:rPr lang="en-US" sz="3200" dirty="0"/>
-              <a:t>To be able to predict the plant efficiency on more plants and test the prediction model on these plants with training data from a different plant. </a:t>
-            </a:r>
-          </a:p>
-          <a:p>
-            <a:pPr marL="342900" indent="-342900" algn="just">
-              <a:buFont typeface="Arial" panose="020B0604020202020204" pitchFamily="34" charset="0"/>
-              <a:buChar char="•"/>
-            </a:pPr>
-            <a:r>
-              <a:rPr lang="en-US" sz="3200" dirty="0"/>
-              <a:t>Adding and removing different features to see the effect of prediction across the different feature, and how the importance of these features changes. </a:t>
-            </a:r>
-          </a:p>
-          <a:p>
-            <a:pPr marL="342900" indent="-342900" algn="just">
-              <a:buFont typeface="Arial" panose="020B0604020202020204" pitchFamily="34" charset="0"/>
-              <a:buChar char="•"/>
-            </a:pPr>
-            <a:r>
-              <a:rPr lang="en-US" sz="3200" dirty="0"/>
-              <a:t>Changing the control of the plant and producing predictive optimization based on the choice of control on the plant. </a:t>
-            </a:r>
-          </a:p>
-          <a:p>
-            <a:pPr marL="342900" indent="-342900" algn="just">
-              <a:buFont typeface="Arial" panose="020B0604020202020204" pitchFamily="34" charset="0"/>
-              <a:buChar char="•"/>
-            </a:pPr>
-            <a:endParaRPr lang="en-US" sz="3200" dirty="0"/>
           </a:p>
         </p:txBody>
       </p:sp>
@@ -6710,7 +6711,7 @@
         <p:spPr>
           <a:xfrm>
             <a:off x="162115" y="1397167"/>
-            <a:ext cx="41017286" cy="2086725"/>
+            <a:ext cx="41017286" cy="2369880"/>
           </a:xfrm>
           <a:prstGeom prst="rect">
             <a:avLst/>
@@ -6725,65 +6726,68 @@
           <a:p>
             <a:pPr algn="ctr"/>
             <a:r>
-              <a:rPr lang="en-US" sz="5280" dirty="0">
-                <a:latin typeface="Helvetica" pitchFamily="2" charset="0"/>
+              <a:rPr lang="en-US" sz="5400" b="1" dirty="0">
+                <a:cs typeface="Helvetica" panose="020B0604020202020204" pitchFamily="34" charset="0"/>
+              </a:rPr>
+              <a:t>PROJECT SPONSOR: </a:t>
+            </a:r>
+            <a:r>
+              <a:rPr lang="en-US" sz="5400" dirty="0">
+                <a:cs typeface="Helvetica" panose="020B0604020202020204" pitchFamily="34" charset="0"/>
+              </a:rPr>
+              <a:t>Fred Woo, Optimum Energy</a:t>
+            </a:r>
+          </a:p>
+          <a:p>
+            <a:pPr algn="ctr"/>
+            <a:r>
+              <a:rPr lang="en-US" sz="5400" dirty="0">
+                <a:cs typeface="Helvetica" panose="020B0604020202020204" pitchFamily="34" charset="0"/>
               </a:rPr>
               <a:t>Theodore Cohen</a:t>
             </a:r>
             <a:r>
-              <a:rPr lang="en-US" sz="5280" baseline="30000" dirty="0">
-                <a:latin typeface="Helvetica" pitchFamily="2" charset="0"/>
+              <a:rPr lang="en-US" sz="5400" baseline="30000" dirty="0">
+                <a:cs typeface="Helvetica" panose="020B0604020202020204" pitchFamily="34" charset="0"/>
               </a:rPr>
               <a:t>1, 2, 3</a:t>
             </a:r>
             <a:r>
-              <a:rPr lang="en-US" sz="5280" dirty="0">
-                <a:latin typeface="Helvetica" pitchFamily="2" charset="0"/>
+              <a:rPr lang="en-US" sz="5400" dirty="0">
+                <a:cs typeface="Helvetica" panose="020B0604020202020204" pitchFamily="34" charset="0"/>
               </a:rPr>
               <a:t>, Caitlin Parke</a:t>
             </a:r>
             <a:r>
-              <a:rPr lang="en-US" sz="5280" baseline="30000" dirty="0">
-                <a:latin typeface="Helvetica" pitchFamily="2" charset="0"/>
+              <a:rPr lang="en-US" sz="5400" baseline="30000" dirty="0">
+                <a:cs typeface="Helvetica" panose="020B0604020202020204" pitchFamily="34" charset="0"/>
               </a:rPr>
               <a:t>4</a:t>
             </a:r>
             <a:r>
-              <a:rPr lang="en-US" sz="5280" dirty="0">
-                <a:latin typeface="Helvetica" pitchFamily="2" charset="0"/>
+              <a:rPr lang="en-US" sz="5400" dirty="0">
+                <a:cs typeface="Helvetica" panose="020B0604020202020204" pitchFamily="34" charset="0"/>
               </a:rPr>
               <a:t>, Maitri Uppaluri</a:t>
             </a:r>
             <a:r>
-              <a:rPr lang="en-US" sz="5280" baseline="30000" dirty="0">
-                <a:latin typeface="Helvetica" pitchFamily="2" charset="0"/>
+              <a:rPr lang="en-US" sz="5400" baseline="30000" dirty="0">
+                <a:cs typeface="Helvetica" panose="020B0604020202020204" pitchFamily="34" charset="0"/>
               </a:rPr>
               <a:t>4</a:t>
             </a:r>
+            <a:endParaRPr lang="en-US" sz="5400" dirty="0">
+              <a:cs typeface="Helvetica" panose="020B0604020202020204" pitchFamily="34" charset="0"/>
+            </a:endParaRPr>
           </a:p>
           <a:p>
             <a:pPr algn="ctr"/>
-            <a:endParaRPr lang="en-US" sz="3840" dirty="0">
-              <a:latin typeface="Helvetica" pitchFamily="2" charset="0"/>
-            </a:endParaRPr>
-          </a:p>
-          <a:p>
-            <a:pPr algn="ctr"/>
-            <a:r>
-              <a:rPr lang="en-US" sz="3840" dirty="0">
-                <a:latin typeface="Helvetica" pitchFamily="2" charset="0"/>
+            <a:r>
+              <a:rPr lang="en-US" sz="4000" dirty="0">
+                <a:cs typeface="Helvetica" panose="020B0604020202020204" pitchFamily="34" charset="0"/>
               </a:rPr>
-              <a:t>1</a:t>
-            </a:r>
-            <a:r>
-              <a:rPr lang="en-US" sz="3600" dirty="0">
-                <a:latin typeface="Helvetica" pitchFamily="2" charset="0"/>
-              </a:rPr>
-              <a:t>. Department of Chemistry  2. Department of Material Science and Engineering  3. Molecular Engineering and Science Department  4. Department of Chemical Engineering</a:t>
-            </a:r>
-            <a:endParaRPr lang="en-US" sz="3840" dirty="0">
-              <a:latin typeface="Helvetica" pitchFamily="2" charset="0"/>
-            </a:endParaRPr>
+              <a:t>1. Department of Chemistry  2. Department of Material Science and Engineering  3. Molecular Engineering and Science Department  4. Department of Chemical Engineering</a:t>
+            </a:r>
           </a:p>
         </p:txBody>
       </p:sp>
@@ -7115,7 +7119,7 @@
         </p:nvSpPr>
         <p:spPr>
           <a:xfrm>
-            <a:off x="4285853" y="4580882"/>
+            <a:off x="4285857" y="4490776"/>
             <a:ext cx="8193024" cy="1082850"/>
           </a:xfrm>
           <a:prstGeom prst="roundRect">
@@ -7176,7 +7180,7 @@
         </p:nvSpPr>
         <p:spPr>
           <a:xfrm>
-            <a:off x="25262873" y="15226517"/>
+            <a:off x="25262871" y="14974809"/>
             <a:ext cx="9649301" cy="1082850"/>
           </a:xfrm>
           <a:prstGeom prst="roundRect">
@@ -7368,7 +7372,7 @@
         </p:nvSpPr>
         <p:spPr>
           <a:xfrm>
-            <a:off x="17965795" y="4558757"/>
+            <a:off x="17872031" y="4492505"/>
             <a:ext cx="12121728" cy="1082850"/>
           </a:xfrm>
           <a:prstGeom prst="roundRect">
@@ -7429,8 +7433,8 @@
         </p:nvSpPr>
         <p:spPr>
           <a:xfrm>
-            <a:off x="32583233" y="4539888"/>
-            <a:ext cx="9649301" cy="1082850"/>
+            <a:off x="33397619" y="5868735"/>
+            <a:ext cx="8016127" cy="1082850"/>
           </a:xfrm>
           <a:prstGeom prst="roundRect">
             <a:avLst/>
@@ -7490,8 +7494,8 @@
         </p:nvSpPr>
         <p:spPr>
           <a:xfrm>
-            <a:off x="17143609" y="16579046"/>
-            <a:ext cx="15093216" cy="919401"/>
+            <a:off x="17143609" y="16330224"/>
+            <a:ext cx="14210174" cy="919401"/>
           </a:xfrm>
           <a:prstGeom prst="roundRect">
             <a:avLst/>
@@ -7533,8 +7537,8 @@
         </p:nvSpPr>
         <p:spPr>
           <a:xfrm>
-            <a:off x="32583233" y="16550931"/>
-            <a:ext cx="10455367" cy="919401"/>
+            <a:off x="31776353" y="16324560"/>
+            <a:ext cx="11258663" cy="919401"/>
           </a:xfrm>
           <a:prstGeom prst="roundRect">
             <a:avLst/>
@@ -7688,7 +7692,7 @@
         <p:spPr>
           <a:xfrm>
             <a:off x="9653037" y="6710481"/>
-            <a:ext cx="6403989" cy="5509200"/>
+            <a:ext cx="6403989" cy="5016758"/>
           </a:xfrm>
           <a:prstGeom prst="rect">
             <a:avLst/>
@@ -7711,7 +7715,7 @@
             <a:pPr algn="just"/>
             <a:r>
               <a:rPr lang="en-US" sz="3200" dirty="0"/>
-              <a:t>To remove unwanted features and alarms from the dataset. </a:t>
+              <a:t>Remove unwanted features and alarms from the dataset. </a:t>
             </a:r>
           </a:p>
           <a:p>
@@ -7725,7 +7729,7 @@
             <a:pPr algn="just"/>
             <a:r>
               <a:rPr lang="en-US" sz="3200" dirty="0"/>
-              <a:t>To create an algorithm that sorts out the features in the order of their importance to plant efficiency. </a:t>
+              <a:t>Create an algorithm that sorts out the features in the order of their importance for plant efficiency. </a:t>
             </a:r>
           </a:p>
           <a:p>
@@ -7739,7 +7743,7 @@
             <a:pPr algn="just"/>
             <a:r>
               <a:rPr lang="en-US" sz="3200" dirty="0"/>
-              <a:t>To predict the efficiency of the chiller plant with machine learning and optimize the prediction. </a:t>
+              <a:t>To predict the efficiency of the chiller plant with machine learning.</a:t>
             </a:r>
           </a:p>
         </p:txBody>
@@ -7879,8 +7883,8 @@
         </p:blipFill>
         <p:spPr bwMode="auto">
           <a:xfrm>
-            <a:off x="16845802" y="5662161"/>
-            <a:ext cx="13932379" cy="2968989"/>
+            <a:off x="17342895" y="5651833"/>
+            <a:ext cx="13110498" cy="2968989"/>
           </a:xfrm>
           <a:prstGeom prst="rect">
             <a:avLst/>
@@ -8035,7 +8039,7 @@
         <p:spPr>
           <a:xfrm>
             <a:off x="33410694" y="28701899"/>
-            <a:ext cx="9627905" cy="2400657"/>
+            <a:ext cx="10324870" cy="3877985"/>
           </a:xfrm>
           <a:prstGeom prst="rect">
             <a:avLst/>
@@ -8059,7 +8063,23 @@
             <a:pPr algn="just"/>
             <a:r>
               <a:rPr lang="en-US" sz="3200" dirty="0"/>
-              <a:t>Optimum Energy</a:t>
+              <a:t>Fred Woo, Tim </a:t>
+            </a:r>
+            <a:r>
+              <a:rPr lang="en-US" sz="3200" dirty="0" err="1"/>
+              <a:t>Wehage</a:t>
+            </a:r>
+            <a:r>
+              <a:rPr lang="en-US" sz="3200" dirty="0"/>
+              <a:t>, Michael </a:t>
+            </a:r>
+            <a:r>
+              <a:rPr lang="en-US" sz="3200" dirty="0" err="1"/>
+              <a:t>Huguenard</a:t>
+            </a:r>
+            <a:r>
+              <a:rPr lang="en-US" sz="3200" dirty="0"/>
+              <a:t>, Dana Lindquist (Optimum Energy)</a:t>
             </a:r>
           </a:p>
           <a:p>
@@ -8071,7 +8091,31 @@
           </a:p>
           <a:p>
             <a:pPr algn="just"/>
-            <a:endParaRPr lang="en-US" sz="3200" b="1" dirty="0"/>
+            <a:endParaRPr lang="en-US" sz="3200" dirty="0"/>
+          </a:p>
+          <a:p>
+            <a:pPr algn="just"/>
+            <a:r>
+              <a:rPr lang="en-US" sz="3200" dirty="0" err="1"/>
+              <a:t>Github</a:t>
+            </a:r>
+            <a:r>
+              <a:rPr lang="en-US" sz="3200" dirty="0"/>
+              <a:t> URL:</a:t>
+            </a:r>
+          </a:p>
+          <a:p>
+            <a:pPr algn="just"/>
+            <a:r>
+              <a:rPr lang="en-US" sz="3200" dirty="0">
+                <a:solidFill>
+                  <a:schemeClr val="accent5">
+                    <a:lumMod val="75000"/>
+                  </a:schemeClr>
+                </a:solidFill>
+              </a:rPr>
+              <a:t>https://github.com/optichill/optichill</a:t>
+            </a:r>
           </a:p>
         </p:txBody>
       </p:sp>
@@ -8139,90 +8183,6 @@
           </a:graphicData>
         </a:graphic>
       </p:graphicFrame>
-      <p:sp>
-        <p:nvSpPr>
-          <p:cNvPr id="45" name="TextBox 44">
-            <a:extLst>
-              <a:ext uri="{FF2B5EF4-FFF2-40B4-BE49-F238E27FC236}">
-                <a16:creationId xmlns:a16="http://schemas.microsoft.com/office/drawing/2014/main" id="{976DE3C3-1FC6-435B-B438-E54085DC534B}"/>
-              </a:ext>
-            </a:extLst>
-          </p:cNvPr>
-          <p:cNvSpPr txBox="1"/>
-          <p:nvPr/>
-        </p:nvSpPr>
-        <p:spPr>
-          <a:xfrm>
-            <a:off x="17032164" y="8504341"/>
-            <a:ext cx="13841611" cy="5509200"/>
-          </a:xfrm>
-          <a:prstGeom prst="rect">
-            <a:avLst/>
-          </a:prstGeom>
-          <a:noFill/>
-        </p:spPr>
-        <p:txBody>
-          <a:bodyPr wrap="square" rtlCol="0">
-            <a:spAutoFit/>
-          </a:bodyPr>
-          <a:lstStyle/>
-          <a:p>
-            <a:pPr algn="just"/>
-            <a:r>
-              <a:rPr lang="en-US" sz="3200" dirty="0"/>
-              <a:t>Gradient boosting machines (GBM) incorporate decision trees in an additive manner with a gradient descent procedure to minimize the chosen loss function. The decision trees are called weak learners because each tree is capped at a certain depth and does not adequately describe the model well. Subsequent trees are trained to reduce the loss in the direction of the gradient and are added to the model to improve the prediction of the model, and previous trees are left unchanged. The number of estimators is the hyperparameter that controls the total number of trees. Generally, a hyperparameter, like tree depth or the minimum samples for a split, are constrained to maintain weak learners but increase the ability to tune the model. In this work, the gradient boosting machines were implemented with the </a:t>
-            </a:r>
-            <a:r>
-              <a:rPr lang="en-US" sz="3200" i="1" dirty="0" err="1"/>
-              <a:t>scikit</a:t>
-            </a:r>
-            <a:r>
-              <a:rPr lang="en-US" sz="3200" i="1" dirty="0"/>
-              <a:t>-learn</a:t>
-            </a:r>
-            <a:r>
-              <a:rPr lang="en-US" sz="3200" dirty="0"/>
-              <a:t> package.</a:t>
-            </a:r>
-          </a:p>
-        </p:txBody>
-      </p:sp>
-      <p:sp>
-        <p:nvSpPr>
-          <p:cNvPr id="47" name="TextBox 46">
-            <a:extLst>
-              <a:ext uri="{FF2B5EF4-FFF2-40B4-BE49-F238E27FC236}">
-                <a16:creationId xmlns:a16="http://schemas.microsoft.com/office/drawing/2014/main" id="{DE3884B4-1D96-4484-BC02-181E8DFE96B4}"/>
-              </a:ext>
-            </a:extLst>
-          </p:cNvPr>
-          <p:cNvSpPr txBox="1"/>
-          <p:nvPr/>
-        </p:nvSpPr>
-        <p:spPr>
-          <a:xfrm>
-            <a:off x="25600376" y="17535691"/>
-            <a:ext cx="6636449" cy="9941183"/>
-          </a:xfrm>
-          <a:prstGeom prst="rect">
-            <a:avLst/>
-          </a:prstGeom>
-          <a:noFill/>
-        </p:spPr>
-        <p:txBody>
-          <a:bodyPr wrap="square" rtlCol="0">
-            <a:spAutoFit/>
-          </a:bodyPr>
-          <a:lstStyle/>
-          <a:p>
-            <a:pPr algn="just"/>
-            <a:r>
-              <a:rPr lang="en-US" sz="3200" dirty="0"/>
-              <a:t>Another important part of the package is the generation of a feature list. A list of normalized feature importance was made by calculating the number of times a split was made based on a feature. This information allows a look into what features are affecting the efficiency the most. From this work, Optimum Energy has been able to explore the data more efficiently. This insight into the data may lead to better collection for more representative data. For example, the parameters of a certain chiller continue to be in the top features because it is continually used at Plant 1. More directed cycling of different machines can better sample the feature space that may lead to better optimization results for efficiency in the future.</a:t>
-            </a:r>
-          </a:p>
-        </p:txBody>
-      </p:sp>
       <p:graphicFrame>
         <p:nvGraphicFramePr>
           <p:cNvPr id="20" name="Table 19">
@@ -8238,14 +8198,14 @@
           <p:nvPr>
             <p:extLst>
               <p:ext uri="{D42A27DB-BD31-4B8C-83A1-F6EECF244321}">
-                <p14:modId xmlns:p14="http://schemas.microsoft.com/office/powerpoint/2010/main" val="3622135839"/>
+                <p14:modId xmlns:p14="http://schemas.microsoft.com/office/powerpoint/2010/main" val="2041335360"/>
               </p:ext>
             </p:extLst>
           </p:nvPr>
         </p:nvGraphicFramePr>
         <p:xfrm>
-          <a:off x="18040282" y="25145901"/>
-          <a:ext cx="6325916" cy="2078439"/>
+          <a:off x="17965795" y="25087022"/>
+          <a:ext cx="7111414" cy="2392975"/>
         </p:xfrm>
         <a:graphic>
           <a:graphicData uri="http://schemas.openxmlformats.org/drawingml/2006/table">
@@ -8254,22 +8214,22 @@
                 <a:tableStyleId>{69012ECD-51FC-41F1-AA8D-1B2483CD663E}</a:tableStyleId>
               </a:tblPr>
               <a:tblGrid>
-                <a:gridCol w="3162958">
+                <a:gridCol w="4568528">
+                  <a:extLst>
+                    <a:ext uri="{9D8B030D-6E8A-4147-A177-3AD203B41FA5}">
+                      <a16:colId xmlns:a16="http://schemas.microsoft.com/office/drawing/2014/main" val="737766301"/>
+                    </a:ext>
+                  </a:extLst>
+                </a:gridCol>
+                <a:gridCol w="2542886">
                   <a:extLst>
                     <a:ext uri="{9D8B030D-6E8A-4147-A177-3AD203B41FA5}">
                       <a16:colId xmlns:a16="http://schemas.microsoft.com/office/drawing/2014/main" val="1860060805"/>
                     </a:ext>
                   </a:extLst>
                 </a:gridCol>
-                <a:gridCol w="3162958">
-                  <a:extLst>
-                    <a:ext uri="{9D8B030D-6E8A-4147-A177-3AD203B41FA5}">
-                      <a16:colId xmlns:a16="http://schemas.microsoft.com/office/drawing/2014/main" val="2073761106"/>
-                    </a:ext>
-                  </a:extLst>
-                </a:gridCol>
               </a:tblGrid>
-              <a:tr h="577299">
+              <a:tr h="423938">
                 <a:tc>
                   <a:txBody>
                     <a:bodyPr/>
@@ -8277,15 +8237,15 @@
                     <a:p>
                       <a:pPr algn="ctr" fontAlgn="b"/>
                       <a:r>
-                        <a:rPr lang="en-US" sz="2400" b="0" u="none" strike="noStrike" dirty="0">
+                        <a:rPr lang="en-US" sz="1800" b="0" u="none" strike="noStrike" dirty="0">
                           <a:solidFill>
                             <a:schemeClr val="tx1"/>
                           </a:solidFill>
                           <a:effectLst/>
                         </a:rPr>
-                        <a:t>Feature Importance (%)</a:t>
+                        <a:t>Feature Name</a:t>
                       </a:r>
-                      <a:endParaRPr lang="en-US" sz="2400" b="0" i="0" u="none" strike="noStrike" dirty="0">
+                      <a:endParaRPr lang="en-US" sz="1800" b="0" i="0" u="none" strike="noStrike" dirty="0">
                         <a:solidFill>
                           <a:schemeClr val="tx1"/>
                         </a:solidFill>
@@ -8346,15 +8306,15 @@
                     <a:p>
                       <a:pPr algn="ctr" fontAlgn="b"/>
                       <a:r>
-                        <a:rPr lang="en-US" sz="2400" b="0" u="none" strike="noStrike" dirty="0">
+                        <a:rPr lang="en-US" sz="1800" b="0" u="none" strike="noStrike" dirty="0">
                           <a:solidFill>
                             <a:schemeClr val="tx1"/>
                           </a:solidFill>
                           <a:effectLst/>
                         </a:rPr>
-                        <a:t>Feature Name</a:t>
+                        <a:t>Feature Importance (%)</a:t>
                       </a:r>
-                      <a:endParaRPr lang="en-US" sz="2400" b="0" i="0" u="none" strike="noStrike" dirty="0">
+                      <a:endParaRPr lang="en-US" sz="1800" b="0" i="0" u="none" strike="noStrike" dirty="0">
                         <a:solidFill>
                           <a:schemeClr val="tx1"/>
                         </a:solidFill>
@@ -8414,7 +8374,7 @@
                   </a:ext>
                 </a:extLst>
               </a:tr>
-              <a:tr h="310744">
+              <a:tr h="352718">
                 <a:tc>
                   <a:txBody>
                     <a:bodyPr/>
@@ -8422,12 +8382,30 @@
                     <a:p>
                       <a:pPr algn="ctr" fontAlgn="b"/>
                       <a:r>
-                        <a:rPr lang="en-US" sz="2400" u="none" strike="noStrike">
+                        <a:rPr lang="en-US" sz="1800" b="0" i="0" kern="1200" dirty="0">
+                          <a:solidFill>
+                            <a:schemeClr val="tx1"/>
+                          </a:solidFill>
                           <a:effectLst/>
+                          <a:latin typeface="+mn-lt"/>
+                          <a:ea typeface="+mn-ea"/>
+                          <a:cs typeface="+mn-cs"/>
                         </a:rPr>
-                        <a:t>21.5352</a:t>
+                        <a:t>Chiller 5 Compressor Refrigerant Discharge Temperature (</a:t>
                       </a:r>
-                      <a:endParaRPr lang="en-US" sz="2400" b="0" i="0" u="none" strike="noStrike">
+                      <a:r>
+                        <a:rPr lang="en-US" sz="1800" b="0" i="0" kern="1200" dirty="0">
+                          <a:solidFill>
+                            <a:schemeClr val="tx1"/>
+                          </a:solidFill>
+                          <a:effectLst/>
+                          <a:latin typeface="Calibri" panose="020F0502020204030204" pitchFamily="34" charset="0"/>
+                          <a:ea typeface="+mn-ea"/>
+                          <a:cs typeface="Calibri" panose="020F0502020204030204" pitchFamily="34" charset="0"/>
+                        </a:rPr>
+                        <a:t>°F)</a:t>
+                      </a:r>
+                      <a:endParaRPr lang="en-US" sz="1800" b="0" i="0" u="none" strike="noStrike" dirty="0">
                         <a:solidFill>
                           <a:srgbClr val="000000"/>
                         </a:solidFill>
@@ -8436,7 +8414,7 @@
                       </a:endParaRPr>
                     </a:p>
                   </a:txBody>
-                  <a:tcPr marL="9525" marR="9525" marT="9525" marB="0" anchor="b">
+                  <a:tcPr marL="9525" marR="9525" marT="9525" marB="0" anchor="ctr">
                     <a:lnL w="12700" cap="flat" cmpd="sng" algn="ctr">
                       <a:solidFill>
                         <a:schemeClr val="tx1"/>
@@ -8473,6 +8451,7 @@
                       <a:headEnd type="none" w="med" len="med"/>
                       <a:tailEnd type="none" w="med" len="med"/>
                     </a:lnB>
+                    <a:noFill/>
                   </a:tcPr>
                 </a:tc>
                 <a:tc>
@@ -8482,12 +8461,12 @@
                     <a:p>
                       <a:pPr algn="ctr" fontAlgn="b"/>
                       <a:r>
-                        <a:rPr lang="en-US" sz="2400" u="none" strike="noStrike" dirty="0">
+                        <a:rPr lang="en-US" sz="1800" u="none" strike="noStrike" dirty="0">
                           <a:effectLst/>
                         </a:rPr>
-                        <a:t>CH5CondApproach</a:t>
+                        <a:t>100</a:t>
                       </a:r>
-                      <a:endParaRPr lang="en-US" sz="2400" b="0" i="0" u="none" strike="noStrike" dirty="0">
+                      <a:endParaRPr lang="en-US" sz="1800" b="0" i="0" u="none" strike="noStrike" dirty="0">
                         <a:solidFill>
                           <a:srgbClr val="000000"/>
                         </a:solidFill>
@@ -8496,7 +8475,7 @@
                       </a:endParaRPr>
                     </a:p>
                   </a:txBody>
-                  <a:tcPr marL="9525" marR="9525" marT="9525" marB="0" anchor="b">
+                  <a:tcPr marL="9525" marR="9525" marT="9525" marB="0" anchor="ctr">
                     <a:lnL w="12700" cap="flat" cmpd="sng" algn="ctr">
                       <a:solidFill>
                         <a:schemeClr val="tx1"/>
@@ -8533,15 +8512,16 @@
                       <a:headEnd type="none" w="med" len="med"/>
                       <a:tailEnd type="none" w="med" len="med"/>
                     </a:lnB>
+                    <a:noFill/>
                   </a:tcPr>
                 </a:tc>
                 <a:extLst>
                   <a:ext uri="{0D108BD9-81ED-4DB2-BD59-A6C34878D82A}">
-                    <a16:rowId xmlns:a16="http://schemas.microsoft.com/office/drawing/2014/main" val="2443151045"/>
+                    <a16:rowId xmlns:a16="http://schemas.microsoft.com/office/drawing/2014/main" val="2735494474"/>
                   </a:ext>
                 </a:extLst>
               </a:tr>
-              <a:tr h="310744">
+              <a:tr h="352718">
                 <a:tc>
                   <a:txBody>
                     <a:bodyPr/>
@@ -8549,12 +8529,18 @@
                     <a:p>
                       <a:pPr algn="ctr" fontAlgn="b"/>
                       <a:r>
-                        <a:rPr lang="en-US" sz="2400" u="none" strike="noStrike" dirty="0">
+                        <a:rPr lang="en-US" sz="1800" b="0" i="0" kern="1200" dirty="0">
+                          <a:solidFill>
+                            <a:schemeClr val="tx1"/>
+                          </a:solidFill>
                           <a:effectLst/>
+                          <a:latin typeface="+mn-lt"/>
+                          <a:ea typeface="+mn-ea"/>
+                          <a:cs typeface="+mn-cs"/>
                         </a:rPr>
-                        <a:t>33.44226</a:t>
+                        <a:t>Maximum Chiller Pressure Lift (psi)</a:t>
                       </a:r>
-                      <a:endParaRPr lang="en-US" sz="2400" b="0" i="0" u="none" strike="noStrike" dirty="0">
+                      <a:endParaRPr lang="en-US" sz="1800" b="0" i="0" u="none" strike="noStrike" dirty="0">
                         <a:solidFill>
                           <a:srgbClr val="000000"/>
                         </a:solidFill>
@@ -8563,7 +8549,7 @@
                       </a:endParaRPr>
                     </a:p>
                   </a:txBody>
-                  <a:tcPr marL="9525" marR="9525" marT="9525" marB="0" anchor="b">
+                  <a:tcPr marL="9525" marR="9525" marT="9525" marB="0" anchor="ctr">
                     <a:lnL w="12700" cap="flat" cmpd="sng" algn="ctr">
                       <a:solidFill>
                         <a:schemeClr val="tx1"/>
@@ -8600,6 +8586,7 @@
                       <a:headEnd type="none" w="med" len="med"/>
                       <a:tailEnd type="none" w="med" len="med"/>
                     </a:lnB>
+                    <a:noFill/>
                   </a:tcPr>
                 </a:tc>
                 <a:tc>
@@ -8609,12 +8596,12 @@
                     <a:p>
                       <a:pPr algn="ctr" fontAlgn="b"/>
                       <a:r>
-                        <a:rPr lang="en-US" sz="2400" u="none" strike="noStrike" dirty="0" err="1">
+                        <a:rPr lang="en-US" sz="1800" u="none" strike="noStrike" dirty="0">
                           <a:effectLst/>
                         </a:rPr>
-                        <a:t>MinCHDPLift</a:t>
+                        <a:t>48.52353</a:t>
                       </a:r>
-                      <a:endParaRPr lang="en-US" sz="2400" b="0" i="0" u="none" strike="noStrike" dirty="0">
+                      <a:endParaRPr lang="en-US" sz="1800" b="0" i="0" u="none" strike="noStrike" dirty="0">
                         <a:solidFill>
                           <a:srgbClr val="000000"/>
                         </a:solidFill>
@@ -8623,7 +8610,7 @@
                       </a:endParaRPr>
                     </a:p>
                   </a:txBody>
-                  <a:tcPr marL="9525" marR="9525" marT="9525" marB="0" anchor="b">
+                  <a:tcPr marL="9525" marR="9525" marT="9525" marB="0" anchor="ctr">
                     <a:lnL w="12700" cap="flat" cmpd="sng" algn="ctr">
                       <a:solidFill>
                         <a:schemeClr val="tx1"/>
@@ -8660,15 +8647,16 @@
                       <a:headEnd type="none" w="med" len="med"/>
                       <a:tailEnd type="none" w="med" len="med"/>
                     </a:lnB>
+                    <a:noFill/>
                   </a:tcPr>
                 </a:tc>
                 <a:extLst>
                   <a:ext uri="{0D108BD9-81ED-4DB2-BD59-A6C34878D82A}">
-                    <a16:rowId xmlns:a16="http://schemas.microsoft.com/office/drawing/2014/main" val="1416490207"/>
+                    <a16:rowId xmlns:a16="http://schemas.microsoft.com/office/drawing/2014/main" val="3005409795"/>
                   </a:ext>
                 </a:extLst>
               </a:tr>
-              <a:tr h="310744">
+              <a:tr h="352718">
                 <a:tc>
                   <a:txBody>
                     <a:bodyPr/>
@@ -8676,21 +8664,18 @@
                     <a:p>
                       <a:pPr algn="ctr" fontAlgn="b"/>
                       <a:r>
-                        <a:rPr lang="en-US" sz="2400" u="none" strike="noStrike" dirty="0">
+                        <a:rPr lang="en-US" sz="1800" b="0" i="0" u="none" strike="noStrike" dirty="0">
+                          <a:solidFill>
+                            <a:srgbClr val="000000"/>
+                          </a:solidFill>
                           <a:effectLst/>
+                          <a:latin typeface="Calibri" panose="020F0502020204030204" pitchFamily="34" charset="0"/>
                         </a:rPr>
-                        <a:t>48.52353</a:t>
+                        <a:t>Minimum Chiller Pressure Lift (psi)</a:t>
                       </a:r>
-                      <a:endParaRPr lang="en-US" sz="2400" b="0" i="0" u="none" strike="noStrike" dirty="0">
-                        <a:solidFill>
-                          <a:srgbClr val="000000"/>
-                        </a:solidFill>
-                        <a:effectLst/>
-                        <a:latin typeface="Calibri" panose="020F0502020204030204" pitchFamily="34" charset="0"/>
-                      </a:endParaRPr>
                     </a:p>
                   </a:txBody>
-                  <a:tcPr marL="9525" marR="9525" marT="9525" marB="0" anchor="b">
+                  <a:tcPr marL="9525" marR="9525" marT="9525" marB="0" anchor="ctr">
                     <a:lnL w="12700" cap="flat" cmpd="sng" algn="ctr">
                       <a:solidFill>
                         <a:schemeClr val="tx1"/>
@@ -8727,6 +8712,7 @@
                       <a:headEnd type="none" w="med" len="med"/>
                       <a:tailEnd type="none" w="med" len="med"/>
                     </a:lnB>
+                    <a:noFill/>
                   </a:tcPr>
                 </a:tc>
                 <a:tc>
@@ -8736,12 +8722,12 @@
                     <a:p>
                       <a:pPr algn="ctr" fontAlgn="b"/>
                       <a:r>
-                        <a:rPr lang="en-US" sz="2400" u="none" strike="noStrike" dirty="0" err="1">
+                        <a:rPr lang="en-US" sz="1800" u="none" strike="noStrike" dirty="0">
                           <a:effectLst/>
                         </a:rPr>
-                        <a:t>MaxCHDPLift</a:t>
+                        <a:t>33.44226</a:t>
                       </a:r>
-                      <a:endParaRPr lang="en-US" sz="2400" b="0" i="0" u="none" strike="noStrike" dirty="0">
+                      <a:endParaRPr lang="en-US" sz="1800" b="0" i="0" u="none" strike="noStrike" dirty="0">
                         <a:solidFill>
                           <a:srgbClr val="000000"/>
                         </a:solidFill>
@@ -8750,7 +8736,7 @@
                       </a:endParaRPr>
                     </a:p>
                   </a:txBody>
-                  <a:tcPr marL="9525" marR="9525" marT="9525" marB="0" anchor="b">
+                  <a:tcPr marL="9525" marR="9525" marT="9525" marB="0" anchor="ctr">
                     <a:lnL w="12700" cap="flat" cmpd="sng" algn="ctr">
                       <a:solidFill>
                         <a:schemeClr val="tx1"/>
@@ -8787,15 +8773,16 @@
                       <a:headEnd type="none" w="med" len="med"/>
                       <a:tailEnd type="none" w="med" len="med"/>
                     </a:lnB>
+                    <a:noFill/>
                   </a:tcPr>
                 </a:tc>
                 <a:extLst>
                   <a:ext uri="{0D108BD9-81ED-4DB2-BD59-A6C34878D82A}">
-                    <a16:rowId xmlns:a16="http://schemas.microsoft.com/office/drawing/2014/main" val="3790955640"/>
+                    <a16:rowId xmlns:a16="http://schemas.microsoft.com/office/drawing/2014/main" val="8765863"/>
                   </a:ext>
                 </a:extLst>
               </a:tr>
-              <a:tr h="310744">
+              <a:tr h="352718">
                 <a:tc>
                   <a:txBody>
                     <a:bodyPr/>
@@ -8803,12 +8790,30 @@
                     <a:p>
                       <a:pPr algn="ctr" fontAlgn="b"/>
                       <a:r>
-                        <a:rPr lang="en-US" sz="2400" u="none" strike="noStrike" dirty="0">
+                        <a:rPr lang="en-US" sz="1800" b="0" i="0" kern="1200" dirty="0">
+                          <a:solidFill>
+                            <a:schemeClr val="tx1"/>
+                          </a:solidFill>
                           <a:effectLst/>
+                          <a:latin typeface="+mn-lt"/>
+                          <a:ea typeface="+mn-ea"/>
+                          <a:cs typeface="+mn-cs"/>
                         </a:rPr>
-                        <a:t>100</a:t>
+                        <a:t> Chiller 5 Condenser Approach (</a:t>
                       </a:r>
-                      <a:endParaRPr lang="en-US" sz="2400" b="0" i="0" u="none" strike="noStrike" dirty="0">
+                      <a:r>
+                        <a:rPr lang="en-US" sz="1800" b="0" i="0" kern="1200" dirty="0">
+                          <a:solidFill>
+                            <a:schemeClr val="tx1"/>
+                          </a:solidFill>
+                          <a:effectLst/>
+                          <a:latin typeface="Calibri" panose="020F0502020204030204" pitchFamily="34" charset="0"/>
+                          <a:ea typeface="+mn-ea"/>
+                          <a:cs typeface="Calibri" panose="020F0502020204030204" pitchFamily="34" charset="0"/>
+                        </a:rPr>
+                        <a:t>°F)</a:t>
+                      </a:r>
+                      <a:endParaRPr lang="en-US" sz="1800" b="0" i="0" u="none" strike="noStrike" dirty="0">
                         <a:solidFill>
                           <a:srgbClr val="000000"/>
                         </a:solidFill>
@@ -8817,7 +8822,7 @@
                       </a:endParaRPr>
                     </a:p>
                   </a:txBody>
-                  <a:tcPr marL="9525" marR="9525" marT="9525" marB="0" anchor="b">
+                  <a:tcPr marL="9525" marR="9525" marT="9525" marB="0" anchor="ctr">
                     <a:lnL w="12700" cap="flat" cmpd="sng" algn="ctr">
                       <a:solidFill>
                         <a:schemeClr val="tx1"/>
@@ -8854,6 +8859,7 @@
                       <a:headEnd type="none" w="med" len="med"/>
                       <a:tailEnd type="none" w="med" len="med"/>
                     </a:lnB>
+                    <a:noFill/>
                   </a:tcPr>
                 </a:tc>
                 <a:tc>
@@ -8863,12 +8869,12 @@
                     <a:p>
                       <a:pPr algn="ctr" fontAlgn="b"/>
                       <a:r>
-                        <a:rPr lang="en-US" sz="2400" u="none" strike="noStrike" dirty="0">
+                        <a:rPr lang="en-US" sz="1800" u="none" strike="noStrike" dirty="0">
                           <a:effectLst/>
                         </a:rPr>
-                        <a:t>CH5DISTEMP</a:t>
+                        <a:t>21.5352</a:t>
                       </a:r>
-                      <a:endParaRPr lang="en-US" sz="2400" b="0" i="0" u="none" strike="noStrike" dirty="0">
+                      <a:endParaRPr lang="en-US" sz="1800" b="0" i="0" u="none" strike="noStrike" dirty="0">
                         <a:solidFill>
                           <a:srgbClr val="000000"/>
                         </a:solidFill>
@@ -8877,7 +8883,7 @@
                       </a:endParaRPr>
                     </a:p>
                   </a:txBody>
-                  <a:tcPr marL="9525" marR="9525" marT="9525" marB="0" anchor="b">
+                  <a:tcPr marL="9525" marR="9525" marT="9525" marB="0" anchor="ctr">
                     <a:lnL w="12700" cap="flat" cmpd="sng" algn="ctr">
                       <a:solidFill>
                         <a:schemeClr val="tx1"/>
@@ -8914,11 +8920,144 @@
                       <a:headEnd type="none" w="med" len="med"/>
                       <a:tailEnd type="none" w="med" len="med"/>
                     </a:lnB>
+                    <a:noFill/>
                   </a:tcPr>
                 </a:tc>
                 <a:extLst>
                   <a:ext uri="{0D108BD9-81ED-4DB2-BD59-A6C34878D82A}">
-                    <a16:rowId xmlns:a16="http://schemas.microsoft.com/office/drawing/2014/main" val="3407651096"/>
+                    <a16:rowId xmlns:a16="http://schemas.microsoft.com/office/drawing/2014/main" val="2443151045"/>
+                  </a:ext>
+                </a:extLst>
+              </a:tr>
+              <a:tr h="352718">
+                <a:tc>
+                  <a:txBody>
+                    <a:bodyPr/>
+                    <a:lstStyle/>
+                    <a:p>
+                      <a:pPr algn="ctr" fontAlgn="b"/>
+                      <a:r>
+                        <a:rPr lang="en-US" sz="1800" b="0" i="0" kern="1200" dirty="0">
+                          <a:solidFill>
+                            <a:schemeClr val="tx1"/>
+                          </a:solidFill>
+                          <a:effectLst/>
+                          <a:latin typeface="+mn-lt"/>
+                          <a:ea typeface="+mn-ea"/>
+                          <a:cs typeface="+mn-cs"/>
+                        </a:rPr>
+                        <a:t>Cooling Tower 5 Fan Speed (Hz)</a:t>
+                      </a:r>
+                      <a:endParaRPr lang="en-US" sz="1800" b="0" i="0" u="none" strike="noStrike" dirty="0">
+                        <a:solidFill>
+                          <a:srgbClr val="000000"/>
+                        </a:solidFill>
+                        <a:effectLst/>
+                        <a:latin typeface="Calibri" panose="020F0502020204030204" pitchFamily="34" charset="0"/>
+                      </a:endParaRPr>
+                    </a:p>
+                  </a:txBody>
+                  <a:tcPr marL="9525" marR="9525" marT="9525" marB="0" anchor="ctr">
+                    <a:lnL w="12700" cap="flat" cmpd="sng" algn="ctr">
+                      <a:solidFill>
+                        <a:schemeClr val="tx1"/>
+                      </a:solidFill>
+                      <a:prstDash val="solid"/>
+                      <a:round/>
+                      <a:headEnd type="none" w="med" len="med"/>
+                      <a:tailEnd type="none" w="med" len="med"/>
+                    </a:lnL>
+                    <a:lnR w="12700" cap="flat" cmpd="sng" algn="ctr">
+                      <a:solidFill>
+                        <a:schemeClr val="tx1"/>
+                      </a:solidFill>
+                      <a:prstDash val="solid"/>
+                      <a:round/>
+                      <a:headEnd type="none" w="med" len="med"/>
+                      <a:tailEnd type="none" w="med" len="med"/>
+                    </a:lnR>
+                    <a:lnT w="12700" cap="flat" cmpd="sng" algn="ctr">
+                      <a:solidFill>
+                        <a:schemeClr val="tx1"/>
+                      </a:solidFill>
+                      <a:prstDash val="solid"/>
+                      <a:round/>
+                      <a:headEnd type="none" w="med" len="med"/>
+                      <a:tailEnd type="none" w="med" len="med"/>
+                    </a:lnT>
+                    <a:lnB w="12700" cap="flat" cmpd="sng" algn="ctr">
+                      <a:solidFill>
+                        <a:schemeClr val="tx1"/>
+                      </a:solidFill>
+                      <a:prstDash val="solid"/>
+                      <a:round/>
+                      <a:headEnd type="none" w="med" len="med"/>
+                      <a:tailEnd type="none" w="med" len="med"/>
+                    </a:lnB>
+                    <a:noFill/>
+                  </a:tcPr>
+                </a:tc>
+                <a:tc>
+                  <a:txBody>
+                    <a:bodyPr/>
+                    <a:lstStyle/>
+                    <a:p>
+                      <a:pPr algn="ctr" fontAlgn="b"/>
+                      <a:r>
+                        <a:rPr lang="en-US" sz="1800" b="0" i="0" u="none" strike="noStrike" dirty="0">
+                          <a:solidFill>
+                            <a:srgbClr val="000000"/>
+                          </a:solidFill>
+                          <a:effectLst/>
+                          <a:latin typeface="Calibri" panose="020F0502020204030204" pitchFamily="34" charset="0"/>
+                        </a:rPr>
+                        <a:t>20.24397</a:t>
+                      </a:r>
+                    </a:p>
+                  </a:txBody>
+                  <a:tcPr marL="9525" marR="9525" marT="9525" marB="0" anchor="ctr">
+                    <a:lnL w="12700" cap="flat" cmpd="sng" algn="ctr">
+                      <a:solidFill>
+                        <a:schemeClr val="tx1"/>
+                      </a:solidFill>
+                      <a:prstDash val="solid"/>
+                      <a:round/>
+                      <a:headEnd type="none" w="med" len="med"/>
+                      <a:tailEnd type="none" w="med" len="med"/>
+                    </a:lnL>
+                    <a:lnR w="12700" cap="flat" cmpd="sng" algn="ctr">
+                      <a:solidFill>
+                        <a:schemeClr val="tx1"/>
+                      </a:solidFill>
+                      <a:prstDash val="solid"/>
+                      <a:round/>
+                      <a:headEnd type="none" w="med" len="med"/>
+                      <a:tailEnd type="none" w="med" len="med"/>
+                    </a:lnR>
+                    <a:lnT w="12700" cap="flat" cmpd="sng" algn="ctr">
+                      <a:solidFill>
+                        <a:schemeClr val="tx1"/>
+                      </a:solidFill>
+                      <a:prstDash val="solid"/>
+                      <a:round/>
+                      <a:headEnd type="none" w="med" len="med"/>
+                      <a:tailEnd type="none" w="med" len="med"/>
+                    </a:lnT>
+                    <a:lnB w="12700" cap="flat" cmpd="sng" algn="ctr">
+                      <a:solidFill>
+                        <a:schemeClr val="tx1"/>
+                      </a:solidFill>
+                      <a:prstDash val="solid"/>
+                      <a:round/>
+                      <a:headEnd type="none" w="med" len="med"/>
+                      <a:tailEnd type="none" w="med" len="med"/>
+                    </a:lnB>
+                    <a:noFill/>
+                  </a:tcPr>
+                </a:tc>
+                <a:extLst>
+                  <a:ext uri="{0D108BD9-81ED-4DB2-BD59-A6C34878D82A}">
+                    <a16:rowId xmlns:a16="http://schemas.microsoft.com/office/drawing/2014/main" val="3248020095"/>
                   </a:ext>
                 </a:extLst>
               </a:tr>
@@ -8926,6 +9065,1319 @@
           </a:graphicData>
         </a:graphic>
       </p:graphicFrame>
+      <p:sp>
+        <p:nvSpPr>
+          <p:cNvPr id="45" name="TextBox 44">
+            <a:extLst>
+              <a:ext uri="{FF2B5EF4-FFF2-40B4-BE49-F238E27FC236}">
+                <a16:creationId xmlns:a16="http://schemas.microsoft.com/office/drawing/2014/main" id="{8696F3AE-696C-480D-888F-DB0D805B4833}"/>
+              </a:ext>
+            </a:extLst>
+          </p:cNvPr>
+          <p:cNvSpPr txBox="1"/>
+          <p:nvPr/>
+        </p:nvSpPr>
+        <p:spPr>
+          <a:xfrm>
+            <a:off x="17025573" y="8474119"/>
+            <a:ext cx="13814645" cy="5509200"/>
+          </a:xfrm>
+          <a:prstGeom prst="rect">
+            <a:avLst/>
+          </a:prstGeom>
+          <a:noFill/>
+        </p:spPr>
+        <p:txBody>
+          <a:bodyPr wrap="square" rtlCol="0">
+            <a:spAutoFit/>
+          </a:bodyPr>
+          <a:lstStyle/>
+          <a:p>
+            <a:pPr algn="just"/>
+            <a:r>
+              <a:rPr lang="en-US" sz="3200" dirty="0"/>
+              <a:t>Gradient boosting machines (GBM) incorporate decision trees in an additive manner with a gradient descent procedure to minimize the chosen loss function. The decision trees are called weak learners because each tree is capped at a certain depth and does not adequately describe the model well. Subsequent trees are trained to reduce the loss in the direction of the gradient and are added to the model to improve the prediction of the model, while previous trees are left unchanged. Generally, a hyperparameter, like tree depth or the minimum samples for a split, are constrained to maintain weak learners but increase the ability to tune the model; in this work, the tree depth and the number of trees were constrained. In this work, the gradient boosting machines were implemented with the </a:t>
+            </a:r>
+            <a:r>
+              <a:rPr lang="en-US" sz="3200" i="1" dirty="0" err="1"/>
+              <a:t>scikit</a:t>
+            </a:r>
+            <a:r>
+              <a:rPr lang="en-US" sz="3200" i="1" dirty="0"/>
+              <a:t>-learn</a:t>
+            </a:r>
+            <a:r>
+              <a:rPr lang="en-US" sz="3200" dirty="0"/>
+              <a:t> package.</a:t>
+            </a:r>
+          </a:p>
+        </p:txBody>
+      </p:sp>
+      <p:sp>
+        <p:nvSpPr>
+          <p:cNvPr id="47" name="TextBox 46">
+            <a:extLst>
+              <a:ext uri="{FF2B5EF4-FFF2-40B4-BE49-F238E27FC236}">
+                <a16:creationId xmlns:a16="http://schemas.microsoft.com/office/drawing/2014/main" id="{F14E9B20-37B3-434A-9619-AD663A8B2CA5}"/>
+              </a:ext>
+            </a:extLst>
+          </p:cNvPr>
+          <p:cNvSpPr txBox="1"/>
+          <p:nvPr/>
+        </p:nvSpPr>
+        <p:spPr>
+          <a:xfrm>
+            <a:off x="31776352" y="17243961"/>
+            <a:ext cx="11258663" cy="3046988"/>
+          </a:xfrm>
+          <a:prstGeom prst="rect">
+            <a:avLst/>
+          </a:prstGeom>
+          <a:noFill/>
+        </p:spPr>
+        <p:txBody>
+          <a:bodyPr wrap="square" rtlCol="0">
+            <a:spAutoFit/>
+          </a:bodyPr>
+          <a:lstStyle/>
+          <a:p>
+            <a:pPr algn="just"/>
+            <a:r>
+              <a:rPr lang="en-US" sz="3200" dirty="0"/>
+              <a:t>For further exploration of the data, the model was trained on different seasons and then tested on the rest of the data. The transitional seasons, spring and fall, have the best testing results. These results were as expected as these seasons have more varied weather conditions, which make them better candidates for training the model.</a:t>
+            </a:r>
+          </a:p>
+        </p:txBody>
+      </p:sp>
+      <p:graphicFrame>
+        <p:nvGraphicFramePr>
+          <p:cNvPr id="48" name="Table 47">
+            <a:extLst>
+              <a:ext uri="{FF2B5EF4-FFF2-40B4-BE49-F238E27FC236}">
+                <a16:creationId xmlns:a16="http://schemas.microsoft.com/office/drawing/2014/main" id="{51F5DE42-AEE7-454D-95E6-DDD142518098}"/>
+              </a:ext>
+            </a:extLst>
+          </p:cNvPr>
+          <p:cNvGraphicFramePr>
+            <a:graphicFrameLocks noGrp="1"/>
+          </p:cNvGraphicFramePr>
+          <p:nvPr>
+            <p:extLst>
+              <p:ext uri="{D42A27DB-BD31-4B8C-83A1-F6EECF244321}">
+                <p14:modId xmlns:p14="http://schemas.microsoft.com/office/powerpoint/2010/main" val="29511852"/>
+              </p:ext>
+            </p:extLst>
+          </p:nvPr>
+        </p:nvGraphicFramePr>
+        <p:xfrm>
+          <a:off x="35228320" y="20231235"/>
+          <a:ext cx="4354731" cy="2645084"/>
+        </p:xfrm>
+        <a:graphic>
+          <a:graphicData uri="http://schemas.openxmlformats.org/drawingml/2006/table">
+            <a:tbl>
+              <a:tblPr firstRow="1" bandRow="1">
+                <a:tableStyleId>{69012ECD-51FC-41F1-AA8D-1B2483CD663E}</a:tableStyleId>
+              </a:tblPr>
+              <a:tblGrid>
+                <a:gridCol w="2322123">
+                  <a:extLst>
+                    <a:ext uri="{9D8B030D-6E8A-4147-A177-3AD203B41FA5}">
+                      <a16:colId xmlns:a16="http://schemas.microsoft.com/office/drawing/2014/main" val="737766301"/>
+                    </a:ext>
+                  </a:extLst>
+                </a:gridCol>
+                <a:gridCol w="2032608">
+                  <a:extLst>
+                    <a:ext uri="{9D8B030D-6E8A-4147-A177-3AD203B41FA5}">
+                      <a16:colId xmlns:a16="http://schemas.microsoft.com/office/drawing/2014/main" val="1860060805"/>
+                    </a:ext>
+                  </a:extLst>
+                </a:gridCol>
+              </a:tblGrid>
+              <a:tr h="414310">
+                <a:tc>
+                  <a:txBody>
+                    <a:bodyPr/>
+                    <a:lstStyle/>
+                    <a:p>
+                      <a:pPr algn="ctr" fontAlgn="b"/>
+                      <a:r>
+                        <a:rPr lang="en-US" sz="1800" b="0" i="0" u="none" strike="noStrike" dirty="0">
+                          <a:solidFill>
+                            <a:schemeClr val="tx1"/>
+                          </a:solidFill>
+                          <a:effectLst/>
+                          <a:latin typeface="Calibri" panose="020F0502020204030204" pitchFamily="34" charset="0"/>
+                        </a:rPr>
+                        <a:t>Season</a:t>
+                      </a:r>
+                    </a:p>
+                  </a:txBody>
+                  <a:tcPr marL="9525" marR="9525" marT="9525" marB="0" anchor="ctr">
+                    <a:lnL w="12700" cap="flat" cmpd="sng" algn="ctr">
+                      <a:solidFill>
+                        <a:schemeClr val="tx1"/>
+                      </a:solidFill>
+                      <a:prstDash val="solid"/>
+                      <a:round/>
+                      <a:headEnd type="none" w="med" len="med"/>
+                      <a:tailEnd type="none" w="med" len="med"/>
+                    </a:lnL>
+                    <a:lnR w="12700" cap="flat" cmpd="sng" algn="ctr">
+                      <a:solidFill>
+                        <a:schemeClr val="tx1"/>
+                      </a:solidFill>
+                      <a:prstDash val="solid"/>
+                      <a:round/>
+                      <a:headEnd type="none" w="med" len="med"/>
+                      <a:tailEnd type="none" w="med" len="med"/>
+                    </a:lnR>
+                    <a:lnT w="12700" cap="flat" cmpd="sng" algn="ctr">
+                      <a:solidFill>
+                        <a:schemeClr val="tx1"/>
+                      </a:solidFill>
+                      <a:prstDash val="solid"/>
+                      <a:round/>
+                      <a:headEnd type="none" w="med" len="med"/>
+                      <a:tailEnd type="none" w="med" len="med"/>
+                    </a:lnT>
+                    <a:lnB w="12700" cap="flat" cmpd="sng" algn="ctr">
+                      <a:solidFill>
+                        <a:schemeClr val="tx1"/>
+                      </a:solidFill>
+                      <a:prstDash val="solid"/>
+                      <a:round/>
+                      <a:headEnd type="none" w="med" len="med"/>
+                      <a:tailEnd type="none" w="med" len="med"/>
+                    </a:lnB>
+                    <a:solidFill>
+                      <a:schemeClr val="accent5">
+                        <a:lumMod val="40000"/>
+                        <a:lumOff val="60000"/>
+                      </a:schemeClr>
+                    </a:solidFill>
+                  </a:tcPr>
+                </a:tc>
+                <a:tc>
+                  <a:txBody>
+                    <a:bodyPr/>
+                    <a:lstStyle/>
+                    <a:p>
+                      <a:pPr algn="ctr" fontAlgn="b"/>
+                      <a:r>
+                        <a:rPr lang="en-US" sz="1800" b="0" i="0" u="none" strike="noStrike" dirty="0">
+                          <a:solidFill>
+                            <a:schemeClr val="tx1"/>
+                          </a:solidFill>
+                          <a:effectLst/>
+                          <a:latin typeface="Calibri" panose="020F0502020204030204" pitchFamily="34" charset="0"/>
+                        </a:rPr>
+                        <a:t>R</a:t>
+                      </a:r>
+                      <a:r>
+                        <a:rPr lang="en-US" sz="1800" b="0" i="0" u="none" strike="noStrike" baseline="30000" dirty="0">
+                          <a:solidFill>
+                            <a:schemeClr val="tx1"/>
+                          </a:solidFill>
+                          <a:effectLst/>
+                          <a:latin typeface="Calibri" panose="020F0502020204030204" pitchFamily="34" charset="0"/>
+                        </a:rPr>
+                        <a:t>2</a:t>
+                      </a:r>
+                      <a:r>
+                        <a:rPr lang="en-US" sz="1800" b="0" i="0" u="none" strike="noStrike" dirty="0">
+                          <a:solidFill>
+                            <a:schemeClr val="tx1"/>
+                          </a:solidFill>
+                          <a:effectLst/>
+                          <a:latin typeface="Calibri" panose="020F0502020204030204" pitchFamily="34" charset="0"/>
+                        </a:rPr>
+                        <a:t> value (%)</a:t>
+                      </a:r>
+                    </a:p>
+                  </a:txBody>
+                  <a:tcPr marL="9525" marR="9525" marT="9525" marB="0" anchor="ctr">
+                    <a:lnL w="12700" cap="flat" cmpd="sng" algn="ctr">
+                      <a:solidFill>
+                        <a:schemeClr val="tx1"/>
+                      </a:solidFill>
+                      <a:prstDash val="solid"/>
+                      <a:round/>
+                      <a:headEnd type="none" w="med" len="med"/>
+                      <a:tailEnd type="none" w="med" len="med"/>
+                    </a:lnL>
+                    <a:lnR w="12700" cap="flat" cmpd="sng" algn="ctr">
+                      <a:solidFill>
+                        <a:schemeClr val="tx1"/>
+                      </a:solidFill>
+                      <a:prstDash val="solid"/>
+                      <a:round/>
+                      <a:headEnd type="none" w="med" len="med"/>
+                      <a:tailEnd type="none" w="med" len="med"/>
+                    </a:lnR>
+                    <a:lnT w="12700" cap="flat" cmpd="sng" algn="ctr">
+                      <a:solidFill>
+                        <a:schemeClr val="tx1"/>
+                      </a:solidFill>
+                      <a:prstDash val="solid"/>
+                      <a:round/>
+                      <a:headEnd type="none" w="med" len="med"/>
+                      <a:tailEnd type="none" w="med" len="med"/>
+                    </a:lnT>
+                    <a:lnB w="12700" cap="flat" cmpd="sng" algn="ctr">
+                      <a:solidFill>
+                        <a:schemeClr val="tx1"/>
+                      </a:solidFill>
+                      <a:prstDash val="solid"/>
+                      <a:round/>
+                      <a:headEnd type="none" w="med" len="med"/>
+                      <a:tailEnd type="none" w="med" len="med"/>
+                    </a:lnB>
+                    <a:solidFill>
+                      <a:schemeClr val="accent5">
+                        <a:lumMod val="40000"/>
+                        <a:lumOff val="60000"/>
+                      </a:schemeClr>
+                    </a:solidFill>
+                  </a:tcPr>
+                </a:tc>
+                <a:extLst>
+                  <a:ext uri="{0D108BD9-81ED-4DB2-BD59-A6C34878D82A}">
+                    <a16:rowId xmlns:a16="http://schemas.microsoft.com/office/drawing/2014/main" val="2279473349"/>
+                  </a:ext>
+                </a:extLst>
+              </a:tr>
+              <a:tr h="379440">
+                <a:tc>
+                  <a:txBody>
+                    <a:bodyPr/>
+                    <a:lstStyle/>
+                    <a:p>
+                      <a:pPr algn="ctr" fontAlgn="b"/>
+                      <a:r>
+                        <a:rPr lang="en-US" sz="1800" b="0" i="0" u="none" strike="noStrike" kern="1200" dirty="0">
+                          <a:solidFill>
+                            <a:schemeClr val="tx1"/>
+                          </a:solidFill>
+                          <a:effectLst/>
+                          <a:latin typeface="+mn-lt"/>
+                          <a:ea typeface="+mn-ea"/>
+                          <a:cs typeface="+mn-cs"/>
+                        </a:rPr>
+                        <a:t>Winter 2016-17</a:t>
+                      </a:r>
+                      <a:endParaRPr lang="en-US" sz="1800" b="0" i="0" u="none" strike="noStrike" dirty="0">
+                        <a:solidFill>
+                          <a:srgbClr val="000000"/>
+                        </a:solidFill>
+                        <a:effectLst/>
+                        <a:latin typeface="Calibri" panose="020F0502020204030204" pitchFamily="34" charset="0"/>
+                      </a:endParaRPr>
+                    </a:p>
+                  </a:txBody>
+                  <a:tcPr marL="9525" marR="9525" marT="9525" marB="0" anchor="ctr">
+                    <a:lnL w="12700" cap="flat" cmpd="sng" algn="ctr">
+                      <a:solidFill>
+                        <a:schemeClr val="tx1"/>
+                      </a:solidFill>
+                      <a:prstDash val="solid"/>
+                      <a:round/>
+                      <a:headEnd type="none" w="med" len="med"/>
+                      <a:tailEnd type="none" w="med" len="med"/>
+                    </a:lnL>
+                    <a:lnR w="12700" cap="flat" cmpd="sng" algn="ctr">
+                      <a:solidFill>
+                        <a:schemeClr val="tx1"/>
+                      </a:solidFill>
+                      <a:prstDash val="solid"/>
+                      <a:round/>
+                      <a:headEnd type="none" w="med" len="med"/>
+                      <a:tailEnd type="none" w="med" len="med"/>
+                    </a:lnR>
+                    <a:lnT w="12700" cap="flat" cmpd="sng" algn="ctr">
+                      <a:solidFill>
+                        <a:schemeClr val="tx1"/>
+                      </a:solidFill>
+                      <a:prstDash val="solid"/>
+                      <a:round/>
+                      <a:headEnd type="none" w="med" len="med"/>
+                      <a:tailEnd type="none" w="med" len="med"/>
+                    </a:lnT>
+                    <a:lnB w="12700" cap="flat" cmpd="sng" algn="ctr">
+                      <a:solidFill>
+                        <a:schemeClr val="tx1"/>
+                      </a:solidFill>
+                      <a:prstDash val="solid"/>
+                      <a:round/>
+                      <a:headEnd type="none" w="med" len="med"/>
+                      <a:tailEnd type="none" w="med" len="med"/>
+                    </a:lnB>
+                    <a:noFill/>
+                  </a:tcPr>
+                </a:tc>
+                <a:tc>
+                  <a:txBody>
+                    <a:bodyPr/>
+                    <a:lstStyle/>
+                    <a:p>
+                      <a:pPr algn="ctr" fontAlgn="b"/>
+                      <a:r>
+                        <a:rPr lang="en-US" sz="1800" b="0" i="0" u="none" strike="noStrike" dirty="0">
+                          <a:solidFill>
+                            <a:srgbClr val="000000"/>
+                          </a:solidFill>
+                          <a:effectLst/>
+                          <a:latin typeface="Calibri" panose="020F0502020204030204" pitchFamily="34" charset="0"/>
+                        </a:rPr>
+                        <a:t>74</a:t>
+                      </a:r>
+                    </a:p>
+                  </a:txBody>
+                  <a:tcPr marL="9525" marR="9525" marT="9525" marB="0" anchor="ctr">
+                    <a:lnL w="12700" cap="flat" cmpd="sng" algn="ctr">
+                      <a:solidFill>
+                        <a:schemeClr val="tx1"/>
+                      </a:solidFill>
+                      <a:prstDash val="solid"/>
+                      <a:round/>
+                      <a:headEnd type="none" w="med" len="med"/>
+                      <a:tailEnd type="none" w="med" len="med"/>
+                    </a:lnL>
+                    <a:lnR w="12700" cap="flat" cmpd="sng" algn="ctr">
+                      <a:solidFill>
+                        <a:schemeClr val="tx1"/>
+                      </a:solidFill>
+                      <a:prstDash val="solid"/>
+                      <a:round/>
+                      <a:headEnd type="none" w="med" len="med"/>
+                      <a:tailEnd type="none" w="med" len="med"/>
+                    </a:lnR>
+                    <a:lnT w="12700" cap="flat" cmpd="sng" algn="ctr">
+                      <a:solidFill>
+                        <a:schemeClr val="tx1"/>
+                      </a:solidFill>
+                      <a:prstDash val="solid"/>
+                      <a:round/>
+                      <a:headEnd type="none" w="med" len="med"/>
+                      <a:tailEnd type="none" w="med" len="med"/>
+                    </a:lnT>
+                    <a:lnB w="12700" cap="flat" cmpd="sng" algn="ctr">
+                      <a:solidFill>
+                        <a:schemeClr val="tx1"/>
+                      </a:solidFill>
+                      <a:prstDash val="solid"/>
+                      <a:round/>
+                      <a:headEnd type="none" w="med" len="med"/>
+                      <a:tailEnd type="none" w="med" len="med"/>
+                    </a:lnB>
+                    <a:noFill/>
+                  </a:tcPr>
+                </a:tc>
+                <a:extLst>
+                  <a:ext uri="{0D108BD9-81ED-4DB2-BD59-A6C34878D82A}">
+                    <a16:rowId xmlns:a16="http://schemas.microsoft.com/office/drawing/2014/main" val="2735494474"/>
+                  </a:ext>
+                </a:extLst>
+              </a:tr>
+              <a:tr h="472502">
+                <a:tc>
+                  <a:txBody>
+                    <a:bodyPr/>
+                    <a:lstStyle/>
+                    <a:p>
+                      <a:pPr algn="ctr" fontAlgn="b"/>
+                      <a:r>
+                        <a:rPr lang="en-US" sz="1800" b="0" i="0" u="none" strike="noStrike" kern="1200" dirty="0">
+                          <a:solidFill>
+                            <a:schemeClr val="tx1"/>
+                          </a:solidFill>
+                          <a:effectLst/>
+                          <a:latin typeface="+mn-lt"/>
+                          <a:ea typeface="+mn-ea"/>
+                          <a:cs typeface="+mn-cs"/>
+                        </a:rPr>
+                        <a:t>Spring 2017</a:t>
+                      </a:r>
+                      <a:endParaRPr lang="en-US" sz="1800" b="0" i="0" u="none" strike="noStrike" dirty="0">
+                        <a:solidFill>
+                          <a:srgbClr val="000000"/>
+                        </a:solidFill>
+                        <a:effectLst/>
+                        <a:latin typeface="Calibri" panose="020F0502020204030204" pitchFamily="34" charset="0"/>
+                      </a:endParaRPr>
+                    </a:p>
+                  </a:txBody>
+                  <a:tcPr marL="9525" marR="9525" marT="9525" marB="0" anchor="ctr">
+                    <a:lnL w="12700" cap="flat" cmpd="sng" algn="ctr">
+                      <a:solidFill>
+                        <a:schemeClr val="tx1"/>
+                      </a:solidFill>
+                      <a:prstDash val="solid"/>
+                      <a:round/>
+                      <a:headEnd type="none" w="med" len="med"/>
+                      <a:tailEnd type="none" w="med" len="med"/>
+                    </a:lnL>
+                    <a:lnR w="12700" cap="flat" cmpd="sng" algn="ctr">
+                      <a:solidFill>
+                        <a:schemeClr val="tx1"/>
+                      </a:solidFill>
+                      <a:prstDash val="solid"/>
+                      <a:round/>
+                      <a:headEnd type="none" w="med" len="med"/>
+                      <a:tailEnd type="none" w="med" len="med"/>
+                    </a:lnR>
+                    <a:lnT w="12700" cap="flat" cmpd="sng" algn="ctr">
+                      <a:solidFill>
+                        <a:schemeClr val="tx1"/>
+                      </a:solidFill>
+                      <a:prstDash val="solid"/>
+                      <a:round/>
+                      <a:headEnd type="none" w="med" len="med"/>
+                      <a:tailEnd type="none" w="med" len="med"/>
+                    </a:lnT>
+                    <a:lnB w="12700" cap="flat" cmpd="sng" algn="ctr">
+                      <a:solidFill>
+                        <a:schemeClr val="tx1"/>
+                      </a:solidFill>
+                      <a:prstDash val="solid"/>
+                      <a:round/>
+                      <a:headEnd type="none" w="med" len="med"/>
+                      <a:tailEnd type="none" w="med" len="med"/>
+                    </a:lnB>
+                    <a:noFill/>
+                  </a:tcPr>
+                </a:tc>
+                <a:tc>
+                  <a:txBody>
+                    <a:bodyPr/>
+                    <a:lstStyle/>
+                    <a:p>
+                      <a:pPr algn="ctr" fontAlgn="b"/>
+                      <a:r>
+                        <a:rPr lang="en-US" sz="1800" b="0" i="0" u="none" strike="noStrike" dirty="0">
+                          <a:solidFill>
+                            <a:srgbClr val="000000"/>
+                          </a:solidFill>
+                          <a:effectLst/>
+                          <a:latin typeface="Calibri" panose="020F0502020204030204" pitchFamily="34" charset="0"/>
+                        </a:rPr>
+                        <a:t>76</a:t>
+                      </a:r>
+                    </a:p>
+                  </a:txBody>
+                  <a:tcPr marL="9525" marR="9525" marT="9525" marB="0" anchor="ctr">
+                    <a:lnL w="12700" cap="flat" cmpd="sng" algn="ctr">
+                      <a:solidFill>
+                        <a:schemeClr val="tx1"/>
+                      </a:solidFill>
+                      <a:prstDash val="solid"/>
+                      <a:round/>
+                      <a:headEnd type="none" w="med" len="med"/>
+                      <a:tailEnd type="none" w="med" len="med"/>
+                    </a:lnL>
+                    <a:lnR w="12700" cap="flat" cmpd="sng" algn="ctr">
+                      <a:solidFill>
+                        <a:schemeClr val="tx1"/>
+                      </a:solidFill>
+                      <a:prstDash val="solid"/>
+                      <a:round/>
+                      <a:headEnd type="none" w="med" len="med"/>
+                      <a:tailEnd type="none" w="med" len="med"/>
+                    </a:lnR>
+                    <a:lnT w="12700" cap="flat" cmpd="sng" algn="ctr">
+                      <a:solidFill>
+                        <a:schemeClr val="tx1"/>
+                      </a:solidFill>
+                      <a:prstDash val="solid"/>
+                      <a:round/>
+                      <a:headEnd type="none" w="med" len="med"/>
+                      <a:tailEnd type="none" w="med" len="med"/>
+                    </a:lnT>
+                    <a:lnB w="12700" cap="flat" cmpd="sng" algn="ctr">
+                      <a:solidFill>
+                        <a:schemeClr val="tx1"/>
+                      </a:solidFill>
+                      <a:prstDash val="solid"/>
+                      <a:round/>
+                      <a:headEnd type="none" w="med" len="med"/>
+                      <a:tailEnd type="none" w="med" len="med"/>
+                    </a:lnB>
+                    <a:noFill/>
+                  </a:tcPr>
+                </a:tc>
+                <a:extLst>
+                  <a:ext uri="{0D108BD9-81ED-4DB2-BD59-A6C34878D82A}">
+                    <a16:rowId xmlns:a16="http://schemas.microsoft.com/office/drawing/2014/main" val="3005409795"/>
+                  </a:ext>
+                </a:extLst>
+              </a:tr>
+              <a:tr h="344708">
+                <a:tc>
+                  <a:txBody>
+                    <a:bodyPr/>
+                    <a:lstStyle/>
+                    <a:p>
+                      <a:pPr algn="ctr" fontAlgn="b"/>
+                      <a:r>
+                        <a:rPr lang="en-US" sz="1800" b="0" i="0" u="none" strike="noStrike" dirty="0">
+                          <a:solidFill>
+                            <a:srgbClr val="000000"/>
+                          </a:solidFill>
+                          <a:effectLst/>
+                          <a:latin typeface="Calibri" panose="020F0502020204030204" pitchFamily="34" charset="0"/>
+                        </a:rPr>
+                        <a:t>Summer 2017</a:t>
+                      </a:r>
+                    </a:p>
+                  </a:txBody>
+                  <a:tcPr marL="9525" marR="9525" marT="9525" marB="0" anchor="ctr">
+                    <a:lnL w="12700" cap="flat" cmpd="sng" algn="ctr">
+                      <a:solidFill>
+                        <a:schemeClr val="tx1"/>
+                      </a:solidFill>
+                      <a:prstDash val="solid"/>
+                      <a:round/>
+                      <a:headEnd type="none" w="med" len="med"/>
+                      <a:tailEnd type="none" w="med" len="med"/>
+                    </a:lnL>
+                    <a:lnR w="12700" cap="flat" cmpd="sng" algn="ctr">
+                      <a:solidFill>
+                        <a:schemeClr val="tx1"/>
+                      </a:solidFill>
+                      <a:prstDash val="solid"/>
+                      <a:round/>
+                      <a:headEnd type="none" w="med" len="med"/>
+                      <a:tailEnd type="none" w="med" len="med"/>
+                    </a:lnR>
+                    <a:lnT w="12700" cap="flat" cmpd="sng" algn="ctr">
+                      <a:solidFill>
+                        <a:schemeClr val="tx1"/>
+                      </a:solidFill>
+                      <a:prstDash val="solid"/>
+                      <a:round/>
+                      <a:headEnd type="none" w="med" len="med"/>
+                      <a:tailEnd type="none" w="med" len="med"/>
+                    </a:lnT>
+                    <a:lnB w="12700" cap="flat" cmpd="sng" algn="ctr">
+                      <a:solidFill>
+                        <a:schemeClr val="tx1"/>
+                      </a:solidFill>
+                      <a:prstDash val="solid"/>
+                      <a:round/>
+                      <a:headEnd type="none" w="med" len="med"/>
+                      <a:tailEnd type="none" w="med" len="med"/>
+                    </a:lnB>
+                    <a:noFill/>
+                  </a:tcPr>
+                </a:tc>
+                <a:tc>
+                  <a:txBody>
+                    <a:bodyPr/>
+                    <a:lstStyle/>
+                    <a:p>
+                      <a:pPr algn="ctr" fontAlgn="b"/>
+                      <a:r>
+                        <a:rPr lang="en-US" sz="1800" b="0" i="0" u="none" strike="noStrike" dirty="0">
+                          <a:solidFill>
+                            <a:srgbClr val="000000"/>
+                          </a:solidFill>
+                          <a:effectLst/>
+                          <a:latin typeface="Calibri" panose="020F0502020204030204" pitchFamily="34" charset="0"/>
+                        </a:rPr>
+                        <a:t>60</a:t>
+                      </a:r>
+                    </a:p>
+                  </a:txBody>
+                  <a:tcPr marL="9525" marR="9525" marT="9525" marB="0" anchor="ctr">
+                    <a:lnL w="12700" cap="flat" cmpd="sng" algn="ctr">
+                      <a:solidFill>
+                        <a:schemeClr val="tx1"/>
+                      </a:solidFill>
+                      <a:prstDash val="solid"/>
+                      <a:round/>
+                      <a:headEnd type="none" w="med" len="med"/>
+                      <a:tailEnd type="none" w="med" len="med"/>
+                    </a:lnL>
+                    <a:lnR w="12700" cap="flat" cmpd="sng" algn="ctr">
+                      <a:solidFill>
+                        <a:schemeClr val="tx1"/>
+                      </a:solidFill>
+                      <a:prstDash val="solid"/>
+                      <a:round/>
+                      <a:headEnd type="none" w="med" len="med"/>
+                      <a:tailEnd type="none" w="med" len="med"/>
+                    </a:lnR>
+                    <a:lnT w="12700" cap="flat" cmpd="sng" algn="ctr">
+                      <a:solidFill>
+                        <a:schemeClr val="tx1"/>
+                      </a:solidFill>
+                      <a:prstDash val="solid"/>
+                      <a:round/>
+                      <a:headEnd type="none" w="med" len="med"/>
+                      <a:tailEnd type="none" w="med" len="med"/>
+                    </a:lnT>
+                    <a:lnB w="12700" cap="flat" cmpd="sng" algn="ctr">
+                      <a:solidFill>
+                        <a:schemeClr val="tx1"/>
+                      </a:solidFill>
+                      <a:prstDash val="solid"/>
+                      <a:round/>
+                      <a:headEnd type="none" w="med" len="med"/>
+                      <a:tailEnd type="none" w="med" len="med"/>
+                    </a:lnB>
+                    <a:noFill/>
+                  </a:tcPr>
+                </a:tc>
+                <a:extLst>
+                  <a:ext uri="{0D108BD9-81ED-4DB2-BD59-A6C34878D82A}">
+                    <a16:rowId xmlns:a16="http://schemas.microsoft.com/office/drawing/2014/main" val="8765863"/>
+                  </a:ext>
+                </a:extLst>
+              </a:tr>
+              <a:tr h="344708">
+                <a:tc>
+                  <a:txBody>
+                    <a:bodyPr/>
+                    <a:lstStyle/>
+                    <a:p>
+                      <a:pPr algn="ctr" fontAlgn="b"/>
+                      <a:r>
+                        <a:rPr lang="en-US" sz="1800" b="0" i="0" kern="1200" dirty="0">
+                          <a:solidFill>
+                            <a:schemeClr val="tx1"/>
+                          </a:solidFill>
+                          <a:effectLst/>
+                          <a:latin typeface="+mn-lt"/>
+                          <a:ea typeface="+mn-ea"/>
+                          <a:cs typeface="+mn-cs"/>
+                        </a:rPr>
+                        <a:t> Fall 2017</a:t>
+                      </a:r>
+                      <a:endParaRPr lang="en-US" sz="1800" b="0" i="0" u="none" strike="noStrike" dirty="0">
+                        <a:solidFill>
+                          <a:srgbClr val="000000"/>
+                        </a:solidFill>
+                        <a:effectLst/>
+                        <a:latin typeface="Calibri" panose="020F0502020204030204" pitchFamily="34" charset="0"/>
+                      </a:endParaRPr>
+                    </a:p>
+                  </a:txBody>
+                  <a:tcPr marL="9525" marR="9525" marT="9525" marB="0" anchor="ctr">
+                    <a:lnL w="12700" cap="flat" cmpd="sng" algn="ctr">
+                      <a:solidFill>
+                        <a:schemeClr val="tx1"/>
+                      </a:solidFill>
+                      <a:prstDash val="solid"/>
+                      <a:round/>
+                      <a:headEnd type="none" w="med" len="med"/>
+                      <a:tailEnd type="none" w="med" len="med"/>
+                    </a:lnL>
+                    <a:lnR w="12700" cap="flat" cmpd="sng" algn="ctr">
+                      <a:solidFill>
+                        <a:schemeClr val="tx1"/>
+                      </a:solidFill>
+                      <a:prstDash val="solid"/>
+                      <a:round/>
+                      <a:headEnd type="none" w="med" len="med"/>
+                      <a:tailEnd type="none" w="med" len="med"/>
+                    </a:lnR>
+                    <a:lnT w="12700" cap="flat" cmpd="sng" algn="ctr">
+                      <a:solidFill>
+                        <a:schemeClr val="tx1"/>
+                      </a:solidFill>
+                      <a:prstDash val="solid"/>
+                      <a:round/>
+                      <a:headEnd type="none" w="med" len="med"/>
+                      <a:tailEnd type="none" w="med" len="med"/>
+                    </a:lnT>
+                    <a:lnB w="12700" cap="flat" cmpd="sng" algn="ctr">
+                      <a:solidFill>
+                        <a:schemeClr val="tx1"/>
+                      </a:solidFill>
+                      <a:prstDash val="solid"/>
+                      <a:round/>
+                      <a:headEnd type="none" w="med" len="med"/>
+                      <a:tailEnd type="none" w="med" len="med"/>
+                    </a:lnB>
+                    <a:noFill/>
+                  </a:tcPr>
+                </a:tc>
+                <a:tc>
+                  <a:txBody>
+                    <a:bodyPr/>
+                    <a:lstStyle/>
+                    <a:p>
+                      <a:pPr algn="ctr" fontAlgn="b"/>
+                      <a:r>
+                        <a:rPr lang="en-US" sz="1800" b="0" i="0" u="none" strike="noStrike" dirty="0">
+                          <a:solidFill>
+                            <a:srgbClr val="000000"/>
+                          </a:solidFill>
+                          <a:effectLst/>
+                          <a:latin typeface="Calibri" panose="020F0502020204030204" pitchFamily="34" charset="0"/>
+                        </a:rPr>
+                        <a:t>81</a:t>
+                      </a:r>
+                    </a:p>
+                  </a:txBody>
+                  <a:tcPr marL="9525" marR="9525" marT="9525" marB="0" anchor="ctr">
+                    <a:lnL w="12700" cap="flat" cmpd="sng" algn="ctr">
+                      <a:solidFill>
+                        <a:schemeClr val="tx1"/>
+                      </a:solidFill>
+                      <a:prstDash val="solid"/>
+                      <a:round/>
+                      <a:headEnd type="none" w="med" len="med"/>
+                      <a:tailEnd type="none" w="med" len="med"/>
+                    </a:lnL>
+                    <a:lnR w="12700" cap="flat" cmpd="sng" algn="ctr">
+                      <a:solidFill>
+                        <a:schemeClr val="tx1"/>
+                      </a:solidFill>
+                      <a:prstDash val="solid"/>
+                      <a:round/>
+                      <a:headEnd type="none" w="med" len="med"/>
+                      <a:tailEnd type="none" w="med" len="med"/>
+                    </a:lnR>
+                    <a:lnT w="12700" cap="flat" cmpd="sng" algn="ctr">
+                      <a:solidFill>
+                        <a:schemeClr val="tx1"/>
+                      </a:solidFill>
+                      <a:prstDash val="solid"/>
+                      <a:round/>
+                      <a:headEnd type="none" w="med" len="med"/>
+                      <a:tailEnd type="none" w="med" len="med"/>
+                    </a:lnT>
+                    <a:lnB w="12700" cap="flat" cmpd="sng" algn="ctr">
+                      <a:solidFill>
+                        <a:schemeClr val="tx1"/>
+                      </a:solidFill>
+                      <a:prstDash val="solid"/>
+                      <a:round/>
+                      <a:headEnd type="none" w="med" len="med"/>
+                      <a:tailEnd type="none" w="med" len="med"/>
+                    </a:lnB>
+                    <a:noFill/>
+                  </a:tcPr>
+                </a:tc>
+                <a:extLst>
+                  <a:ext uri="{0D108BD9-81ED-4DB2-BD59-A6C34878D82A}">
+                    <a16:rowId xmlns:a16="http://schemas.microsoft.com/office/drawing/2014/main" val="2443151045"/>
+                  </a:ext>
+                </a:extLst>
+              </a:tr>
+              <a:tr h="344708">
+                <a:tc>
+                  <a:txBody>
+                    <a:bodyPr/>
+                    <a:lstStyle/>
+                    <a:p>
+                      <a:pPr algn="ctr" fontAlgn="b"/>
+                      <a:r>
+                        <a:rPr lang="en-US" sz="1800" b="0" i="0" kern="1200" dirty="0">
+                          <a:solidFill>
+                            <a:schemeClr val="tx1"/>
+                          </a:solidFill>
+                          <a:effectLst/>
+                          <a:latin typeface="+mn-lt"/>
+                          <a:ea typeface="+mn-ea"/>
+                          <a:cs typeface="+mn-cs"/>
+                        </a:rPr>
+                        <a:t>Winter 2017-18</a:t>
+                      </a:r>
+                      <a:endParaRPr lang="en-US" sz="1800" b="0" i="0" u="none" strike="noStrike" dirty="0">
+                        <a:solidFill>
+                          <a:srgbClr val="000000"/>
+                        </a:solidFill>
+                        <a:effectLst/>
+                        <a:latin typeface="Calibri" panose="020F0502020204030204" pitchFamily="34" charset="0"/>
+                      </a:endParaRPr>
+                    </a:p>
+                  </a:txBody>
+                  <a:tcPr marL="9525" marR="9525" marT="9525" marB="0" anchor="ctr">
+                    <a:lnL w="12700" cap="flat" cmpd="sng" algn="ctr">
+                      <a:solidFill>
+                        <a:schemeClr val="tx1"/>
+                      </a:solidFill>
+                      <a:prstDash val="solid"/>
+                      <a:round/>
+                      <a:headEnd type="none" w="med" len="med"/>
+                      <a:tailEnd type="none" w="med" len="med"/>
+                    </a:lnL>
+                    <a:lnR w="12700" cap="flat" cmpd="sng" algn="ctr">
+                      <a:solidFill>
+                        <a:schemeClr val="tx1"/>
+                      </a:solidFill>
+                      <a:prstDash val="solid"/>
+                      <a:round/>
+                      <a:headEnd type="none" w="med" len="med"/>
+                      <a:tailEnd type="none" w="med" len="med"/>
+                    </a:lnR>
+                    <a:lnT w="12700" cap="flat" cmpd="sng" algn="ctr">
+                      <a:solidFill>
+                        <a:schemeClr val="tx1"/>
+                      </a:solidFill>
+                      <a:prstDash val="solid"/>
+                      <a:round/>
+                      <a:headEnd type="none" w="med" len="med"/>
+                      <a:tailEnd type="none" w="med" len="med"/>
+                    </a:lnT>
+                    <a:lnB w="12700" cap="flat" cmpd="sng" algn="ctr">
+                      <a:solidFill>
+                        <a:schemeClr val="tx1"/>
+                      </a:solidFill>
+                      <a:prstDash val="solid"/>
+                      <a:round/>
+                      <a:headEnd type="none" w="med" len="med"/>
+                      <a:tailEnd type="none" w="med" len="med"/>
+                    </a:lnB>
+                    <a:noFill/>
+                  </a:tcPr>
+                </a:tc>
+                <a:tc>
+                  <a:txBody>
+                    <a:bodyPr/>
+                    <a:lstStyle/>
+                    <a:p>
+                      <a:pPr algn="ctr" fontAlgn="b"/>
+                      <a:r>
+                        <a:rPr lang="en-US" sz="1800" b="0" i="0" u="none" strike="noStrike" dirty="0">
+                          <a:solidFill>
+                            <a:srgbClr val="000000"/>
+                          </a:solidFill>
+                          <a:effectLst/>
+                          <a:latin typeface="Calibri" panose="020F0502020204030204" pitchFamily="34" charset="0"/>
+                        </a:rPr>
+                        <a:t>70</a:t>
+                      </a:r>
+                    </a:p>
+                  </a:txBody>
+                  <a:tcPr marL="9525" marR="9525" marT="9525" marB="0" anchor="ctr">
+                    <a:lnL w="12700" cap="flat" cmpd="sng" algn="ctr">
+                      <a:solidFill>
+                        <a:schemeClr val="tx1"/>
+                      </a:solidFill>
+                      <a:prstDash val="solid"/>
+                      <a:round/>
+                      <a:headEnd type="none" w="med" len="med"/>
+                      <a:tailEnd type="none" w="med" len="med"/>
+                    </a:lnL>
+                    <a:lnR w="12700" cap="flat" cmpd="sng" algn="ctr">
+                      <a:solidFill>
+                        <a:schemeClr val="tx1"/>
+                      </a:solidFill>
+                      <a:prstDash val="solid"/>
+                      <a:round/>
+                      <a:headEnd type="none" w="med" len="med"/>
+                      <a:tailEnd type="none" w="med" len="med"/>
+                    </a:lnR>
+                    <a:lnT w="12700" cap="flat" cmpd="sng" algn="ctr">
+                      <a:solidFill>
+                        <a:schemeClr val="tx1"/>
+                      </a:solidFill>
+                      <a:prstDash val="solid"/>
+                      <a:round/>
+                      <a:headEnd type="none" w="med" len="med"/>
+                      <a:tailEnd type="none" w="med" len="med"/>
+                    </a:lnT>
+                    <a:lnB w="12700" cap="flat" cmpd="sng" algn="ctr">
+                      <a:solidFill>
+                        <a:schemeClr val="tx1"/>
+                      </a:solidFill>
+                      <a:prstDash val="solid"/>
+                      <a:round/>
+                      <a:headEnd type="none" w="med" len="med"/>
+                      <a:tailEnd type="none" w="med" len="med"/>
+                    </a:lnB>
+                    <a:noFill/>
+                  </a:tcPr>
+                </a:tc>
+                <a:extLst>
+                  <a:ext uri="{0D108BD9-81ED-4DB2-BD59-A6C34878D82A}">
+                    <a16:rowId xmlns:a16="http://schemas.microsoft.com/office/drawing/2014/main" val="3248020095"/>
+                  </a:ext>
+                </a:extLst>
+              </a:tr>
+              <a:tr h="344708">
+                <a:tc>
+                  <a:txBody>
+                    <a:bodyPr/>
+                    <a:lstStyle/>
+                    <a:p>
+                      <a:pPr algn="ctr" fontAlgn="b"/>
+                      <a:r>
+                        <a:rPr lang="en-US" sz="1800" b="0" i="0" u="none" strike="noStrike" dirty="0">
+                          <a:solidFill>
+                            <a:srgbClr val="000000"/>
+                          </a:solidFill>
+                          <a:effectLst/>
+                          <a:latin typeface="Calibri" panose="020F0502020204030204" pitchFamily="34" charset="0"/>
+                        </a:rPr>
+                        <a:t>Spring 2018</a:t>
+                      </a:r>
+                    </a:p>
+                  </a:txBody>
+                  <a:tcPr marL="9525" marR="9525" marT="9525" marB="0" anchor="ctr">
+                    <a:lnL w="12700" cap="flat" cmpd="sng" algn="ctr">
+                      <a:solidFill>
+                        <a:schemeClr val="tx1"/>
+                      </a:solidFill>
+                      <a:prstDash val="solid"/>
+                      <a:round/>
+                      <a:headEnd type="none" w="med" len="med"/>
+                      <a:tailEnd type="none" w="med" len="med"/>
+                    </a:lnL>
+                    <a:lnR w="12700" cap="flat" cmpd="sng" algn="ctr">
+                      <a:solidFill>
+                        <a:schemeClr val="tx1"/>
+                      </a:solidFill>
+                      <a:prstDash val="solid"/>
+                      <a:round/>
+                      <a:headEnd type="none" w="med" len="med"/>
+                      <a:tailEnd type="none" w="med" len="med"/>
+                    </a:lnR>
+                    <a:lnT w="12700" cap="flat" cmpd="sng" algn="ctr">
+                      <a:solidFill>
+                        <a:schemeClr val="tx1"/>
+                      </a:solidFill>
+                      <a:prstDash val="solid"/>
+                      <a:round/>
+                      <a:headEnd type="none" w="med" len="med"/>
+                      <a:tailEnd type="none" w="med" len="med"/>
+                    </a:lnT>
+                    <a:lnB w="12700" cap="flat" cmpd="sng" algn="ctr">
+                      <a:solidFill>
+                        <a:schemeClr val="tx1"/>
+                      </a:solidFill>
+                      <a:prstDash val="solid"/>
+                      <a:round/>
+                      <a:headEnd type="none" w="med" len="med"/>
+                      <a:tailEnd type="none" w="med" len="med"/>
+                    </a:lnB>
+                    <a:noFill/>
+                  </a:tcPr>
+                </a:tc>
+                <a:tc>
+                  <a:txBody>
+                    <a:bodyPr/>
+                    <a:lstStyle/>
+                    <a:p>
+                      <a:pPr algn="ctr" fontAlgn="b"/>
+                      <a:r>
+                        <a:rPr lang="en-US" sz="1800" b="0" i="0" u="none" strike="noStrike" dirty="0">
+                          <a:solidFill>
+                            <a:srgbClr val="000000"/>
+                          </a:solidFill>
+                          <a:effectLst/>
+                          <a:latin typeface="Calibri" panose="020F0502020204030204" pitchFamily="34" charset="0"/>
+                        </a:rPr>
+                        <a:t>79</a:t>
+                      </a:r>
+                    </a:p>
+                  </a:txBody>
+                  <a:tcPr marL="9525" marR="9525" marT="9525" marB="0" anchor="ctr">
+                    <a:lnL w="12700" cap="flat" cmpd="sng" algn="ctr">
+                      <a:solidFill>
+                        <a:schemeClr val="tx1"/>
+                      </a:solidFill>
+                      <a:prstDash val="solid"/>
+                      <a:round/>
+                      <a:headEnd type="none" w="med" len="med"/>
+                      <a:tailEnd type="none" w="med" len="med"/>
+                    </a:lnL>
+                    <a:lnR w="12700" cap="flat" cmpd="sng" algn="ctr">
+                      <a:solidFill>
+                        <a:schemeClr val="tx1"/>
+                      </a:solidFill>
+                      <a:prstDash val="solid"/>
+                      <a:round/>
+                      <a:headEnd type="none" w="med" len="med"/>
+                      <a:tailEnd type="none" w="med" len="med"/>
+                    </a:lnR>
+                    <a:lnT w="12700" cap="flat" cmpd="sng" algn="ctr">
+                      <a:solidFill>
+                        <a:schemeClr val="tx1"/>
+                      </a:solidFill>
+                      <a:prstDash val="solid"/>
+                      <a:round/>
+                      <a:headEnd type="none" w="med" len="med"/>
+                      <a:tailEnd type="none" w="med" len="med"/>
+                    </a:lnT>
+                    <a:lnB w="12700" cap="flat" cmpd="sng" algn="ctr">
+                      <a:solidFill>
+                        <a:schemeClr val="tx1"/>
+                      </a:solidFill>
+                      <a:prstDash val="solid"/>
+                      <a:round/>
+                      <a:headEnd type="none" w="med" len="med"/>
+                      <a:tailEnd type="none" w="med" len="med"/>
+                    </a:lnB>
+                    <a:noFill/>
+                  </a:tcPr>
+                </a:tc>
+                <a:extLst>
+                  <a:ext uri="{0D108BD9-81ED-4DB2-BD59-A6C34878D82A}">
+                    <a16:rowId xmlns:a16="http://schemas.microsoft.com/office/drawing/2014/main" val="1244636947"/>
+                  </a:ext>
+                </a:extLst>
+              </a:tr>
+            </a:tbl>
+          </a:graphicData>
+        </a:graphic>
+      </p:graphicFrame>
+      <p:pic>
+        <p:nvPicPr>
+          <p:cNvPr id="15" name="Picture 14">
+            <a:extLst>
+              <a:ext uri="{FF2B5EF4-FFF2-40B4-BE49-F238E27FC236}">
+                <a16:creationId xmlns:a16="http://schemas.microsoft.com/office/drawing/2014/main" id="{C93A7ADA-84EE-4AF8-AAF4-78A37BA7BD81}"/>
+              </a:ext>
+            </a:extLst>
+          </p:cNvPr>
+          <p:cNvPicPr>
+            <a:picLocks noChangeAspect="1"/>
+          </p:cNvPicPr>
+          <p:nvPr/>
+        </p:nvPicPr>
+        <p:blipFill>
+          <a:blip r:embed="rId17">
+            <a:extLst>
+              <a:ext uri="{28A0092B-C50C-407E-A947-70E740481C1C}">
+                <a14:useLocalDpi xmlns:a14="http://schemas.microsoft.com/office/drawing/2010/main" val="0"/>
+              </a:ext>
+            </a:extLst>
+          </a:blip>
+          <a:stretch>
+            <a:fillRect/>
+          </a:stretch>
+        </p:blipFill>
+        <p:spPr>
+          <a:xfrm>
+            <a:off x="35693196" y="25372617"/>
+            <a:ext cx="2994580" cy="2203704"/>
+          </a:xfrm>
+          <a:prstGeom prst="rect">
+            <a:avLst/>
+          </a:prstGeom>
+        </p:spPr>
+      </p:pic>
+      <p:pic>
+        <p:nvPicPr>
+          <p:cNvPr id="17" name="Picture 16">
+            <a:extLst>
+              <a:ext uri="{FF2B5EF4-FFF2-40B4-BE49-F238E27FC236}">
+                <a16:creationId xmlns:a16="http://schemas.microsoft.com/office/drawing/2014/main" id="{35F76FE0-089D-4A7E-9049-5D8D2EEC152C}"/>
+              </a:ext>
+            </a:extLst>
+          </p:cNvPr>
+          <p:cNvPicPr>
+            <a:picLocks noChangeAspect="1"/>
+          </p:cNvPicPr>
+          <p:nvPr/>
+        </p:nvPicPr>
+        <p:blipFill>
+          <a:blip r:embed="rId18">
+            <a:extLst>
+              <a:ext uri="{28A0092B-C50C-407E-A947-70E740481C1C}">
+                <a14:useLocalDpi xmlns:a14="http://schemas.microsoft.com/office/drawing/2010/main" val="0"/>
+              </a:ext>
+            </a:extLst>
+          </a:blip>
+          <a:stretch>
+            <a:fillRect/>
+          </a:stretch>
+        </p:blipFill>
+        <p:spPr>
+          <a:xfrm>
+            <a:off x="32187537" y="25371442"/>
+            <a:ext cx="2990088" cy="2206054"/>
+          </a:xfrm>
+          <a:prstGeom prst="rect">
+            <a:avLst/>
+          </a:prstGeom>
+        </p:spPr>
+      </p:pic>
+      <p:pic>
+        <p:nvPicPr>
+          <p:cNvPr id="21" name="Picture 20">
+            <a:extLst>
+              <a:ext uri="{FF2B5EF4-FFF2-40B4-BE49-F238E27FC236}">
+                <a16:creationId xmlns:a16="http://schemas.microsoft.com/office/drawing/2014/main" id="{102C0056-EAD7-4919-9BFB-B7AEB2C91714}"/>
+              </a:ext>
+            </a:extLst>
+          </p:cNvPr>
+          <p:cNvPicPr>
+            <a:picLocks noChangeAspect="1"/>
+          </p:cNvPicPr>
+          <p:nvPr/>
+        </p:nvPicPr>
+        <p:blipFill>
+          <a:blip r:embed="rId19">
+            <a:extLst>
+              <a:ext uri="{28A0092B-C50C-407E-A947-70E740481C1C}">
+                <a14:useLocalDpi xmlns:a14="http://schemas.microsoft.com/office/drawing/2010/main" val="0"/>
+              </a:ext>
+            </a:extLst>
+          </a:blip>
+          <a:stretch>
+            <a:fillRect/>
+          </a:stretch>
+        </p:blipFill>
+        <p:spPr>
+          <a:xfrm>
+            <a:off x="35656806" y="23181772"/>
+            <a:ext cx="2974508" cy="2194560"/>
+          </a:xfrm>
+          <a:prstGeom prst="rect">
+            <a:avLst/>
+          </a:prstGeom>
+        </p:spPr>
+      </p:pic>
+      <p:pic>
+        <p:nvPicPr>
+          <p:cNvPr id="23" name="Picture 22">
+            <a:extLst>
+              <a:ext uri="{FF2B5EF4-FFF2-40B4-BE49-F238E27FC236}">
+                <a16:creationId xmlns:a16="http://schemas.microsoft.com/office/drawing/2014/main" id="{2FEED75C-7AA9-4B5C-AC52-16021A61558E}"/>
+              </a:ext>
+            </a:extLst>
+          </p:cNvPr>
+          <p:cNvPicPr>
+            <a:picLocks noChangeAspect="1"/>
+          </p:cNvPicPr>
+          <p:nvPr/>
+        </p:nvPicPr>
+        <p:blipFill>
+          <a:blip r:embed="rId20">
+            <a:extLst>
+              <a:ext uri="{28A0092B-C50C-407E-A947-70E740481C1C}">
+                <a14:useLocalDpi xmlns:a14="http://schemas.microsoft.com/office/drawing/2010/main" val="0"/>
+              </a:ext>
+            </a:extLst>
+          </a:blip>
+          <a:stretch>
+            <a:fillRect/>
+          </a:stretch>
+        </p:blipFill>
+        <p:spPr>
+          <a:xfrm>
+            <a:off x="32154581" y="23181772"/>
+            <a:ext cx="3012740" cy="2194560"/>
+          </a:xfrm>
+          <a:prstGeom prst="rect">
+            <a:avLst/>
+          </a:prstGeom>
+        </p:spPr>
+      </p:pic>
+      <p:sp>
+        <p:nvSpPr>
+          <p:cNvPr id="54" name="TextBox 53">
+            <a:extLst>
+              <a:ext uri="{FF2B5EF4-FFF2-40B4-BE49-F238E27FC236}">
+                <a16:creationId xmlns:a16="http://schemas.microsoft.com/office/drawing/2014/main" id="{5947D4F2-CE68-4C34-9685-A97504A0C9A5}"/>
+              </a:ext>
+            </a:extLst>
+          </p:cNvPr>
+          <p:cNvSpPr txBox="1"/>
+          <p:nvPr/>
+        </p:nvSpPr>
+        <p:spPr>
+          <a:xfrm>
+            <a:off x="25580225" y="17249624"/>
+            <a:ext cx="5773558" cy="10433625"/>
+          </a:xfrm>
+          <a:prstGeom prst="rect">
+            <a:avLst/>
+          </a:prstGeom>
+          <a:noFill/>
+        </p:spPr>
+        <p:txBody>
+          <a:bodyPr wrap="square" rtlCol="0">
+            <a:spAutoFit/>
+          </a:bodyPr>
+          <a:lstStyle/>
+          <a:p>
+            <a:pPr algn="just"/>
+            <a:r>
+              <a:rPr lang="en-US" sz="3200" dirty="0"/>
+              <a:t>Additionally, a list of normalized feature importance was made by calculating the number of times a split was made on a particular feature. This tells the user which features have the largest contribution to plant efficiency. From this work, Optimum Energy has been able to explore its data more effectively. This insight will allow for better collection for more representative data. For example, the parameters of a certain chiller continue to be in the top features due to its continuous use. More directed cycling of different machines will better sample their feature space and may lead to improved optimization results for efficiency in the future.</a:t>
+            </a:r>
+          </a:p>
+        </p:txBody>
+      </p:sp>
+      <p:pic>
+        <p:nvPicPr>
+          <p:cNvPr id="25" name="Picture 24">
+            <a:extLst>
+              <a:ext uri="{FF2B5EF4-FFF2-40B4-BE49-F238E27FC236}">
+                <a16:creationId xmlns:a16="http://schemas.microsoft.com/office/drawing/2014/main" id="{1DC0CD90-8537-4674-8FB8-C50B289F8B29}"/>
+              </a:ext>
+            </a:extLst>
+          </p:cNvPr>
+          <p:cNvPicPr>
+            <a:picLocks noChangeAspect="1"/>
+          </p:cNvPicPr>
+          <p:nvPr/>
+        </p:nvPicPr>
+        <p:blipFill>
+          <a:blip r:embed="rId21">
+            <a:extLst>
+              <a:ext uri="{28A0092B-C50C-407E-A947-70E740481C1C}">
+                <a14:useLocalDpi xmlns:a14="http://schemas.microsoft.com/office/drawing/2010/main" val="0"/>
+              </a:ext>
+            </a:extLst>
+          </a:blip>
+          <a:stretch>
+            <a:fillRect/>
+          </a:stretch>
+        </p:blipFill>
+        <p:spPr>
+          <a:xfrm>
+            <a:off x="39114032" y="23181772"/>
+            <a:ext cx="3012740" cy="2194560"/>
+          </a:xfrm>
+          <a:prstGeom prst="rect">
+            <a:avLst/>
+          </a:prstGeom>
+        </p:spPr>
+      </p:pic>
+      <p:pic>
+        <p:nvPicPr>
+          <p:cNvPr id="27" name="Picture 26">
+            <a:extLst>
+              <a:ext uri="{FF2B5EF4-FFF2-40B4-BE49-F238E27FC236}">
+                <a16:creationId xmlns:a16="http://schemas.microsoft.com/office/drawing/2014/main" id="{8D5369F2-8966-4A06-AF2C-DA9AFD0CFFCE}"/>
+              </a:ext>
+            </a:extLst>
+          </p:cNvPr>
+          <p:cNvPicPr>
+            <a:picLocks noChangeAspect="1"/>
+          </p:cNvPicPr>
+          <p:nvPr/>
+        </p:nvPicPr>
+        <p:blipFill>
+          <a:blip r:embed="rId22">
+            <a:extLst>
+              <a:ext uri="{28A0092B-C50C-407E-A947-70E740481C1C}">
+                <a14:useLocalDpi xmlns:a14="http://schemas.microsoft.com/office/drawing/2010/main" val="0"/>
+              </a:ext>
+            </a:extLst>
+          </a:blip>
+          <a:stretch>
+            <a:fillRect/>
+          </a:stretch>
+        </p:blipFill>
+        <p:spPr>
+          <a:xfrm>
+            <a:off x="39172229" y="25377189"/>
+            <a:ext cx="2974508" cy="2194560"/>
+          </a:xfrm>
+          <a:prstGeom prst="rect">
+            <a:avLst/>
+          </a:prstGeom>
+        </p:spPr>
+      </p:pic>
     </p:spTree>
     <p:extLst>
       <p:ext uri="{BB962C8B-B14F-4D97-AF65-F5344CB8AC3E}">

--- a/doc/Poster.pptx
+++ b/doc/Poster.pptx
@@ -6187,8 +6187,8 @@
         </p:nvSpPr>
         <p:spPr>
           <a:xfrm>
-            <a:off x="31353783" y="5682322"/>
-            <a:ext cx="12103805" cy="5660082"/>
+            <a:off x="37728939" y="4337132"/>
+            <a:ext cx="5728649" cy="9000154"/>
           </a:xfrm>
           <a:prstGeom prst="roundRect">
             <a:avLst/>
@@ -6224,13 +6224,6 @@
               <a:buChar char="•"/>
             </a:pPr>
             <a:endParaRPr lang="en-US" sz="3000" dirty="0"/>
-          </a:p>
-          <a:p>
-            <a:pPr marL="457128" indent="-457128" algn="just">
-              <a:buFont typeface="Arial" panose="020B0604020202020204" pitchFamily="34" charset="0"/>
-              <a:buChar char="•"/>
-            </a:pPr>
-            <a:endParaRPr lang="en-US" sz="3200" dirty="0"/>
           </a:p>
           <a:p>
             <a:pPr algn="just"/>
@@ -6338,8 +6331,8 @@
         </p:nvSpPr>
         <p:spPr>
           <a:xfrm>
-            <a:off x="16665125" y="4318378"/>
-            <a:ext cx="14466039" cy="10157617"/>
+            <a:off x="16665125" y="4318379"/>
+            <a:ext cx="20825275" cy="9018908"/>
           </a:xfrm>
           <a:prstGeom prst="roundRect">
             <a:avLst/>
@@ -6389,8 +6382,8 @@
         </p:nvSpPr>
         <p:spPr>
           <a:xfrm>
-            <a:off x="16717455" y="14762425"/>
-            <a:ext cx="26740133" cy="13123774"/>
+            <a:off x="16717455" y="13520907"/>
+            <a:ext cx="26740133" cy="14365292"/>
           </a:xfrm>
           <a:prstGeom prst="roundRect">
             <a:avLst/>
@@ -6440,8 +6433,8 @@
         </p:nvSpPr>
         <p:spPr>
           <a:xfrm>
-            <a:off x="240444" y="14762425"/>
-            <a:ext cx="16283851" cy="13123774"/>
+            <a:off x="240444" y="14648393"/>
+            <a:ext cx="16283851" cy="13237805"/>
           </a:xfrm>
           <a:prstGeom prst="roundRect">
             <a:avLst/>
@@ -6562,7 +6555,7 @@
         </p:nvSpPr>
         <p:spPr>
           <a:xfrm>
-            <a:off x="750187" y="16270340"/>
+            <a:off x="750187" y="16090683"/>
             <a:ext cx="6576930" cy="919401"/>
           </a:xfrm>
           <a:prstGeom prst="roundRect">
@@ -7058,7 +7051,7 @@
         </p:nvSpPr>
         <p:spPr>
           <a:xfrm>
-            <a:off x="4243126" y="14974809"/>
+            <a:off x="4243126" y="14795018"/>
             <a:ext cx="8196696" cy="1082850"/>
           </a:xfrm>
           <a:prstGeom prst="roundRect">
@@ -7180,7 +7173,7 @@
         </p:nvSpPr>
         <p:spPr>
           <a:xfrm>
-            <a:off x="25262871" y="14974809"/>
+            <a:off x="25262870" y="13724924"/>
             <a:ext cx="9649301" cy="1082850"/>
           </a:xfrm>
           <a:prstGeom prst="roundRect">
@@ -7372,7 +7365,7 @@
         </p:nvSpPr>
         <p:spPr>
           <a:xfrm>
-            <a:off x="17872031" y="4492505"/>
+            <a:off x="21053272" y="4492404"/>
             <a:ext cx="12121728" cy="1082850"/>
           </a:xfrm>
           <a:prstGeom prst="roundRect">
@@ -7433,8 +7426,8 @@
         </p:nvSpPr>
         <p:spPr>
           <a:xfrm>
-            <a:off x="33397619" y="5868735"/>
-            <a:ext cx="8016127" cy="1082850"/>
+            <a:off x="38119129" y="4498489"/>
+            <a:ext cx="4948267" cy="1082850"/>
           </a:xfrm>
           <a:prstGeom prst="roundRect">
             <a:avLst/>
@@ -7494,7 +7487,7 @@
         </p:nvSpPr>
         <p:spPr>
           <a:xfrm>
-            <a:off x="17143609" y="16330224"/>
+            <a:off x="17143609" y="14991879"/>
             <a:ext cx="14210174" cy="919401"/>
           </a:xfrm>
           <a:prstGeom prst="roundRect">
@@ -7537,7 +7530,7 @@
         </p:nvSpPr>
         <p:spPr>
           <a:xfrm>
-            <a:off x="31776353" y="16324560"/>
+            <a:off x="31607886" y="14991879"/>
             <a:ext cx="11258663" cy="919401"/>
           </a:xfrm>
           <a:prstGeom prst="roundRect">
@@ -7798,7 +7791,7 @@
         </p:nvSpPr>
         <p:spPr>
           <a:xfrm>
-            <a:off x="750187" y="17189741"/>
+            <a:off x="750187" y="17010084"/>
             <a:ext cx="6576930" cy="4095625"/>
           </a:xfrm>
           <a:prstGeom prst="rect">
@@ -7883,8 +7876,8 @@
         </p:blipFill>
         <p:spPr bwMode="auto">
           <a:xfrm>
-            <a:off x="17342895" y="5651833"/>
-            <a:ext cx="13110498" cy="2968989"/>
+            <a:off x="19235243" y="5834238"/>
+            <a:ext cx="15757785" cy="3568491"/>
           </a:xfrm>
           <a:prstGeom prst="rect">
             <a:avLst/>
@@ -7965,8 +7958,8 @@
         </p:blipFill>
         <p:spPr>
           <a:xfrm>
-            <a:off x="17143610" y="17578476"/>
-            <a:ext cx="8119263" cy="5990305"/>
+            <a:off x="16799244" y="16057659"/>
+            <a:ext cx="9045922" cy="6673984"/>
           </a:xfrm>
           <a:prstGeom prst="rect">
             <a:avLst/>
@@ -7990,7 +7983,7 @@
         </p:nvSpPr>
         <p:spPr>
           <a:xfrm>
-            <a:off x="17143609" y="23613032"/>
+            <a:off x="17143609" y="22876319"/>
             <a:ext cx="8119262" cy="1815882"/>
           </a:xfrm>
           <a:prstGeom prst="rect">
@@ -8198,14 +8191,14 @@
           <p:nvPr>
             <p:extLst>
               <p:ext uri="{D42A27DB-BD31-4B8C-83A1-F6EECF244321}">
-                <p14:modId xmlns:p14="http://schemas.microsoft.com/office/powerpoint/2010/main" val="2041335360"/>
+                <p14:modId xmlns:p14="http://schemas.microsoft.com/office/powerpoint/2010/main" val="3235081429"/>
               </p:ext>
             </p:extLst>
           </p:nvPr>
         </p:nvGraphicFramePr>
         <p:xfrm>
-          <a:off x="17965795" y="25087022"/>
-          <a:ext cx="7111414" cy="2392975"/>
+          <a:off x="17971925" y="24536312"/>
+          <a:ext cx="7608893" cy="2851073"/>
         </p:xfrm>
         <a:graphic>
           <a:graphicData uri="http://schemas.openxmlformats.org/drawingml/2006/table">
@@ -8214,14 +8207,14 @@
                 <a:tableStyleId>{69012ECD-51FC-41F1-AA8D-1B2483CD663E}</a:tableStyleId>
               </a:tblPr>
               <a:tblGrid>
-                <a:gridCol w="4568528">
+                <a:gridCol w="4888119">
                   <a:extLst>
                     <a:ext uri="{9D8B030D-6E8A-4147-A177-3AD203B41FA5}">
                       <a16:colId xmlns:a16="http://schemas.microsoft.com/office/drawing/2014/main" val="737766301"/>
                     </a:ext>
                   </a:extLst>
                 </a:gridCol>
-                <a:gridCol w="2542886">
+                <a:gridCol w="2720774">
                   <a:extLst>
                     <a:ext uri="{9D8B030D-6E8A-4147-A177-3AD203B41FA5}">
                       <a16:colId xmlns:a16="http://schemas.microsoft.com/office/drawing/2014/main" val="1860060805"/>
@@ -8229,7 +8222,7 @@
                   </a:extLst>
                 </a:gridCol>
               </a:tblGrid>
-              <a:tr h="423938">
+              <a:tr h="505095">
                 <a:tc>
                   <a:txBody>
                     <a:bodyPr/>
@@ -8374,7 +8367,7 @@
                   </a:ext>
                 </a:extLst>
               </a:tr>
-              <a:tr h="352718">
+              <a:tr h="665018">
                 <a:tc>
                   <a:txBody>
                     <a:bodyPr/>
@@ -8521,7 +8514,7 @@
                   </a:ext>
                 </a:extLst>
               </a:tr>
-              <a:tr h="352718">
+              <a:tr h="420240">
                 <a:tc>
                   <a:txBody>
                     <a:bodyPr/>
@@ -8656,7 +8649,7 @@
                   </a:ext>
                 </a:extLst>
               </a:tr>
-              <a:tr h="352718">
+              <a:tr h="420240">
                 <a:tc>
                   <a:txBody>
                     <a:bodyPr/>
@@ -8782,7 +8775,7 @@
                   </a:ext>
                 </a:extLst>
               </a:tr>
-              <a:tr h="352718">
+              <a:tr h="420240">
                 <a:tc>
                   <a:txBody>
                     <a:bodyPr/>
@@ -8929,7 +8922,7 @@
                   </a:ext>
                 </a:extLst>
               </a:tr>
-              <a:tr h="352718">
+              <a:tr h="420240">
                 <a:tc>
                   <a:txBody>
                     <a:bodyPr/>
@@ -9079,8 +9072,8 @@
         </p:nvSpPr>
         <p:spPr>
           <a:xfrm>
-            <a:off x="17025573" y="8474119"/>
-            <a:ext cx="13814645" cy="5509200"/>
+            <a:off x="16991052" y="9356227"/>
+            <a:ext cx="20246166" cy="3539430"/>
           </a:xfrm>
           <a:prstGeom prst="rect">
             <a:avLst/>
@@ -9127,7 +9120,7 @@
         </p:nvSpPr>
         <p:spPr>
           <a:xfrm>
-            <a:off x="31776352" y="17243961"/>
+            <a:off x="31561154" y="15892440"/>
             <a:ext cx="11258663" cy="3046988"/>
           </a:xfrm>
           <a:prstGeom prst="rect">
@@ -9164,13 +9157,13 @@
           <p:nvPr>
             <p:extLst>
               <p:ext uri="{D42A27DB-BD31-4B8C-83A1-F6EECF244321}">
-                <p14:modId xmlns:p14="http://schemas.microsoft.com/office/powerpoint/2010/main" val="29511852"/>
+                <p14:modId xmlns:p14="http://schemas.microsoft.com/office/powerpoint/2010/main" val="1363712623"/>
               </p:ext>
             </p:extLst>
           </p:nvPr>
         </p:nvGraphicFramePr>
         <p:xfrm>
-          <a:off x="35228320" y="20231235"/>
+          <a:off x="35059851" y="18959982"/>
           <a:ext cx="4354731" cy="2645084"/>
         </p:xfrm>
         <a:graphic>
@@ -10154,8 +10147,8 @@
         </p:blipFill>
         <p:spPr>
           <a:xfrm>
-            <a:off x="35693196" y="25372617"/>
-            <a:ext cx="2994580" cy="2203704"/>
+            <a:off x="35930577" y="24689391"/>
+            <a:ext cx="3305221" cy="2432304"/>
           </a:xfrm>
           <a:prstGeom prst="rect">
             <a:avLst/>
@@ -10190,8 +10183,8 @@
         </p:blipFill>
         <p:spPr>
           <a:xfrm>
-            <a:off x="32187537" y="25371442"/>
-            <a:ext cx="2990088" cy="2206054"/>
+            <a:off x="32048023" y="24729756"/>
+            <a:ext cx="3296747" cy="2432304"/>
           </a:xfrm>
           <a:prstGeom prst="rect">
             <a:avLst/>
@@ -10226,8 +10219,8 @@
         </p:blipFill>
         <p:spPr>
           <a:xfrm>
-            <a:off x="35656806" y="23181772"/>
-            <a:ext cx="2974508" cy="2194560"/>
+            <a:off x="35811576" y="21869450"/>
+            <a:ext cx="3296746" cy="2432304"/>
           </a:xfrm>
           <a:prstGeom prst="rect">
             <a:avLst/>
@@ -10262,8 +10255,8 @@
         </p:blipFill>
         <p:spPr>
           <a:xfrm>
-            <a:off x="32154581" y="23181772"/>
-            <a:ext cx="3012740" cy="2194560"/>
+            <a:off x="32048023" y="21903094"/>
+            <a:ext cx="3344447" cy="2436184"/>
           </a:xfrm>
           <a:prstGeom prst="rect">
             <a:avLst/>
@@ -10284,8 +10277,8 @@
         </p:nvSpPr>
         <p:spPr>
           <a:xfrm>
-            <a:off x="25580225" y="17249624"/>
-            <a:ext cx="5773558" cy="10433625"/>
+            <a:off x="26027222" y="15919436"/>
+            <a:ext cx="5322874" cy="11418510"/>
           </a:xfrm>
           <a:prstGeom prst="rect">
             <a:avLst/>
@@ -10334,8 +10327,8 @@
         </p:blipFill>
         <p:spPr>
           <a:xfrm>
-            <a:off x="39114032" y="23181772"/>
-            <a:ext cx="3012740" cy="2194560"/>
+            <a:off x="39527429" y="21892889"/>
+            <a:ext cx="3339120" cy="2432304"/>
           </a:xfrm>
           <a:prstGeom prst="rect">
             <a:avLst/>
@@ -10370,8 +10363,8 @@
         </p:blipFill>
         <p:spPr>
           <a:xfrm>
-            <a:off x="39172229" y="25377189"/>
-            <a:ext cx="2974508" cy="2194560"/>
+            <a:off x="39523071" y="24689391"/>
+            <a:ext cx="3296746" cy="2432304"/>
           </a:xfrm>
           <a:prstGeom prst="rect">
             <a:avLst/>
